--- a/presentation/kcore-kdense.pptx
+++ b/presentation/kcore-kdense.pptx
@@ -2,7 +2,7 @@
 <file path=ppt/presentation.xml><?xml version="1.0" encoding="utf-8"?>
 <p:presentation xmlns:a="http://schemas.openxmlformats.org/drawingml/2006/main" xmlns:r="http://schemas.openxmlformats.org/officeDocument/2006/relationships" xmlns:p="http://schemas.openxmlformats.org/presentationml/2006/main" saveSubsetFonts="1" autoCompressPictures="0">
   <p:sldMasterIdLst>
-    <p:sldMasterId id="2147483648" r:id="rId1"/>
+    <p:sldMasterId id="2147483824" r:id="rId1"/>
   </p:sldMasterIdLst>
   <p:sldIdLst>
     <p:sldId id="256" r:id="rId2"/>
@@ -228,11 +228,11 @@
           <c:showBubbleSize val="0"/>
         </c:dLbls>
         <c:gapWidth val="150"/>
-        <c:axId val="2089355976"/>
-        <c:axId val="2089358984"/>
+        <c:axId val="2069301944"/>
+        <c:axId val="2070682264"/>
       </c:barChart>
       <c:catAx>
-        <c:axId val="2089355976"/>
+        <c:axId val="2069301944"/>
         <c:scaling>
           <c:orientation val="minMax"/>
         </c:scaling>
@@ -242,7 +242,7 @@
         <c:majorTickMark val="out"/>
         <c:minorTickMark val="none"/>
         <c:tickLblPos val="nextTo"/>
-        <c:crossAx val="2089358984"/>
+        <c:crossAx val="2070682264"/>
         <c:crosses val="autoZero"/>
         <c:auto val="1"/>
         <c:lblAlgn val="ctr"/>
@@ -250,7 +250,7 @@
         <c:noMultiLvlLbl val="0"/>
       </c:catAx>
       <c:valAx>
-        <c:axId val="2089358984"/>
+        <c:axId val="2070682264"/>
         <c:scaling>
           <c:orientation val="minMax"/>
         </c:scaling>
@@ -261,7 +261,7 @@
         <c:majorTickMark val="out"/>
         <c:minorTickMark val="none"/>
         <c:tickLblPos val="nextTo"/>
-        <c:crossAx val="2089355976"/>
+        <c:crossAx val="2069301944"/>
         <c:crosses val="autoZero"/>
         <c:crossBetween val="between"/>
       </c:valAx>
@@ -817,11 +817,11 @@
           <c:showBubbleSize val="0"/>
         </c:dLbls>
         <c:gapWidth val="150"/>
-        <c:axId val="2107520584"/>
-        <c:axId val="2107523720"/>
+        <c:axId val="2077395384"/>
+        <c:axId val="2077401096"/>
       </c:barChart>
       <c:catAx>
-        <c:axId val="2107520584"/>
+        <c:axId val="2077395384"/>
         <c:scaling>
           <c:orientation val="minMax"/>
         </c:scaling>
@@ -856,7 +856,7 @@
         <c:majorTickMark val="out"/>
         <c:minorTickMark val="none"/>
         <c:tickLblPos val="nextTo"/>
-        <c:crossAx val="2107523720"/>
+        <c:crossAx val="2077401096"/>
         <c:crosses val="autoZero"/>
         <c:auto val="1"/>
         <c:lblAlgn val="ctr"/>
@@ -864,7 +864,7 @@
         <c:noMultiLvlLbl val="0"/>
       </c:catAx>
       <c:valAx>
-        <c:axId val="2107523720"/>
+        <c:axId val="2077401096"/>
         <c:scaling>
           <c:orientation val="minMax"/>
         </c:scaling>
@@ -875,7 +875,7 @@
         <c:majorTickMark val="out"/>
         <c:minorTickMark val="none"/>
         <c:tickLblPos val="nextTo"/>
-        <c:crossAx val="2107520584"/>
+        <c:crossAx val="2077395384"/>
         <c:crosses val="autoZero"/>
         <c:crossBetween val="between"/>
       </c:valAx>
@@ -916,10 +916,10 @@
           <a:lstStyle/>
           <a:p>
             <a:pPr>
-              <a:defRPr sz="2400"/>
+              <a:defRPr sz="1800"/>
             </a:pPr>
             <a:r>
-              <a:rPr lang="en-US" sz="2400"/>
+              <a:rPr lang="en-US" sz="1800"/>
               <a:t>2012</a:t>
             </a:r>
           </a:p>
@@ -1203,6 +1203,13 @@
           <c:tx>
             <c:v>kdense</c:v>
           </c:tx>
+          <c:spPr>
+            <a:ln w="12700">
+              <a:solidFill>
+                <a:srgbClr val="1C996F"/>
+              </a:solidFill>
+            </a:ln>
+          </c:spPr>
           <c:marker>
             <c:symbol val="none"/>
           </c:marker>
@@ -1467,11 +1474,11 @@
         </c:dLbls>
         <c:marker val="1"/>
         <c:smooth val="0"/>
-        <c:axId val="2101295864"/>
-        <c:axId val="2110203576"/>
+        <c:axId val="2069692440"/>
+        <c:axId val="2069696056"/>
       </c:lineChart>
       <c:catAx>
-        <c:axId val="2101295864"/>
+        <c:axId val="2069692440"/>
         <c:scaling>
           <c:orientation val="minMax"/>
         </c:scaling>
@@ -1480,7 +1487,7 @@
         <c:majorTickMark val="out"/>
         <c:minorTickMark val="none"/>
         <c:tickLblPos val="nextTo"/>
-        <c:crossAx val="2110203576"/>
+        <c:crossAx val="2069696056"/>
         <c:crosses val="autoZero"/>
         <c:auto val="1"/>
         <c:lblAlgn val="ctr"/>
@@ -1489,7 +1496,7 @@
         <c:noMultiLvlLbl val="0"/>
       </c:catAx>
       <c:valAx>
-        <c:axId val="2110203576"/>
+        <c:axId val="2069696056"/>
         <c:scaling>
           <c:orientation val="minMax"/>
         </c:scaling>
@@ -1500,24 +1507,41 @@
         <c:majorTickMark val="out"/>
         <c:minorTickMark val="none"/>
         <c:tickLblPos val="nextTo"/>
-        <c:crossAx val="2101295864"/>
+        <c:crossAx val="2069692440"/>
         <c:crosses val="autoZero"/>
         <c:crossBetween val="between"/>
       </c:valAx>
     </c:plotArea>
     <c:legend>
       <c:legendPos val="r"/>
-      <c:layout>
-        <c:manualLayout>
-          <c:xMode val="edge"/>
-          <c:yMode val="edge"/>
-          <c:x val="0.857225940507437"/>
-          <c:y val="0.48402201337736"/>
-          <c:w val="0.124739829396325"/>
-          <c:h val="0.117547371094742"/>
-        </c:manualLayout>
-      </c:layout>
-      <c:overlay val="1"/>
+      <c:legendEntry>
+        <c:idx val="0"/>
+        <c:txPr>
+          <a:bodyPr/>
+          <a:lstStyle/>
+          <a:p>
+            <a:pPr>
+              <a:defRPr sz="1000"/>
+            </a:pPr>
+            <a:endParaRPr lang="en-US"/>
+          </a:p>
+        </c:txPr>
+      </c:legendEntry>
+      <c:legendEntry>
+        <c:idx val="1"/>
+        <c:txPr>
+          <a:bodyPr/>
+          <a:lstStyle/>
+          <a:p>
+            <a:pPr>
+              <a:defRPr sz="1000"/>
+            </a:pPr>
+            <a:endParaRPr lang="en-US"/>
+          </a:p>
+        </c:txPr>
+      </c:legendEntry>
+      <c:layout/>
+      <c:overlay val="0"/>
       <c:txPr>
         <a:bodyPr/>
         <a:lstStyle/>
@@ -1686,11 +1710,11 @@
           <c:showBubbleSize val="0"/>
         </c:dLbls>
         <c:gapWidth val="150"/>
-        <c:axId val="2112643000"/>
-        <c:axId val="2109369656"/>
+        <c:axId val="2072277960"/>
+        <c:axId val="2065354968"/>
       </c:barChart>
       <c:catAx>
-        <c:axId val="2112643000"/>
+        <c:axId val="2072277960"/>
         <c:scaling>
           <c:orientation val="minMax"/>
         </c:scaling>
@@ -1699,7 +1723,7 @@
         <c:majorTickMark val="out"/>
         <c:minorTickMark val="none"/>
         <c:tickLblPos val="nextTo"/>
-        <c:crossAx val="2109369656"/>
+        <c:crossAx val="2065354968"/>
         <c:crosses val="autoZero"/>
         <c:auto val="1"/>
         <c:lblAlgn val="ctr"/>
@@ -1707,7 +1731,7 @@
         <c:noMultiLvlLbl val="0"/>
       </c:catAx>
       <c:valAx>
-        <c:axId val="2109369656"/>
+        <c:axId val="2065354968"/>
         <c:scaling>
           <c:orientation val="minMax"/>
         </c:scaling>
@@ -1718,7 +1742,7 @@
         <c:majorTickMark val="out"/>
         <c:minorTickMark val="none"/>
         <c:tickLblPos val="nextTo"/>
-        <c:crossAx val="2112643000"/>
+        <c:crossAx val="2072277960"/>
         <c:crosses val="autoZero"/>
         <c:crossBetween val="between"/>
       </c:valAx>
@@ -1827,11 +1851,11 @@
           <c:showBubbleSize val="0"/>
         </c:dLbls>
         <c:gapWidth val="150"/>
-        <c:axId val="2111946616"/>
-        <c:axId val="2108889960"/>
+        <c:axId val="2065378264"/>
+        <c:axId val="2065371544"/>
       </c:barChart>
       <c:catAx>
-        <c:axId val="2111946616"/>
+        <c:axId val="2065378264"/>
         <c:scaling>
           <c:orientation val="minMax"/>
         </c:scaling>
@@ -1840,7 +1864,7 @@
         <c:majorTickMark val="out"/>
         <c:minorTickMark val="none"/>
         <c:tickLblPos val="nextTo"/>
-        <c:crossAx val="2108889960"/>
+        <c:crossAx val="2065371544"/>
         <c:crosses val="autoZero"/>
         <c:auto val="1"/>
         <c:lblAlgn val="ctr"/>
@@ -1848,7 +1872,7 @@
         <c:noMultiLvlLbl val="0"/>
       </c:catAx>
       <c:valAx>
-        <c:axId val="2108889960"/>
+        <c:axId val="2065371544"/>
         <c:scaling>
           <c:orientation val="minMax"/>
         </c:scaling>
@@ -1859,7 +1883,7 @@
         <c:majorTickMark val="out"/>
         <c:minorTickMark val="none"/>
         <c:tickLblPos val="nextTo"/>
-        <c:crossAx val="2111946616"/>
+        <c:crossAx val="2065378264"/>
         <c:crosses val="autoZero"/>
         <c:crossBetween val="between"/>
       </c:valAx>
@@ -2027,11 +2051,11 @@
           <c:showBubbleSize val="0"/>
         </c:dLbls>
         <c:gapWidth val="150"/>
-        <c:axId val="2122701240"/>
-        <c:axId val="2125598120"/>
+        <c:axId val="2070273352"/>
+        <c:axId val="2070244632"/>
       </c:barChart>
       <c:catAx>
-        <c:axId val="2122701240"/>
+        <c:axId val="2070273352"/>
         <c:scaling>
           <c:orientation val="minMax"/>
         </c:scaling>
@@ -2040,7 +2064,7 @@
         <c:majorTickMark val="out"/>
         <c:minorTickMark val="none"/>
         <c:tickLblPos val="nextTo"/>
-        <c:crossAx val="2125598120"/>
+        <c:crossAx val="2070244632"/>
         <c:crosses val="autoZero"/>
         <c:auto val="1"/>
         <c:lblAlgn val="ctr"/>
@@ -2048,7 +2072,7 @@
         <c:noMultiLvlLbl val="0"/>
       </c:catAx>
       <c:valAx>
-        <c:axId val="2125598120"/>
+        <c:axId val="2070244632"/>
         <c:scaling>
           <c:orientation val="minMax"/>
         </c:scaling>
@@ -2059,7 +2083,7 @@
         <c:majorTickMark val="out"/>
         <c:minorTickMark val="none"/>
         <c:tickLblPos val="nextTo"/>
-        <c:crossAx val="2122701240"/>
+        <c:crossAx val="2070273352"/>
         <c:crosses val="autoZero"/>
         <c:crossBetween val="between"/>
       </c:valAx>
@@ -2227,11 +2251,11 @@
           <c:showBubbleSize val="0"/>
         </c:dLbls>
         <c:gapWidth val="150"/>
-        <c:axId val="2123301032"/>
-        <c:axId val="2123303832"/>
+        <c:axId val="2070351992"/>
+        <c:axId val="2070441208"/>
       </c:barChart>
       <c:catAx>
-        <c:axId val="2123301032"/>
+        <c:axId val="2070351992"/>
         <c:scaling>
           <c:orientation val="minMax"/>
         </c:scaling>
@@ -2240,7 +2264,7 @@
         <c:majorTickMark val="out"/>
         <c:minorTickMark val="none"/>
         <c:tickLblPos val="nextTo"/>
-        <c:crossAx val="2123303832"/>
+        <c:crossAx val="2070441208"/>
         <c:crosses val="autoZero"/>
         <c:auto val="1"/>
         <c:lblAlgn val="ctr"/>
@@ -2248,7 +2272,7 @@
         <c:noMultiLvlLbl val="0"/>
       </c:catAx>
       <c:valAx>
-        <c:axId val="2123303832"/>
+        <c:axId val="2070441208"/>
         <c:scaling>
           <c:orientation val="minMax"/>
         </c:scaling>
@@ -2259,7 +2283,7 @@
         <c:majorTickMark val="out"/>
         <c:minorTickMark val="none"/>
         <c:tickLblPos val="nextTo"/>
-        <c:crossAx val="2123301032"/>
+        <c:crossAx val="2070351992"/>
         <c:crosses val="autoZero"/>
         <c:crossBetween val="between"/>
       </c:valAx>
@@ -2280,8 +2304,13 @@
 </file>
 
 <file path=ppt/slideLayouts/slideLayout1.xml><?xml version="1.0" encoding="utf-8"?>
-<p:sldLayout xmlns:a="http://schemas.openxmlformats.org/drawingml/2006/main" xmlns:r="http://schemas.openxmlformats.org/officeDocument/2006/relationships" xmlns:p="http://schemas.openxmlformats.org/presentationml/2006/main" type="title" preserve="1">
+<p:sldLayout xmlns:a="http://schemas.openxmlformats.org/drawingml/2006/main" xmlns:r="http://schemas.openxmlformats.org/officeDocument/2006/relationships" xmlns:p="http://schemas.openxmlformats.org/presentationml/2006/main" showMasterSp="0" type="title" preserve="1">
   <p:cSld name="Title Slide">
+    <p:bg>
+      <p:bgRef idx="1001">
+        <a:schemeClr val="bg2"/>
+      </p:bgRef>
+    </p:bg>
     <p:spTree>
       <p:nvGrpSpPr>
         <p:cNvPr id="1" name=""/>
@@ -2298,7 +2327,149 @@
       </p:grpSpPr>
       <p:sp>
         <p:nvSpPr>
-          <p:cNvPr id="2" name="Title 1"/>
+          <p:cNvPr id="7" name="Rectangle 6"/>
+          <p:cNvSpPr/>
+          <p:nvPr/>
+        </p:nvSpPr>
+        <p:spPr bwMode="white">
+          <a:xfrm>
+            <a:off x="0" y="5971032"/>
+            <a:ext cx="9144000" cy="886968"/>
+          </a:xfrm>
+          <a:prstGeom prst="rect">
+            <a:avLst/>
+          </a:prstGeom>
+          <a:solidFill>
+            <a:srgbClr val="FFFFFF"/>
+          </a:solidFill>
+          <a:ln w="50800" cap="rnd" cmpd="dbl" algn="ctr">
+            <a:noFill/>
+            <a:prstDash val="solid"/>
+          </a:ln>
+          <a:effectLst/>
+        </p:spPr>
+        <p:style>
+          <a:lnRef idx="3">
+            <a:schemeClr val="lt1"/>
+          </a:lnRef>
+          <a:fillRef idx="1">
+            <a:schemeClr val="accent1"/>
+          </a:fillRef>
+          <a:effectRef idx="1">
+            <a:schemeClr val="accent1"/>
+          </a:effectRef>
+          <a:fontRef idx="minor">
+            <a:schemeClr val="lt1"/>
+          </a:fontRef>
+        </p:style>
+        <p:txBody>
+          <a:bodyPr anchor="ctr"/>
+          <a:lstStyle/>
+          <a:p>
+            <a:pPr algn="ctr" eaLnBrk="1" latinLnBrk="0" hangingPunct="1"/>
+            <a:endParaRPr kumimoji="0" lang="en-US"/>
+          </a:p>
+        </p:txBody>
+      </p:sp>
+      <p:sp>
+        <p:nvSpPr>
+          <p:cNvPr id="10" name="Rectangle 9"/>
+          <p:cNvSpPr/>
+          <p:nvPr/>
+        </p:nvSpPr>
+        <p:spPr>
+          <a:xfrm>
+            <a:off x="-9144" y="6053328"/>
+            <a:ext cx="2249424" cy="713232"/>
+          </a:xfrm>
+          <a:prstGeom prst="rect">
+            <a:avLst/>
+          </a:prstGeom>
+          <a:solidFill>
+            <a:schemeClr val="accent2">
+              <a:alpha val="100000"/>
+            </a:schemeClr>
+          </a:solidFill>
+          <a:ln w="50800" cap="rnd" cmpd="dbl" algn="ctr">
+            <a:noFill/>
+            <a:prstDash val="solid"/>
+          </a:ln>
+          <a:effectLst/>
+        </p:spPr>
+        <p:style>
+          <a:lnRef idx="3">
+            <a:schemeClr val="lt1"/>
+          </a:lnRef>
+          <a:fillRef idx="1">
+            <a:schemeClr val="accent1"/>
+          </a:fillRef>
+          <a:effectRef idx="1">
+            <a:schemeClr val="accent1"/>
+          </a:effectRef>
+          <a:fontRef idx="minor">
+            <a:schemeClr val="lt1"/>
+          </a:fontRef>
+        </p:style>
+        <p:txBody>
+          <a:bodyPr anchor="ctr"/>
+          <a:lstStyle/>
+          <a:p>
+            <a:pPr algn="ctr" eaLnBrk="1" latinLnBrk="0" hangingPunct="1"/>
+            <a:endParaRPr kumimoji="0" lang="en-US"/>
+          </a:p>
+        </p:txBody>
+      </p:sp>
+      <p:sp>
+        <p:nvSpPr>
+          <p:cNvPr id="11" name="Rectangle 10"/>
+          <p:cNvSpPr/>
+          <p:nvPr/>
+        </p:nvSpPr>
+        <p:spPr>
+          <a:xfrm>
+            <a:off x="2359152" y="6044184"/>
+            <a:ext cx="6784848" cy="713232"/>
+          </a:xfrm>
+          <a:prstGeom prst="rect">
+            <a:avLst/>
+          </a:prstGeom>
+          <a:solidFill>
+            <a:schemeClr val="accent1">
+              <a:alpha val="100000"/>
+            </a:schemeClr>
+          </a:solidFill>
+          <a:ln w="50800" cap="rnd" cmpd="dbl" algn="ctr">
+            <a:noFill/>
+            <a:prstDash val="solid"/>
+          </a:ln>
+          <a:effectLst/>
+        </p:spPr>
+        <p:style>
+          <a:lnRef idx="3">
+            <a:schemeClr val="lt1"/>
+          </a:lnRef>
+          <a:fillRef idx="1">
+            <a:schemeClr val="accent1"/>
+          </a:fillRef>
+          <a:effectRef idx="1">
+            <a:schemeClr val="accent1"/>
+          </a:effectRef>
+          <a:fontRef idx="minor">
+            <a:schemeClr val="lt1"/>
+          </a:fontRef>
+        </p:style>
+        <p:txBody>
+          <a:bodyPr anchor="ctr"/>
+          <a:lstStyle/>
+          <a:p>
+            <a:pPr algn="ctr" eaLnBrk="1" latinLnBrk="0" hangingPunct="1"/>
+            <a:endParaRPr kumimoji="0" lang="en-US"/>
+          </a:p>
+        </p:txBody>
+      </p:sp>
+      <p:sp>
+        <p:nvSpPr>
+          <p:cNvPr id="8" name="Title 7"/>
           <p:cNvSpPr>
             <a:spLocks noGrp="1"/>
           </p:cNvSpPr>
@@ -2308,25 +2479,29 @@
         </p:nvSpPr>
         <p:spPr>
           <a:xfrm>
-            <a:off x="685800" y="2130425"/>
-            <a:ext cx="7772400" cy="1470025"/>
+            <a:off x="2362200" y="4038600"/>
+            <a:ext cx="6477000" cy="1828800"/>
           </a:xfrm>
         </p:spPr>
         <p:txBody>
-          <a:bodyPr/>
-          <a:lstStyle/>
-          <a:p>
-            <a:r>
-              <a:rPr lang="x-none" smtClean="0"/>
+          <a:bodyPr anchor="b"/>
+          <a:lstStyle>
+            <a:lvl1pPr>
+              <a:defRPr cap="all" baseline="0"/>
+            </a:lvl1pPr>
+          </a:lstStyle>
+          <a:p>
+            <a:r>
+              <a:rPr kumimoji="0" lang="x-none" smtClean="0"/>
               <a:t>Click to edit Master title style</a:t>
             </a:r>
-            <a:endParaRPr lang="en-US"/>
+            <a:endParaRPr kumimoji="0" lang="en-US"/>
           </a:p>
         </p:txBody>
       </p:sp>
       <p:sp>
         <p:nvSpPr>
-          <p:cNvPr id="3" name="Subtitle 2"/>
+          <p:cNvPr id="9" name="Subtitle 8"/>
           <p:cNvSpPr>
             <a:spLocks noGrp="1"/>
           </p:cNvSpPr>
@@ -2336,116 +2511,60 @@
         </p:nvSpPr>
         <p:spPr>
           <a:xfrm>
-            <a:off x="1371600" y="3886200"/>
-            <a:ext cx="6400800" cy="1752600"/>
+            <a:off x="2362200" y="6050037"/>
+            <a:ext cx="6705600" cy="685800"/>
           </a:xfrm>
         </p:spPr>
         <p:txBody>
-          <a:bodyPr/>
+          <a:bodyPr anchor="ctr">
+            <a:normAutofit/>
+          </a:bodyPr>
           <a:lstStyle>
-            <a:lvl1pPr marL="0" indent="0" algn="ctr">
+            <a:lvl1pPr marL="0" indent="0" algn="l">
               <a:buNone/>
-              <a:defRPr>
+              <a:defRPr sz="2600">
                 <a:solidFill>
-                  <a:schemeClr val="tx1">
-                    <a:tint val="75000"/>
-                  </a:schemeClr>
+                  <a:srgbClr val="FFFFFF"/>
                 </a:solidFill>
               </a:defRPr>
             </a:lvl1pPr>
             <a:lvl2pPr marL="457200" indent="0" algn="ctr">
               <a:buNone/>
-              <a:defRPr>
-                <a:solidFill>
-                  <a:schemeClr val="tx1">
-                    <a:tint val="75000"/>
-                  </a:schemeClr>
-                </a:solidFill>
-              </a:defRPr>
             </a:lvl2pPr>
             <a:lvl3pPr marL="914400" indent="0" algn="ctr">
               <a:buNone/>
-              <a:defRPr>
-                <a:solidFill>
-                  <a:schemeClr val="tx1">
-                    <a:tint val="75000"/>
-                  </a:schemeClr>
-                </a:solidFill>
-              </a:defRPr>
             </a:lvl3pPr>
             <a:lvl4pPr marL="1371600" indent="0" algn="ctr">
               <a:buNone/>
-              <a:defRPr>
-                <a:solidFill>
-                  <a:schemeClr val="tx1">
-                    <a:tint val="75000"/>
-                  </a:schemeClr>
-                </a:solidFill>
-              </a:defRPr>
             </a:lvl4pPr>
             <a:lvl5pPr marL="1828800" indent="0" algn="ctr">
               <a:buNone/>
-              <a:defRPr>
-                <a:solidFill>
-                  <a:schemeClr val="tx1">
-                    <a:tint val="75000"/>
-                  </a:schemeClr>
-                </a:solidFill>
-              </a:defRPr>
             </a:lvl5pPr>
             <a:lvl6pPr marL="2286000" indent="0" algn="ctr">
               <a:buNone/>
-              <a:defRPr>
-                <a:solidFill>
-                  <a:schemeClr val="tx1">
-                    <a:tint val="75000"/>
-                  </a:schemeClr>
-                </a:solidFill>
-              </a:defRPr>
             </a:lvl6pPr>
             <a:lvl7pPr marL="2743200" indent="0" algn="ctr">
               <a:buNone/>
-              <a:defRPr>
-                <a:solidFill>
-                  <a:schemeClr val="tx1">
-                    <a:tint val="75000"/>
-                  </a:schemeClr>
-                </a:solidFill>
-              </a:defRPr>
             </a:lvl7pPr>
             <a:lvl8pPr marL="3200400" indent="0" algn="ctr">
               <a:buNone/>
-              <a:defRPr>
-                <a:solidFill>
-                  <a:schemeClr val="tx1">
-                    <a:tint val="75000"/>
-                  </a:schemeClr>
-                </a:solidFill>
-              </a:defRPr>
             </a:lvl8pPr>
             <a:lvl9pPr marL="3657600" indent="0" algn="ctr">
               <a:buNone/>
-              <a:defRPr>
-                <a:solidFill>
-                  <a:schemeClr val="tx1">
-                    <a:tint val="75000"/>
-                  </a:schemeClr>
-                </a:solidFill>
-              </a:defRPr>
             </a:lvl9pPr>
           </a:lstStyle>
           <a:p>
             <a:r>
-              <a:rPr lang="x-none" smtClean="0"/>
+              <a:rPr kumimoji="0" lang="x-none" smtClean="0"/>
               <a:t>Click to edit Master subtitle style</a:t>
             </a:r>
-            <a:endParaRPr lang="en-US"/>
+            <a:endParaRPr kumimoji="0" lang="en-US"/>
           </a:p>
         </p:txBody>
       </p:sp>
       <p:sp>
         <p:nvSpPr>
-          <p:cNvPr id="4" name="Date Placeholder 3"/>
+          <p:cNvPr id="28" name="Date Placeholder 27"/>
           <p:cNvSpPr>
             <a:spLocks noGrp="1"/>
           </p:cNvSpPr>
@@ -2453,14 +2572,29 @@
             <p:ph type="dt" sz="half" idx="10"/>
           </p:nvPr>
         </p:nvSpPr>
-        <p:spPr/>
+        <p:spPr>
+          <a:xfrm>
+            <a:off x="76200" y="6068699"/>
+            <a:ext cx="2057400" cy="685800"/>
+          </a:xfrm>
+        </p:spPr>
         <p:txBody>
-          <a:bodyPr/>
-          <a:lstStyle/>
+          <a:bodyPr>
+            <a:noAutofit/>
+          </a:bodyPr>
+          <a:lstStyle>
+            <a:lvl1pPr algn="ctr">
+              <a:defRPr sz="2000">
+                <a:solidFill>
+                  <a:srgbClr val="FFFFFF"/>
+                </a:solidFill>
+              </a:defRPr>
+            </a:lvl1pPr>
+          </a:lstStyle>
           <a:p>
             <a:fld id="{76A98DAD-5796-154F-9D08-20EF7FFE737C}" type="datetimeFigureOut">
               <a:rPr lang="en-US" smtClean="0"/>
-              <a:t>9/18/12</a:t>
+              <a:t>9/19/12</a:t>
             </a:fld>
             <a:endParaRPr lang="en-US"/>
           </a:p>
@@ -2468,7 +2602,7 @@
       </p:sp>
       <p:sp>
         <p:nvSpPr>
-          <p:cNvPr id="5" name="Footer Placeholder 4"/>
+          <p:cNvPr id="17" name="Footer Placeholder 16"/>
           <p:cNvSpPr>
             <a:spLocks noGrp="1"/>
           </p:cNvSpPr>
@@ -2476,10 +2610,23 @@
             <p:ph type="ftr" sz="quarter" idx="11"/>
           </p:nvPr>
         </p:nvSpPr>
-        <p:spPr/>
+        <p:spPr>
+          <a:xfrm>
+            <a:off x="2085393" y="236538"/>
+            <a:ext cx="5867400" cy="365125"/>
+          </a:xfrm>
+        </p:spPr>
         <p:txBody>
           <a:bodyPr/>
-          <a:lstStyle/>
+          <a:lstStyle>
+            <a:lvl1pPr algn="r">
+              <a:defRPr>
+                <a:solidFill>
+                  <a:schemeClr val="tx2"/>
+                </a:solidFill>
+              </a:defRPr>
+            </a:lvl1pPr>
+          </a:lstStyle>
           <a:p>
             <a:endParaRPr lang="en-US"/>
           </a:p>
@@ -2487,7 +2634,7 @@
       </p:sp>
       <p:sp>
         <p:nvSpPr>
-          <p:cNvPr id="6" name="Slide Number Placeholder 5"/>
+          <p:cNvPr id="29" name="Slide Number Placeholder 28"/>
           <p:cNvSpPr>
             <a:spLocks noGrp="1"/>
           </p:cNvSpPr>
@@ -2495,28 +2642,38 @@
             <p:ph type="sldNum" sz="quarter" idx="12"/>
           </p:nvPr>
         </p:nvSpPr>
-        <p:spPr/>
+        <p:spPr>
+          <a:xfrm>
+            <a:off x="8001000" y="228600"/>
+            <a:ext cx="838200" cy="381000"/>
+          </a:xfrm>
+        </p:spPr>
         <p:txBody>
           <a:bodyPr/>
-          <a:lstStyle/>
-          <a:p>
-            <a:fld id="{687813F3-0328-D443-B9B7-51C354F46DF8}" type="slidenum">
+          <a:lstStyle>
+            <a:lvl1pPr>
+              <a:defRPr>
+                <a:solidFill>
+                  <a:schemeClr val="tx2"/>
+                </a:solidFill>
+              </a:defRPr>
+            </a:lvl1pPr>
+          </a:lstStyle>
+          <a:p>
+            <a:pPr algn="r"/>
+            <a:fld id="{F7886C9C-DC18-4195-8FD5-A50AA931D419}" type="slidenum">
               <a:rPr lang="en-US" smtClean="0"/>
+              <a:pPr algn="r"/>
               <a:t>‹#›</a:t>
             </a:fld>
-            <a:endParaRPr lang="en-US"/>
+            <a:endParaRPr lang="en-US" dirty="0"/>
           </a:p>
         </p:txBody>
       </p:sp>
     </p:spTree>
-    <p:extLst>
-      <p:ext uri="{BB962C8B-B14F-4D97-AF65-F5344CB8AC3E}">
-        <p14:creationId xmlns:p14="http://schemas.microsoft.com/office/powerpoint/2010/main" val="871094679"/>
-      </p:ext>
-    </p:extLst>
   </p:cSld>
   <p:clrMapOvr>
-    <a:masterClrMapping/>
+    <a:overrideClrMapping bg1="dk1" tx1="lt1" bg2="dk2" tx2="lt2" accent1="accent1" accent2="accent2" accent3="accent3" accent4="accent4" accent5="accent5" accent6="accent6" hlink="hlink" folHlink="folHlink"/>
   </p:clrMapOvr>
 </p:sldLayout>
 </file>
@@ -2554,10 +2711,10 @@
           <a:lstStyle/>
           <a:p>
             <a:r>
-              <a:rPr lang="x-none" smtClean="0"/>
+              <a:rPr kumimoji="0" lang="x-none" smtClean="0"/>
               <a:t>Click to edit Master title style</a:t>
             </a:r>
-            <a:endParaRPr lang="en-US"/>
+            <a:endParaRPr kumimoji="0" lang="en-US"/>
           </a:p>
         </p:txBody>
       </p:sp>
@@ -2576,40 +2733,40 @@
           <a:bodyPr vert="eaVert"/>
           <a:lstStyle/>
           <a:p>
-            <a:pPr lvl="0"/>
+            <a:pPr lvl="0" eaLnBrk="1" latinLnBrk="0" hangingPunct="1"/>
             <a:r>
               <a:rPr lang="x-none" smtClean="0"/>
               <a:t>Click to edit Master text styles</a:t>
             </a:r>
           </a:p>
           <a:p>
-            <a:pPr lvl="1"/>
+            <a:pPr lvl="1" eaLnBrk="1" latinLnBrk="0" hangingPunct="1"/>
             <a:r>
               <a:rPr lang="x-none" smtClean="0"/>
               <a:t>Second level</a:t>
             </a:r>
           </a:p>
           <a:p>
-            <a:pPr lvl="2"/>
+            <a:pPr lvl="2" eaLnBrk="1" latinLnBrk="0" hangingPunct="1"/>
             <a:r>
               <a:rPr lang="x-none" smtClean="0"/>
               <a:t>Third level</a:t>
             </a:r>
           </a:p>
           <a:p>
-            <a:pPr lvl="3"/>
+            <a:pPr lvl="3" eaLnBrk="1" latinLnBrk="0" hangingPunct="1"/>
             <a:r>
               <a:rPr lang="x-none" smtClean="0"/>
               <a:t>Fourth level</a:t>
             </a:r>
           </a:p>
           <a:p>
-            <a:pPr lvl="4"/>
+            <a:pPr lvl="4" eaLnBrk="1" latinLnBrk="0" hangingPunct="1"/>
             <a:r>
               <a:rPr lang="x-none" smtClean="0"/>
               <a:t>Fifth level</a:t>
             </a:r>
-            <a:endParaRPr lang="en-US"/>
+            <a:endParaRPr kumimoji="0" lang="en-US"/>
           </a:p>
         </p:txBody>
       </p:sp>
@@ -2630,7 +2787,7 @@
           <a:p>
             <a:fld id="{76A98DAD-5796-154F-9D08-20EF7FFE737C}" type="datetimeFigureOut">
               <a:rPr lang="en-US" smtClean="0"/>
-              <a:t>9/18/12</a:t>
+              <a:t>9/19/12</a:t>
             </a:fld>
             <a:endParaRPr lang="en-US"/>
           </a:p>
@@ -2679,11 +2836,6 @@
         </p:txBody>
       </p:sp>
     </p:spTree>
-    <p:extLst>
-      <p:ext uri="{BB962C8B-B14F-4D97-AF65-F5344CB8AC3E}">
-        <p14:creationId xmlns:p14="http://schemas.microsoft.com/office/powerpoint/2010/main" val="930501365"/>
-      </p:ext>
-    </p:extLst>
   </p:cSld>
   <p:clrMapOvr>
     <a:masterClrMapping/>
@@ -2692,8 +2844,13 @@
 </file>
 
 <file path=ppt/slideLayouts/slideLayout11.xml><?xml version="1.0" encoding="utf-8"?>
-<p:sldLayout xmlns:a="http://schemas.openxmlformats.org/drawingml/2006/main" xmlns:r="http://schemas.openxmlformats.org/officeDocument/2006/relationships" xmlns:p="http://schemas.openxmlformats.org/presentationml/2006/main" type="vertTitleAndTx" preserve="1">
+<p:sldLayout xmlns:a="http://schemas.openxmlformats.org/drawingml/2006/main" xmlns:r="http://schemas.openxmlformats.org/officeDocument/2006/relationships" xmlns:p="http://schemas.openxmlformats.org/presentationml/2006/main" showMasterSp="0" type="vertTitleAndTx" preserve="1">
   <p:cSld name="Vertical Title and Text">
+    <p:bg>
+      <p:bgRef idx="1001">
+        <a:schemeClr val="bg1"/>
+      </p:bgRef>
+    </p:bg>
     <p:spTree>
       <p:nvGrpSpPr>
         <p:cNvPr id="1" name=""/>
@@ -2720,8 +2877,8 @@
         </p:nvSpPr>
         <p:spPr>
           <a:xfrm>
-            <a:off x="6629400" y="274638"/>
-            <a:ext cx="2057400" cy="5851525"/>
+            <a:off x="6553200" y="609600"/>
+            <a:ext cx="2057400" cy="5516563"/>
           </a:xfrm>
         </p:spPr>
         <p:txBody>
@@ -2729,10 +2886,10 @@
           <a:lstStyle/>
           <a:p>
             <a:r>
-              <a:rPr lang="x-none" smtClean="0"/>
+              <a:rPr kumimoji="0" lang="x-none" smtClean="0"/>
               <a:t>Click to edit Master title style</a:t>
             </a:r>
-            <a:endParaRPr lang="en-US"/>
+            <a:endParaRPr kumimoji="0" lang="en-US"/>
           </a:p>
         </p:txBody>
       </p:sp>
@@ -2748,48 +2905,48 @@
         </p:nvSpPr>
         <p:spPr>
           <a:xfrm>
-            <a:off x="457200" y="274638"/>
-            <a:ext cx="6019800" cy="5851525"/>
+            <a:off x="457200" y="609600"/>
+            <a:ext cx="5562600" cy="5516564"/>
           </a:xfrm>
         </p:spPr>
         <p:txBody>
           <a:bodyPr vert="eaVert"/>
           <a:lstStyle/>
           <a:p>
-            <a:pPr lvl="0"/>
+            <a:pPr lvl="0" eaLnBrk="1" latinLnBrk="0" hangingPunct="1"/>
             <a:r>
               <a:rPr lang="x-none" smtClean="0"/>
               <a:t>Click to edit Master text styles</a:t>
             </a:r>
           </a:p>
           <a:p>
-            <a:pPr lvl="1"/>
+            <a:pPr lvl="1" eaLnBrk="1" latinLnBrk="0" hangingPunct="1"/>
             <a:r>
               <a:rPr lang="x-none" smtClean="0"/>
               <a:t>Second level</a:t>
             </a:r>
           </a:p>
           <a:p>
-            <a:pPr lvl="2"/>
+            <a:pPr lvl="2" eaLnBrk="1" latinLnBrk="0" hangingPunct="1"/>
             <a:r>
               <a:rPr lang="x-none" smtClean="0"/>
               <a:t>Third level</a:t>
             </a:r>
           </a:p>
           <a:p>
-            <a:pPr lvl="3"/>
+            <a:pPr lvl="3" eaLnBrk="1" latinLnBrk="0" hangingPunct="1"/>
             <a:r>
               <a:rPr lang="x-none" smtClean="0"/>
               <a:t>Fourth level</a:t>
             </a:r>
           </a:p>
           <a:p>
-            <a:pPr lvl="4"/>
+            <a:pPr lvl="4" eaLnBrk="1" latinLnBrk="0" hangingPunct="1"/>
             <a:r>
               <a:rPr lang="x-none" smtClean="0"/>
               <a:t>Fifth level</a:t>
             </a:r>
-            <a:endParaRPr lang="en-US"/>
+            <a:endParaRPr kumimoji="0" lang="en-US"/>
           </a:p>
         </p:txBody>
       </p:sp>
@@ -2803,14 +2960,19 @@
             <p:ph type="dt" sz="half" idx="10"/>
           </p:nvPr>
         </p:nvSpPr>
-        <p:spPr/>
+        <p:spPr>
+          <a:xfrm>
+            <a:off x="6553200" y="6248402"/>
+            <a:ext cx="2209800" cy="365125"/>
+          </a:xfrm>
+        </p:spPr>
         <p:txBody>
           <a:bodyPr/>
           <a:lstStyle/>
           <a:p>
             <a:fld id="{76A98DAD-5796-154F-9D08-20EF7FFE737C}" type="datetimeFigureOut">
               <a:rPr lang="en-US" smtClean="0"/>
-              <a:t>9/18/12</a:t>
+              <a:t>9/19/12</a:t>
             </a:fld>
             <a:endParaRPr lang="en-US"/>
           </a:p>
@@ -2826,12 +2988,152 @@
             <p:ph type="ftr" sz="quarter" idx="11"/>
           </p:nvPr>
         </p:nvSpPr>
-        <p:spPr/>
+        <p:spPr>
+          <a:xfrm>
+            <a:off x="457201" y="6248207"/>
+            <a:ext cx="5573483" cy="365125"/>
+          </a:xfrm>
+        </p:spPr>
         <p:txBody>
           <a:bodyPr/>
           <a:lstStyle/>
           <a:p>
             <a:endParaRPr lang="en-US"/>
+          </a:p>
+        </p:txBody>
+      </p:sp>
+      <p:sp>
+        <p:nvSpPr>
+          <p:cNvPr id="7" name="Rectangle 6"/>
+          <p:cNvSpPr/>
+          <p:nvPr/>
+        </p:nvSpPr>
+        <p:spPr bwMode="white">
+          <a:xfrm>
+            <a:off x="6096318" y="0"/>
+            <a:ext cx="320040" cy="6858000"/>
+          </a:xfrm>
+          <a:prstGeom prst="rect">
+            <a:avLst/>
+          </a:prstGeom>
+          <a:solidFill>
+            <a:srgbClr val="FFFFFF"/>
+          </a:solidFill>
+          <a:ln w="19050" cap="flat" cmpd="sng" algn="ctr">
+            <a:noFill/>
+            <a:prstDash val="solid"/>
+          </a:ln>
+        </p:spPr>
+        <p:style>
+          <a:lnRef idx="2">
+            <a:schemeClr val="accent1"/>
+          </a:lnRef>
+          <a:fillRef idx="1">
+            <a:schemeClr val="accent1"/>
+          </a:fillRef>
+          <a:effectRef idx="0">
+            <a:schemeClr val="accent1"/>
+          </a:effectRef>
+          <a:fontRef idx="minor">
+            <a:schemeClr val="lt1"/>
+          </a:fontRef>
+        </p:style>
+        <p:txBody>
+          <a:bodyPr rtlCol="0" anchor="ctr"/>
+          <a:lstStyle/>
+          <a:p>
+            <a:pPr algn="ctr" eaLnBrk="1" latinLnBrk="0" hangingPunct="1"/>
+            <a:endParaRPr kumimoji="0" lang="en-US"/>
+          </a:p>
+        </p:txBody>
+      </p:sp>
+      <p:sp>
+        <p:nvSpPr>
+          <p:cNvPr id="8" name="Rectangle 7"/>
+          <p:cNvSpPr/>
+          <p:nvPr/>
+        </p:nvSpPr>
+        <p:spPr>
+          <a:xfrm>
+            <a:off x="6142038" y="609600"/>
+            <a:ext cx="228600" cy="6248400"/>
+          </a:xfrm>
+          <a:prstGeom prst="rect">
+            <a:avLst/>
+          </a:prstGeom>
+          <a:solidFill>
+            <a:schemeClr val="accent1"/>
+          </a:solidFill>
+          <a:ln w="19050" cap="flat" cmpd="sng" algn="ctr">
+            <a:noFill/>
+            <a:prstDash val="solid"/>
+          </a:ln>
+        </p:spPr>
+        <p:style>
+          <a:lnRef idx="2">
+            <a:schemeClr val="accent1"/>
+          </a:lnRef>
+          <a:fillRef idx="1">
+            <a:schemeClr val="accent1"/>
+          </a:fillRef>
+          <a:effectRef idx="0">
+            <a:schemeClr val="accent1"/>
+          </a:effectRef>
+          <a:fontRef idx="minor">
+            <a:schemeClr val="lt1"/>
+          </a:fontRef>
+        </p:style>
+        <p:txBody>
+          <a:bodyPr rtlCol="0" anchor="ctr"/>
+          <a:lstStyle/>
+          <a:p>
+            <a:pPr algn="ctr" eaLnBrk="1" latinLnBrk="0" hangingPunct="1"/>
+            <a:endParaRPr kumimoji="0" lang="en-US"/>
+          </a:p>
+        </p:txBody>
+      </p:sp>
+      <p:sp>
+        <p:nvSpPr>
+          <p:cNvPr id="9" name="Rectangle 8"/>
+          <p:cNvSpPr/>
+          <p:nvPr/>
+        </p:nvSpPr>
+        <p:spPr>
+          <a:xfrm>
+            <a:off x="6142038" y="0"/>
+            <a:ext cx="228600" cy="533400"/>
+          </a:xfrm>
+          <a:prstGeom prst="rect">
+            <a:avLst/>
+          </a:prstGeom>
+          <a:solidFill>
+            <a:schemeClr val="accent2"/>
+          </a:solidFill>
+          <a:ln w="19050" cap="flat" cmpd="sng" algn="ctr">
+            <a:noFill/>
+            <a:prstDash val="solid"/>
+          </a:ln>
+        </p:spPr>
+        <p:style>
+          <a:lnRef idx="2">
+            <a:schemeClr val="accent1"/>
+          </a:lnRef>
+          <a:fillRef idx="1">
+            <a:schemeClr val="accent1"/>
+          </a:fillRef>
+          <a:effectRef idx="0">
+            <a:schemeClr val="accent1"/>
+          </a:effectRef>
+          <a:fontRef idx="minor">
+            <a:schemeClr val="lt1"/>
+          </a:fontRef>
+        </p:style>
+        <p:txBody>
+          <a:bodyPr rtlCol="0" anchor="ctr"/>
+          <a:lstStyle/>
+          <a:p>
+            <a:pPr algn="ctr" eaLnBrk="1" latinLnBrk="0" hangingPunct="1"/>
+            <a:endParaRPr kumimoji="0" lang="en-US"/>
           </a:p>
         </p:txBody>
       </p:sp>
@@ -2845,7 +3147,12 @@
             <p:ph type="sldNum" sz="quarter" idx="12"/>
           </p:nvPr>
         </p:nvSpPr>
-        <p:spPr/>
+        <p:spPr>
+          <a:xfrm rot="5400000">
+            <a:off x="5989638" y="144462"/>
+            <a:ext cx="533400" cy="244476"/>
+          </a:xfrm>
+        </p:spPr>
         <p:txBody>
           <a:bodyPr/>
           <a:lstStyle/>
@@ -2859,14 +3166,9 @@
         </p:txBody>
       </p:sp>
     </p:spTree>
-    <p:extLst>
-      <p:ext uri="{BB962C8B-B14F-4D97-AF65-F5344CB8AC3E}">
-        <p14:creationId xmlns:p14="http://schemas.microsoft.com/office/powerpoint/2010/main" val="3616238220"/>
-      </p:ext>
-    </p:extLst>
   </p:cSld>
   <p:clrMapOvr>
-    <a:masterClrMapping/>
+    <a:overrideClrMapping bg1="lt1" tx1="dk1" bg2="lt2" tx2="dk2" accent1="accent1" accent2="accent2" accent3="accent3" accent4="accent4" accent5="accent5" accent6="accent6" hlink="hlink" folHlink="folHlink"/>
   </p:clrMapOvr>
 </p:sldLayout>
 </file>
@@ -2898,68 +3200,21 @@
             <p:ph type="title"/>
           </p:nvPr>
         </p:nvSpPr>
-        <p:spPr/>
+        <p:spPr>
+          <a:xfrm>
+            <a:off x="612648" y="228600"/>
+            <a:ext cx="8153400" cy="990600"/>
+          </a:xfrm>
+        </p:spPr>
         <p:txBody>
           <a:bodyPr/>
           <a:lstStyle/>
           <a:p>
             <a:r>
-              <a:rPr lang="x-none" smtClean="0"/>
+              <a:rPr kumimoji="0" lang="x-none" smtClean="0"/>
               <a:t>Click to edit Master title style</a:t>
             </a:r>
-            <a:endParaRPr lang="en-US"/>
-          </a:p>
-        </p:txBody>
-      </p:sp>
-      <p:sp>
-        <p:nvSpPr>
-          <p:cNvPr id="3" name="Content Placeholder 2"/>
-          <p:cNvSpPr>
-            <a:spLocks noGrp="1"/>
-          </p:cNvSpPr>
-          <p:nvPr>
-            <p:ph idx="1"/>
-          </p:nvPr>
-        </p:nvSpPr>
-        <p:spPr/>
-        <p:txBody>
-          <a:bodyPr/>
-          <a:lstStyle/>
-          <a:p>
-            <a:pPr lvl="0"/>
-            <a:r>
-              <a:rPr lang="x-none" smtClean="0"/>
-              <a:t>Click to edit Master text styles</a:t>
-            </a:r>
-          </a:p>
-          <a:p>
-            <a:pPr lvl="1"/>
-            <a:r>
-              <a:rPr lang="x-none" smtClean="0"/>
-              <a:t>Second level</a:t>
-            </a:r>
-          </a:p>
-          <a:p>
-            <a:pPr lvl="2"/>
-            <a:r>
-              <a:rPr lang="x-none" smtClean="0"/>
-              <a:t>Third level</a:t>
-            </a:r>
-          </a:p>
-          <a:p>
-            <a:pPr lvl="3"/>
-            <a:r>
-              <a:rPr lang="x-none" smtClean="0"/>
-              <a:t>Fourth level</a:t>
-            </a:r>
-          </a:p>
-          <a:p>
-            <a:pPr lvl="4"/>
-            <a:r>
-              <a:rPr lang="x-none" smtClean="0"/>
-              <a:t>Fifth level</a:t>
-            </a:r>
-            <a:endParaRPr lang="en-US"/>
+            <a:endParaRPr kumimoji="0" lang="en-US"/>
           </a:p>
         </p:txBody>
       </p:sp>
@@ -2980,7 +3235,7 @@
           <a:p>
             <a:fld id="{76A98DAD-5796-154F-9D08-20EF7FFE737C}" type="datetimeFigureOut">
               <a:rPr lang="en-US" smtClean="0"/>
-              <a:t>9/18/12</a:t>
+              <a:t>9/19/12</a:t>
             </a:fld>
             <a:endParaRPr lang="en-US"/>
           </a:p>
@@ -3018,7 +3273,15 @@
         <p:spPr/>
         <p:txBody>
           <a:bodyPr/>
-          <a:lstStyle/>
+          <a:lstStyle>
+            <a:lvl1pPr>
+              <a:defRPr>
+                <a:solidFill>
+                  <a:srgbClr val="FFFFFF"/>
+                </a:solidFill>
+              </a:defRPr>
+            </a:lvl1pPr>
+          </a:lstStyle>
           <a:p>
             <a:fld id="{687813F3-0328-D443-B9B7-51C354F46DF8}" type="slidenum">
               <a:rPr lang="en-US" smtClean="0"/>
@@ -3028,12 +3291,64 @@
           </a:p>
         </p:txBody>
       </p:sp>
+      <p:sp>
+        <p:nvSpPr>
+          <p:cNvPr id="8" name="Content Placeholder 7"/>
+          <p:cNvSpPr>
+            <a:spLocks noGrp="1"/>
+          </p:cNvSpPr>
+          <p:nvPr>
+            <p:ph sz="quarter" idx="1"/>
+          </p:nvPr>
+        </p:nvSpPr>
+        <p:spPr>
+          <a:xfrm>
+            <a:off x="612648" y="1600200"/>
+            <a:ext cx="8153400" cy="4495800"/>
+          </a:xfrm>
+        </p:spPr>
+        <p:txBody>
+          <a:bodyPr/>
+          <a:lstStyle/>
+          <a:p>
+            <a:pPr lvl="0" eaLnBrk="1" latinLnBrk="0" hangingPunct="1"/>
+            <a:r>
+              <a:rPr lang="x-none" smtClean="0"/>
+              <a:t>Click to edit Master text styles</a:t>
+            </a:r>
+          </a:p>
+          <a:p>
+            <a:pPr lvl="1" eaLnBrk="1" latinLnBrk="0" hangingPunct="1"/>
+            <a:r>
+              <a:rPr lang="x-none" smtClean="0"/>
+              <a:t>Second level</a:t>
+            </a:r>
+          </a:p>
+          <a:p>
+            <a:pPr lvl="2" eaLnBrk="1" latinLnBrk="0" hangingPunct="1"/>
+            <a:r>
+              <a:rPr lang="x-none" smtClean="0"/>
+              <a:t>Third level</a:t>
+            </a:r>
+          </a:p>
+          <a:p>
+            <a:pPr lvl="3" eaLnBrk="1" latinLnBrk="0" hangingPunct="1"/>
+            <a:r>
+              <a:rPr lang="x-none" smtClean="0"/>
+              <a:t>Fourth level</a:t>
+            </a:r>
+          </a:p>
+          <a:p>
+            <a:pPr lvl="4" eaLnBrk="1" latinLnBrk="0" hangingPunct="1"/>
+            <a:r>
+              <a:rPr lang="x-none" smtClean="0"/>
+              <a:t>Fifth level</a:t>
+            </a:r>
+            <a:endParaRPr kumimoji="0" lang="en-US"/>
+          </a:p>
+        </p:txBody>
+      </p:sp>
     </p:spTree>
-    <p:extLst>
-      <p:ext uri="{BB962C8B-B14F-4D97-AF65-F5344CB8AC3E}">
-        <p14:creationId xmlns:p14="http://schemas.microsoft.com/office/powerpoint/2010/main" val="3272146585"/>
-      </p:ext>
-    </p:extLst>
   </p:cSld>
   <p:clrMapOvr>
     <a:masterClrMapping/>
@@ -3042,8 +3357,13 @@
 </file>
 
 <file path=ppt/slideLayouts/slideLayout3.xml><?xml version="1.0" encoding="utf-8"?>
-<p:sldLayout xmlns:a="http://schemas.openxmlformats.org/drawingml/2006/main" xmlns:r="http://schemas.openxmlformats.org/officeDocument/2006/relationships" xmlns:p="http://schemas.openxmlformats.org/presentationml/2006/main" type="secHead" preserve="1">
+<p:sldLayout xmlns:a="http://schemas.openxmlformats.org/drawingml/2006/main" xmlns:r="http://schemas.openxmlformats.org/officeDocument/2006/relationships" xmlns:p="http://schemas.openxmlformats.org/presentationml/2006/main" showMasterSp="0" type="secHead" preserve="1">
   <p:cSld name="Section Header">
+    <p:bg>
+      <p:bgRef idx="1003">
+        <a:schemeClr val="bg1"/>
+      </p:bgRef>
+    </p:bg>
     <p:spTree>
       <p:nvGrpSpPr>
         <p:cNvPr id="1" name=""/>
@@ -3060,6 +3380,225 @@
       </p:grpSpPr>
       <p:sp>
         <p:nvSpPr>
+          <p:cNvPr id="3" name="Text Placeholder 2"/>
+          <p:cNvSpPr>
+            <a:spLocks noGrp="1"/>
+          </p:cNvSpPr>
+          <p:nvPr>
+            <p:ph type="body" idx="1"/>
+          </p:nvPr>
+        </p:nvSpPr>
+        <p:spPr>
+          <a:xfrm>
+            <a:off x="1371600" y="2743200"/>
+            <a:ext cx="7123113" cy="1673225"/>
+          </a:xfrm>
+        </p:spPr>
+        <p:txBody>
+          <a:bodyPr anchor="t"/>
+          <a:lstStyle>
+            <a:lvl1pPr marL="0" indent="0">
+              <a:buNone/>
+              <a:defRPr sz="2800">
+                <a:solidFill>
+                  <a:schemeClr val="tx2"/>
+                </a:solidFill>
+              </a:defRPr>
+            </a:lvl1pPr>
+            <a:lvl2pPr>
+              <a:buNone/>
+              <a:defRPr sz="1800">
+                <a:solidFill>
+                  <a:schemeClr val="tx1">
+                    <a:tint val="75000"/>
+                  </a:schemeClr>
+                </a:solidFill>
+              </a:defRPr>
+            </a:lvl2pPr>
+            <a:lvl3pPr>
+              <a:buNone/>
+              <a:defRPr sz="1600">
+                <a:solidFill>
+                  <a:schemeClr val="tx1">
+                    <a:tint val="75000"/>
+                  </a:schemeClr>
+                </a:solidFill>
+              </a:defRPr>
+            </a:lvl3pPr>
+            <a:lvl4pPr>
+              <a:buNone/>
+              <a:defRPr sz="1400">
+                <a:solidFill>
+                  <a:schemeClr val="tx1">
+                    <a:tint val="75000"/>
+                  </a:schemeClr>
+                </a:solidFill>
+              </a:defRPr>
+            </a:lvl4pPr>
+            <a:lvl5pPr>
+              <a:buNone/>
+              <a:defRPr sz="1400">
+                <a:solidFill>
+                  <a:schemeClr val="tx1">
+                    <a:tint val="75000"/>
+                  </a:schemeClr>
+                </a:solidFill>
+              </a:defRPr>
+            </a:lvl5pPr>
+          </a:lstStyle>
+          <a:p>
+            <a:pPr lvl="0" eaLnBrk="1" latinLnBrk="0" hangingPunct="1"/>
+            <a:r>
+              <a:rPr kumimoji="0" lang="x-none" smtClean="0"/>
+              <a:t>Click to edit Master text styles</a:t>
+            </a:r>
+          </a:p>
+        </p:txBody>
+      </p:sp>
+      <p:sp>
+        <p:nvSpPr>
+          <p:cNvPr id="7" name="Rectangle 6"/>
+          <p:cNvSpPr/>
+          <p:nvPr/>
+        </p:nvSpPr>
+        <p:spPr bwMode="white">
+          <a:xfrm>
+            <a:off x="0" y="1524000"/>
+            <a:ext cx="9144000" cy="1143000"/>
+          </a:xfrm>
+          <a:prstGeom prst="rect">
+            <a:avLst/>
+          </a:prstGeom>
+          <a:solidFill>
+            <a:srgbClr val="FFFFFF"/>
+          </a:solidFill>
+          <a:ln w="50800" cap="rnd" cmpd="dbl" algn="ctr">
+            <a:noFill/>
+            <a:prstDash val="solid"/>
+          </a:ln>
+          <a:effectLst/>
+        </p:spPr>
+        <p:style>
+          <a:lnRef idx="3">
+            <a:schemeClr val="lt1"/>
+          </a:lnRef>
+          <a:fillRef idx="1">
+            <a:schemeClr val="accent1"/>
+          </a:fillRef>
+          <a:effectRef idx="1">
+            <a:schemeClr val="accent1"/>
+          </a:effectRef>
+          <a:fontRef idx="minor">
+            <a:schemeClr val="lt1"/>
+          </a:fontRef>
+        </p:style>
+        <p:txBody>
+          <a:bodyPr anchor="ctr"/>
+          <a:lstStyle/>
+          <a:p>
+            <a:pPr algn="ctr" eaLnBrk="1" latinLnBrk="0" hangingPunct="1"/>
+            <a:endParaRPr kumimoji="0" lang="en-US"/>
+          </a:p>
+        </p:txBody>
+      </p:sp>
+      <p:sp>
+        <p:nvSpPr>
+          <p:cNvPr id="8" name="Rectangle 7"/>
+          <p:cNvSpPr/>
+          <p:nvPr/>
+        </p:nvSpPr>
+        <p:spPr>
+          <a:xfrm>
+            <a:off x="0" y="1600200"/>
+            <a:ext cx="1295400" cy="990600"/>
+          </a:xfrm>
+          <a:prstGeom prst="rect">
+            <a:avLst/>
+          </a:prstGeom>
+          <a:solidFill>
+            <a:schemeClr val="accent2">
+              <a:alpha val="100000"/>
+            </a:schemeClr>
+          </a:solidFill>
+          <a:ln w="50800" cap="rnd" cmpd="dbl" algn="ctr">
+            <a:noFill/>
+            <a:prstDash val="solid"/>
+          </a:ln>
+          <a:effectLst/>
+        </p:spPr>
+        <p:style>
+          <a:lnRef idx="3">
+            <a:schemeClr val="lt1"/>
+          </a:lnRef>
+          <a:fillRef idx="1">
+            <a:schemeClr val="accent1"/>
+          </a:fillRef>
+          <a:effectRef idx="1">
+            <a:schemeClr val="accent1"/>
+          </a:effectRef>
+          <a:fontRef idx="minor">
+            <a:schemeClr val="lt1"/>
+          </a:fontRef>
+        </p:style>
+        <p:txBody>
+          <a:bodyPr anchor="ctr"/>
+          <a:lstStyle/>
+          <a:p>
+            <a:pPr algn="ctr" eaLnBrk="1" latinLnBrk="0" hangingPunct="1"/>
+            <a:endParaRPr kumimoji="0" lang="en-US"/>
+          </a:p>
+        </p:txBody>
+      </p:sp>
+      <p:sp>
+        <p:nvSpPr>
+          <p:cNvPr id="9" name="Rectangle 8"/>
+          <p:cNvSpPr/>
+          <p:nvPr/>
+        </p:nvSpPr>
+        <p:spPr>
+          <a:xfrm>
+            <a:off x="1371600" y="1600200"/>
+            <a:ext cx="7772400" cy="990600"/>
+          </a:xfrm>
+          <a:prstGeom prst="rect">
+            <a:avLst/>
+          </a:prstGeom>
+          <a:solidFill>
+            <a:schemeClr val="accent1">
+              <a:alpha val="100000"/>
+            </a:schemeClr>
+          </a:solidFill>
+          <a:ln w="50800" cap="rnd" cmpd="dbl" algn="ctr">
+            <a:noFill/>
+            <a:prstDash val="solid"/>
+          </a:ln>
+          <a:effectLst/>
+        </p:spPr>
+        <p:style>
+          <a:lnRef idx="3">
+            <a:schemeClr val="lt1"/>
+          </a:lnRef>
+          <a:fillRef idx="1">
+            <a:schemeClr val="accent1"/>
+          </a:fillRef>
+          <a:effectRef idx="1">
+            <a:schemeClr val="accent1"/>
+          </a:effectRef>
+          <a:fontRef idx="minor">
+            <a:schemeClr val="lt1"/>
+          </a:fontRef>
+        </p:style>
+        <p:txBody>
+          <a:bodyPr anchor="ctr"/>
+          <a:lstStyle/>
+          <a:p>
+            <a:pPr algn="ctr" eaLnBrk="1" latinLnBrk="0" hangingPunct="1"/>
+            <a:endParaRPr kumimoji="0" lang="en-US"/>
+          </a:p>
+        </p:txBody>
+      </p:sp>
+      <p:sp>
+        <p:nvSpPr>
           <p:cNvPr id="2" name="Title 1"/>
           <p:cNvSpPr>
             <a:spLocks noGrp="1"/>
@@ -3070,148 +3609,34 @@
         </p:nvSpPr>
         <p:spPr>
           <a:xfrm>
-            <a:off x="722313" y="4406900"/>
-            <a:ext cx="7772400" cy="1362075"/>
+            <a:off x="1371600" y="1600200"/>
+            <a:ext cx="7620000" cy="990600"/>
           </a:xfrm>
         </p:spPr>
         <p:txBody>
-          <a:bodyPr anchor="t"/>
+          <a:bodyPr/>
           <a:lstStyle>
             <a:lvl1pPr algn="l">
-              <a:defRPr sz="4000" b="1" cap="all"/>
+              <a:buNone/>
+              <a:defRPr sz="4400" b="0" cap="none">
+                <a:solidFill>
+                  <a:srgbClr val="FFFFFF"/>
+                </a:solidFill>
+              </a:defRPr>
             </a:lvl1pPr>
           </a:lstStyle>
           <a:p>
             <a:r>
-              <a:rPr lang="x-none" smtClean="0"/>
+              <a:rPr kumimoji="0" lang="x-none" smtClean="0"/>
               <a:t>Click to edit Master title style</a:t>
             </a:r>
-            <a:endParaRPr lang="en-US"/>
+            <a:endParaRPr kumimoji="0" lang="en-US"/>
           </a:p>
         </p:txBody>
       </p:sp>
       <p:sp>
         <p:nvSpPr>
-          <p:cNvPr id="3" name="Text Placeholder 2"/>
-          <p:cNvSpPr>
-            <a:spLocks noGrp="1"/>
-          </p:cNvSpPr>
-          <p:nvPr>
-            <p:ph type="body" idx="1"/>
-          </p:nvPr>
-        </p:nvSpPr>
-        <p:spPr>
-          <a:xfrm>
-            <a:off x="722313" y="2906713"/>
-            <a:ext cx="7772400" cy="1500187"/>
-          </a:xfrm>
-        </p:spPr>
-        <p:txBody>
-          <a:bodyPr anchor="b"/>
-          <a:lstStyle>
-            <a:lvl1pPr marL="0" indent="0">
-              <a:buNone/>
-              <a:defRPr sz="2000">
-                <a:solidFill>
-                  <a:schemeClr val="tx1">
-                    <a:tint val="75000"/>
-                  </a:schemeClr>
-                </a:solidFill>
-              </a:defRPr>
-            </a:lvl1pPr>
-            <a:lvl2pPr marL="457200" indent="0">
-              <a:buNone/>
-              <a:defRPr sz="1800">
-                <a:solidFill>
-                  <a:schemeClr val="tx1">
-                    <a:tint val="75000"/>
-                  </a:schemeClr>
-                </a:solidFill>
-              </a:defRPr>
-            </a:lvl2pPr>
-            <a:lvl3pPr marL="914400" indent="0">
-              <a:buNone/>
-              <a:defRPr sz="1600">
-                <a:solidFill>
-                  <a:schemeClr val="tx1">
-                    <a:tint val="75000"/>
-                  </a:schemeClr>
-                </a:solidFill>
-              </a:defRPr>
-            </a:lvl3pPr>
-            <a:lvl4pPr marL="1371600" indent="0">
-              <a:buNone/>
-              <a:defRPr sz="1400">
-                <a:solidFill>
-                  <a:schemeClr val="tx1">
-                    <a:tint val="75000"/>
-                  </a:schemeClr>
-                </a:solidFill>
-              </a:defRPr>
-            </a:lvl4pPr>
-            <a:lvl5pPr marL="1828800" indent="0">
-              <a:buNone/>
-              <a:defRPr sz="1400">
-                <a:solidFill>
-                  <a:schemeClr val="tx1">
-                    <a:tint val="75000"/>
-                  </a:schemeClr>
-                </a:solidFill>
-              </a:defRPr>
-            </a:lvl5pPr>
-            <a:lvl6pPr marL="2286000" indent="0">
-              <a:buNone/>
-              <a:defRPr sz="1400">
-                <a:solidFill>
-                  <a:schemeClr val="tx1">
-                    <a:tint val="75000"/>
-                  </a:schemeClr>
-                </a:solidFill>
-              </a:defRPr>
-            </a:lvl6pPr>
-            <a:lvl7pPr marL="2743200" indent="0">
-              <a:buNone/>
-              <a:defRPr sz="1400">
-                <a:solidFill>
-                  <a:schemeClr val="tx1">
-                    <a:tint val="75000"/>
-                  </a:schemeClr>
-                </a:solidFill>
-              </a:defRPr>
-            </a:lvl7pPr>
-            <a:lvl8pPr marL="3200400" indent="0">
-              <a:buNone/>
-              <a:defRPr sz="1400">
-                <a:solidFill>
-                  <a:schemeClr val="tx1">
-                    <a:tint val="75000"/>
-                  </a:schemeClr>
-                </a:solidFill>
-              </a:defRPr>
-            </a:lvl8pPr>
-            <a:lvl9pPr marL="3657600" indent="0">
-              <a:buNone/>
-              <a:defRPr sz="1400">
-                <a:solidFill>
-                  <a:schemeClr val="tx1">
-                    <a:tint val="75000"/>
-                  </a:schemeClr>
-                </a:solidFill>
-              </a:defRPr>
-            </a:lvl9pPr>
-          </a:lstStyle>
-          <a:p>
-            <a:pPr lvl="0"/>
-            <a:r>
-              <a:rPr lang="x-none" smtClean="0"/>
-              <a:t>Click to edit Master text styles</a:t>
-            </a:r>
-          </a:p>
-        </p:txBody>
-      </p:sp>
-      <p:sp>
-        <p:nvSpPr>
-          <p:cNvPr id="4" name="Date Placeholder 3"/>
+          <p:cNvPr id="12" name="Date Placeholder 11"/>
           <p:cNvSpPr>
             <a:spLocks noGrp="1"/>
           </p:cNvSpPr>
@@ -3226,7 +3651,7 @@
           <a:p>
             <a:fld id="{76A98DAD-5796-154F-9D08-20EF7FFE737C}" type="datetimeFigureOut">
               <a:rPr lang="en-US" smtClean="0"/>
-              <a:t>9/18/12</a:t>
+              <a:t>9/19/12</a:t>
             </a:fld>
             <a:endParaRPr lang="en-US"/>
           </a:p>
@@ -3234,12 +3659,50 @@
       </p:sp>
       <p:sp>
         <p:nvSpPr>
-          <p:cNvPr id="5" name="Footer Placeholder 4"/>
+          <p:cNvPr id="13" name="Slide Number Placeholder 12"/>
           <p:cNvSpPr>
             <a:spLocks noGrp="1"/>
           </p:cNvSpPr>
           <p:nvPr>
-            <p:ph type="ftr" sz="quarter" idx="11"/>
+            <p:ph type="sldNum" sz="quarter" idx="11"/>
+          </p:nvPr>
+        </p:nvSpPr>
+        <p:spPr>
+          <a:xfrm>
+            <a:off x="0" y="1752600"/>
+            <a:ext cx="1295400" cy="701676"/>
+          </a:xfrm>
+        </p:spPr>
+        <p:txBody>
+          <a:bodyPr>
+            <a:noAutofit/>
+          </a:bodyPr>
+          <a:lstStyle>
+            <a:lvl1pPr>
+              <a:defRPr sz="2400">
+                <a:solidFill>
+                  <a:srgbClr val="FFFFFF"/>
+                </a:solidFill>
+              </a:defRPr>
+            </a:lvl1pPr>
+          </a:lstStyle>
+          <a:p>
+            <a:fld id="{687813F3-0328-D443-B9B7-51C354F46DF8}" type="slidenum">
+              <a:rPr lang="en-US" smtClean="0"/>
+              <a:t>‹#›</a:t>
+            </a:fld>
+            <a:endParaRPr lang="en-US"/>
+          </a:p>
+        </p:txBody>
+      </p:sp>
+      <p:sp>
+        <p:nvSpPr>
+          <p:cNvPr id="14" name="Footer Placeholder 13"/>
+          <p:cNvSpPr>
+            <a:spLocks noGrp="1"/>
+          </p:cNvSpPr>
+          <p:nvPr>
+            <p:ph type="ftr" sz="quarter" idx="12"/>
           </p:nvPr>
         </p:nvSpPr>
         <p:spPr/>
@@ -3251,38 +3714,10 @@
           </a:p>
         </p:txBody>
       </p:sp>
-      <p:sp>
-        <p:nvSpPr>
-          <p:cNvPr id="6" name="Slide Number Placeholder 5"/>
-          <p:cNvSpPr>
-            <a:spLocks noGrp="1"/>
-          </p:cNvSpPr>
-          <p:nvPr>
-            <p:ph type="sldNum" sz="quarter" idx="12"/>
-          </p:nvPr>
-        </p:nvSpPr>
-        <p:spPr/>
-        <p:txBody>
-          <a:bodyPr/>
-          <a:lstStyle/>
-          <a:p>
-            <a:fld id="{687813F3-0328-D443-B9B7-51C354F46DF8}" type="slidenum">
-              <a:rPr lang="en-US" smtClean="0"/>
-              <a:t>‹#›</a:t>
-            </a:fld>
-            <a:endParaRPr lang="en-US"/>
-          </a:p>
-        </p:txBody>
-      </p:sp>
     </p:spTree>
-    <p:extLst>
-      <p:ext uri="{BB962C8B-B14F-4D97-AF65-F5344CB8AC3E}">
-        <p14:creationId xmlns:p14="http://schemas.microsoft.com/office/powerpoint/2010/main" val="80803074"/>
-      </p:ext>
-    </p:extLst>
   </p:cSld>
   <p:clrMapOvr>
-    <a:masterClrMapping/>
+    <a:overrideClrMapping bg1="lt1" tx1="dk1" bg2="lt2" tx2="dk2" accent1="accent1" accent2="accent2" accent3="accent3" accent4="accent4" accent5="accent5" accent6="accent6" hlink="hlink" folHlink="folHlink"/>
   </p:clrMapOvr>
 </p:sldLayout>
 </file>
@@ -3320,201 +3755,145 @@
           <a:lstStyle/>
           <a:p>
             <a:r>
-              <a:rPr lang="x-none" smtClean="0"/>
+              <a:rPr kumimoji="0" lang="x-none" smtClean="0"/>
               <a:t>Click to edit Master title style</a:t>
             </a:r>
-            <a:endParaRPr lang="en-US"/>
+            <a:endParaRPr kumimoji="0" lang="en-US"/>
           </a:p>
         </p:txBody>
       </p:sp>
       <p:sp>
         <p:nvSpPr>
-          <p:cNvPr id="3" name="Content Placeholder 2"/>
+          <p:cNvPr id="9" name="Content Placeholder 8"/>
           <p:cNvSpPr>
             <a:spLocks noGrp="1"/>
           </p:cNvSpPr>
           <p:nvPr>
-            <p:ph sz="half" idx="1"/>
+            <p:ph sz="quarter" idx="1"/>
           </p:nvPr>
         </p:nvSpPr>
         <p:spPr>
           <a:xfrm>
-            <a:off x="457200" y="1600200"/>
-            <a:ext cx="4038600" cy="4525963"/>
+            <a:off x="609600" y="1589567"/>
+            <a:ext cx="3886200" cy="4572000"/>
           </a:xfrm>
         </p:spPr>
         <p:txBody>
           <a:bodyPr/>
-          <a:lstStyle>
-            <a:lvl1pPr>
-              <a:defRPr sz="2800"/>
-            </a:lvl1pPr>
-            <a:lvl2pPr>
-              <a:defRPr sz="2400"/>
-            </a:lvl2pPr>
-            <a:lvl3pPr>
-              <a:defRPr sz="2000"/>
-            </a:lvl3pPr>
-            <a:lvl4pPr>
-              <a:defRPr sz="1800"/>
-            </a:lvl4pPr>
-            <a:lvl5pPr>
-              <a:defRPr sz="1800"/>
-            </a:lvl5pPr>
-            <a:lvl6pPr>
-              <a:defRPr sz="1800"/>
-            </a:lvl6pPr>
-            <a:lvl7pPr>
-              <a:defRPr sz="1800"/>
-            </a:lvl7pPr>
-            <a:lvl8pPr>
-              <a:defRPr sz="1800"/>
-            </a:lvl8pPr>
-            <a:lvl9pPr>
-              <a:defRPr sz="1800"/>
-            </a:lvl9pPr>
-          </a:lstStyle>
-          <a:p>
-            <a:pPr lvl="0"/>
+          <a:lstStyle/>
+          <a:p>
+            <a:pPr lvl="0" eaLnBrk="1" latinLnBrk="0" hangingPunct="1"/>
             <a:r>
               <a:rPr lang="x-none" smtClean="0"/>
               <a:t>Click to edit Master text styles</a:t>
             </a:r>
           </a:p>
           <a:p>
-            <a:pPr lvl="1"/>
+            <a:pPr lvl="1" eaLnBrk="1" latinLnBrk="0" hangingPunct="1"/>
             <a:r>
               <a:rPr lang="x-none" smtClean="0"/>
               <a:t>Second level</a:t>
             </a:r>
           </a:p>
           <a:p>
-            <a:pPr lvl="2"/>
+            <a:pPr lvl="2" eaLnBrk="1" latinLnBrk="0" hangingPunct="1"/>
             <a:r>
               <a:rPr lang="x-none" smtClean="0"/>
               <a:t>Third level</a:t>
             </a:r>
           </a:p>
           <a:p>
-            <a:pPr lvl="3"/>
+            <a:pPr lvl="3" eaLnBrk="1" latinLnBrk="0" hangingPunct="1"/>
             <a:r>
               <a:rPr lang="x-none" smtClean="0"/>
               <a:t>Fourth level</a:t>
             </a:r>
           </a:p>
           <a:p>
-            <a:pPr lvl="4"/>
+            <a:pPr lvl="4" eaLnBrk="1" latinLnBrk="0" hangingPunct="1"/>
             <a:r>
               <a:rPr lang="x-none" smtClean="0"/>
               <a:t>Fifth level</a:t>
             </a:r>
-            <a:endParaRPr lang="en-US"/>
+            <a:endParaRPr kumimoji="0" lang="en-US"/>
           </a:p>
         </p:txBody>
       </p:sp>
       <p:sp>
         <p:nvSpPr>
-          <p:cNvPr id="4" name="Content Placeholder 3"/>
+          <p:cNvPr id="11" name="Content Placeholder 10"/>
           <p:cNvSpPr>
             <a:spLocks noGrp="1"/>
           </p:cNvSpPr>
           <p:nvPr>
-            <p:ph sz="half" idx="2"/>
+            <p:ph sz="quarter" idx="2"/>
           </p:nvPr>
         </p:nvSpPr>
         <p:spPr>
           <a:xfrm>
-            <a:off x="4648200" y="1600200"/>
-            <a:ext cx="4038600" cy="4525963"/>
+            <a:off x="4844901" y="1589567"/>
+            <a:ext cx="3886200" cy="4572000"/>
           </a:xfrm>
         </p:spPr>
         <p:txBody>
           <a:bodyPr/>
-          <a:lstStyle>
-            <a:lvl1pPr>
-              <a:defRPr sz="2800"/>
-            </a:lvl1pPr>
-            <a:lvl2pPr>
-              <a:defRPr sz="2400"/>
-            </a:lvl2pPr>
-            <a:lvl3pPr>
-              <a:defRPr sz="2000"/>
-            </a:lvl3pPr>
-            <a:lvl4pPr>
-              <a:defRPr sz="1800"/>
-            </a:lvl4pPr>
-            <a:lvl5pPr>
-              <a:defRPr sz="1800"/>
-            </a:lvl5pPr>
-            <a:lvl6pPr>
-              <a:defRPr sz="1800"/>
-            </a:lvl6pPr>
-            <a:lvl7pPr>
-              <a:defRPr sz="1800"/>
-            </a:lvl7pPr>
-            <a:lvl8pPr>
-              <a:defRPr sz="1800"/>
-            </a:lvl8pPr>
-            <a:lvl9pPr>
-              <a:defRPr sz="1800"/>
-            </a:lvl9pPr>
-          </a:lstStyle>
-          <a:p>
-            <a:pPr lvl="0"/>
+          <a:lstStyle/>
+          <a:p>
+            <a:pPr lvl="0" eaLnBrk="1" latinLnBrk="0" hangingPunct="1"/>
             <a:r>
               <a:rPr lang="x-none" smtClean="0"/>
               <a:t>Click to edit Master text styles</a:t>
             </a:r>
           </a:p>
           <a:p>
-            <a:pPr lvl="1"/>
+            <a:pPr lvl="1" eaLnBrk="1" latinLnBrk="0" hangingPunct="1"/>
             <a:r>
               <a:rPr lang="x-none" smtClean="0"/>
               <a:t>Second level</a:t>
             </a:r>
           </a:p>
           <a:p>
-            <a:pPr lvl="2"/>
+            <a:pPr lvl="2" eaLnBrk="1" latinLnBrk="0" hangingPunct="1"/>
             <a:r>
               <a:rPr lang="x-none" smtClean="0"/>
               <a:t>Third level</a:t>
             </a:r>
           </a:p>
           <a:p>
-            <a:pPr lvl="3"/>
+            <a:pPr lvl="3" eaLnBrk="1" latinLnBrk="0" hangingPunct="1"/>
             <a:r>
               <a:rPr lang="x-none" smtClean="0"/>
               <a:t>Fourth level</a:t>
             </a:r>
           </a:p>
           <a:p>
-            <a:pPr lvl="4"/>
+            <a:pPr lvl="4" eaLnBrk="1" latinLnBrk="0" hangingPunct="1"/>
             <a:r>
               <a:rPr lang="x-none" smtClean="0"/>
               <a:t>Fifth level</a:t>
             </a:r>
-            <a:endParaRPr lang="en-US"/>
+            <a:endParaRPr kumimoji="0" lang="en-US"/>
           </a:p>
         </p:txBody>
       </p:sp>
       <p:sp>
         <p:nvSpPr>
-          <p:cNvPr id="5" name="Date Placeholder 4"/>
+          <p:cNvPr id="8" name="Date Placeholder 7"/>
           <p:cNvSpPr>
             <a:spLocks noGrp="1"/>
           </p:cNvSpPr>
           <p:nvPr>
-            <p:ph type="dt" sz="half" idx="10"/>
+            <p:ph type="dt" sz="half" idx="15"/>
           </p:nvPr>
         </p:nvSpPr>
         <p:spPr/>
         <p:txBody>
-          <a:bodyPr/>
+          <a:bodyPr rtlCol="0"/>
           <a:lstStyle/>
           <a:p>
             <a:fld id="{76A98DAD-5796-154F-9D08-20EF7FFE737C}" type="datetimeFigureOut">
               <a:rPr lang="en-US" smtClean="0"/>
-              <a:t>9/18/12</a:t>
+              <a:t>9/19/12</a:t>
             </a:fld>
             <a:endParaRPr lang="en-US"/>
           </a:p>
@@ -3522,36 +3901,17 @@
       </p:sp>
       <p:sp>
         <p:nvSpPr>
-          <p:cNvPr id="6" name="Footer Placeholder 5"/>
+          <p:cNvPr id="10" name="Slide Number Placeholder 9"/>
           <p:cNvSpPr>
             <a:spLocks noGrp="1"/>
           </p:cNvSpPr>
           <p:nvPr>
-            <p:ph type="ftr" sz="quarter" idx="11"/>
+            <p:ph type="sldNum" sz="quarter" idx="16"/>
           </p:nvPr>
         </p:nvSpPr>
         <p:spPr/>
         <p:txBody>
-          <a:bodyPr/>
-          <a:lstStyle/>
-          <a:p>
-            <a:endParaRPr lang="en-US"/>
-          </a:p>
-        </p:txBody>
-      </p:sp>
-      <p:sp>
-        <p:nvSpPr>
-          <p:cNvPr id="7" name="Slide Number Placeholder 6"/>
-          <p:cNvSpPr>
-            <a:spLocks noGrp="1"/>
-          </p:cNvSpPr>
-          <p:nvPr>
-            <p:ph type="sldNum" sz="quarter" idx="12"/>
-          </p:nvPr>
-        </p:nvSpPr>
-        <p:spPr/>
-        <p:txBody>
-          <a:bodyPr/>
+          <a:bodyPr rtlCol="0"/>
           <a:lstStyle/>
           <a:p>
             <a:fld id="{687813F3-0328-D443-B9B7-51C354F46DF8}" type="slidenum">
@@ -3562,12 +3922,26 @@
           </a:p>
         </p:txBody>
       </p:sp>
+      <p:sp>
+        <p:nvSpPr>
+          <p:cNvPr id="12" name="Footer Placeholder 11"/>
+          <p:cNvSpPr>
+            <a:spLocks noGrp="1"/>
+          </p:cNvSpPr>
+          <p:nvPr>
+            <p:ph type="ftr" sz="quarter" idx="17"/>
+          </p:nvPr>
+        </p:nvSpPr>
+        <p:spPr/>
+        <p:txBody>
+          <a:bodyPr rtlCol="0"/>
+          <a:lstStyle/>
+          <a:p>
+            <a:endParaRPr lang="en-US"/>
+          </a:p>
+        </p:txBody>
+      </p:sp>
     </p:spTree>
-    <p:extLst>
-      <p:ext uri="{BB962C8B-B14F-4D97-AF65-F5344CB8AC3E}">
-        <p14:creationId xmlns:p14="http://schemas.microsoft.com/office/powerpoint/2010/main" val="2430146946"/>
-      </p:ext>
-    </p:extLst>
   </p:cSld>
   <p:clrMapOvr>
     <a:masterClrMapping/>
@@ -3602,9 +3976,14 @@
             <p:ph type="title"/>
           </p:nvPr>
         </p:nvSpPr>
-        <p:spPr/>
+        <p:spPr>
+          <a:xfrm>
+            <a:off x="533400" y="273050"/>
+            <a:ext cx="8153400" cy="869950"/>
+          </a:xfrm>
+        </p:spPr>
         <p:txBody>
-          <a:bodyPr/>
+          <a:bodyPr anchor="ctr"/>
           <a:lstStyle>
             <a:lvl1pPr>
               <a:defRPr/>
@@ -3612,166 +3991,236 @@
           </a:lstStyle>
           <a:p>
             <a:r>
-              <a:rPr lang="x-none" smtClean="0"/>
+              <a:rPr kumimoji="0" lang="x-none" smtClean="0"/>
               <a:t>Click to edit Master title style</a:t>
             </a:r>
-            <a:endParaRPr lang="en-US"/>
+            <a:endParaRPr kumimoji="0" lang="en-US"/>
           </a:p>
         </p:txBody>
       </p:sp>
       <p:sp>
         <p:nvSpPr>
-          <p:cNvPr id="3" name="Text Placeholder 2"/>
+          <p:cNvPr id="11" name="Content Placeholder 10"/>
           <p:cNvSpPr>
             <a:spLocks noGrp="1"/>
           </p:cNvSpPr>
           <p:nvPr>
-            <p:ph type="body" idx="1"/>
+            <p:ph sz="quarter" idx="2"/>
           </p:nvPr>
         </p:nvSpPr>
         <p:spPr>
           <a:xfrm>
-            <a:off x="457200" y="1535113"/>
-            <a:ext cx="4040188" cy="639762"/>
+            <a:off x="609600" y="2438400"/>
+            <a:ext cx="3886200" cy="3581400"/>
           </a:xfrm>
         </p:spPr>
         <p:txBody>
-          <a:bodyPr anchor="b"/>
-          <a:lstStyle>
-            <a:lvl1pPr marL="0" indent="0">
-              <a:buNone/>
-              <a:defRPr sz="2400" b="1"/>
-            </a:lvl1pPr>
-            <a:lvl2pPr marL="457200" indent="0">
-              <a:buNone/>
-              <a:defRPr sz="2000" b="1"/>
-            </a:lvl2pPr>
-            <a:lvl3pPr marL="914400" indent="0">
-              <a:buNone/>
-              <a:defRPr sz="1800" b="1"/>
-            </a:lvl3pPr>
-            <a:lvl4pPr marL="1371600" indent="0">
-              <a:buNone/>
-              <a:defRPr sz="1600" b="1"/>
-            </a:lvl4pPr>
-            <a:lvl5pPr marL="1828800" indent="0">
-              <a:buNone/>
-              <a:defRPr sz="1600" b="1"/>
-            </a:lvl5pPr>
-            <a:lvl6pPr marL="2286000" indent="0">
-              <a:buNone/>
-              <a:defRPr sz="1600" b="1"/>
-            </a:lvl6pPr>
-            <a:lvl7pPr marL="2743200" indent="0">
-              <a:buNone/>
-              <a:defRPr sz="1600" b="1"/>
-            </a:lvl7pPr>
-            <a:lvl8pPr marL="3200400" indent="0">
-              <a:buNone/>
-              <a:defRPr sz="1600" b="1"/>
-            </a:lvl8pPr>
-            <a:lvl9pPr marL="3657600" indent="0">
-              <a:buNone/>
-              <a:defRPr sz="1600" b="1"/>
-            </a:lvl9pPr>
-          </a:lstStyle>
-          <a:p>
-            <a:pPr lvl="0"/>
+          <a:bodyPr/>
+          <a:lstStyle/>
+          <a:p>
+            <a:pPr lvl="0" eaLnBrk="1" latinLnBrk="0" hangingPunct="1"/>
             <a:r>
               <a:rPr lang="x-none" smtClean="0"/>
               <a:t>Click to edit Master text styles</a:t>
             </a:r>
+          </a:p>
+          <a:p>
+            <a:pPr lvl="1" eaLnBrk="1" latinLnBrk="0" hangingPunct="1"/>
+            <a:r>
+              <a:rPr lang="x-none" smtClean="0"/>
+              <a:t>Second level</a:t>
+            </a:r>
+          </a:p>
+          <a:p>
+            <a:pPr lvl="2" eaLnBrk="1" latinLnBrk="0" hangingPunct="1"/>
+            <a:r>
+              <a:rPr lang="x-none" smtClean="0"/>
+              <a:t>Third level</a:t>
+            </a:r>
+          </a:p>
+          <a:p>
+            <a:pPr lvl="3" eaLnBrk="1" latinLnBrk="0" hangingPunct="1"/>
+            <a:r>
+              <a:rPr lang="x-none" smtClean="0"/>
+              <a:t>Fourth level</a:t>
+            </a:r>
+          </a:p>
+          <a:p>
+            <a:pPr lvl="4" eaLnBrk="1" latinLnBrk="0" hangingPunct="1"/>
+            <a:r>
+              <a:rPr lang="x-none" smtClean="0"/>
+              <a:t>Fifth level</a:t>
+            </a:r>
+            <a:endParaRPr kumimoji="0" lang="en-US"/>
           </a:p>
         </p:txBody>
       </p:sp>
       <p:sp>
         <p:nvSpPr>
-          <p:cNvPr id="4" name="Content Placeholder 3"/>
+          <p:cNvPr id="13" name="Content Placeholder 12"/>
           <p:cNvSpPr>
             <a:spLocks noGrp="1"/>
           </p:cNvSpPr>
           <p:nvPr>
-            <p:ph sz="half" idx="2"/>
+            <p:ph sz="quarter" idx="4"/>
           </p:nvPr>
         </p:nvSpPr>
         <p:spPr>
           <a:xfrm>
-            <a:off x="457200" y="2174875"/>
-            <a:ext cx="4040188" cy="3951288"/>
+            <a:off x="4800600" y="2438400"/>
+            <a:ext cx="3886200" cy="3581400"/>
           </a:xfrm>
         </p:spPr>
         <p:txBody>
           <a:bodyPr/>
-          <a:lstStyle>
-            <a:lvl1pPr>
-              <a:defRPr sz="2400"/>
-            </a:lvl1pPr>
-            <a:lvl2pPr>
-              <a:defRPr sz="2000"/>
-            </a:lvl2pPr>
-            <a:lvl3pPr>
-              <a:defRPr sz="1800"/>
-            </a:lvl3pPr>
-            <a:lvl4pPr>
-              <a:defRPr sz="1600"/>
-            </a:lvl4pPr>
-            <a:lvl5pPr>
-              <a:defRPr sz="1600"/>
-            </a:lvl5pPr>
-            <a:lvl6pPr>
-              <a:defRPr sz="1600"/>
-            </a:lvl6pPr>
-            <a:lvl7pPr>
-              <a:defRPr sz="1600"/>
-            </a:lvl7pPr>
-            <a:lvl8pPr>
-              <a:defRPr sz="1600"/>
-            </a:lvl8pPr>
-            <a:lvl9pPr>
-              <a:defRPr sz="1600"/>
-            </a:lvl9pPr>
-          </a:lstStyle>
-          <a:p>
-            <a:pPr lvl="0"/>
+          <a:lstStyle/>
+          <a:p>
+            <a:pPr lvl="0" eaLnBrk="1" latinLnBrk="0" hangingPunct="1"/>
             <a:r>
               <a:rPr lang="x-none" smtClean="0"/>
               <a:t>Click to edit Master text styles</a:t>
             </a:r>
           </a:p>
           <a:p>
-            <a:pPr lvl="1"/>
+            <a:pPr lvl="1" eaLnBrk="1" latinLnBrk="0" hangingPunct="1"/>
             <a:r>
               <a:rPr lang="x-none" smtClean="0"/>
               <a:t>Second level</a:t>
             </a:r>
           </a:p>
           <a:p>
-            <a:pPr lvl="2"/>
+            <a:pPr lvl="2" eaLnBrk="1" latinLnBrk="0" hangingPunct="1"/>
             <a:r>
               <a:rPr lang="x-none" smtClean="0"/>
               <a:t>Third level</a:t>
             </a:r>
           </a:p>
           <a:p>
-            <a:pPr lvl="3"/>
+            <a:pPr lvl="3" eaLnBrk="1" latinLnBrk="0" hangingPunct="1"/>
             <a:r>
               <a:rPr lang="x-none" smtClean="0"/>
               <a:t>Fourth level</a:t>
             </a:r>
           </a:p>
           <a:p>
-            <a:pPr lvl="4"/>
+            <a:pPr lvl="4" eaLnBrk="1" latinLnBrk="0" hangingPunct="1"/>
             <a:r>
               <a:rPr lang="x-none" smtClean="0"/>
               <a:t>Fifth level</a:t>
             </a:r>
-            <a:endParaRPr lang="en-US"/>
+            <a:endParaRPr kumimoji="0" lang="en-US"/>
           </a:p>
         </p:txBody>
       </p:sp>
       <p:sp>
         <p:nvSpPr>
-          <p:cNvPr id="5" name="Text Placeholder 4"/>
+          <p:cNvPr id="10" name="Date Placeholder 9"/>
+          <p:cNvSpPr>
+            <a:spLocks noGrp="1"/>
+          </p:cNvSpPr>
+          <p:nvPr>
+            <p:ph type="dt" sz="half" idx="15"/>
+          </p:nvPr>
+        </p:nvSpPr>
+        <p:spPr/>
+        <p:txBody>
+          <a:bodyPr rtlCol="0"/>
+          <a:lstStyle/>
+          <a:p>
+            <a:fld id="{76A98DAD-5796-154F-9D08-20EF7FFE737C}" type="datetimeFigureOut">
+              <a:rPr lang="en-US" smtClean="0"/>
+              <a:t>9/19/12</a:t>
+            </a:fld>
+            <a:endParaRPr lang="en-US"/>
+          </a:p>
+        </p:txBody>
+      </p:sp>
+      <p:sp>
+        <p:nvSpPr>
+          <p:cNvPr id="12" name="Slide Number Placeholder 11"/>
+          <p:cNvSpPr>
+            <a:spLocks noGrp="1"/>
+          </p:cNvSpPr>
+          <p:nvPr>
+            <p:ph type="sldNum" sz="quarter" idx="16"/>
+          </p:nvPr>
+        </p:nvSpPr>
+        <p:spPr/>
+        <p:txBody>
+          <a:bodyPr rtlCol="0"/>
+          <a:lstStyle/>
+          <a:p>
+            <a:fld id="{687813F3-0328-D443-B9B7-51C354F46DF8}" type="slidenum">
+              <a:rPr lang="en-US" smtClean="0"/>
+              <a:t>‹#›</a:t>
+            </a:fld>
+            <a:endParaRPr lang="en-US"/>
+          </a:p>
+        </p:txBody>
+      </p:sp>
+      <p:sp>
+        <p:nvSpPr>
+          <p:cNvPr id="14" name="Footer Placeholder 13"/>
+          <p:cNvSpPr>
+            <a:spLocks noGrp="1"/>
+          </p:cNvSpPr>
+          <p:nvPr>
+            <p:ph type="ftr" sz="quarter" idx="17"/>
+          </p:nvPr>
+        </p:nvSpPr>
+        <p:spPr/>
+        <p:txBody>
+          <a:bodyPr rtlCol="0"/>
+          <a:lstStyle/>
+          <a:p>
+            <a:endParaRPr lang="en-US"/>
+          </a:p>
+        </p:txBody>
+      </p:sp>
+      <p:sp>
+        <p:nvSpPr>
+          <p:cNvPr id="16" name="Text Placeholder 15"/>
+          <p:cNvSpPr>
+            <a:spLocks noGrp="1"/>
+          </p:cNvSpPr>
+          <p:nvPr>
+            <p:ph type="body" sz="quarter" idx="1"/>
+          </p:nvPr>
+        </p:nvSpPr>
+        <p:spPr>
+          <a:xfrm>
+            <a:off x="609600" y="1752600"/>
+            <a:ext cx="3886200" cy="640080"/>
+          </a:xfrm>
+          <a:solidFill>
+            <a:schemeClr val="accent2"/>
+          </a:solidFill>
+        </p:spPr>
+        <p:txBody>
+          <a:bodyPr rtlCol="0" anchor="ctr"/>
+          <a:lstStyle>
+            <a:lvl1pPr marL="0" indent="0">
+              <a:buFontTx/>
+              <a:buNone/>
+              <a:defRPr sz="2000" b="1">
+                <a:solidFill>
+                  <a:srgbClr val="FFFFFF"/>
+                </a:solidFill>
+              </a:defRPr>
+            </a:lvl1pPr>
+          </a:lstStyle>
+          <a:p>
+            <a:pPr lvl="0" eaLnBrk="1" latinLnBrk="0" hangingPunct="1"/>
+            <a:r>
+              <a:rPr kumimoji="0" lang="x-none" smtClean="0"/>
+              <a:t>Click to edit Master text styles</a:t>
+            </a:r>
+          </a:p>
+        </p:txBody>
+      </p:sp>
+      <p:sp>
+        <p:nvSpPr>
+          <p:cNvPr id="15" name="Text Placeholder 14"/>
           <p:cNvSpPr>
             <a:spLocks noGrp="1"/>
           </p:cNvSpPr>
@@ -3781,215 +4230,36 @@
         </p:nvSpPr>
         <p:spPr>
           <a:xfrm>
-            <a:off x="4645025" y="1535113"/>
-            <a:ext cx="4041775" cy="639762"/>
+            <a:off x="4800600" y="1752600"/>
+            <a:ext cx="3886200" cy="640080"/>
           </a:xfrm>
+          <a:solidFill>
+            <a:schemeClr val="accent4"/>
+          </a:solidFill>
         </p:spPr>
         <p:txBody>
-          <a:bodyPr anchor="b"/>
+          <a:bodyPr rtlCol="0" anchor="ctr"/>
           <a:lstStyle>
             <a:lvl1pPr marL="0" indent="0">
+              <a:buFontTx/>
               <a:buNone/>
-              <a:defRPr sz="2400" b="1"/>
+              <a:defRPr sz="2000" b="1">
+                <a:solidFill>
+                  <a:srgbClr val="FFFFFF"/>
+                </a:solidFill>
+              </a:defRPr>
             </a:lvl1pPr>
-            <a:lvl2pPr marL="457200" indent="0">
-              <a:buNone/>
-              <a:defRPr sz="2000" b="1"/>
-            </a:lvl2pPr>
-            <a:lvl3pPr marL="914400" indent="0">
-              <a:buNone/>
-              <a:defRPr sz="1800" b="1"/>
-            </a:lvl3pPr>
-            <a:lvl4pPr marL="1371600" indent="0">
-              <a:buNone/>
-              <a:defRPr sz="1600" b="1"/>
-            </a:lvl4pPr>
-            <a:lvl5pPr marL="1828800" indent="0">
-              <a:buNone/>
-              <a:defRPr sz="1600" b="1"/>
-            </a:lvl5pPr>
-            <a:lvl6pPr marL="2286000" indent="0">
-              <a:buNone/>
-              <a:defRPr sz="1600" b="1"/>
-            </a:lvl6pPr>
-            <a:lvl7pPr marL="2743200" indent="0">
-              <a:buNone/>
-              <a:defRPr sz="1600" b="1"/>
-            </a:lvl7pPr>
-            <a:lvl8pPr marL="3200400" indent="0">
-              <a:buNone/>
-              <a:defRPr sz="1600" b="1"/>
-            </a:lvl8pPr>
-            <a:lvl9pPr marL="3657600" indent="0">
-              <a:buNone/>
-              <a:defRPr sz="1600" b="1"/>
-            </a:lvl9pPr>
           </a:lstStyle>
           <a:p>
-            <a:pPr lvl="0"/>
-            <a:r>
-              <a:rPr lang="x-none" smtClean="0"/>
+            <a:pPr lvl="0" eaLnBrk="1" latinLnBrk="0" hangingPunct="1"/>
+            <a:r>
+              <a:rPr kumimoji="0" lang="x-none" smtClean="0"/>
               <a:t>Click to edit Master text styles</a:t>
             </a:r>
-          </a:p>
-        </p:txBody>
-      </p:sp>
-      <p:sp>
-        <p:nvSpPr>
-          <p:cNvPr id="6" name="Content Placeholder 5"/>
-          <p:cNvSpPr>
-            <a:spLocks noGrp="1"/>
-          </p:cNvSpPr>
-          <p:nvPr>
-            <p:ph sz="quarter" idx="4"/>
-          </p:nvPr>
-        </p:nvSpPr>
-        <p:spPr>
-          <a:xfrm>
-            <a:off x="4645025" y="2174875"/>
-            <a:ext cx="4041775" cy="3951288"/>
-          </a:xfrm>
-        </p:spPr>
-        <p:txBody>
-          <a:bodyPr/>
-          <a:lstStyle>
-            <a:lvl1pPr>
-              <a:defRPr sz="2400"/>
-            </a:lvl1pPr>
-            <a:lvl2pPr>
-              <a:defRPr sz="2000"/>
-            </a:lvl2pPr>
-            <a:lvl3pPr>
-              <a:defRPr sz="1800"/>
-            </a:lvl3pPr>
-            <a:lvl4pPr>
-              <a:defRPr sz="1600"/>
-            </a:lvl4pPr>
-            <a:lvl5pPr>
-              <a:defRPr sz="1600"/>
-            </a:lvl5pPr>
-            <a:lvl6pPr>
-              <a:defRPr sz="1600"/>
-            </a:lvl6pPr>
-            <a:lvl7pPr>
-              <a:defRPr sz="1600"/>
-            </a:lvl7pPr>
-            <a:lvl8pPr>
-              <a:defRPr sz="1600"/>
-            </a:lvl8pPr>
-            <a:lvl9pPr>
-              <a:defRPr sz="1600"/>
-            </a:lvl9pPr>
-          </a:lstStyle>
-          <a:p>
-            <a:pPr lvl="0"/>
-            <a:r>
-              <a:rPr lang="x-none" smtClean="0"/>
-              <a:t>Click to edit Master text styles</a:t>
-            </a:r>
-          </a:p>
-          <a:p>
-            <a:pPr lvl="1"/>
-            <a:r>
-              <a:rPr lang="x-none" smtClean="0"/>
-              <a:t>Second level</a:t>
-            </a:r>
-          </a:p>
-          <a:p>
-            <a:pPr lvl="2"/>
-            <a:r>
-              <a:rPr lang="x-none" smtClean="0"/>
-              <a:t>Third level</a:t>
-            </a:r>
-          </a:p>
-          <a:p>
-            <a:pPr lvl="3"/>
-            <a:r>
-              <a:rPr lang="x-none" smtClean="0"/>
-              <a:t>Fourth level</a:t>
-            </a:r>
-          </a:p>
-          <a:p>
-            <a:pPr lvl="4"/>
-            <a:r>
-              <a:rPr lang="x-none" smtClean="0"/>
-              <a:t>Fifth level</a:t>
-            </a:r>
-            <a:endParaRPr lang="en-US"/>
-          </a:p>
-        </p:txBody>
-      </p:sp>
-      <p:sp>
-        <p:nvSpPr>
-          <p:cNvPr id="7" name="Date Placeholder 6"/>
-          <p:cNvSpPr>
-            <a:spLocks noGrp="1"/>
-          </p:cNvSpPr>
-          <p:nvPr>
-            <p:ph type="dt" sz="half" idx="10"/>
-          </p:nvPr>
-        </p:nvSpPr>
-        <p:spPr/>
-        <p:txBody>
-          <a:bodyPr/>
-          <a:lstStyle/>
-          <a:p>
-            <a:fld id="{76A98DAD-5796-154F-9D08-20EF7FFE737C}" type="datetimeFigureOut">
-              <a:rPr lang="en-US" smtClean="0"/>
-              <a:t>9/18/12</a:t>
-            </a:fld>
-            <a:endParaRPr lang="en-US"/>
-          </a:p>
-        </p:txBody>
-      </p:sp>
-      <p:sp>
-        <p:nvSpPr>
-          <p:cNvPr id="8" name="Footer Placeholder 7"/>
-          <p:cNvSpPr>
-            <a:spLocks noGrp="1"/>
-          </p:cNvSpPr>
-          <p:nvPr>
-            <p:ph type="ftr" sz="quarter" idx="11"/>
-          </p:nvPr>
-        </p:nvSpPr>
-        <p:spPr/>
-        <p:txBody>
-          <a:bodyPr/>
-          <a:lstStyle/>
-          <a:p>
-            <a:endParaRPr lang="en-US"/>
-          </a:p>
-        </p:txBody>
-      </p:sp>
-      <p:sp>
-        <p:nvSpPr>
-          <p:cNvPr id="9" name="Slide Number Placeholder 8"/>
-          <p:cNvSpPr>
-            <a:spLocks noGrp="1"/>
-          </p:cNvSpPr>
-          <p:nvPr>
-            <p:ph type="sldNum" sz="quarter" idx="12"/>
-          </p:nvPr>
-        </p:nvSpPr>
-        <p:spPr/>
-        <p:txBody>
-          <a:bodyPr/>
-          <a:lstStyle/>
-          <a:p>
-            <a:fld id="{687813F3-0328-D443-B9B7-51C354F46DF8}" type="slidenum">
-              <a:rPr lang="en-US" smtClean="0"/>
-              <a:t>‹#›</a:t>
-            </a:fld>
-            <a:endParaRPr lang="en-US"/>
           </a:p>
         </p:txBody>
       </p:sp>
     </p:spTree>
-    <p:extLst>
-      <p:ext uri="{BB962C8B-B14F-4D97-AF65-F5344CB8AC3E}">
-        <p14:creationId xmlns:p14="http://schemas.microsoft.com/office/powerpoint/2010/main" val="109339488"/>
-      </p:ext>
-    </p:extLst>
   </p:cSld>
   <p:clrMapOvr>
     <a:masterClrMapping/>
@@ -4030,10 +4300,10 @@
           <a:lstStyle/>
           <a:p>
             <a:r>
-              <a:rPr lang="x-none" smtClean="0"/>
+              <a:rPr kumimoji="0" lang="x-none" smtClean="0"/>
               <a:t>Click to edit Master title style</a:t>
             </a:r>
-            <a:endParaRPr lang="en-US"/>
+            <a:endParaRPr kumimoji="0" lang="en-US"/>
           </a:p>
         </p:txBody>
       </p:sp>
@@ -4054,7 +4324,7 @@
           <a:p>
             <a:fld id="{76A98DAD-5796-154F-9D08-20EF7FFE737C}" type="datetimeFigureOut">
               <a:rPr lang="en-US" smtClean="0"/>
-              <a:t>9/18/12</a:t>
+              <a:t>9/19/12</a:t>
             </a:fld>
             <a:endParaRPr lang="en-US"/>
           </a:p>
@@ -4092,7 +4362,15 @@
         <p:spPr/>
         <p:txBody>
           <a:bodyPr/>
-          <a:lstStyle/>
+          <a:lstStyle>
+            <a:lvl1pPr>
+              <a:defRPr>
+                <a:solidFill>
+                  <a:srgbClr val="FFFFFF"/>
+                </a:solidFill>
+              </a:defRPr>
+            </a:lvl1pPr>
+          </a:lstStyle>
           <a:p>
             <a:fld id="{687813F3-0328-D443-B9B7-51C354F46DF8}" type="slidenum">
               <a:rPr lang="en-US" smtClean="0"/>
@@ -4103,11 +4381,6 @@
         </p:txBody>
       </p:sp>
     </p:spTree>
-    <p:extLst>
-      <p:ext uri="{BB962C8B-B14F-4D97-AF65-F5344CB8AC3E}">
-        <p14:creationId xmlns:p14="http://schemas.microsoft.com/office/powerpoint/2010/main" val="100614761"/>
-      </p:ext>
-    </p:extLst>
   </p:cSld>
   <p:clrMapOvr>
     <a:masterClrMapping/>
@@ -4116,7 +4389,7 @@
 </file>
 
 <file path=ppt/slideLayouts/slideLayout7.xml><?xml version="1.0" encoding="utf-8"?>
-<p:sldLayout xmlns:a="http://schemas.openxmlformats.org/drawingml/2006/main" xmlns:r="http://schemas.openxmlformats.org/officeDocument/2006/relationships" xmlns:p="http://schemas.openxmlformats.org/presentationml/2006/main" type="blank" preserve="1">
+<p:sldLayout xmlns:a="http://schemas.openxmlformats.org/drawingml/2006/main" xmlns:r="http://schemas.openxmlformats.org/officeDocument/2006/relationships" xmlns:p="http://schemas.openxmlformats.org/presentationml/2006/main" showMasterSp="0" type="blank" preserve="1">
   <p:cSld name="Blank">
     <p:spTree>
       <p:nvGrpSpPr>
@@ -4149,7 +4422,7 @@
           <a:p>
             <a:fld id="{76A98DAD-5796-154F-9D08-20EF7FFE737C}" type="datetimeFigureOut">
               <a:rPr lang="en-US" smtClean="0"/>
-              <a:t>9/18/12</a:t>
+              <a:t>9/19/12</a:t>
             </a:fld>
             <a:endParaRPr lang="en-US"/>
           </a:p>
@@ -4184,10 +4457,23 @@
             <p:ph type="sldNum" sz="quarter" idx="12"/>
           </p:nvPr>
         </p:nvSpPr>
-        <p:spPr/>
+        <p:spPr>
+          <a:xfrm>
+            <a:off x="0" y="6248400"/>
+            <a:ext cx="533400" cy="381000"/>
+          </a:xfrm>
+        </p:spPr>
         <p:txBody>
           <a:bodyPr/>
-          <a:lstStyle/>
+          <a:lstStyle>
+            <a:lvl1pPr>
+              <a:defRPr>
+                <a:solidFill>
+                  <a:schemeClr val="tx2"/>
+                </a:solidFill>
+              </a:defRPr>
+            </a:lvl1pPr>
+          </a:lstStyle>
           <a:p>
             <a:fld id="{687813F3-0328-D443-B9B7-51C354F46DF8}" type="slidenum">
               <a:rPr lang="en-US" smtClean="0"/>
@@ -4198,11 +4484,6 @@
         </p:txBody>
       </p:sp>
     </p:spTree>
-    <p:extLst>
-      <p:ext uri="{BB962C8B-B14F-4D97-AF65-F5344CB8AC3E}">
-        <p14:creationId xmlns:p14="http://schemas.microsoft.com/office/powerpoint/2010/main" val="1511367975"/>
-      </p:ext>
-    </p:extLst>
   </p:cSld>
   <p:clrMapOvr>
     <a:masterClrMapping/>
@@ -4239,173 +4520,24 @@
         </p:nvSpPr>
         <p:spPr>
           <a:xfrm>
-            <a:off x="457200" y="273050"/>
-            <a:ext cx="3008313" cy="1162050"/>
+            <a:off x="609600" y="273050"/>
+            <a:ext cx="8077200" cy="869950"/>
           </a:xfrm>
         </p:spPr>
         <p:txBody>
-          <a:bodyPr anchor="b"/>
+          <a:bodyPr anchor="ctr"/>
           <a:lstStyle>
             <a:lvl1pPr algn="l">
-              <a:defRPr sz="2000" b="1"/>
+              <a:buNone/>
+              <a:defRPr sz="4400" b="0"/>
             </a:lvl1pPr>
           </a:lstStyle>
           <a:p>
             <a:r>
-              <a:rPr lang="x-none" smtClean="0"/>
+              <a:rPr kumimoji="0" lang="x-none" smtClean="0"/>
               <a:t>Click to edit Master title style</a:t>
             </a:r>
-            <a:endParaRPr lang="en-US"/>
-          </a:p>
-        </p:txBody>
-      </p:sp>
-      <p:sp>
-        <p:nvSpPr>
-          <p:cNvPr id="3" name="Content Placeholder 2"/>
-          <p:cNvSpPr>
-            <a:spLocks noGrp="1"/>
-          </p:cNvSpPr>
-          <p:nvPr>
-            <p:ph idx="1"/>
-          </p:nvPr>
-        </p:nvSpPr>
-        <p:spPr>
-          <a:xfrm>
-            <a:off x="3575050" y="273050"/>
-            <a:ext cx="5111750" cy="5853113"/>
-          </a:xfrm>
-        </p:spPr>
-        <p:txBody>
-          <a:bodyPr/>
-          <a:lstStyle>
-            <a:lvl1pPr>
-              <a:defRPr sz="3200"/>
-            </a:lvl1pPr>
-            <a:lvl2pPr>
-              <a:defRPr sz="2800"/>
-            </a:lvl2pPr>
-            <a:lvl3pPr>
-              <a:defRPr sz="2400"/>
-            </a:lvl3pPr>
-            <a:lvl4pPr>
-              <a:defRPr sz="2000"/>
-            </a:lvl4pPr>
-            <a:lvl5pPr>
-              <a:defRPr sz="2000"/>
-            </a:lvl5pPr>
-            <a:lvl6pPr>
-              <a:defRPr sz="2000"/>
-            </a:lvl6pPr>
-            <a:lvl7pPr>
-              <a:defRPr sz="2000"/>
-            </a:lvl7pPr>
-            <a:lvl8pPr>
-              <a:defRPr sz="2000"/>
-            </a:lvl8pPr>
-            <a:lvl9pPr>
-              <a:defRPr sz="2000"/>
-            </a:lvl9pPr>
-          </a:lstStyle>
-          <a:p>
-            <a:pPr lvl="0"/>
-            <a:r>
-              <a:rPr lang="x-none" smtClean="0"/>
-              <a:t>Click to edit Master text styles</a:t>
-            </a:r>
-          </a:p>
-          <a:p>
-            <a:pPr lvl="1"/>
-            <a:r>
-              <a:rPr lang="x-none" smtClean="0"/>
-              <a:t>Second level</a:t>
-            </a:r>
-          </a:p>
-          <a:p>
-            <a:pPr lvl="2"/>
-            <a:r>
-              <a:rPr lang="x-none" smtClean="0"/>
-              <a:t>Third level</a:t>
-            </a:r>
-          </a:p>
-          <a:p>
-            <a:pPr lvl="3"/>
-            <a:r>
-              <a:rPr lang="x-none" smtClean="0"/>
-              <a:t>Fourth level</a:t>
-            </a:r>
-          </a:p>
-          <a:p>
-            <a:pPr lvl="4"/>
-            <a:r>
-              <a:rPr lang="x-none" smtClean="0"/>
-              <a:t>Fifth level</a:t>
-            </a:r>
-            <a:endParaRPr lang="en-US"/>
-          </a:p>
-        </p:txBody>
-      </p:sp>
-      <p:sp>
-        <p:nvSpPr>
-          <p:cNvPr id="4" name="Text Placeholder 3"/>
-          <p:cNvSpPr>
-            <a:spLocks noGrp="1"/>
-          </p:cNvSpPr>
-          <p:nvPr>
-            <p:ph type="body" sz="half" idx="2"/>
-          </p:nvPr>
-        </p:nvSpPr>
-        <p:spPr>
-          <a:xfrm>
-            <a:off x="457200" y="1435100"/>
-            <a:ext cx="3008313" cy="4691063"/>
-          </a:xfrm>
-        </p:spPr>
-        <p:txBody>
-          <a:bodyPr/>
-          <a:lstStyle>
-            <a:lvl1pPr marL="0" indent="0">
-              <a:buNone/>
-              <a:defRPr sz="1400"/>
-            </a:lvl1pPr>
-            <a:lvl2pPr marL="457200" indent="0">
-              <a:buNone/>
-              <a:defRPr sz="1200"/>
-            </a:lvl2pPr>
-            <a:lvl3pPr marL="914400" indent="0">
-              <a:buNone/>
-              <a:defRPr sz="1000"/>
-            </a:lvl3pPr>
-            <a:lvl4pPr marL="1371600" indent="0">
-              <a:buNone/>
-              <a:defRPr sz="900"/>
-            </a:lvl4pPr>
-            <a:lvl5pPr marL="1828800" indent="0">
-              <a:buNone/>
-              <a:defRPr sz="900"/>
-            </a:lvl5pPr>
-            <a:lvl6pPr marL="2286000" indent="0">
-              <a:buNone/>
-              <a:defRPr sz="900"/>
-            </a:lvl6pPr>
-            <a:lvl7pPr marL="2743200" indent="0">
-              <a:buNone/>
-              <a:defRPr sz="900"/>
-            </a:lvl7pPr>
-            <a:lvl8pPr marL="3200400" indent="0">
-              <a:buNone/>
-              <a:defRPr sz="900"/>
-            </a:lvl8pPr>
-            <a:lvl9pPr marL="3657600" indent="0">
-              <a:buNone/>
-              <a:defRPr sz="900"/>
-            </a:lvl9pPr>
-          </a:lstStyle>
-          <a:p>
-            <a:pPr lvl="0"/>
-            <a:r>
-              <a:rPr lang="x-none" smtClean="0"/>
-              <a:t>Click to edit Master text styles</a:t>
-            </a:r>
+            <a:endParaRPr kumimoji="0" lang="en-US"/>
           </a:p>
         </p:txBody>
       </p:sp>
@@ -4426,7 +4558,7 @@
           <a:p>
             <a:fld id="{76A98DAD-5796-154F-9D08-20EF7FFE737C}" type="datetimeFigureOut">
               <a:rPr lang="en-US" smtClean="0"/>
-              <a:t>9/18/12</a:t>
+              <a:t>9/19/12</a:t>
             </a:fld>
             <a:endParaRPr lang="en-US"/>
           </a:p>
@@ -4464,22 +4596,157 @@
         <p:spPr/>
         <p:txBody>
           <a:bodyPr/>
-          <a:lstStyle/>
-          <a:p>
-            <a:fld id="{687813F3-0328-D443-B9B7-51C354F46DF8}" type="slidenum">
+          <a:lstStyle>
+            <a:lvl1pPr>
+              <a:defRPr>
+                <a:solidFill>
+                  <a:srgbClr val="FFFFFF"/>
+                </a:solidFill>
+              </a:defRPr>
+            </a:lvl1pPr>
+          </a:lstStyle>
+          <a:p>
+            <a:fld id="{F7886C9C-DC18-4195-8FD5-A50AA931D419}" type="slidenum">
               <a:rPr lang="en-US" smtClean="0"/>
+              <a:pPr/>
               <a:t>‹#›</a:t>
             </a:fld>
-            <a:endParaRPr lang="en-US"/>
+            <a:endParaRPr lang="en-US" dirty="0"/>
+          </a:p>
+        </p:txBody>
+      </p:sp>
+      <p:sp>
+        <p:nvSpPr>
+          <p:cNvPr id="3" name="Text Placeholder 2"/>
+          <p:cNvSpPr>
+            <a:spLocks noGrp="1"/>
+          </p:cNvSpPr>
+          <p:nvPr>
+            <p:ph type="body" idx="2"/>
+          </p:nvPr>
+        </p:nvSpPr>
+        <p:spPr>
+          <a:xfrm>
+            <a:off x="609600" y="1752600"/>
+            <a:ext cx="1600200" cy="4343400"/>
+          </a:xfrm>
+          <a:ln w="50800" cap="sq" cmpd="dbl" algn="ctr">
+            <a:solidFill>
+              <a:schemeClr val="accent2"/>
+            </a:solidFill>
+            <a:prstDash val="solid"/>
+            <a:miter lim="800000"/>
+          </a:ln>
+          <a:effectLst/>
+        </p:spPr>
+        <p:style>
+          <a:lnRef idx="3">
+            <a:schemeClr val="lt1"/>
+          </a:lnRef>
+          <a:fillRef idx="1">
+            <a:schemeClr val="accent2"/>
+          </a:fillRef>
+          <a:effectRef idx="1">
+            <a:schemeClr val="accent2"/>
+          </a:effectRef>
+          <a:fontRef idx="minor">
+            <a:schemeClr val="lt1"/>
+          </a:fontRef>
+        </p:style>
+        <p:txBody>
+          <a:bodyPr lIns="137160" tIns="182880" rIns="137160" bIns="91440"/>
+          <a:lstStyle>
+            <a:lvl1pPr marL="0" indent="0">
+              <a:spcAft>
+                <a:spcPts val="1000"/>
+              </a:spcAft>
+              <a:buNone/>
+              <a:defRPr sz="1800"/>
+            </a:lvl1pPr>
+            <a:lvl2pPr>
+              <a:buNone/>
+              <a:defRPr sz="1200"/>
+            </a:lvl2pPr>
+            <a:lvl3pPr>
+              <a:buNone/>
+              <a:defRPr sz="1000"/>
+            </a:lvl3pPr>
+            <a:lvl4pPr>
+              <a:buNone/>
+              <a:defRPr sz="900"/>
+            </a:lvl4pPr>
+            <a:lvl5pPr>
+              <a:buNone/>
+              <a:defRPr sz="900"/>
+            </a:lvl5pPr>
+          </a:lstStyle>
+          <a:p>
+            <a:pPr lvl="0" eaLnBrk="1" latinLnBrk="0" hangingPunct="1"/>
+            <a:r>
+              <a:rPr kumimoji="0" lang="x-none" smtClean="0"/>
+              <a:t>Click to edit Master text styles</a:t>
+            </a:r>
+          </a:p>
+        </p:txBody>
+      </p:sp>
+      <p:sp>
+        <p:nvSpPr>
+          <p:cNvPr id="9" name="Content Placeholder 8"/>
+          <p:cNvSpPr>
+            <a:spLocks noGrp="1"/>
+          </p:cNvSpPr>
+          <p:nvPr>
+            <p:ph sz="quarter" idx="1"/>
+          </p:nvPr>
+        </p:nvSpPr>
+        <p:spPr>
+          <a:xfrm>
+            <a:off x="2362200" y="1752600"/>
+            <a:ext cx="6400800" cy="4419600"/>
+          </a:xfrm>
+        </p:spPr>
+        <p:txBody>
+          <a:bodyPr/>
+          <a:lstStyle/>
+          <a:p>
+            <a:pPr lvl="0" eaLnBrk="1" latinLnBrk="0" hangingPunct="1"/>
+            <a:r>
+              <a:rPr lang="x-none" smtClean="0"/>
+              <a:t>Click to edit Master text styles</a:t>
+            </a:r>
+          </a:p>
+          <a:p>
+            <a:pPr lvl="1" eaLnBrk="1" latinLnBrk="0" hangingPunct="1"/>
+            <a:r>
+              <a:rPr lang="x-none" smtClean="0"/>
+              <a:t>Second level</a:t>
+            </a:r>
+          </a:p>
+          <a:p>
+            <a:pPr lvl="2" eaLnBrk="1" latinLnBrk="0" hangingPunct="1"/>
+            <a:r>
+              <a:rPr lang="x-none" smtClean="0"/>
+              <a:t>Third level</a:t>
+            </a:r>
+          </a:p>
+          <a:p>
+            <a:pPr lvl="3" eaLnBrk="1" latinLnBrk="0" hangingPunct="1"/>
+            <a:r>
+              <a:rPr lang="x-none" smtClean="0"/>
+              <a:t>Fourth level</a:t>
+            </a:r>
+          </a:p>
+          <a:p>
+            <a:pPr lvl="4" eaLnBrk="1" latinLnBrk="0" hangingPunct="1"/>
+            <a:r>
+              <a:rPr lang="x-none" smtClean="0"/>
+              <a:t>Fifth level</a:t>
+            </a:r>
+            <a:endParaRPr kumimoji="0" lang="en-US"/>
           </a:p>
         </p:txBody>
       </p:sp>
     </p:spTree>
-    <p:extLst>
-      <p:ext uri="{BB962C8B-B14F-4D97-AF65-F5344CB8AC3E}">
-        <p14:creationId xmlns:p14="http://schemas.microsoft.com/office/powerpoint/2010/main" val="1781192360"/>
-      </p:ext>
-    </p:extLst>
   </p:cSld>
   <p:clrMapOvr>
     <a:masterClrMapping/>
@@ -4488,8 +4755,13 @@
 </file>
 
 <file path=ppt/slideLayouts/slideLayout9.xml><?xml version="1.0" encoding="utf-8"?>
-<p:sldLayout xmlns:a="http://schemas.openxmlformats.org/drawingml/2006/main" xmlns:r="http://schemas.openxmlformats.org/officeDocument/2006/relationships" xmlns:p="http://schemas.openxmlformats.org/presentationml/2006/main" type="picTx" preserve="1">
+<p:sldLayout xmlns:a="http://schemas.openxmlformats.org/drawingml/2006/main" xmlns:r="http://schemas.openxmlformats.org/officeDocument/2006/relationships" xmlns:p="http://schemas.openxmlformats.org/presentationml/2006/main" showMasterSp="0" type="picTx" preserve="1">
   <p:cSld name="Picture with Caption">
+    <p:bg>
+      <p:bgRef idx="1003">
+        <a:schemeClr val="bg2"/>
+      </p:bgRef>
+    </p:bg>
     <p:spTree>
       <p:nvGrpSpPr>
         <p:cNvPr id="1" name=""/>
@@ -4506,6 +4778,202 @@
       </p:grpSpPr>
       <p:sp>
         <p:nvSpPr>
+          <p:cNvPr id="4" name="Text Placeholder 3"/>
+          <p:cNvSpPr>
+            <a:spLocks noGrp="1"/>
+          </p:cNvSpPr>
+          <p:nvPr>
+            <p:ph type="body" sz="half" idx="2"/>
+          </p:nvPr>
+        </p:nvSpPr>
+        <p:spPr>
+          <a:xfrm>
+            <a:off x="1600200" y="5486400"/>
+            <a:ext cx="7315200" cy="685800"/>
+          </a:xfrm>
+        </p:spPr>
+        <p:txBody>
+          <a:bodyPr/>
+          <a:lstStyle>
+            <a:lvl1pPr marL="0" indent="0">
+              <a:buFontTx/>
+              <a:buNone/>
+              <a:defRPr sz="1700"/>
+            </a:lvl1pPr>
+            <a:lvl2pPr>
+              <a:buFontTx/>
+              <a:buNone/>
+              <a:defRPr sz="1200"/>
+            </a:lvl2pPr>
+            <a:lvl3pPr>
+              <a:buFontTx/>
+              <a:buNone/>
+              <a:defRPr sz="1000"/>
+            </a:lvl3pPr>
+            <a:lvl4pPr>
+              <a:buFontTx/>
+              <a:buNone/>
+              <a:defRPr sz="900"/>
+            </a:lvl4pPr>
+            <a:lvl5pPr>
+              <a:buFontTx/>
+              <a:buNone/>
+              <a:defRPr sz="900"/>
+            </a:lvl5pPr>
+          </a:lstStyle>
+          <a:p>
+            <a:pPr lvl="0" eaLnBrk="1" latinLnBrk="0" hangingPunct="1"/>
+            <a:r>
+              <a:rPr kumimoji="0" lang="x-none" smtClean="0"/>
+              <a:t>Click to edit Master text styles</a:t>
+            </a:r>
+          </a:p>
+        </p:txBody>
+      </p:sp>
+      <p:sp>
+        <p:nvSpPr>
+          <p:cNvPr id="8" name="Rectangle 7"/>
+          <p:cNvSpPr/>
+          <p:nvPr/>
+        </p:nvSpPr>
+        <p:spPr bwMode="white">
+          <a:xfrm>
+            <a:off x="-9144" y="4572000"/>
+            <a:ext cx="9144000" cy="886968"/>
+          </a:xfrm>
+          <a:prstGeom prst="rect">
+            <a:avLst/>
+          </a:prstGeom>
+          <a:solidFill>
+            <a:srgbClr val="FFFFFF"/>
+          </a:solidFill>
+          <a:ln w="50800" cap="rnd" cmpd="dbl" algn="ctr">
+            <a:noFill/>
+            <a:prstDash val="solid"/>
+          </a:ln>
+          <a:effectLst/>
+        </p:spPr>
+        <p:style>
+          <a:lnRef idx="3">
+            <a:schemeClr val="lt1"/>
+          </a:lnRef>
+          <a:fillRef idx="1">
+            <a:schemeClr val="accent1"/>
+          </a:fillRef>
+          <a:effectRef idx="1">
+            <a:schemeClr val="accent1"/>
+          </a:effectRef>
+          <a:fontRef idx="minor">
+            <a:schemeClr val="lt1"/>
+          </a:fontRef>
+        </p:style>
+        <p:txBody>
+          <a:bodyPr anchor="ctr"/>
+          <a:lstStyle/>
+          <a:p>
+            <a:pPr algn="ctr" eaLnBrk="1" latinLnBrk="0" hangingPunct="1"/>
+            <a:endParaRPr kumimoji="0" lang="en-US"/>
+          </a:p>
+        </p:txBody>
+      </p:sp>
+      <p:sp>
+        <p:nvSpPr>
+          <p:cNvPr id="9" name="Rectangle 8"/>
+          <p:cNvSpPr/>
+          <p:nvPr/>
+        </p:nvSpPr>
+        <p:spPr>
+          <a:xfrm>
+            <a:off x="-9144" y="4663440"/>
+            <a:ext cx="1463040" cy="713232"/>
+          </a:xfrm>
+          <a:prstGeom prst="rect">
+            <a:avLst/>
+          </a:prstGeom>
+          <a:solidFill>
+            <a:schemeClr val="accent2">
+              <a:alpha val="100000"/>
+            </a:schemeClr>
+          </a:solidFill>
+          <a:ln w="50800" cap="rnd" cmpd="dbl" algn="ctr">
+            <a:noFill/>
+            <a:prstDash val="solid"/>
+          </a:ln>
+          <a:effectLst/>
+        </p:spPr>
+        <p:style>
+          <a:lnRef idx="3">
+            <a:schemeClr val="lt1"/>
+          </a:lnRef>
+          <a:fillRef idx="1">
+            <a:schemeClr val="accent1"/>
+          </a:fillRef>
+          <a:effectRef idx="1">
+            <a:schemeClr val="accent1"/>
+          </a:effectRef>
+          <a:fontRef idx="minor">
+            <a:schemeClr val="lt1"/>
+          </a:fontRef>
+        </p:style>
+        <p:txBody>
+          <a:bodyPr anchor="ctr"/>
+          <a:lstStyle/>
+          <a:p>
+            <a:pPr algn="ctr" eaLnBrk="1" latinLnBrk="0" hangingPunct="1"/>
+            <a:endParaRPr kumimoji="0" lang="en-US"/>
+          </a:p>
+        </p:txBody>
+      </p:sp>
+      <p:sp>
+        <p:nvSpPr>
+          <p:cNvPr id="10" name="Rectangle 9"/>
+          <p:cNvSpPr/>
+          <p:nvPr/>
+        </p:nvSpPr>
+        <p:spPr>
+          <a:xfrm>
+            <a:off x="1545336" y="4654296"/>
+            <a:ext cx="7598664" cy="713232"/>
+          </a:xfrm>
+          <a:prstGeom prst="rect">
+            <a:avLst/>
+          </a:prstGeom>
+          <a:solidFill>
+            <a:schemeClr val="accent1">
+              <a:alpha val="100000"/>
+            </a:schemeClr>
+          </a:solidFill>
+          <a:ln w="50800" cap="rnd" cmpd="dbl" algn="ctr">
+            <a:noFill/>
+            <a:prstDash val="solid"/>
+          </a:ln>
+          <a:effectLst/>
+        </p:spPr>
+        <p:style>
+          <a:lnRef idx="3">
+            <a:schemeClr val="lt1"/>
+          </a:lnRef>
+          <a:fillRef idx="1">
+            <a:schemeClr val="accent1"/>
+          </a:fillRef>
+          <a:effectRef idx="1">
+            <a:schemeClr val="accent1"/>
+          </a:effectRef>
+          <a:fontRef idx="minor">
+            <a:schemeClr val="lt1"/>
+          </a:fontRef>
+        </p:style>
+        <p:txBody>
+          <a:bodyPr anchor="ctr"/>
+          <a:lstStyle/>
+          <a:p>
+            <a:pPr algn="ctr" eaLnBrk="1" latinLnBrk="0" hangingPunct="1"/>
+            <a:endParaRPr kumimoji="0" lang="en-US"/>
+          </a:p>
+        </p:txBody>
+      </p:sp>
+      <p:sp>
+        <p:nvSpPr>
           <p:cNvPr id="2" name="Title 1"/>
           <p:cNvSpPr>
             <a:spLocks noGrp="1"/>
@@ -4516,22 +4984,157 @@
         </p:nvSpPr>
         <p:spPr>
           <a:xfrm>
-            <a:off x="1792288" y="4800600"/>
-            <a:ext cx="5486400" cy="566738"/>
+            <a:off x="1600200" y="4648200"/>
+            <a:ext cx="7315200" cy="685800"/>
           </a:xfrm>
         </p:spPr>
         <p:txBody>
-          <a:bodyPr anchor="b"/>
+          <a:bodyPr anchor="ctr"/>
           <a:lstStyle>
             <a:lvl1pPr algn="l">
-              <a:defRPr sz="2000" b="1"/>
+              <a:buNone/>
+              <a:defRPr sz="2800" b="0">
+                <a:solidFill>
+                  <a:srgbClr val="FFFFFF"/>
+                </a:solidFill>
+              </a:defRPr>
             </a:lvl1pPr>
           </a:lstStyle>
           <a:p>
             <a:r>
-              <a:rPr lang="x-none" smtClean="0"/>
+              <a:rPr kumimoji="0" lang="x-none" smtClean="0"/>
               <a:t>Click to edit Master title style</a:t>
             </a:r>
+            <a:endParaRPr kumimoji="0" lang="en-US"/>
+          </a:p>
+        </p:txBody>
+      </p:sp>
+      <p:sp>
+        <p:nvSpPr>
+          <p:cNvPr id="11" name="Rectangle 10"/>
+          <p:cNvSpPr/>
+          <p:nvPr/>
+        </p:nvSpPr>
+        <p:spPr bwMode="white">
+          <a:xfrm>
+            <a:off x="1447800" y="0"/>
+            <a:ext cx="100584" cy="6867144"/>
+          </a:xfrm>
+          <a:prstGeom prst="rect">
+            <a:avLst/>
+          </a:prstGeom>
+          <a:solidFill>
+            <a:srgbClr val="FFFFFF"/>
+          </a:solidFill>
+          <a:ln w="50800" cap="rnd" cmpd="dbl" algn="ctr">
+            <a:noFill/>
+            <a:prstDash val="solid"/>
+          </a:ln>
+          <a:effectLst/>
+        </p:spPr>
+        <p:style>
+          <a:lnRef idx="3">
+            <a:schemeClr val="lt1"/>
+          </a:lnRef>
+          <a:fillRef idx="1">
+            <a:schemeClr val="accent1"/>
+          </a:fillRef>
+          <a:effectRef idx="1">
+            <a:schemeClr val="accent1"/>
+          </a:effectRef>
+          <a:fontRef idx="minor">
+            <a:schemeClr val="lt1"/>
+          </a:fontRef>
+        </p:style>
+        <p:txBody>
+          <a:bodyPr anchor="ctr"/>
+          <a:lstStyle/>
+          <a:p>
+            <a:pPr algn="ctr" eaLnBrk="1" latinLnBrk="0" hangingPunct="1"/>
+            <a:endParaRPr kumimoji="0" lang="en-US"/>
+          </a:p>
+        </p:txBody>
+      </p:sp>
+      <p:sp>
+        <p:nvSpPr>
+          <p:cNvPr id="12" name="Date Placeholder 11"/>
+          <p:cNvSpPr>
+            <a:spLocks noGrp="1"/>
+          </p:cNvSpPr>
+          <p:nvPr>
+            <p:ph type="dt" sz="half" idx="10"/>
+          </p:nvPr>
+        </p:nvSpPr>
+        <p:spPr>
+          <a:xfrm>
+            <a:off x="6248400" y="6248400"/>
+            <a:ext cx="2667000" cy="365125"/>
+          </a:xfrm>
+        </p:spPr>
+        <p:txBody>
+          <a:bodyPr rtlCol="0"/>
+          <a:lstStyle/>
+          <a:p>
+            <a:fld id="{76A98DAD-5796-154F-9D08-20EF7FFE737C}" type="datetimeFigureOut">
+              <a:rPr lang="en-US" smtClean="0"/>
+              <a:t>9/19/12</a:t>
+            </a:fld>
+            <a:endParaRPr lang="en-US"/>
+          </a:p>
+        </p:txBody>
+      </p:sp>
+      <p:sp>
+        <p:nvSpPr>
+          <p:cNvPr id="13" name="Slide Number Placeholder 12"/>
+          <p:cNvSpPr>
+            <a:spLocks noGrp="1"/>
+          </p:cNvSpPr>
+          <p:nvPr>
+            <p:ph type="sldNum" sz="quarter" idx="11"/>
+          </p:nvPr>
+        </p:nvSpPr>
+        <p:spPr>
+          <a:xfrm>
+            <a:off x="0" y="4667249"/>
+            <a:ext cx="1447800" cy="663578"/>
+          </a:xfrm>
+        </p:spPr>
+        <p:txBody>
+          <a:bodyPr rtlCol="0"/>
+          <a:lstStyle>
+            <a:lvl1pPr>
+              <a:defRPr sz="2800"/>
+            </a:lvl1pPr>
+          </a:lstStyle>
+          <a:p>
+            <a:fld id="{687813F3-0328-D443-B9B7-51C354F46DF8}" type="slidenum">
+              <a:rPr lang="en-US" smtClean="0"/>
+              <a:t>‹#›</a:t>
+            </a:fld>
+            <a:endParaRPr lang="en-US"/>
+          </a:p>
+        </p:txBody>
+      </p:sp>
+      <p:sp>
+        <p:nvSpPr>
+          <p:cNvPr id="14" name="Footer Placeholder 13"/>
+          <p:cNvSpPr>
+            <a:spLocks noGrp="1"/>
+          </p:cNvSpPr>
+          <p:nvPr>
+            <p:ph type="ftr" sz="quarter" idx="12"/>
+          </p:nvPr>
+        </p:nvSpPr>
+        <p:spPr>
+          <a:xfrm>
+            <a:off x="1600200" y="6248206"/>
+            <a:ext cx="4572000" cy="365125"/>
+          </a:xfrm>
+        </p:spPr>
+        <p:txBody>
+          <a:bodyPr rtlCol="0"/>
+          <a:lstStyle/>
+          <a:p>
             <a:endParaRPr lang="en-US"/>
           </a:p>
         </p:txBody>
@@ -4548,9 +5151,17 @@
         </p:nvSpPr>
         <p:spPr>
           <a:xfrm>
-            <a:off x="1792288" y="612775"/>
-            <a:ext cx="5486400" cy="4114800"/>
+            <a:off x="1560576" y="0"/>
+            <a:ext cx="7583424" cy="4568952"/>
           </a:xfrm>
+          <a:solidFill>
+            <a:schemeClr val="accent1">
+              <a:tint val="40000"/>
+            </a:schemeClr>
+          </a:solidFill>
+          <a:ln>
+            <a:noFill/>
+          </a:ln>
         </p:spPr>
         <p:txBody>
           <a:bodyPr/>
@@ -4559,183 +5170,20 @@
               <a:buNone/>
               <a:defRPr sz="3200"/>
             </a:lvl1pPr>
-            <a:lvl2pPr marL="457200" indent="0">
-              <a:buNone/>
-              <a:defRPr sz="2800"/>
-            </a:lvl2pPr>
-            <a:lvl3pPr marL="914400" indent="0">
-              <a:buNone/>
-              <a:defRPr sz="2400"/>
-            </a:lvl3pPr>
-            <a:lvl4pPr marL="1371600" indent="0">
-              <a:buNone/>
-              <a:defRPr sz="2000"/>
-            </a:lvl4pPr>
-            <a:lvl5pPr marL="1828800" indent="0">
-              <a:buNone/>
-              <a:defRPr sz="2000"/>
-            </a:lvl5pPr>
-            <a:lvl6pPr marL="2286000" indent="0">
-              <a:buNone/>
-              <a:defRPr sz="2000"/>
-            </a:lvl6pPr>
-            <a:lvl7pPr marL="2743200" indent="0">
-              <a:buNone/>
-              <a:defRPr sz="2000"/>
-            </a:lvl7pPr>
-            <a:lvl8pPr marL="3200400" indent="0">
-              <a:buNone/>
-              <a:defRPr sz="2000"/>
-            </a:lvl8pPr>
-            <a:lvl9pPr marL="3657600" indent="0">
-              <a:buNone/>
-              <a:defRPr sz="2000"/>
-            </a:lvl9pPr>
           </a:lstStyle>
           <a:p>
-            <a:endParaRPr lang="en-US"/>
-          </a:p>
-        </p:txBody>
-      </p:sp>
-      <p:sp>
-        <p:nvSpPr>
-          <p:cNvPr id="4" name="Text Placeholder 3"/>
-          <p:cNvSpPr>
-            <a:spLocks noGrp="1"/>
-          </p:cNvSpPr>
-          <p:nvPr>
-            <p:ph type="body" sz="half" idx="2"/>
-          </p:nvPr>
-        </p:nvSpPr>
-        <p:spPr>
-          <a:xfrm>
-            <a:off x="1792288" y="5367338"/>
-            <a:ext cx="5486400" cy="804862"/>
-          </a:xfrm>
-        </p:spPr>
-        <p:txBody>
-          <a:bodyPr/>
-          <a:lstStyle>
-            <a:lvl1pPr marL="0" indent="0">
-              <a:buNone/>
-              <a:defRPr sz="1400"/>
-            </a:lvl1pPr>
-            <a:lvl2pPr marL="457200" indent="0">
-              <a:buNone/>
-              <a:defRPr sz="1200"/>
-            </a:lvl2pPr>
-            <a:lvl3pPr marL="914400" indent="0">
-              <a:buNone/>
-              <a:defRPr sz="1000"/>
-            </a:lvl3pPr>
-            <a:lvl4pPr marL="1371600" indent="0">
-              <a:buNone/>
-              <a:defRPr sz="900"/>
-            </a:lvl4pPr>
-            <a:lvl5pPr marL="1828800" indent="0">
-              <a:buNone/>
-              <a:defRPr sz="900"/>
-            </a:lvl5pPr>
-            <a:lvl6pPr marL="2286000" indent="0">
-              <a:buNone/>
-              <a:defRPr sz="900"/>
-            </a:lvl6pPr>
-            <a:lvl7pPr marL="2743200" indent="0">
-              <a:buNone/>
-              <a:defRPr sz="900"/>
-            </a:lvl7pPr>
-            <a:lvl8pPr marL="3200400" indent="0">
-              <a:buNone/>
-              <a:defRPr sz="900"/>
-            </a:lvl8pPr>
-            <a:lvl9pPr marL="3657600" indent="0">
-              <a:buNone/>
-              <a:defRPr sz="900"/>
-            </a:lvl9pPr>
-          </a:lstStyle>
-          <a:p>
-            <a:pPr lvl="0"/>
-            <a:r>
-              <a:rPr lang="x-none" smtClean="0"/>
-              <a:t>Click to edit Master text styles</a:t>
-            </a:r>
-          </a:p>
-        </p:txBody>
-      </p:sp>
-      <p:sp>
-        <p:nvSpPr>
-          <p:cNvPr id="5" name="Date Placeholder 4"/>
-          <p:cNvSpPr>
-            <a:spLocks noGrp="1"/>
-          </p:cNvSpPr>
-          <p:nvPr>
-            <p:ph type="dt" sz="half" idx="10"/>
-          </p:nvPr>
-        </p:nvSpPr>
-        <p:spPr/>
-        <p:txBody>
-          <a:bodyPr/>
-          <a:lstStyle/>
-          <a:p>
-            <a:fld id="{76A98DAD-5796-154F-9D08-20EF7FFE737C}" type="datetimeFigureOut">
-              <a:rPr lang="en-US" smtClean="0"/>
-              <a:t>9/18/12</a:t>
-            </a:fld>
-            <a:endParaRPr lang="en-US"/>
-          </a:p>
-        </p:txBody>
-      </p:sp>
-      <p:sp>
-        <p:nvSpPr>
-          <p:cNvPr id="6" name="Footer Placeholder 5"/>
-          <p:cNvSpPr>
-            <a:spLocks noGrp="1"/>
-          </p:cNvSpPr>
-          <p:nvPr>
-            <p:ph type="ftr" sz="quarter" idx="11"/>
-          </p:nvPr>
-        </p:nvSpPr>
-        <p:spPr/>
-        <p:txBody>
-          <a:bodyPr/>
-          <a:lstStyle/>
-          <a:p>
-            <a:endParaRPr lang="en-US"/>
-          </a:p>
-        </p:txBody>
-      </p:sp>
-      <p:sp>
-        <p:nvSpPr>
-          <p:cNvPr id="7" name="Slide Number Placeholder 6"/>
-          <p:cNvSpPr>
-            <a:spLocks noGrp="1"/>
-          </p:cNvSpPr>
-          <p:nvPr>
-            <p:ph type="sldNum" sz="quarter" idx="12"/>
-          </p:nvPr>
-        </p:nvSpPr>
-        <p:spPr/>
-        <p:txBody>
-          <a:bodyPr/>
-          <a:lstStyle/>
-          <a:p>
-            <a:fld id="{687813F3-0328-D443-B9B7-51C354F46DF8}" type="slidenum">
-              <a:rPr lang="en-US" smtClean="0"/>
-              <a:t>‹#›</a:t>
-            </a:fld>
-            <a:endParaRPr lang="en-US"/>
+            <a:r>
+              <a:rPr kumimoji="0" lang="x-none" smtClean="0"/>
+              <a:t>Drag picture to placeholder or click icon to add</a:t>
+            </a:r>
+            <a:endParaRPr kumimoji="0" lang="en-US" dirty="0"/>
           </a:p>
         </p:txBody>
       </p:sp>
     </p:spTree>
-    <p:extLst>
-      <p:ext uri="{BB962C8B-B14F-4D97-AF65-F5344CB8AC3E}">
-        <p14:creationId xmlns:p14="http://schemas.microsoft.com/office/powerpoint/2010/main" val="3601137917"/>
-      </p:ext>
-    </p:extLst>
   </p:cSld>
   <p:clrMapOvr>
-    <a:masterClrMapping/>
+    <a:overrideClrMapping bg1="lt1" tx1="dk1" bg2="lt2" tx2="dk2" accent1="accent1" accent2="accent2" accent3="accent3" accent4="accent4" accent5="accent5" accent6="accent6" hlink="hlink" folHlink="folHlink"/>
   </p:clrMapOvr>
 </p:sldLayout>
 </file>
@@ -4764,7 +5212,7 @@
       </p:grpSpPr>
       <p:sp>
         <p:nvSpPr>
-          <p:cNvPr id="2" name="Title Placeholder 1"/>
+          <p:cNvPr id="22" name="Title Placeholder 21"/>
           <p:cNvSpPr>
             <a:spLocks noGrp="1"/>
           </p:cNvSpPr>
@@ -4774,30 +5222,30 @@
         </p:nvSpPr>
         <p:spPr>
           <a:xfrm>
-            <a:off x="457200" y="274638"/>
-            <a:ext cx="8229600" cy="1143000"/>
+            <a:off x="609600" y="228600"/>
+            <a:ext cx="8153400" cy="990600"/>
           </a:xfrm>
           <a:prstGeom prst="rect">
             <a:avLst/>
           </a:prstGeom>
         </p:spPr>
         <p:txBody>
-          <a:bodyPr vert="horz" lIns="91440" tIns="45720" rIns="91440" bIns="45720" rtlCol="0" anchor="ctr">
+          <a:bodyPr vert="horz" anchor="ctr">
             <a:normAutofit/>
           </a:bodyPr>
           <a:lstStyle/>
           <a:p>
             <a:r>
-              <a:rPr lang="x-none" smtClean="0"/>
+              <a:rPr kumimoji="0" lang="x-none" smtClean="0"/>
               <a:t>Click to edit Master title style</a:t>
             </a:r>
-            <a:endParaRPr lang="en-US"/>
+            <a:endParaRPr kumimoji="0" lang="en-US"/>
           </a:p>
         </p:txBody>
       </p:sp>
       <p:sp>
         <p:nvSpPr>
-          <p:cNvPr id="3" name="Text Placeholder 2"/>
+          <p:cNvPr id="13" name="Text Placeholder 12"/>
           <p:cNvSpPr>
             <a:spLocks noGrp="1"/>
           </p:cNvSpPr>
@@ -4807,59 +5255,59 @@
         </p:nvSpPr>
         <p:spPr>
           <a:xfrm>
-            <a:off x="457200" y="1600200"/>
-            <a:ext cx="8229600" cy="4525963"/>
+            <a:off x="612648" y="1600200"/>
+            <a:ext cx="8153400" cy="4526280"/>
           </a:xfrm>
           <a:prstGeom prst="rect">
             <a:avLst/>
           </a:prstGeom>
         </p:spPr>
         <p:txBody>
-          <a:bodyPr vert="horz" lIns="91440" tIns="45720" rIns="91440" bIns="45720" rtlCol="0">
+          <a:bodyPr vert="horz">
             <a:normAutofit/>
           </a:bodyPr>
           <a:lstStyle/>
           <a:p>
-            <a:pPr lvl="0"/>
-            <a:r>
-              <a:rPr lang="x-none" smtClean="0"/>
+            <a:pPr lvl="0" eaLnBrk="1" latinLnBrk="0" hangingPunct="1"/>
+            <a:r>
+              <a:rPr kumimoji="0" lang="x-none" smtClean="0"/>
               <a:t>Click to edit Master text styles</a:t>
             </a:r>
           </a:p>
           <a:p>
-            <a:pPr lvl="1"/>
-            <a:r>
-              <a:rPr lang="x-none" smtClean="0"/>
+            <a:pPr lvl="1" eaLnBrk="1" latinLnBrk="0" hangingPunct="1"/>
+            <a:r>
+              <a:rPr kumimoji="0" lang="x-none" smtClean="0"/>
               <a:t>Second level</a:t>
             </a:r>
           </a:p>
           <a:p>
-            <a:pPr lvl="2"/>
-            <a:r>
-              <a:rPr lang="x-none" smtClean="0"/>
+            <a:pPr lvl="2" eaLnBrk="1" latinLnBrk="0" hangingPunct="1"/>
+            <a:r>
+              <a:rPr kumimoji="0" lang="x-none" smtClean="0"/>
               <a:t>Third level</a:t>
             </a:r>
           </a:p>
           <a:p>
-            <a:pPr lvl="3"/>
-            <a:r>
-              <a:rPr lang="x-none" smtClean="0"/>
+            <a:pPr lvl="3" eaLnBrk="1" latinLnBrk="0" hangingPunct="1"/>
+            <a:r>
+              <a:rPr kumimoji="0" lang="x-none" smtClean="0"/>
               <a:t>Fourth level</a:t>
             </a:r>
           </a:p>
           <a:p>
-            <a:pPr lvl="4"/>
-            <a:r>
-              <a:rPr lang="x-none" smtClean="0"/>
+            <a:pPr lvl="4" eaLnBrk="1" latinLnBrk="0" hangingPunct="1"/>
+            <a:r>
+              <a:rPr kumimoji="0" lang="x-none" smtClean="0"/>
               <a:t>Fifth level</a:t>
             </a:r>
-            <a:endParaRPr lang="en-US"/>
+            <a:endParaRPr kumimoji="0" lang="en-US"/>
           </a:p>
         </p:txBody>
       </p:sp>
       <p:sp>
         <p:nvSpPr>
-          <p:cNvPr id="4" name="Date Placeholder 3"/>
+          <p:cNvPr id="14" name="Date Placeholder 13"/>
           <p:cNvSpPr>
             <a:spLocks noGrp="1"/>
           </p:cNvSpPr>
@@ -4869,22 +5317,20 @@
         </p:nvSpPr>
         <p:spPr>
           <a:xfrm>
-            <a:off x="457200" y="6356350"/>
-            <a:ext cx="2133600" cy="365125"/>
+            <a:off x="6096000" y="6248400"/>
+            <a:ext cx="2667000" cy="365125"/>
           </a:xfrm>
           <a:prstGeom prst="rect">
             <a:avLst/>
           </a:prstGeom>
         </p:spPr>
         <p:txBody>
-          <a:bodyPr vert="horz" lIns="91440" tIns="45720" rIns="91440" bIns="45720" rtlCol="0" anchor="ctr"/>
+          <a:bodyPr vert="horz" anchor="ctr" anchorCtr="0"/>
           <a:lstStyle>
-            <a:lvl1pPr algn="l">
-              <a:defRPr sz="1200">
+            <a:lvl1pPr algn="l" eaLnBrk="1" latinLnBrk="0" hangingPunct="1">
+              <a:defRPr kumimoji="0" sz="1400">
                 <a:solidFill>
-                  <a:schemeClr val="tx1">
-                    <a:tint val="75000"/>
-                  </a:schemeClr>
+                  <a:schemeClr val="tx2"/>
                 </a:solidFill>
               </a:defRPr>
             </a:lvl1pPr>
@@ -4892,7 +5338,7 @@
           <a:p>
             <a:fld id="{76A98DAD-5796-154F-9D08-20EF7FFE737C}" type="datetimeFigureOut">
               <a:rPr lang="en-US" smtClean="0"/>
-              <a:t>9/18/12</a:t>
+              <a:t>9/19/12</a:t>
             </a:fld>
             <a:endParaRPr lang="en-US"/>
           </a:p>
@@ -4900,7 +5346,7 @@
       </p:sp>
       <p:sp>
         <p:nvSpPr>
-          <p:cNvPr id="5" name="Footer Placeholder 4"/>
+          <p:cNvPr id="3" name="Footer Placeholder 2"/>
           <p:cNvSpPr>
             <a:spLocks noGrp="1"/>
           </p:cNvSpPr>
@@ -4910,22 +5356,20 @@
         </p:nvSpPr>
         <p:spPr>
           <a:xfrm>
-            <a:off x="3124200" y="6356350"/>
-            <a:ext cx="2895600" cy="365125"/>
+            <a:off x="609600" y="6248206"/>
+            <a:ext cx="5421083" cy="365125"/>
           </a:xfrm>
           <a:prstGeom prst="rect">
             <a:avLst/>
           </a:prstGeom>
         </p:spPr>
         <p:txBody>
-          <a:bodyPr vert="horz" lIns="91440" tIns="45720" rIns="91440" bIns="45720" rtlCol="0" anchor="ctr"/>
+          <a:bodyPr vert="horz" anchor="ctr"/>
           <a:lstStyle>
-            <a:lvl1pPr algn="ctr">
-              <a:defRPr sz="1200">
+            <a:lvl1pPr algn="r" eaLnBrk="1" latinLnBrk="0" hangingPunct="1">
+              <a:defRPr kumimoji="0" sz="1400">
                 <a:solidFill>
-                  <a:schemeClr val="tx1">
-                    <a:tint val="75000"/>
-                  </a:schemeClr>
+                  <a:schemeClr val="tx2"/>
                 </a:solidFill>
               </a:defRPr>
             </a:lvl1pPr>
@@ -4937,7 +5381,149 @@
       </p:sp>
       <p:sp>
         <p:nvSpPr>
-          <p:cNvPr id="6" name="Slide Number Placeholder 5"/>
+          <p:cNvPr id="7" name="Rectangle 6"/>
+          <p:cNvSpPr/>
+          <p:nvPr/>
+        </p:nvSpPr>
+        <p:spPr bwMode="white">
+          <a:xfrm>
+            <a:off x="0" y="1234440"/>
+            <a:ext cx="9144000" cy="320040"/>
+          </a:xfrm>
+          <a:prstGeom prst="rect">
+            <a:avLst/>
+          </a:prstGeom>
+          <a:solidFill>
+            <a:srgbClr val="FFFFFF"/>
+          </a:solidFill>
+          <a:ln w="50800" cap="rnd" cmpd="dbl" algn="ctr">
+            <a:noFill/>
+            <a:prstDash val="solid"/>
+          </a:ln>
+          <a:effectLst/>
+        </p:spPr>
+        <p:style>
+          <a:lnRef idx="3">
+            <a:schemeClr val="lt1"/>
+          </a:lnRef>
+          <a:fillRef idx="1">
+            <a:schemeClr val="accent1"/>
+          </a:fillRef>
+          <a:effectRef idx="1">
+            <a:schemeClr val="accent1"/>
+          </a:effectRef>
+          <a:fontRef idx="minor">
+            <a:schemeClr val="lt1"/>
+          </a:fontRef>
+        </p:style>
+        <p:txBody>
+          <a:bodyPr anchor="ctr"/>
+          <a:lstStyle/>
+          <a:p>
+            <a:pPr algn="ctr" eaLnBrk="1" latinLnBrk="0" hangingPunct="1"/>
+            <a:endParaRPr kumimoji="0" lang="en-US"/>
+          </a:p>
+        </p:txBody>
+      </p:sp>
+      <p:sp>
+        <p:nvSpPr>
+          <p:cNvPr id="8" name="Rectangle 7"/>
+          <p:cNvSpPr/>
+          <p:nvPr/>
+        </p:nvSpPr>
+        <p:spPr>
+          <a:xfrm>
+            <a:off x="0" y="1280160"/>
+            <a:ext cx="533400" cy="228600"/>
+          </a:xfrm>
+          <a:prstGeom prst="rect">
+            <a:avLst/>
+          </a:prstGeom>
+          <a:solidFill>
+            <a:schemeClr val="accent2">
+              <a:alpha val="100000"/>
+            </a:schemeClr>
+          </a:solidFill>
+          <a:ln w="50800" cap="rnd" cmpd="dbl" algn="ctr">
+            <a:noFill/>
+            <a:prstDash val="solid"/>
+          </a:ln>
+          <a:effectLst/>
+        </p:spPr>
+        <p:style>
+          <a:lnRef idx="3">
+            <a:schemeClr val="lt1"/>
+          </a:lnRef>
+          <a:fillRef idx="1">
+            <a:schemeClr val="accent1"/>
+          </a:fillRef>
+          <a:effectRef idx="1">
+            <a:schemeClr val="accent1"/>
+          </a:effectRef>
+          <a:fontRef idx="minor">
+            <a:schemeClr val="lt1"/>
+          </a:fontRef>
+        </p:style>
+        <p:txBody>
+          <a:bodyPr anchor="ctr"/>
+          <a:lstStyle/>
+          <a:p>
+            <a:pPr algn="ctr" eaLnBrk="1" latinLnBrk="0" hangingPunct="1"/>
+            <a:endParaRPr kumimoji="0" lang="en-US"/>
+          </a:p>
+        </p:txBody>
+      </p:sp>
+      <p:sp>
+        <p:nvSpPr>
+          <p:cNvPr id="9" name="Rectangle 8"/>
+          <p:cNvSpPr/>
+          <p:nvPr/>
+        </p:nvSpPr>
+        <p:spPr>
+          <a:xfrm>
+            <a:off x="590550" y="1280160"/>
+            <a:ext cx="8553450" cy="228600"/>
+          </a:xfrm>
+          <a:prstGeom prst="rect">
+            <a:avLst/>
+          </a:prstGeom>
+          <a:solidFill>
+            <a:schemeClr val="accent1">
+              <a:alpha val="100000"/>
+            </a:schemeClr>
+          </a:solidFill>
+          <a:ln w="50800" cap="rnd" cmpd="dbl" algn="ctr">
+            <a:noFill/>
+            <a:prstDash val="solid"/>
+          </a:ln>
+          <a:effectLst/>
+        </p:spPr>
+        <p:style>
+          <a:lnRef idx="3">
+            <a:schemeClr val="lt1"/>
+          </a:lnRef>
+          <a:fillRef idx="1">
+            <a:schemeClr val="accent1"/>
+          </a:fillRef>
+          <a:effectRef idx="1">
+            <a:schemeClr val="accent1"/>
+          </a:effectRef>
+          <a:fontRef idx="minor">
+            <a:schemeClr val="lt1"/>
+          </a:fontRef>
+        </p:style>
+        <p:txBody>
+          <a:bodyPr anchor="ctr"/>
+          <a:lstStyle/>
+          <a:p>
+            <a:pPr algn="ctr" eaLnBrk="1" latinLnBrk="0" hangingPunct="1"/>
+            <a:endParaRPr kumimoji="0" lang="en-US"/>
+          </a:p>
+        </p:txBody>
+      </p:sp>
+      <p:sp>
+        <p:nvSpPr>
+          <p:cNvPr id="23" name="Slide Number Placeholder 22"/>
           <p:cNvSpPr>
             <a:spLocks noGrp="1"/>
           </p:cNvSpPr>
@@ -4947,22 +5533,22 @@
         </p:nvSpPr>
         <p:spPr>
           <a:xfrm>
-            <a:off x="6553200" y="6356350"/>
-            <a:ext cx="2133600" cy="365125"/>
+            <a:off x="0" y="1272222"/>
+            <a:ext cx="533400" cy="244476"/>
           </a:xfrm>
           <a:prstGeom prst="rect">
             <a:avLst/>
           </a:prstGeom>
         </p:spPr>
         <p:txBody>
-          <a:bodyPr vert="horz" lIns="91440" tIns="45720" rIns="91440" bIns="45720" rtlCol="0" anchor="ctr"/>
+          <a:bodyPr vert="horz" anchor="ctr" anchorCtr="0">
+            <a:normAutofit/>
+          </a:bodyPr>
           <a:lstStyle>
-            <a:lvl1pPr algn="r">
-              <a:defRPr sz="1200">
+            <a:lvl1pPr algn="ctr" eaLnBrk="1" latinLnBrk="0" hangingPunct="1">
+              <a:defRPr kumimoji="0" sz="1400" b="1">
                 <a:solidFill>
-                  <a:schemeClr val="tx1">
-                    <a:tint val="75000"/>
-                  </a:schemeClr>
+                  <a:srgbClr val="FFFFFF"/>
                 </a:solidFill>
               </a:defRPr>
             </a:lvl1pPr>
@@ -4977,36 +5563,31 @@
         </p:txBody>
       </p:sp>
     </p:spTree>
-    <p:extLst>
-      <p:ext uri="{BB962C8B-B14F-4D97-AF65-F5344CB8AC3E}">
-        <p14:creationId xmlns:p14="http://schemas.microsoft.com/office/powerpoint/2010/main" val="1185331343"/>
-      </p:ext>
-    </p:extLst>
   </p:cSld>
   <p:clrMap bg1="lt1" tx1="dk1" bg2="lt2" tx2="dk2" accent1="accent1" accent2="accent2" accent3="accent3" accent4="accent4" accent5="accent5" accent6="accent6" hlink="hlink" folHlink="folHlink"/>
   <p:sldLayoutIdLst>
-    <p:sldLayoutId id="2147483649" r:id="rId1"/>
-    <p:sldLayoutId id="2147483650" r:id="rId2"/>
-    <p:sldLayoutId id="2147483651" r:id="rId3"/>
-    <p:sldLayoutId id="2147483652" r:id="rId4"/>
-    <p:sldLayoutId id="2147483653" r:id="rId5"/>
-    <p:sldLayoutId id="2147483654" r:id="rId6"/>
-    <p:sldLayoutId id="2147483655" r:id="rId7"/>
-    <p:sldLayoutId id="2147483656" r:id="rId8"/>
-    <p:sldLayoutId id="2147483657" r:id="rId9"/>
-    <p:sldLayoutId id="2147483658" r:id="rId10"/>
-    <p:sldLayoutId id="2147483659" r:id="rId11"/>
+    <p:sldLayoutId id="2147483825" r:id="rId1"/>
+    <p:sldLayoutId id="2147483826" r:id="rId2"/>
+    <p:sldLayoutId id="2147483827" r:id="rId3"/>
+    <p:sldLayoutId id="2147483828" r:id="rId4"/>
+    <p:sldLayoutId id="2147483829" r:id="rId5"/>
+    <p:sldLayoutId id="2147483830" r:id="rId6"/>
+    <p:sldLayoutId id="2147483831" r:id="rId7"/>
+    <p:sldLayoutId id="2147483832" r:id="rId8"/>
+    <p:sldLayoutId id="2147483833" r:id="rId9"/>
+    <p:sldLayoutId id="2147483834" r:id="rId10"/>
+    <p:sldLayoutId id="2147483835" r:id="rId11"/>
   </p:sldLayoutIdLst>
   <p:txStyles>
     <p:titleStyle>
-      <a:lvl1pPr algn="ctr" defTabSz="457200" rtl="0" eaLnBrk="1" latinLnBrk="0" hangingPunct="1">
+      <a:lvl1pPr algn="l" rtl="0" eaLnBrk="1" latinLnBrk="0" hangingPunct="1">
         <a:spcBef>
           <a:spcPct val="0"/>
         </a:spcBef>
         <a:buNone/>
-        <a:defRPr sz="4400" kern="1200">
+        <a:defRPr kumimoji="0" sz="4400" kern="1200">
           <a:solidFill>
-            <a:schemeClr val="tx1"/>
+            <a:schemeClr val="tx2"/>
           </a:solidFill>
           <a:latin typeface="+mj-lt"/>
           <a:ea typeface="+mj-ea"/>
@@ -5015,13 +5596,17 @@
       </a:lvl1pPr>
     </p:titleStyle>
     <p:bodyStyle>
-      <a:lvl1pPr marL="342900" indent="-342900" algn="l" defTabSz="457200" rtl="0" eaLnBrk="1" latinLnBrk="0" hangingPunct="1">
+      <a:lvl1pPr marL="320040" indent="-320040" algn="l" rtl="0" eaLnBrk="1" latinLnBrk="0" hangingPunct="1">
         <a:spcBef>
-          <a:spcPct val="20000"/>
+          <a:spcPts val="700"/>
         </a:spcBef>
-        <a:buFont typeface="Arial"/>
-        <a:buChar char="•"/>
-        <a:defRPr sz="3200" kern="1200">
+        <a:buClr>
+          <a:schemeClr val="accent2"/>
+        </a:buClr>
+        <a:buSzPct val="60000"/>
+        <a:buFont typeface="Wingdings"/>
+        <a:buChar char=""/>
+        <a:defRPr kumimoji="0" sz="2900" kern="1200">
           <a:solidFill>
             <a:schemeClr val="tx1"/>
           </a:solidFill>
@@ -5030,13 +5615,17 @@
           <a:cs typeface="+mn-cs"/>
         </a:defRPr>
       </a:lvl1pPr>
-      <a:lvl2pPr marL="742950" indent="-285750" algn="l" defTabSz="457200" rtl="0" eaLnBrk="1" latinLnBrk="0" hangingPunct="1">
+      <a:lvl2pPr marL="640080" indent="-274320" algn="l" rtl="0" eaLnBrk="1" latinLnBrk="0" hangingPunct="1">
         <a:spcBef>
-          <a:spcPct val="20000"/>
+          <a:spcPts val="550"/>
         </a:spcBef>
-        <a:buFont typeface="Arial"/>
-        <a:buChar char="–"/>
-        <a:defRPr sz="2800" kern="1200">
+        <a:buClr>
+          <a:schemeClr val="accent1"/>
+        </a:buClr>
+        <a:buSzPct val="70000"/>
+        <a:buFont typeface="Wingdings 2"/>
+        <a:buChar char=""/>
+        <a:defRPr kumimoji="0" sz="2600" kern="1200">
           <a:solidFill>
             <a:schemeClr val="tx1"/>
           </a:solidFill>
@@ -5045,13 +5634,17 @@
           <a:cs typeface="+mn-cs"/>
         </a:defRPr>
       </a:lvl2pPr>
-      <a:lvl3pPr marL="1143000" indent="-228600" algn="l" defTabSz="457200" rtl="0" eaLnBrk="1" latinLnBrk="0" hangingPunct="1">
+      <a:lvl3pPr marL="914400" indent="-228600" algn="l" rtl="0" eaLnBrk="1" latinLnBrk="0" hangingPunct="1">
         <a:spcBef>
-          <a:spcPct val="20000"/>
+          <a:spcPts val="500"/>
         </a:spcBef>
-        <a:buFont typeface="Arial"/>
-        <a:buChar char="•"/>
-        <a:defRPr sz="2400" kern="1200">
+        <a:buClr>
+          <a:schemeClr val="accent2"/>
+        </a:buClr>
+        <a:buSzPct val="75000"/>
+        <a:buFont typeface="Wingdings"/>
+        <a:buChar char=""/>
+        <a:defRPr kumimoji="0" sz="2300" kern="1200">
           <a:solidFill>
             <a:schemeClr val="tx1"/>
           </a:solidFill>
@@ -5060,13 +5653,17 @@
           <a:cs typeface="+mn-cs"/>
         </a:defRPr>
       </a:lvl3pPr>
-      <a:lvl4pPr marL="1600200" indent="-228600" algn="l" defTabSz="457200" rtl="0" eaLnBrk="1" latinLnBrk="0" hangingPunct="1">
+      <a:lvl4pPr marL="1371600" indent="-228600" algn="l" rtl="0" eaLnBrk="1" latinLnBrk="0" hangingPunct="1">
         <a:spcBef>
-          <a:spcPct val="20000"/>
+          <a:spcPts val="400"/>
         </a:spcBef>
-        <a:buFont typeface="Arial"/>
-        <a:buChar char="–"/>
-        <a:defRPr sz="2000" kern="1200">
+        <a:buClr>
+          <a:schemeClr val="accent3"/>
+        </a:buClr>
+        <a:buSzPct val="75000"/>
+        <a:buFont typeface="Wingdings"/>
+        <a:buChar char=""/>
+        <a:defRPr kumimoji="0" sz="2000" kern="1200">
           <a:solidFill>
             <a:schemeClr val="tx1"/>
           </a:solidFill>
@@ -5075,13 +5672,17 @@
           <a:cs typeface="+mn-cs"/>
         </a:defRPr>
       </a:lvl4pPr>
-      <a:lvl5pPr marL="2057400" indent="-228600" algn="l" defTabSz="457200" rtl="0" eaLnBrk="1" latinLnBrk="0" hangingPunct="1">
+      <a:lvl5pPr marL="1828800" indent="-228600" algn="l" rtl="0" eaLnBrk="1" latinLnBrk="0" hangingPunct="1">
         <a:spcBef>
-          <a:spcPct val="20000"/>
+          <a:spcPts val="400"/>
         </a:spcBef>
-        <a:buFont typeface="Arial"/>
-        <a:buChar char="»"/>
-        <a:defRPr sz="2000" kern="1200">
+        <a:buClr>
+          <a:schemeClr val="accent4"/>
+        </a:buClr>
+        <a:buSzPct val="65000"/>
+        <a:buFont typeface="Wingdings"/>
+        <a:buChar char=""/>
+        <a:defRPr kumimoji="0" sz="2000" kern="1200">
           <a:solidFill>
             <a:schemeClr val="tx1"/>
           </a:solidFill>
@@ -5090,13 +5691,16 @@
           <a:cs typeface="+mn-cs"/>
         </a:defRPr>
       </a:lvl5pPr>
-      <a:lvl6pPr marL="2514600" indent="-228600" algn="l" defTabSz="457200" rtl="0" eaLnBrk="1" latinLnBrk="0" hangingPunct="1">
+      <a:lvl6pPr marL="2103120" indent="-228600" algn="l" rtl="0" eaLnBrk="1" latinLnBrk="0" hangingPunct="1">
         <a:spcBef>
           <a:spcPct val="20000"/>
         </a:spcBef>
-        <a:buFont typeface="Arial"/>
-        <a:buChar char="•"/>
-        <a:defRPr sz="2000" kern="1200">
+        <a:buClr>
+          <a:schemeClr val="accent1"/>
+        </a:buClr>
+        <a:buFont typeface="Wingdings"/>
+        <a:buChar char="§"/>
+        <a:defRPr kumimoji="0" sz="1800" kern="1200" baseline="0">
           <a:solidFill>
             <a:schemeClr val="tx1"/>
           </a:solidFill>
@@ -5105,13 +5709,16 @@
           <a:cs typeface="+mn-cs"/>
         </a:defRPr>
       </a:lvl6pPr>
-      <a:lvl7pPr marL="2971800" indent="-228600" algn="l" defTabSz="457200" rtl="0" eaLnBrk="1" latinLnBrk="0" hangingPunct="1">
+      <a:lvl7pPr marL="2377440" indent="-228600" algn="l" rtl="0" eaLnBrk="1" latinLnBrk="0" hangingPunct="1">
         <a:spcBef>
           <a:spcPct val="20000"/>
         </a:spcBef>
-        <a:buFont typeface="Arial"/>
-        <a:buChar char="•"/>
-        <a:defRPr sz="2000" kern="1200">
+        <a:buClr>
+          <a:schemeClr val="accent2"/>
+        </a:buClr>
+        <a:buFont typeface="Wingdings"/>
+        <a:buChar char="§"/>
+        <a:defRPr kumimoji="0" sz="1800" kern="1200" baseline="0">
           <a:solidFill>
             <a:schemeClr val="tx1"/>
           </a:solidFill>
@@ -5120,13 +5727,16 @@
           <a:cs typeface="+mn-cs"/>
         </a:defRPr>
       </a:lvl7pPr>
-      <a:lvl8pPr marL="3429000" indent="-228600" algn="l" defTabSz="457200" rtl="0" eaLnBrk="1" latinLnBrk="0" hangingPunct="1">
+      <a:lvl8pPr marL="2651760" indent="-228600" algn="l" rtl="0" eaLnBrk="1" latinLnBrk="0" hangingPunct="1">
         <a:spcBef>
           <a:spcPct val="20000"/>
         </a:spcBef>
-        <a:buFont typeface="Arial"/>
-        <a:buChar char="•"/>
-        <a:defRPr sz="2000" kern="1200">
+        <a:buClr>
+          <a:schemeClr val="accent3"/>
+        </a:buClr>
+        <a:buFont typeface="Wingdings"/>
+        <a:buChar char="§"/>
+        <a:defRPr kumimoji="0" sz="1800" kern="1200" baseline="0">
           <a:solidFill>
             <a:schemeClr val="tx1"/>
           </a:solidFill>
@@ -5135,13 +5745,16 @@
           <a:cs typeface="+mn-cs"/>
         </a:defRPr>
       </a:lvl8pPr>
-      <a:lvl9pPr marL="3886200" indent="-228600" algn="l" defTabSz="457200" rtl="0" eaLnBrk="1" latinLnBrk="0" hangingPunct="1">
+      <a:lvl9pPr marL="2926080" indent="-228600" algn="l" rtl="0" eaLnBrk="1" latinLnBrk="0" hangingPunct="1">
         <a:spcBef>
           <a:spcPct val="20000"/>
         </a:spcBef>
-        <a:buFont typeface="Arial"/>
-        <a:buChar char="•"/>
-        <a:defRPr sz="2000" kern="1200">
+        <a:buClr>
+          <a:schemeClr val="accent4"/>
+        </a:buClr>
+        <a:buFont typeface="Wingdings"/>
+        <a:buChar char="§"/>
+        <a:defRPr kumimoji="0" sz="1800" kern="1200" baseline="0">
           <a:solidFill>
             <a:schemeClr val="tx1"/>
           </a:solidFill>
@@ -5152,11 +5765,8 @@
       </a:lvl9pPr>
     </p:bodyStyle>
     <p:otherStyle>
-      <a:defPPr>
-        <a:defRPr lang="en-US"/>
-      </a:defPPr>
-      <a:lvl1pPr marL="0" algn="l" defTabSz="457200" rtl="0" eaLnBrk="1" latinLnBrk="0" hangingPunct="1">
-        <a:defRPr sz="1800" kern="1200">
+      <a:lvl1pPr marL="0" algn="l" rtl="0" eaLnBrk="1" latinLnBrk="0" hangingPunct="1">
+        <a:defRPr kumimoji="0" kern="1200">
           <a:solidFill>
             <a:schemeClr val="tx1"/>
           </a:solidFill>
@@ -5165,8 +5775,8 @@
           <a:cs typeface="+mn-cs"/>
         </a:defRPr>
       </a:lvl1pPr>
-      <a:lvl2pPr marL="457200" algn="l" defTabSz="457200" rtl="0" eaLnBrk="1" latinLnBrk="0" hangingPunct="1">
-        <a:defRPr sz="1800" kern="1200">
+      <a:lvl2pPr marL="457200" algn="l" rtl="0" eaLnBrk="1" latinLnBrk="0" hangingPunct="1">
+        <a:defRPr kumimoji="0" kern="1200">
           <a:solidFill>
             <a:schemeClr val="tx1"/>
           </a:solidFill>
@@ -5175,8 +5785,8 @@
           <a:cs typeface="+mn-cs"/>
         </a:defRPr>
       </a:lvl2pPr>
-      <a:lvl3pPr marL="914400" algn="l" defTabSz="457200" rtl="0" eaLnBrk="1" latinLnBrk="0" hangingPunct="1">
-        <a:defRPr sz="1800" kern="1200">
+      <a:lvl3pPr marL="914400" algn="l" rtl="0" eaLnBrk="1" latinLnBrk="0" hangingPunct="1">
+        <a:defRPr kumimoji="0" kern="1200">
           <a:solidFill>
             <a:schemeClr val="tx1"/>
           </a:solidFill>
@@ -5185,8 +5795,8 @@
           <a:cs typeface="+mn-cs"/>
         </a:defRPr>
       </a:lvl3pPr>
-      <a:lvl4pPr marL="1371600" algn="l" defTabSz="457200" rtl="0" eaLnBrk="1" latinLnBrk="0" hangingPunct="1">
-        <a:defRPr sz="1800" kern="1200">
+      <a:lvl4pPr marL="1371600" algn="l" rtl="0" eaLnBrk="1" latinLnBrk="0" hangingPunct="1">
+        <a:defRPr kumimoji="0" kern="1200">
           <a:solidFill>
             <a:schemeClr val="tx1"/>
           </a:solidFill>
@@ -5195,8 +5805,8 @@
           <a:cs typeface="+mn-cs"/>
         </a:defRPr>
       </a:lvl4pPr>
-      <a:lvl5pPr marL="1828800" algn="l" defTabSz="457200" rtl="0" eaLnBrk="1" latinLnBrk="0" hangingPunct="1">
-        <a:defRPr sz="1800" kern="1200">
+      <a:lvl5pPr marL="1828800" algn="l" rtl="0" eaLnBrk="1" latinLnBrk="0" hangingPunct="1">
+        <a:defRPr kumimoji="0" kern="1200">
           <a:solidFill>
             <a:schemeClr val="tx1"/>
           </a:solidFill>
@@ -5205,8 +5815,8 @@
           <a:cs typeface="+mn-cs"/>
         </a:defRPr>
       </a:lvl5pPr>
-      <a:lvl6pPr marL="2286000" algn="l" defTabSz="457200" rtl="0" eaLnBrk="1" latinLnBrk="0" hangingPunct="1">
-        <a:defRPr sz="1800" kern="1200">
+      <a:lvl6pPr marL="2286000" algn="l" rtl="0" eaLnBrk="1" latinLnBrk="0" hangingPunct="1">
+        <a:defRPr kumimoji="0" kern="1200">
           <a:solidFill>
             <a:schemeClr val="tx1"/>
           </a:solidFill>
@@ -5215,8 +5825,8 @@
           <a:cs typeface="+mn-cs"/>
         </a:defRPr>
       </a:lvl6pPr>
-      <a:lvl7pPr marL="2743200" algn="l" defTabSz="457200" rtl="0" eaLnBrk="1" latinLnBrk="0" hangingPunct="1">
-        <a:defRPr sz="1800" kern="1200">
+      <a:lvl7pPr marL="2743200" algn="l" rtl="0" eaLnBrk="1" latinLnBrk="0" hangingPunct="1">
+        <a:defRPr kumimoji="0" kern="1200">
           <a:solidFill>
             <a:schemeClr val="tx1"/>
           </a:solidFill>
@@ -5225,8 +5835,8 @@
           <a:cs typeface="+mn-cs"/>
         </a:defRPr>
       </a:lvl7pPr>
-      <a:lvl8pPr marL="3200400" algn="l" defTabSz="457200" rtl="0" eaLnBrk="1" latinLnBrk="0" hangingPunct="1">
-        <a:defRPr sz="1800" kern="1200">
+      <a:lvl8pPr marL="3200400" algn="l" rtl="0" eaLnBrk="1" latinLnBrk="0" hangingPunct="1">
+        <a:defRPr kumimoji="0" kern="1200">
           <a:solidFill>
             <a:schemeClr val="tx1"/>
           </a:solidFill>
@@ -5235,8 +5845,8 @@
           <a:cs typeface="+mn-cs"/>
         </a:defRPr>
       </a:lvl8pPr>
-      <a:lvl9pPr marL="3657600" algn="l" defTabSz="457200" rtl="0" eaLnBrk="1" latinLnBrk="0" hangingPunct="1">
-        <a:defRPr sz="1800" kern="1200">
+      <a:lvl9pPr marL="3657600" algn="l" rtl="0" eaLnBrk="1" latinLnBrk="0" hangingPunct="1">
+        <a:defRPr kumimoji="0" kern="1200">
           <a:solidFill>
             <a:schemeClr val="tx1"/>
           </a:solidFill>
@@ -5291,7 +5901,15 @@
           <a:p>
             <a:r>
               <a:rPr lang="en-US" dirty="0" smtClean="0"/>
-              <a:t>Comparison between two network decomposition methods:</a:t>
+              <a:t>Comparison </a:t>
+            </a:r>
+            <a:r>
+              <a:rPr lang="en-US" dirty="0" smtClean="0"/>
+              <a:t>between </a:t>
+            </a:r>
+            <a:r>
+              <a:rPr lang="en-US" dirty="0" smtClean="0"/>
+              <a:t>network decomposition methods:</a:t>
             </a:r>
             <a:br>
               <a:rPr lang="en-US" dirty="0" smtClean="0"/>
@@ -5316,7 +5934,9 @@
         </p:nvSpPr>
         <p:spPr/>
         <p:txBody>
-          <a:bodyPr/>
+          <a:bodyPr>
+            <a:normAutofit fontScale="77500" lnSpcReduction="20000"/>
+          </a:bodyPr>
           <a:lstStyle/>
           <a:p>
             <a:r>
@@ -5447,14 +6067,14 @@
           <p:nvPr>
             <p:extLst>
               <p:ext uri="{D42A27DB-BD31-4B8C-83A1-F6EECF244321}">
-                <p14:modId xmlns:p14="http://schemas.microsoft.com/office/powerpoint/2010/main" val="3412792347"/>
+                <p14:modId xmlns:p14="http://schemas.microsoft.com/office/powerpoint/2010/main" val="811348140"/>
               </p:ext>
             </p:extLst>
           </p:nvPr>
         </p:nvGraphicFramePr>
         <p:xfrm>
-          <a:off x="0" y="1009740"/>
-          <a:ext cx="9144000" cy="5905500"/>
+          <a:off x="586909" y="1952685"/>
+          <a:ext cx="7920000" cy="4320000"/>
         </p:xfrm>
         <a:graphic>
           <a:graphicData uri="http://schemas.openxmlformats.org/drawingml/2006/chart">
@@ -5516,7 +6136,7 @@
           <a:p>
             <a:r>
               <a:rPr lang="en-US" dirty="0" smtClean="0"/>
-              <a:t>K=77</a:t>
+              <a:t>Wide-connected nodes</a:t>
             </a:r>
             <a:endParaRPr lang="en-US" dirty="0"/>
           </a:p>
@@ -5529,17 +6149,17 @@
             <a:graphicFrameLocks noGrp="1"/>
           </p:cNvGraphicFramePr>
           <p:nvPr>
-            <p:ph idx="1"/>
+            <p:ph sz="quarter" idx="1"/>
             <p:extLst>
               <p:ext uri="{D42A27DB-BD31-4B8C-83A1-F6EECF244321}">
-                <p14:modId xmlns:p14="http://schemas.microsoft.com/office/powerpoint/2010/main" val="2744544092"/>
+                <p14:modId xmlns:p14="http://schemas.microsoft.com/office/powerpoint/2010/main" val="886326993"/>
               </p:ext>
             </p:extLst>
           </p:nvPr>
         </p:nvGraphicFramePr>
         <p:xfrm>
-          <a:off x="457200" y="1600200"/>
-          <a:ext cx="8229600" cy="3337560"/>
+          <a:off x="612651" y="3906037"/>
+          <a:ext cx="8153397" cy="2560320"/>
         </p:xfrm>
         <a:graphic>
           <a:graphicData uri="http://schemas.openxmlformats.org/drawingml/2006/table">
@@ -5548,11 +6168,11 @@
                 <a:tableStyleId>{5C22544A-7EE6-4342-B048-85BDC9FD1C3A}</a:tableStyleId>
               </a:tblPr>
               <a:tblGrid>
-                <a:gridCol w="2743200"/>
-                <a:gridCol w="2743200"/>
-                <a:gridCol w="2743200"/>
+                <a:gridCol w="2717799"/>
+                <a:gridCol w="2717799"/>
+                <a:gridCol w="2717799"/>
               </a:tblGrid>
-              <a:tr h="370840">
+              <a:tr h="314984">
                 <a:tc>
                   <a:txBody>
                     <a:bodyPr/>
@@ -5580,7 +6200,7 @@
                       </a:endParaRPr>
                     </a:p>
                   </a:txBody>
-                  <a:tcPr marL="12700" marR="12700" marT="12700" marB="0" anchor="ctr"/>
+                  <a:tcPr marL="12582" marR="12582" marT="12700" marB="0" anchor="ctr"/>
                 </a:tc>
                 <a:tc>
                   <a:txBody>
@@ -5609,7 +6229,7 @@
                       </a:endParaRPr>
                     </a:p>
                   </a:txBody>
-                  <a:tcPr marL="12700" marR="12700" marT="12700" marB="0" anchor="ctr"/>
+                  <a:tcPr marL="12582" marR="12582" marT="12700" marB="0" anchor="ctr"/>
                 </a:tc>
                 <a:tc>
                   <a:txBody>
@@ -5636,10 +6256,10 @@
                       </a:endParaRPr>
                     </a:p>
                   </a:txBody>
-                  <a:tcPr anchor="ctr"/>
+                  <a:tcPr marL="90592" marR="90592" anchor="ctr"/>
                 </a:tc>
               </a:tr>
-              <a:tr h="370840">
+              <a:tr h="314984">
                 <a:tc>
                   <a:txBody>
                     <a:bodyPr/>
@@ -5655,11 +6275,11 @@
                           <a:latin typeface="Calibri"/>
                           <a:cs typeface="Calibri"/>
                         </a:rPr>
-                        <a:t>71</a:t>
+                        <a:t>72</a:t>
                       </a:r>
                     </a:p>
                   </a:txBody>
-                  <a:tcPr marL="12700" marR="12700" marT="12700" marB="0" anchor="ctr"/>
+                  <a:tcPr marL="12582" marR="12582" marT="12700" marB="0" anchor="ctr"/>
                 </a:tc>
                 <a:tc>
                   <a:txBody>
@@ -5676,11 +6296,11 @@
                           <a:latin typeface="Calibri"/>
                           <a:cs typeface="Calibri"/>
                         </a:rPr>
-                        <a:t>13</a:t>
+                        <a:t>7</a:t>
                       </a:r>
                     </a:p>
                   </a:txBody>
-                  <a:tcPr marL="12700" marR="12700" marT="12700" marB="0" anchor="ctr"/>
+                  <a:tcPr marL="12582" marR="12582" marT="12700" marB="0" anchor="ctr"/>
                 </a:tc>
                 <a:tc>
                   <a:txBody>
@@ -5701,10 +6321,10 @@
                       </a:endParaRPr>
                     </a:p>
                   </a:txBody>
-                  <a:tcPr anchor="ctr"/>
+                  <a:tcPr marL="90592" marR="90592" anchor="ctr"/>
                 </a:tc>
               </a:tr>
-              <a:tr h="370840">
+              <a:tr h="314984">
                 <a:tc>
                   <a:txBody>
                     <a:bodyPr/>
@@ -5720,11 +6340,11 @@
                           <a:latin typeface="Calibri"/>
                           <a:cs typeface="Calibri"/>
                         </a:rPr>
-                        <a:t>72</a:t>
+                        <a:t>73</a:t>
                       </a:r>
                     </a:p>
                   </a:txBody>
-                  <a:tcPr marL="12700" marR="12700" marT="12700" marB="0" anchor="ctr"/>
+                  <a:tcPr marL="12582" marR="12582" marT="12700" marB="0" anchor="ctr"/>
                 </a:tc>
                 <a:tc>
                   <a:txBody>
@@ -5741,11 +6361,11 @@
                           <a:latin typeface="Calibri"/>
                           <a:cs typeface="Calibri"/>
                         </a:rPr>
-                        <a:t>7</a:t>
+                        <a:t>20</a:t>
                       </a:r>
                     </a:p>
                   </a:txBody>
-                  <a:tcPr marL="12700" marR="12700" marT="12700" marB="0" anchor="ctr"/>
+                  <a:tcPr marL="12582" marR="12582" marT="12700" marB="0" anchor="ctr"/>
                 </a:tc>
                 <a:tc>
                   <a:txBody>
@@ -5766,10 +6386,10 @@
                       </a:endParaRPr>
                     </a:p>
                   </a:txBody>
-                  <a:tcPr anchor="ctr"/>
+                  <a:tcPr marL="90592" marR="90592" anchor="ctr"/>
                 </a:tc>
               </a:tr>
-              <a:tr h="370840">
+              <a:tr h="314984">
                 <a:tc>
                   <a:txBody>
                     <a:bodyPr/>
@@ -5785,11 +6405,11 @@
                           <a:latin typeface="Calibri"/>
                           <a:cs typeface="Calibri"/>
                         </a:rPr>
-                        <a:t>73</a:t>
+                        <a:t>74</a:t>
                       </a:r>
                     </a:p>
                   </a:txBody>
-                  <a:tcPr marL="12700" marR="12700" marT="12700" marB="0" anchor="ctr"/>
+                  <a:tcPr marL="12582" marR="12582" marT="12700" marB="0" anchor="ctr"/>
                 </a:tc>
                 <a:tc>
                   <a:txBody>
@@ -5798,7 +6418,7 @@
                     <a:p>
                       <a:pPr algn="ctr" fontAlgn="b"/>
                       <a:r>
-                        <a:rPr lang="en-US" sz="1800" b="0" i="0" u="none" strike="noStrike" dirty="0">
+                        <a:rPr lang="en-US" sz="1800" b="0" i="0" u="none" strike="noStrike">
                           <a:solidFill>
                             <a:srgbClr val="000000"/>
                           </a:solidFill>
@@ -5806,11 +6426,11 @@
                           <a:latin typeface="Calibri"/>
                           <a:cs typeface="Calibri"/>
                         </a:rPr>
-                        <a:t>20</a:t>
+                        <a:t>8</a:t>
                       </a:r>
                     </a:p>
                   </a:txBody>
-                  <a:tcPr marL="12700" marR="12700" marT="12700" marB="0" anchor="ctr"/>
+                  <a:tcPr marL="12582" marR="12582" marT="12700" marB="0" anchor="ctr"/>
                 </a:tc>
                 <a:tc>
                   <a:txBody>
@@ -5831,10 +6451,10 @@
                       </a:endParaRPr>
                     </a:p>
                   </a:txBody>
-                  <a:tcPr anchor="ctr"/>
+                  <a:tcPr marL="90592" marR="90592" anchor="ctr"/>
                 </a:tc>
               </a:tr>
-              <a:tr h="370840">
+              <a:tr h="314984">
                 <a:tc>
                   <a:txBody>
                     <a:bodyPr/>
@@ -5850,11 +6470,11 @@
                           <a:latin typeface="Calibri"/>
                           <a:cs typeface="Calibri"/>
                         </a:rPr>
-                        <a:t>74</a:t>
+                        <a:t>75</a:t>
                       </a:r>
                     </a:p>
                   </a:txBody>
-                  <a:tcPr marL="12700" marR="12700" marT="12700" marB="0" anchor="ctr"/>
+                  <a:tcPr marL="12582" marR="12582" marT="12700" marB="0" anchor="ctr"/>
                 </a:tc>
                 <a:tc>
                   <a:txBody>
@@ -5871,11 +6491,11 @@
                           <a:latin typeface="Calibri"/>
                           <a:cs typeface="Calibri"/>
                         </a:rPr>
-                        <a:t>8</a:t>
+                        <a:t>34</a:t>
                       </a:r>
                     </a:p>
                   </a:txBody>
-                  <a:tcPr marL="12700" marR="12700" marT="12700" marB="0" anchor="ctr"/>
+                  <a:tcPr marL="12582" marR="12582" marT="12700" marB="0" anchor="ctr"/>
                 </a:tc>
                 <a:tc>
                   <a:txBody>
@@ -5896,10 +6516,10 @@
                       </a:endParaRPr>
                     </a:p>
                   </a:txBody>
-                  <a:tcPr anchor="ctr"/>
+                  <a:tcPr marL="90592" marR="90592" anchor="ctr"/>
                 </a:tc>
               </a:tr>
-              <a:tr h="370840">
+              <a:tr h="314984">
                 <a:tc>
                   <a:txBody>
                     <a:bodyPr/>
@@ -5915,11 +6535,11 @@
                           <a:latin typeface="Calibri"/>
                           <a:cs typeface="Calibri"/>
                         </a:rPr>
-                        <a:t>75</a:t>
+                        <a:t>76</a:t>
                       </a:r>
                     </a:p>
                   </a:txBody>
-                  <a:tcPr marL="12700" marR="12700" marT="12700" marB="0" anchor="ctr"/>
+                  <a:tcPr marL="12582" marR="12582" marT="12700" marB="0" anchor="ctr"/>
                 </a:tc>
                 <a:tc>
                   <a:txBody>
@@ -5936,11 +6556,11 @@
                           <a:latin typeface="Calibri"/>
                           <a:cs typeface="Calibri"/>
                         </a:rPr>
-                        <a:t>34</a:t>
+                        <a:t>141</a:t>
                       </a:r>
                     </a:p>
                   </a:txBody>
-                  <a:tcPr marL="12700" marR="12700" marT="12700" marB="0" anchor="ctr"/>
+                  <a:tcPr marL="12582" marR="12582" marT="12700" marB="0" anchor="ctr"/>
                 </a:tc>
                 <a:tc>
                   <a:txBody>
@@ -5961,10 +6581,10 @@
                       </a:endParaRPr>
                     </a:p>
                   </a:txBody>
-                  <a:tcPr anchor="ctr"/>
+                  <a:tcPr marL="90592" marR="90592" anchor="ctr"/>
                 </a:tc>
               </a:tr>
-              <a:tr h="370840">
+              <a:tr h="314984">
                 <a:tc>
                   <a:txBody>
                     <a:bodyPr/>
@@ -5980,11 +6600,11 @@
                           <a:latin typeface="Calibri"/>
                           <a:cs typeface="Calibri"/>
                         </a:rPr>
-                        <a:t>76</a:t>
+                        <a:t>77</a:t>
                       </a:r>
                     </a:p>
                   </a:txBody>
-                  <a:tcPr marL="12700" marR="12700" marT="12700" marB="0" anchor="ctr"/>
+                  <a:tcPr marL="12582" marR="12582" marT="12700" marB="0" anchor="ctr"/>
                 </a:tc>
                 <a:tc>
                   <a:txBody>
@@ -6001,11 +6621,11 @@
                           <a:latin typeface="Calibri"/>
                           <a:cs typeface="Calibri"/>
                         </a:rPr>
-                        <a:t>141</a:t>
+                        <a:t>0</a:t>
                       </a:r>
                     </a:p>
                   </a:txBody>
-                  <a:tcPr marL="12700" marR="12700" marT="12700" marB="0" anchor="ctr"/>
+                  <a:tcPr marL="12582" marR="12582" marT="12700" marB="0" anchor="ctr"/>
                 </a:tc>
                 <a:tc>
                   <a:txBody>
@@ -6026,143 +6646,269 @@
                       </a:endParaRPr>
                     </a:p>
                   </a:txBody>
-                  <a:tcPr anchor="ctr"/>
-                </a:tc>
-              </a:tr>
-              <a:tr h="370840">
-                <a:tc>
-                  <a:txBody>
-                    <a:bodyPr/>
-                    <a:lstStyle/>
-                    <a:p>
-                      <a:pPr algn="ctr" fontAlgn="b"/>
-                      <a:r>
-                        <a:rPr lang="en-US" sz="1800" b="0" i="0" u="none" strike="noStrike">
-                          <a:solidFill>
-                            <a:srgbClr val="000000"/>
-                          </a:solidFill>
-                          <a:effectLst/>
-                          <a:latin typeface="Calibri"/>
-                          <a:cs typeface="Calibri"/>
-                        </a:rPr>
-                        <a:t>77</a:t>
-                      </a:r>
-                    </a:p>
-                  </a:txBody>
-                  <a:tcPr marL="12700" marR="12700" marT="12700" marB="0" anchor="ctr"/>
-                </a:tc>
-                <a:tc>
-                  <a:txBody>
-                    <a:bodyPr/>
-                    <a:lstStyle/>
-                    <a:p>
-                      <a:pPr algn="ctr" fontAlgn="b"/>
-                      <a:r>
-                        <a:rPr lang="en-US" sz="1800" b="0" i="0" u="none" strike="noStrike">
-                          <a:solidFill>
-                            <a:srgbClr val="000000"/>
-                          </a:solidFill>
-                          <a:effectLst/>
-                          <a:latin typeface="Calibri"/>
-                          <a:cs typeface="Calibri"/>
-                        </a:rPr>
-                        <a:t>0</a:t>
-                      </a:r>
-                    </a:p>
-                  </a:txBody>
-                  <a:tcPr marL="12700" marR="12700" marT="12700" marB="0" anchor="ctr"/>
-                </a:tc>
-                <a:tc>
-                  <a:txBody>
-                    <a:bodyPr/>
-                    <a:lstStyle/>
-                    <a:p>
-                      <a:pPr algn="ctr"/>
-                      <a:r>
-                        <a:rPr lang="en-US" sz="1800" dirty="0" smtClean="0">
-                          <a:latin typeface="Calibri"/>
-                          <a:cs typeface="Calibri"/>
-                        </a:rPr>
-                        <a:t>0</a:t>
-                      </a:r>
-                      <a:endParaRPr lang="en-US" sz="1800" dirty="0">
-                        <a:latin typeface="Calibri"/>
-                        <a:cs typeface="Calibri"/>
-                      </a:endParaRPr>
-                    </a:p>
-                  </a:txBody>
-                  <a:tcPr anchor="ctr"/>
-                </a:tc>
-              </a:tr>
-              <a:tr h="370840">
-                <a:tc>
-                  <a:txBody>
-                    <a:bodyPr/>
-                    <a:lstStyle/>
-                    <a:p>
-                      <a:pPr algn="ctr" fontAlgn="b"/>
-                      <a:r>
-                        <a:rPr lang="en-US" sz="1800" b="0" i="0" u="none" strike="noStrike">
-                          <a:solidFill>
-                            <a:srgbClr val="000000"/>
-                          </a:solidFill>
-                          <a:effectLst/>
-                          <a:latin typeface="Calibri"/>
-                          <a:cs typeface="Calibri"/>
-                        </a:rPr>
-                        <a:t>78</a:t>
-                      </a:r>
-                    </a:p>
-                  </a:txBody>
-                  <a:tcPr marL="12700" marR="12700" marT="12700" marB="0" anchor="ctr"/>
-                </a:tc>
-                <a:tc>
-                  <a:txBody>
-                    <a:bodyPr/>
-                    <a:lstStyle/>
-                    <a:p>
-                      <a:pPr algn="ctr" fontAlgn="b"/>
-                      <a:r>
-                        <a:rPr lang="en-US" sz="1800" b="0" i="0" u="none" strike="noStrike" dirty="0">
-                          <a:solidFill>
-                            <a:srgbClr val="000000"/>
-                          </a:solidFill>
-                          <a:effectLst/>
-                          <a:latin typeface="Calibri"/>
-                          <a:cs typeface="Calibri"/>
-                        </a:rPr>
-                        <a:t>0</a:t>
-                      </a:r>
-                    </a:p>
-                  </a:txBody>
-                  <a:tcPr marL="12700" marR="12700" marT="12700" marB="0" anchor="ctr"/>
-                </a:tc>
-                <a:tc>
-                  <a:txBody>
-                    <a:bodyPr/>
-                    <a:lstStyle/>
-                    <a:p>
-                      <a:pPr algn="ctr"/>
-                      <a:r>
-                        <a:rPr lang="en-US" sz="1800" dirty="0" smtClean="0">
-                          <a:latin typeface="Calibri"/>
-                          <a:cs typeface="Calibri"/>
-                        </a:rPr>
-                        <a:t>0</a:t>
-                      </a:r>
-                      <a:endParaRPr lang="en-US" sz="1800" dirty="0">
-                        <a:latin typeface="Calibri"/>
-                        <a:cs typeface="Calibri"/>
-                      </a:endParaRPr>
-                    </a:p>
-                  </a:txBody>
-                  <a:tcPr anchor="ctr"/>
+                  <a:tcPr marL="90592" marR="90592" anchor="ctr"/>
                 </a:tc>
               </a:tr>
             </a:tbl>
           </a:graphicData>
         </a:graphic>
       </p:graphicFrame>
+      <p:sp>
+        <p:nvSpPr>
+          <p:cNvPr id="4" name="Oval 3"/>
+          <p:cNvSpPr/>
+          <p:nvPr/>
+        </p:nvSpPr>
+        <p:spPr>
+          <a:xfrm>
+            <a:off x="4300796" y="5599938"/>
+            <a:ext cx="3492590" cy="692775"/>
+          </a:xfrm>
+          <a:prstGeom prst="ellipse">
+            <a:avLst/>
+          </a:prstGeom>
+          <a:solidFill>
+            <a:schemeClr val="accent2">
+              <a:alpha val="45000"/>
+            </a:schemeClr>
+          </a:solidFill>
+          <a:effectLst/>
+        </p:spPr>
+        <p:style>
+          <a:lnRef idx="1">
+            <a:schemeClr val="accent2"/>
+          </a:lnRef>
+          <a:fillRef idx="3">
+            <a:schemeClr val="accent2"/>
+          </a:fillRef>
+          <a:effectRef idx="2">
+            <a:schemeClr val="accent2"/>
+          </a:effectRef>
+          <a:fontRef idx="minor">
+            <a:schemeClr val="lt1"/>
+          </a:fontRef>
+        </p:style>
+        <p:txBody>
+          <a:bodyPr rtlCol="0" anchor="ctr"/>
+          <a:lstStyle/>
+          <a:p>
+            <a:pPr algn="ctr"/>
+            <a:endParaRPr lang="en-US"/>
+          </a:p>
+        </p:txBody>
+      </p:sp>
+      <p:sp>
+        <p:nvSpPr>
+          <p:cNvPr id="6" name="Content Placeholder 2"/>
+          <p:cNvSpPr txBox="1">
+            <a:spLocks/>
+          </p:cNvSpPr>
+          <p:nvPr/>
+        </p:nvSpPr>
+        <p:spPr>
+          <a:xfrm>
+            <a:off x="612648" y="1600200"/>
+            <a:ext cx="8153400" cy="4495800"/>
+          </a:xfrm>
+          <a:prstGeom prst="rect">
+            <a:avLst/>
+          </a:prstGeom>
+        </p:spPr>
+        <p:txBody>
+          <a:bodyPr vert="horz">
+            <a:normAutofit/>
+          </a:bodyPr>
+          <a:lstStyle>
+            <a:lvl1pPr marL="320040" indent="-320040" algn="l" rtl="0" eaLnBrk="1" latinLnBrk="0" hangingPunct="1">
+              <a:spcBef>
+                <a:spcPts val="700"/>
+              </a:spcBef>
+              <a:buClr>
+                <a:schemeClr val="accent2"/>
+              </a:buClr>
+              <a:buSzPct val="60000"/>
+              <a:buFont typeface="Wingdings"/>
+              <a:buChar char=""/>
+              <a:defRPr kumimoji="0" sz="2900" kern="1200">
+                <a:solidFill>
+                  <a:schemeClr val="tx1"/>
+                </a:solidFill>
+                <a:latin typeface="+mn-lt"/>
+                <a:ea typeface="+mn-ea"/>
+                <a:cs typeface="+mn-cs"/>
+              </a:defRPr>
+            </a:lvl1pPr>
+            <a:lvl2pPr marL="640080" indent="-274320" algn="l" rtl="0" eaLnBrk="1" latinLnBrk="0" hangingPunct="1">
+              <a:spcBef>
+                <a:spcPts val="550"/>
+              </a:spcBef>
+              <a:buClr>
+                <a:schemeClr val="accent1"/>
+              </a:buClr>
+              <a:buSzPct val="70000"/>
+              <a:buFont typeface="Wingdings 2"/>
+              <a:buChar char=""/>
+              <a:defRPr kumimoji="0" sz="2600" kern="1200">
+                <a:solidFill>
+                  <a:schemeClr val="tx1"/>
+                </a:solidFill>
+                <a:latin typeface="+mn-lt"/>
+                <a:ea typeface="+mn-ea"/>
+                <a:cs typeface="+mn-cs"/>
+              </a:defRPr>
+            </a:lvl2pPr>
+            <a:lvl3pPr marL="914400" indent="-228600" algn="l" rtl="0" eaLnBrk="1" latinLnBrk="0" hangingPunct="1">
+              <a:spcBef>
+                <a:spcPts val="500"/>
+              </a:spcBef>
+              <a:buClr>
+                <a:schemeClr val="accent2"/>
+              </a:buClr>
+              <a:buSzPct val="75000"/>
+              <a:buFont typeface="Wingdings"/>
+              <a:buChar char=""/>
+              <a:defRPr kumimoji="0" sz="2300" kern="1200">
+                <a:solidFill>
+                  <a:schemeClr val="tx1"/>
+                </a:solidFill>
+                <a:latin typeface="+mn-lt"/>
+                <a:ea typeface="+mn-ea"/>
+                <a:cs typeface="+mn-cs"/>
+              </a:defRPr>
+            </a:lvl3pPr>
+            <a:lvl4pPr marL="1371600" indent="-228600" algn="l" rtl="0" eaLnBrk="1" latinLnBrk="0" hangingPunct="1">
+              <a:spcBef>
+                <a:spcPts val="400"/>
+              </a:spcBef>
+              <a:buClr>
+                <a:schemeClr val="accent3"/>
+              </a:buClr>
+              <a:buSzPct val="75000"/>
+              <a:buFont typeface="Wingdings"/>
+              <a:buChar char=""/>
+              <a:defRPr kumimoji="0" sz="2000" kern="1200">
+                <a:solidFill>
+                  <a:schemeClr val="tx1"/>
+                </a:solidFill>
+                <a:latin typeface="+mn-lt"/>
+                <a:ea typeface="+mn-ea"/>
+                <a:cs typeface="+mn-cs"/>
+              </a:defRPr>
+            </a:lvl4pPr>
+            <a:lvl5pPr marL="1828800" indent="-228600" algn="l" rtl="0" eaLnBrk="1" latinLnBrk="0" hangingPunct="1">
+              <a:spcBef>
+                <a:spcPts val="400"/>
+              </a:spcBef>
+              <a:buClr>
+                <a:schemeClr val="accent4"/>
+              </a:buClr>
+              <a:buSzPct val="65000"/>
+              <a:buFont typeface="Wingdings"/>
+              <a:buChar char=""/>
+              <a:defRPr kumimoji="0" sz="2000" kern="1200">
+                <a:solidFill>
+                  <a:schemeClr val="tx1"/>
+                </a:solidFill>
+                <a:latin typeface="+mn-lt"/>
+                <a:ea typeface="+mn-ea"/>
+                <a:cs typeface="+mn-cs"/>
+              </a:defRPr>
+            </a:lvl5pPr>
+            <a:lvl6pPr marL="2103120" indent="-228600" algn="l" rtl="0" eaLnBrk="1" latinLnBrk="0" hangingPunct="1">
+              <a:spcBef>
+                <a:spcPct val="20000"/>
+              </a:spcBef>
+              <a:buClr>
+                <a:schemeClr val="accent1"/>
+              </a:buClr>
+              <a:buFont typeface="Wingdings"/>
+              <a:buChar char="§"/>
+              <a:defRPr kumimoji="0" sz="1800" kern="1200" baseline="0">
+                <a:solidFill>
+                  <a:schemeClr val="tx1"/>
+                </a:solidFill>
+                <a:latin typeface="+mn-lt"/>
+                <a:ea typeface="+mn-ea"/>
+                <a:cs typeface="+mn-cs"/>
+              </a:defRPr>
+            </a:lvl6pPr>
+            <a:lvl7pPr marL="2377440" indent="-228600" algn="l" rtl="0" eaLnBrk="1" latinLnBrk="0" hangingPunct="1">
+              <a:spcBef>
+                <a:spcPct val="20000"/>
+              </a:spcBef>
+              <a:buClr>
+                <a:schemeClr val="accent2"/>
+              </a:buClr>
+              <a:buFont typeface="Wingdings"/>
+              <a:buChar char="§"/>
+              <a:defRPr kumimoji="0" sz="1800" kern="1200" baseline="0">
+                <a:solidFill>
+                  <a:schemeClr val="tx1"/>
+                </a:solidFill>
+                <a:latin typeface="+mn-lt"/>
+                <a:ea typeface="+mn-ea"/>
+                <a:cs typeface="+mn-cs"/>
+              </a:defRPr>
+            </a:lvl7pPr>
+            <a:lvl8pPr marL="2651760" indent="-228600" algn="l" rtl="0" eaLnBrk="1" latinLnBrk="0" hangingPunct="1">
+              <a:spcBef>
+                <a:spcPct val="20000"/>
+              </a:spcBef>
+              <a:buClr>
+                <a:schemeClr val="accent3"/>
+              </a:buClr>
+              <a:buFont typeface="Wingdings"/>
+              <a:buChar char="§"/>
+              <a:defRPr kumimoji="0" sz="1800" kern="1200" baseline="0">
+                <a:solidFill>
+                  <a:schemeClr val="tx1"/>
+                </a:solidFill>
+                <a:latin typeface="+mn-lt"/>
+                <a:ea typeface="+mn-ea"/>
+                <a:cs typeface="+mn-cs"/>
+              </a:defRPr>
+            </a:lvl8pPr>
+            <a:lvl9pPr marL="2926080" indent="-228600" algn="l" rtl="0" eaLnBrk="1" latinLnBrk="0" hangingPunct="1">
+              <a:spcBef>
+                <a:spcPct val="20000"/>
+              </a:spcBef>
+              <a:buClr>
+                <a:schemeClr val="accent4"/>
+              </a:buClr>
+              <a:buFont typeface="Wingdings"/>
+              <a:buChar char="§"/>
+              <a:defRPr kumimoji="0" sz="1800" kern="1200" baseline="0">
+                <a:solidFill>
+                  <a:schemeClr val="tx1"/>
+                </a:solidFill>
+                <a:latin typeface="+mn-lt"/>
+                <a:ea typeface="+mn-ea"/>
+                <a:cs typeface="+mn-cs"/>
+              </a:defRPr>
+            </a:lvl9pPr>
+          </a:lstStyle>
+          <a:p>
+            <a:r>
+              <a:rPr lang="en-US" sz="2400" dirty="0" smtClean="0"/>
+              <a:t>K-core detects 141 nodes with 75 neighbors</a:t>
+            </a:r>
+          </a:p>
+          <a:p>
+            <a:r>
+              <a:rPr lang="en-US" sz="2400" dirty="0" smtClean="0"/>
+              <a:t>K-dense shows that they loosely form a clique (they share few adjacent nodes)</a:t>
+            </a:r>
+            <a:endParaRPr lang="en-US" dirty="0" smtClean="0"/>
+          </a:p>
+          <a:p>
+            <a:pPr lvl="1"/>
+            <a:r>
+              <a:rPr lang="en-US" sz="2100" dirty="0" smtClean="0"/>
+              <a:t>Max number of k for k-dense is 50, versus 76 of k-core</a:t>
+            </a:r>
+          </a:p>
+        </p:txBody>
+      </p:sp>
     </p:spTree>
     <p:extLst>
       <p:ext uri="{BB962C8B-B14F-4D97-AF65-F5344CB8AC3E}">
@@ -6176,9 +6922,484 @@
   <p:timing>
     <p:tnLst>
       <p:par>
-        <p:cTn xmlns:p14="http://schemas.microsoft.com/office/powerpoint/2010/main" id="1" dur="indefinite" restart="never" nodeType="tmRoot"/>
+        <p:cTn xmlns:p14="http://schemas.microsoft.com/office/powerpoint/2010/main" id="1" dur="indefinite" restart="never" nodeType="tmRoot">
+          <p:childTnLst>
+            <p:seq concurrent="1" nextAc="seek">
+              <p:cTn id="2" dur="indefinite" nodeType="mainSeq">
+                <p:childTnLst>
+                  <p:par>
+                    <p:cTn id="3" fill="hold">
+                      <p:stCondLst>
+                        <p:cond delay="indefinite"/>
+                        <p:cond evt="onBegin" delay="0">
+                          <p:tn val="2"/>
+                        </p:cond>
+                      </p:stCondLst>
+                      <p:childTnLst>
+                        <p:par>
+                          <p:cTn id="4" fill="hold">
+                            <p:stCondLst>
+                              <p:cond delay="0"/>
+                            </p:stCondLst>
+                            <p:childTnLst>
+                              <p:par>
+                                <p:cTn id="5" presetID="21" presetClass="entr" presetSubtype="1" fill="hold" grpId="0" nodeType="afterEffect">
+                                  <p:stCondLst>
+                                    <p:cond delay="0"/>
+                                  </p:stCondLst>
+                                  <p:childTnLst>
+                                    <p:set>
+                                      <p:cBhvr>
+                                        <p:cTn id="6" dur="1" fill="hold">
+                                          <p:stCondLst>
+                                            <p:cond delay="0"/>
+                                          </p:stCondLst>
+                                        </p:cTn>
+                                        <p:tgtEl>
+                                          <p:spTgt spid="4"/>
+                                        </p:tgtEl>
+                                        <p:attrNameLst>
+                                          <p:attrName>style.visibility</p:attrName>
+                                        </p:attrNameLst>
+                                      </p:cBhvr>
+                                      <p:to>
+                                        <p:strVal val="visible"/>
+                                      </p:to>
+                                    </p:set>
+                                    <p:animEffect transition="in" filter="wheel(1)">
+                                      <p:cBhvr>
+                                        <p:cTn id="7" dur="500"/>
+                                        <p:tgtEl>
+                                          <p:spTgt spid="4"/>
+                                        </p:tgtEl>
+                                      </p:cBhvr>
+                                    </p:animEffect>
+                                  </p:childTnLst>
+                                </p:cTn>
+                              </p:par>
+                            </p:childTnLst>
+                          </p:cTn>
+                        </p:par>
+                      </p:childTnLst>
+                    </p:cTn>
+                  </p:par>
+                  <p:par>
+                    <p:cTn id="8" fill="hold">
+                      <p:stCondLst>
+                        <p:cond delay="indefinite"/>
+                      </p:stCondLst>
+                      <p:childTnLst>
+                        <p:par>
+                          <p:cTn id="9" fill="hold">
+                            <p:stCondLst>
+                              <p:cond delay="0"/>
+                            </p:stCondLst>
+                            <p:childTnLst>
+                              <p:par>
+                                <p:cTn id="10" presetID="10" presetClass="entr" presetSubtype="0" fill="hold" nodeType="clickEffect">
+                                  <p:stCondLst>
+                                    <p:cond delay="0"/>
+                                  </p:stCondLst>
+                                  <p:childTnLst>
+                                    <p:set>
+                                      <p:cBhvr>
+                                        <p:cTn id="11" dur="1" fill="hold">
+                                          <p:stCondLst>
+                                            <p:cond delay="0"/>
+                                          </p:stCondLst>
+                                        </p:cTn>
+                                        <p:tgtEl>
+                                          <p:spTgt spid="6">
+                                            <p:txEl>
+                                              <p:pRg st="0" end="0"/>
+                                            </p:txEl>
+                                          </p:spTgt>
+                                        </p:tgtEl>
+                                        <p:attrNameLst>
+                                          <p:attrName>style.visibility</p:attrName>
+                                        </p:attrNameLst>
+                                      </p:cBhvr>
+                                      <p:to>
+                                        <p:strVal val="visible"/>
+                                      </p:to>
+                                    </p:set>
+                                    <p:animEffect transition="in" filter="fade">
+                                      <p:cBhvr>
+                                        <p:cTn id="12" dur="500"/>
+                                        <p:tgtEl>
+                                          <p:spTgt spid="6">
+                                            <p:txEl>
+                                              <p:pRg st="0" end="0"/>
+                                            </p:txEl>
+                                          </p:spTgt>
+                                        </p:tgtEl>
+                                      </p:cBhvr>
+                                    </p:animEffect>
+                                  </p:childTnLst>
+                                </p:cTn>
+                              </p:par>
+                            </p:childTnLst>
+                          </p:cTn>
+                        </p:par>
+                      </p:childTnLst>
+                    </p:cTn>
+                  </p:par>
+                  <p:par>
+                    <p:cTn id="13" fill="hold">
+                      <p:stCondLst>
+                        <p:cond delay="indefinite"/>
+                      </p:stCondLst>
+                      <p:childTnLst>
+                        <p:par>
+                          <p:cTn id="14" fill="hold">
+                            <p:stCondLst>
+                              <p:cond delay="0"/>
+                            </p:stCondLst>
+                            <p:childTnLst>
+                              <p:par>
+                                <p:cTn id="15" presetID="10" presetClass="entr" presetSubtype="0" fill="hold" nodeType="clickEffect">
+                                  <p:stCondLst>
+                                    <p:cond delay="0"/>
+                                  </p:stCondLst>
+                                  <p:childTnLst>
+                                    <p:set>
+                                      <p:cBhvr>
+                                        <p:cTn id="16" dur="1" fill="hold">
+                                          <p:stCondLst>
+                                            <p:cond delay="0"/>
+                                          </p:stCondLst>
+                                        </p:cTn>
+                                        <p:tgtEl>
+                                          <p:spTgt spid="6">
+                                            <p:txEl>
+                                              <p:pRg st="1" end="1"/>
+                                            </p:txEl>
+                                          </p:spTgt>
+                                        </p:tgtEl>
+                                        <p:attrNameLst>
+                                          <p:attrName>style.visibility</p:attrName>
+                                        </p:attrNameLst>
+                                      </p:cBhvr>
+                                      <p:to>
+                                        <p:strVal val="visible"/>
+                                      </p:to>
+                                    </p:set>
+                                    <p:animEffect transition="in" filter="fade">
+                                      <p:cBhvr>
+                                        <p:cTn id="17" dur="500"/>
+                                        <p:tgtEl>
+                                          <p:spTgt spid="6">
+                                            <p:txEl>
+                                              <p:pRg st="1" end="1"/>
+                                            </p:txEl>
+                                          </p:spTgt>
+                                        </p:tgtEl>
+                                      </p:cBhvr>
+                                    </p:animEffect>
+                                  </p:childTnLst>
+                                </p:cTn>
+                              </p:par>
+                            </p:childTnLst>
+                          </p:cTn>
+                        </p:par>
+                      </p:childTnLst>
+                    </p:cTn>
+                  </p:par>
+                  <p:par>
+                    <p:cTn id="18" fill="hold">
+                      <p:stCondLst>
+                        <p:cond delay="indefinite"/>
+                      </p:stCondLst>
+                      <p:childTnLst>
+                        <p:par>
+                          <p:cTn id="19" fill="hold">
+                            <p:stCondLst>
+                              <p:cond delay="0"/>
+                            </p:stCondLst>
+                            <p:childTnLst>
+                              <p:par>
+                                <p:cTn id="20" presetID="10" presetClass="entr" presetSubtype="0" fill="hold" nodeType="clickEffect">
+                                  <p:stCondLst>
+                                    <p:cond delay="0"/>
+                                  </p:stCondLst>
+                                  <p:childTnLst>
+                                    <p:set>
+                                      <p:cBhvr>
+                                        <p:cTn id="21" dur="1" fill="hold">
+                                          <p:stCondLst>
+                                            <p:cond delay="0"/>
+                                          </p:stCondLst>
+                                        </p:cTn>
+                                        <p:tgtEl>
+                                          <p:spTgt spid="6">
+                                            <p:txEl>
+                                              <p:pRg st="2" end="2"/>
+                                            </p:txEl>
+                                          </p:spTgt>
+                                        </p:tgtEl>
+                                        <p:attrNameLst>
+                                          <p:attrName>style.visibility</p:attrName>
+                                        </p:attrNameLst>
+                                      </p:cBhvr>
+                                      <p:to>
+                                        <p:strVal val="visible"/>
+                                      </p:to>
+                                    </p:set>
+                                    <p:animEffect transition="in" filter="fade">
+                                      <p:cBhvr>
+                                        <p:cTn id="22" dur="500"/>
+                                        <p:tgtEl>
+                                          <p:spTgt spid="6">
+                                            <p:txEl>
+                                              <p:pRg st="2" end="2"/>
+                                            </p:txEl>
+                                          </p:spTgt>
+                                        </p:tgtEl>
+                                      </p:cBhvr>
+                                    </p:animEffect>
+                                  </p:childTnLst>
+                                </p:cTn>
+                              </p:par>
+                            </p:childTnLst>
+                          </p:cTn>
+                        </p:par>
+                      </p:childTnLst>
+                    </p:cTn>
+                  </p:par>
+                  <p:par>
+                    <p:cTn id="23" fill="hold">
+                      <p:stCondLst>
+                        <p:cond delay="indefinite"/>
+                      </p:stCondLst>
+                      <p:childTnLst>
+                        <p:par>
+                          <p:cTn id="24" fill="hold">
+                            <p:stCondLst>
+                              <p:cond delay="0"/>
+                            </p:stCondLst>
+                            <p:childTnLst>
+                              <p:par>
+                                <p:cTn id="25" presetID="10" presetClass="entr" presetSubtype="0" fill="hold" nodeType="clickEffect">
+                                  <p:stCondLst>
+                                    <p:cond delay="0"/>
+                                  </p:stCondLst>
+                                  <p:childTnLst>
+                                    <p:set>
+                                      <p:cBhvr>
+                                        <p:cTn id="26" dur="1" fill="hold">
+                                          <p:stCondLst>
+                                            <p:cond delay="0"/>
+                                          </p:stCondLst>
+                                        </p:cTn>
+                                        <p:tgtEl>
+                                          <p:spTgt spid="6">
+                                            <p:txEl>
+                                              <p:pRg st="0" end="0"/>
+                                            </p:txEl>
+                                          </p:spTgt>
+                                        </p:tgtEl>
+                                        <p:attrNameLst>
+                                          <p:attrName>style.visibility</p:attrName>
+                                        </p:attrNameLst>
+                                      </p:cBhvr>
+                                      <p:to>
+                                        <p:strVal val="visible"/>
+                                      </p:to>
+                                    </p:set>
+                                    <p:animEffect transition="in" filter="fade">
+                                      <p:cBhvr>
+                                        <p:cTn id="27" dur="500"/>
+                                        <p:tgtEl>
+                                          <p:spTgt spid="6">
+                                            <p:txEl>
+                                              <p:pRg st="0" end="0"/>
+                                            </p:txEl>
+                                          </p:spTgt>
+                                        </p:tgtEl>
+                                      </p:cBhvr>
+                                    </p:animEffect>
+                                  </p:childTnLst>
+                                </p:cTn>
+                              </p:par>
+                            </p:childTnLst>
+                          </p:cTn>
+                        </p:par>
+                      </p:childTnLst>
+                    </p:cTn>
+                  </p:par>
+                  <p:par>
+                    <p:cTn id="28" fill="hold">
+                      <p:stCondLst>
+                        <p:cond delay="indefinite"/>
+                      </p:stCondLst>
+                      <p:childTnLst>
+                        <p:par>
+                          <p:cTn id="29" fill="hold">
+                            <p:stCondLst>
+                              <p:cond delay="0"/>
+                            </p:stCondLst>
+                            <p:childTnLst>
+                              <p:par>
+                                <p:cTn id="30" presetID="10" presetClass="entr" presetSubtype="0" fill="hold" nodeType="clickEffect">
+                                  <p:stCondLst>
+                                    <p:cond delay="0"/>
+                                  </p:stCondLst>
+                                  <p:childTnLst>
+                                    <p:set>
+                                      <p:cBhvr>
+                                        <p:cTn id="31" dur="1" fill="hold">
+                                          <p:stCondLst>
+                                            <p:cond delay="0"/>
+                                          </p:stCondLst>
+                                        </p:cTn>
+                                        <p:tgtEl>
+                                          <p:spTgt spid="6">
+                                            <p:txEl>
+                                              <p:pRg st="1" end="1"/>
+                                            </p:txEl>
+                                          </p:spTgt>
+                                        </p:tgtEl>
+                                        <p:attrNameLst>
+                                          <p:attrName>style.visibility</p:attrName>
+                                        </p:attrNameLst>
+                                      </p:cBhvr>
+                                      <p:to>
+                                        <p:strVal val="visible"/>
+                                      </p:to>
+                                    </p:set>
+                                    <p:animEffect transition="in" filter="fade">
+                                      <p:cBhvr>
+                                        <p:cTn id="32" dur="500"/>
+                                        <p:tgtEl>
+                                          <p:spTgt spid="6">
+                                            <p:txEl>
+                                              <p:pRg st="1" end="1"/>
+                                            </p:txEl>
+                                          </p:spTgt>
+                                        </p:tgtEl>
+                                      </p:cBhvr>
+                                    </p:animEffect>
+                                  </p:childTnLst>
+                                </p:cTn>
+                              </p:par>
+                            </p:childTnLst>
+                          </p:cTn>
+                        </p:par>
+                        <p:par>
+                          <p:cTn id="33" fill="hold">
+                            <p:stCondLst>
+                              <p:cond delay="500"/>
+                            </p:stCondLst>
+                            <p:childTnLst>
+                              <p:par>
+                                <p:cTn id="34" presetID="21" presetClass="entr" presetSubtype="1" fill="hold" grpId="1" nodeType="afterEffect">
+                                  <p:stCondLst>
+                                    <p:cond delay="0"/>
+                                  </p:stCondLst>
+                                  <p:childTnLst>
+                                    <p:set>
+                                      <p:cBhvr>
+                                        <p:cTn id="35" dur="1" fill="hold">
+                                          <p:stCondLst>
+                                            <p:cond delay="0"/>
+                                          </p:stCondLst>
+                                        </p:cTn>
+                                        <p:tgtEl>
+                                          <p:spTgt spid="4"/>
+                                        </p:tgtEl>
+                                        <p:attrNameLst>
+                                          <p:attrName>style.visibility</p:attrName>
+                                        </p:attrNameLst>
+                                      </p:cBhvr>
+                                      <p:to>
+                                        <p:strVal val="visible"/>
+                                      </p:to>
+                                    </p:set>
+                                    <p:animEffect transition="in" filter="wheel(1)">
+                                      <p:cBhvr>
+                                        <p:cTn id="36" dur="1000"/>
+                                        <p:tgtEl>
+                                          <p:spTgt spid="4"/>
+                                        </p:tgtEl>
+                                      </p:cBhvr>
+                                    </p:animEffect>
+                                  </p:childTnLst>
+                                </p:cTn>
+                              </p:par>
+                              <p:par>
+                                <p:cTn id="37" presetID="10" presetClass="entr" presetSubtype="0" fill="hold" nodeType="withEffect">
+                                  <p:stCondLst>
+                                    <p:cond delay="0"/>
+                                  </p:stCondLst>
+                                  <p:childTnLst>
+                                    <p:set>
+                                      <p:cBhvr>
+                                        <p:cTn id="38" dur="1" fill="hold">
+                                          <p:stCondLst>
+                                            <p:cond delay="0"/>
+                                          </p:stCondLst>
+                                        </p:cTn>
+                                        <p:tgtEl>
+                                          <p:spTgt spid="6">
+                                            <p:txEl>
+                                              <p:pRg st="2" end="2"/>
+                                            </p:txEl>
+                                          </p:spTgt>
+                                        </p:tgtEl>
+                                        <p:attrNameLst>
+                                          <p:attrName>style.visibility</p:attrName>
+                                        </p:attrNameLst>
+                                      </p:cBhvr>
+                                      <p:to>
+                                        <p:strVal val="visible"/>
+                                      </p:to>
+                                    </p:set>
+                                    <p:animEffect transition="in" filter="fade">
+                                      <p:cBhvr>
+                                        <p:cTn id="39" dur="500"/>
+                                        <p:tgtEl>
+                                          <p:spTgt spid="6">
+                                            <p:txEl>
+                                              <p:pRg st="2" end="2"/>
+                                            </p:txEl>
+                                          </p:spTgt>
+                                        </p:tgtEl>
+                                      </p:cBhvr>
+                                    </p:animEffect>
+                                  </p:childTnLst>
+                                </p:cTn>
+                              </p:par>
+                            </p:childTnLst>
+                          </p:cTn>
+                        </p:par>
+                      </p:childTnLst>
+                    </p:cTn>
+                  </p:par>
+                </p:childTnLst>
+              </p:cTn>
+              <p:prevCondLst>
+                <p:cond evt="onPrev" delay="0">
+                  <p:tgtEl>
+                    <p:sldTgt/>
+                  </p:tgtEl>
+                </p:cond>
+              </p:prevCondLst>
+              <p:nextCondLst>
+                <p:cond evt="onNext" delay="0">
+                  <p:tgtEl>
+                    <p:sldTgt/>
+                  </p:tgtEl>
+                </p:cond>
+              </p:nextCondLst>
+            </p:seq>
+          </p:childTnLst>
+        </p:cTn>
       </p:par>
     </p:tnLst>
+    <p:bldLst>
+      <p:bldP spid="4" grpId="0" animBg="1"/>
+      <p:bldP spid="4" grpId="1" animBg="1"/>
+    </p:bldLst>
   </p:timing>
 </p:sld>
 </file>
@@ -6213,13 +7434,17 @@
         <p:spPr/>
         <p:txBody>
           <a:bodyPr>
-            <a:normAutofit fontScale="90000"/>
+            <a:normAutofit/>
           </a:bodyPr>
           <a:lstStyle/>
           <a:p>
             <a:r>
               <a:rPr lang="en-US" dirty="0" smtClean="0"/>
-              <a:t>Characterizing maximal communities</a:t>
+              <a:t>Maximal </a:t>
+            </a:r>
+            <a:r>
+              <a:rPr lang="en-US" dirty="0" smtClean="0"/>
+              <a:t>communities</a:t>
             </a:r>
             <a:endParaRPr lang="en-US" dirty="0"/>
           </a:p>
@@ -6273,57 +7498,6 @@
           </a:graphicData>
         </a:graphic>
       </p:graphicFrame>
-      <p:pic>
-        <p:nvPicPr>
-          <p:cNvPr id="8" name="Picture 7"/>
-          <p:cNvPicPr>
-            <a:picLocks noChangeAspect="1"/>
-          </p:cNvPicPr>
-          <p:nvPr/>
-        </p:nvPicPr>
-        <p:blipFill>
-          <a:blip r:embed="rId4"/>
-          <a:stretch>
-            <a:fillRect/>
-          </a:stretch>
-        </p:blipFill>
-        <p:spPr>
-          <a:xfrm>
-            <a:off x="4500540" y="4438450"/>
-            <a:ext cx="4515168" cy="2265618"/>
-          </a:xfrm>
-          <a:prstGeom prst="rect">
-            <a:avLst/>
-          </a:prstGeom>
-          <a:solidFill>
-            <a:srgbClr val="C0504D"/>
-          </a:solidFill>
-        </p:spPr>
-      </p:pic>
-      <p:pic>
-        <p:nvPicPr>
-          <p:cNvPr id="9" name="Picture 8"/>
-          <p:cNvPicPr>
-            <a:picLocks noChangeAspect="1"/>
-          </p:cNvPicPr>
-          <p:nvPr/>
-        </p:nvPicPr>
-        <p:blipFill>
-          <a:blip r:embed="rId5"/>
-          <a:stretch>
-            <a:fillRect/>
-          </a:stretch>
-        </p:blipFill>
-        <p:spPr>
-          <a:xfrm>
-            <a:off x="292054" y="4596234"/>
-            <a:ext cx="4034391" cy="2005212"/>
-          </a:xfrm>
-          <a:prstGeom prst="rect">
-            <a:avLst/>
-          </a:prstGeom>
-        </p:spPr>
-      </p:pic>
       <p:sp>
         <p:nvSpPr>
           <p:cNvPr id="10" name="Rounded Rectangle 9"/>
@@ -6333,12 +7507,13 @@
         <p:spPr>
           <a:xfrm>
             <a:off x="292054" y="4451209"/>
-            <a:ext cx="3890260" cy="2265689"/>
+            <a:ext cx="3890260" cy="1985833"/>
           </a:xfrm>
           <a:prstGeom prst="roundRect">
             <a:avLst/>
           </a:prstGeom>
           <a:noFill/>
+          <a:effectLst/>
         </p:spPr>
         <p:style>
           <a:lnRef idx="1">
@@ -6371,13 +7546,14 @@
         </p:nvSpPr>
         <p:spPr>
           <a:xfrm>
-            <a:off x="4944337" y="4438379"/>
-            <a:ext cx="3890260" cy="2265689"/>
+            <a:off x="4944337" y="4438380"/>
+            <a:ext cx="3890260" cy="2142992"/>
           </a:xfrm>
           <a:prstGeom prst="roundRect">
             <a:avLst/>
           </a:prstGeom>
           <a:noFill/>
+          <a:effectLst/>
         </p:spPr>
         <p:style>
           <a:lnRef idx="1">
@@ -6416,6 +7592,7 @@
           <a:prstGeom prst="line">
             <a:avLst/>
           </a:prstGeom>
+          <a:effectLst/>
         </p:spPr>
         <p:style>
           <a:lnRef idx="2">
@@ -6446,6 +7623,7 @@
           <a:prstGeom prst="line">
             <a:avLst/>
           </a:prstGeom>
+          <a:effectLst/>
         </p:spPr>
         <p:style>
           <a:lnRef idx="2">
@@ -6462,6 +7640,52 @@
           </a:fontRef>
         </p:style>
       </p:cxnSp>
+      <p:pic>
+        <p:nvPicPr>
+          <p:cNvPr id="12" name="Picture 11"/>
+          <p:cNvPicPr>
+            <a:picLocks noChangeAspect="1"/>
+          </p:cNvPicPr>
+          <p:nvPr/>
+        </p:nvPicPr>
+        <p:blipFill rotWithShape="1">
+          <a:blip r:embed="rId4"/>
+          <a:srcRect l="13039" r="10258" b="9975"/>
+          <a:stretch/>
+        </p:blipFill>
+        <p:spPr>
+          <a:xfrm>
+            <a:off x="5230712" y="4576293"/>
+            <a:ext cx="3355624" cy="1976212"/>
+          </a:xfrm>
+          <a:prstGeom prst="rect">
+            <a:avLst/>
+          </a:prstGeom>
+        </p:spPr>
+      </p:pic>
+      <p:pic>
+        <p:nvPicPr>
+          <p:cNvPr id="14" name="Picture 13"/>
+          <p:cNvPicPr>
+            <a:picLocks noChangeAspect="1"/>
+          </p:cNvPicPr>
+          <p:nvPr/>
+        </p:nvPicPr>
+        <p:blipFill rotWithShape="1">
+          <a:blip r:embed="rId5"/>
+          <a:srcRect l="6565" t="1" r="7774" b="16135"/>
+          <a:stretch/>
+        </p:blipFill>
+        <p:spPr>
+          <a:xfrm>
+            <a:off x="500317" y="4624403"/>
+            <a:ext cx="3526883" cy="1716206"/>
+          </a:xfrm>
+          <a:prstGeom prst="rect">
+            <a:avLst/>
+          </a:prstGeom>
+        </p:spPr>
+      </p:pic>
     </p:spTree>
     <p:extLst>
       <p:ext uri="{BB962C8B-B14F-4D97-AF65-F5344CB8AC3E}">
@@ -6475,7 +7699,121 @@
   <p:timing>
     <p:tnLst>
       <p:par>
-        <p:cTn xmlns:p14="http://schemas.microsoft.com/office/powerpoint/2010/main" id="1" dur="indefinite" restart="never" nodeType="tmRoot"/>
+        <p:cTn xmlns:p14="http://schemas.microsoft.com/office/powerpoint/2010/main" id="1" dur="indefinite" restart="never" nodeType="tmRoot">
+          <p:childTnLst>
+            <p:seq concurrent="1" nextAc="seek">
+              <p:cTn id="2" dur="indefinite" nodeType="mainSeq">
+                <p:childTnLst>
+                  <p:par>
+                    <p:cTn id="3" fill="hold">
+                      <p:stCondLst>
+                        <p:cond delay="indefinite"/>
+                        <p:cond evt="onBegin" delay="0">
+                          <p:tn val="2"/>
+                        </p:cond>
+                      </p:stCondLst>
+                      <p:childTnLst>
+                        <p:par>
+                          <p:cTn id="4" fill="hold">
+                            <p:stCondLst>
+                              <p:cond delay="0"/>
+                            </p:stCondLst>
+                            <p:childTnLst>
+                              <p:par>
+                                <p:cTn id="5" presetID="10" presetClass="entr" presetSubtype="0" fill="hold" nodeType="withEffect">
+                                  <p:stCondLst>
+                                    <p:cond delay="0"/>
+                                  </p:stCondLst>
+                                  <p:childTnLst>
+                                    <p:set>
+                                      <p:cBhvr>
+                                        <p:cTn id="6" dur="1" fill="hold">
+                                          <p:stCondLst>
+                                            <p:cond delay="0"/>
+                                          </p:stCondLst>
+                                        </p:cTn>
+                                        <p:tgtEl>
+                                          <p:spTgt spid="12"/>
+                                        </p:tgtEl>
+                                        <p:attrNameLst>
+                                          <p:attrName>style.visibility</p:attrName>
+                                        </p:attrNameLst>
+                                      </p:cBhvr>
+                                      <p:to>
+                                        <p:strVal val="visible"/>
+                                      </p:to>
+                                    </p:set>
+                                    <p:animEffect transition="in" filter="fade">
+                                      <p:cBhvr>
+                                        <p:cTn id="7" dur="500"/>
+                                        <p:tgtEl>
+                                          <p:spTgt spid="12"/>
+                                        </p:tgtEl>
+                                      </p:cBhvr>
+                                    </p:animEffect>
+                                  </p:childTnLst>
+                                </p:cTn>
+                              </p:par>
+                              <p:par>
+                                <p:cTn id="8" presetID="10" presetClass="entr" presetSubtype="0" fill="hold" nodeType="withEffect">
+                                  <p:stCondLst>
+                                    <p:cond delay="0"/>
+                                  </p:stCondLst>
+                                  <p:childTnLst>
+                                    <p:set>
+                                      <p:cBhvr>
+                                        <p:cTn id="9" dur="1" fill="hold">
+                                          <p:stCondLst>
+                                            <p:cond delay="0"/>
+                                          </p:stCondLst>
+                                        </p:cTn>
+                                        <p:tgtEl>
+                                          <p:spTgt spid="14"/>
+                                        </p:tgtEl>
+                                        <p:attrNameLst>
+                                          <p:attrName>style.visibility</p:attrName>
+                                        </p:attrNameLst>
+                                      </p:cBhvr>
+                                      <p:to>
+                                        <p:strVal val="visible"/>
+                                      </p:to>
+                                    </p:set>
+                                    <p:animEffect transition="in" filter="fade">
+                                      <p:cBhvr>
+                                        <p:cTn id="10" dur="500"/>
+                                        <p:tgtEl>
+                                          <p:spTgt spid="14"/>
+                                        </p:tgtEl>
+                                      </p:cBhvr>
+                                    </p:animEffect>
+                                  </p:childTnLst>
+                                </p:cTn>
+                              </p:par>
+                            </p:childTnLst>
+                          </p:cTn>
+                        </p:par>
+                      </p:childTnLst>
+                    </p:cTn>
+                  </p:par>
+                </p:childTnLst>
+              </p:cTn>
+              <p:prevCondLst>
+                <p:cond evt="onPrev" delay="0">
+                  <p:tgtEl>
+                    <p:sldTgt/>
+                  </p:tgtEl>
+                </p:cond>
+              </p:prevCondLst>
+              <p:nextCondLst>
+                <p:cond evt="onNext" delay="0">
+                  <p:tgtEl>
+                    <p:sldTgt/>
+                  </p:tgtEl>
+                </p:cond>
+              </p:nextCondLst>
+            </p:seq>
+          </p:childTnLst>
+        </p:cTn>
       </p:par>
     </p:tnLst>
   </p:timing>
@@ -6512,13 +7850,13 @@
         <p:spPr/>
         <p:txBody>
           <a:bodyPr>
-            <a:normAutofit fontScale="90000"/>
+            <a:normAutofit/>
           </a:bodyPr>
           <a:lstStyle/>
           <a:p>
             <a:r>
               <a:rPr lang="en-US" dirty="0" smtClean="0"/>
-              <a:t>Characterizing maximal communities</a:t>
+              <a:t>Maximal communities</a:t>
             </a:r>
             <a:endParaRPr lang="en-US" dirty="0"/>
           </a:p>
@@ -6533,13 +7871,13 @@
           <p:nvPr>
             <p:extLst>
               <p:ext uri="{D42A27DB-BD31-4B8C-83A1-F6EECF244321}">
-                <p14:modId xmlns:p14="http://schemas.microsoft.com/office/powerpoint/2010/main" val="3221386637"/>
+                <p14:modId xmlns:p14="http://schemas.microsoft.com/office/powerpoint/2010/main" val="4123369186"/>
               </p:ext>
             </p:extLst>
           </p:nvPr>
         </p:nvGraphicFramePr>
         <p:xfrm>
-          <a:off x="186445" y="2759369"/>
+          <a:off x="292281" y="1951130"/>
           <a:ext cx="4140000" cy="2700000"/>
         </p:xfrm>
         <a:graphic>
@@ -6557,13 +7895,13 @@
           <p:nvPr>
             <p:extLst>
               <p:ext uri="{D42A27DB-BD31-4B8C-83A1-F6EECF244321}">
-                <p14:modId xmlns:p14="http://schemas.microsoft.com/office/powerpoint/2010/main" val="4157712068"/>
+                <p14:modId xmlns:p14="http://schemas.microsoft.com/office/powerpoint/2010/main" val="1087058854"/>
               </p:ext>
             </p:extLst>
           </p:nvPr>
         </p:nvGraphicFramePr>
         <p:xfrm>
-          <a:off x="4694597" y="2759369"/>
+          <a:off x="4694597" y="1951130"/>
           <a:ext cx="4140000" cy="2700000"/>
         </p:xfrm>
         <a:graphic>
@@ -6572,6 +7910,225 @@
           </a:graphicData>
         </a:graphic>
       </p:graphicFrame>
+      <p:sp>
+        <p:nvSpPr>
+          <p:cNvPr id="3" name="Left Brace 2"/>
+          <p:cNvSpPr/>
+          <p:nvPr/>
+        </p:nvSpPr>
+        <p:spPr>
+          <a:xfrm rot="16200000">
+            <a:off x="1897209" y="3222238"/>
+            <a:ext cx="330065" cy="2899187"/>
+          </a:xfrm>
+          <a:prstGeom prst="leftBrace">
+            <a:avLst/>
+          </a:prstGeom>
+          <a:effectLst/>
+        </p:spPr>
+        <p:style>
+          <a:lnRef idx="2">
+            <a:schemeClr val="accent1"/>
+          </a:lnRef>
+          <a:fillRef idx="0">
+            <a:schemeClr val="accent1"/>
+          </a:fillRef>
+          <a:effectRef idx="1">
+            <a:schemeClr val="accent1"/>
+          </a:effectRef>
+          <a:fontRef idx="minor">
+            <a:schemeClr val="tx1"/>
+          </a:fontRef>
+        </p:style>
+        <p:txBody>
+          <a:bodyPr rtlCol="0" anchor="ctr"/>
+          <a:lstStyle/>
+          <a:p>
+            <a:pPr algn="ctr"/>
+            <a:endParaRPr lang="en-US"/>
+          </a:p>
+        </p:txBody>
+      </p:sp>
+      <p:sp>
+        <p:nvSpPr>
+          <p:cNvPr id="8" name="Rectangle 7"/>
+          <p:cNvSpPr/>
+          <p:nvPr/>
+        </p:nvSpPr>
+        <p:spPr>
+          <a:xfrm>
+            <a:off x="609600" y="4937784"/>
+            <a:ext cx="3822681" cy="1815882"/>
+          </a:xfrm>
+          <a:prstGeom prst="rect">
+            <a:avLst/>
+          </a:prstGeom>
+        </p:spPr>
+        <p:txBody>
+          <a:bodyPr wrap="square">
+            <a:spAutoFit/>
+          </a:bodyPr>
+          <a:lstStyle/>
+          <a:p>
+            <a:pPr marL="285750" indent="-285750">
+              <a:buFont typeface="Arial"/>
+              <a:buChar char="•"/>
+            </a:pPr>
+            <a:r>
+              <a:rPr lang="en-US" sz="1600" dirty="0" err="1" smtClean="0"/>
+              <a:t>Fareness</a:t>
+            </a:r>
+            <a:r>
+              <a:rPr lang="en-US" sz="1600" dirty="0" smtClean="0"/>
+              <a:t> of </a:t>
+            </a:r>
+            <a:r>
+              <a:rPr lang="en-US" sz="1600" i="1" dirty="0" smtClean="0"/>
+              <a:t>n:</a:t>
+            </a:r>
+            <a:br>
+              <a:rPr lang="en-US" sz="1600" i="1" dirty="0" smtClean="0"/>
+            </a:br>
+            <a:r>
+              <a:rPr lang="en-US" sz="1600" dirty="0" smtClean="0"/>
+              <a:t>sum of distances from other nodes</a:t>
+            </a:r>
+          </a:p>
+          <a:p>
+            <a:pPr marL="285750" indent="-285750">
+              <a:buFont typeface="Arial"/>
+              <a:buChar char="•"/>
+            </a:pPr>
+            <a:r>
+              <a:rPr lang="en-US" sz="1600" dirty="0" smtClean="0"/>
+              <a:t>Closeness of </a:t>
+            </a:r>
+            <a:r>
+              <a:rPr lang="en-US" sz="1600" i="1" dirty="0" smtClean="0"/>
+              <a:t>n:</a:t>
+            </a:r>
+            <a:r>
+              <a:rPr lang="en-US" sz="1600" dirty="0" smtClean="0"/>
+              <a:t> 1 / </a:t>
+            </a:r>
+            <a:r>
+              <a:rPr lang="en-US" sz="1600" dirty="0" err="1" smtClean="0"/>
+              <a:t>fareness</a:t>
+            </a:r>
+            <a:endParaRPr lang="en-US" sz="1600" dirty="0" smtClean="0"/>
+          </a:p>
+          <a:p>
+            <a:endParaRPr lang="en-US" sz="1600" dirty="0" smtClean="0"/>
+          </a:p>
+          <a:p>
+            <a:pPr marL="285750" indent="-285750">
+              <a:buFont typeface="Arial"/>
+              <a:buChar char="•"/>
+            </a:pPr>
+            <a:r>
+              <a:rPr lang="en-US" sz="1600" dirty="0" smtClean="0"/>
+              <a:t>Nodes in k-dense are generally nearer from each other (many edges connecting common neighbors)</a:t>
+            </a:r>
+            <a:endParaRPr lang="en-US" sz="1600" dirty="0"/>
+          </a:p>
+        </p:txBody>
+      </p:sp>
+      <p:sp>
+        <p:nvSpPr>
+          <p:cNvPr id="10" name="Rectangle 9"/>
+          <p:cNvSpPr/>
+          <p:nvPr/>
+        </p:nvSpPr>
+        <p:spPr>
+          <a:xfrm>
+            <a:off x="5011916" y="4937784"/>
+            <a:ext cx="3822681" cy="1569660"/>
+          </a:xfrm>
+          <a:prstGeom prst="rect">
+            <a:avLst/>
+          </a:prstGeom>
+        </p:spPr>
+        <p:txBody>
+          <a:bodyPr wrap="square">
+            <a:spAutoFit/>
+          </a:bodyPr>
+          <a:lstStyle/>
+          <a:p>
+            <a:pPr marL="285750" indent="-285750">
+              <a:buFont typeface="Arial"/>
+              <a:buChar char="•"/>
+            </a:pPr>
+            <a:r>
+              <a:rPr lang="en-US" sz="1600" dirty="0" smtClean="0"/>
+              <a:t>Transitivity (clustering)</a:t>
+            </a:r>
+            <a:r>
+              <a:rPr lang="en-US" sz="1600" i="1" dirty="0" smtClean="0"/>
+              <a:t>:</a:t>
+            </a:r>
+            <a:br>
+              <a:rPr lang="en-US" sz="1600" i="1" dirty="0" smtClean="0"/>
+            </a:br>
+            <a:r>
+              <a:rPr lang="en-US" sz="1600" i="1" dirty="0" smtClean="0"/>
+              <a:t>#connections between neighbors / possible connections between neighbors</a:t>
+            </a:r>
+          </a:p>
+          <a:p>
+            <a:endParaRPr lang="en-US" sz="1600" dirty="0" smtClean="0"/>
+          </a:p>
+          <a:p>
+            <a:pPr marL="285750" indent="-285750">
+              <a:buFont typeface="Arial"/>
+              <a:buChar char="•"/>
+            </a:pPr>
+            <a:r>
+              <a:rPr lang="en-US" sz="1600" dirty="0" smtClean="0"/>
+              <a:t>K-dense definition implies strong connections (many common neighbors)</a:t>
+            </a:r>
+            <a:endParaRPr lang="en-US" sz="1600" dirty="0"/>
+          </a:p>
+        </p:txBody>
+      </p:sp>
+      <p:sp>
+        <p:nvSpPr>
+          <p:cNvPr id="11" name="Left Brace 10"/>
+          <p:cNvSpPr/>
+          <p:nvPr/>
+        </p:nvSpPr>
+        <p:spPr>
+          <a:xfrm rot="16200000">
+            <a:off x="6344585" y="3222238"/>
+            <a:ext cx="330065" cy="2899187"/>
+          </a:xfrm>
+          <a:prstGeom prst="leftBrace">
+            <a:avLst/>
+          </a:prstGeom>
+          <a:effectLst/>
+        </p:spPr>
+        <p:style>
+          <a:lnRef idx="2">
+            <a:schemeClr val="accent1"/>
+          </a:lnRef>
+          <a:fillRef idx="0">
+            <a:schemeClr val="accent1"/>
+          </a:fillRef>
+          <a:effectRef idx="1">
+            <a:schemeClr val="accent1"/>
+          </a:effectRef>
+          <a:fontRef idx="minor">
+            <a:schemeClr val="tx1"/>
+          </a:fontRef>
+        </p:style>
+        <p:txBody>
+          <a:bodyPr rtlCol="0" anchor="ctr"/>
+          <a:lstStyle/>
+          <a:p>
+            <a:pPr algn="ctr"/>
+            <a:endParaRPr lang="en-US"/>
+          </a:p>
+        </p:txBody>
+      </p:sp>
     </p:spTree>
     <p:extLst>
       <p:ext uri="{BB962C8B-B14F-4D97-AF65-F5344CB8AC3E}">
@@ -6585,7 +8142,335 @@
   <p:timing>
     <p:tnLst>
       <p:par>
-        <p:cTn xmlns:p14="http://schemas.microsoft.com/office/powerpoint/2010/main" id="1" dur="indefinite" restart="never" nodeType="tmRoot"/>
+        <p:cTn xmlns:p14="http://schemas.microsoft.com/office/powerpoint/2010/main" id="1" dur="indefinite" restart="never" nodeType="tmRoot">
+          <p:childTnLst>
+            <p:seq concurrent="1" nextAc="seek">
+              <p:cTn id="2" dur="indefinite" nodeType="mainSeq">
+                <p:childTnLst>
+                  <p:par>
+                    <p:cTn id="3" fill="hold">
+                      <p:stCondLst>
+                        <p:cond delay="indefinite"/>
+                      </p:stCondLst>
+                      <p:childTnLst>
+                        <p:par>
+                          <p:cTn id="4" fill="hold">
+                            <p:stCondLst>
+                              <p:cond delay="0"/>
+                            </p:stCondLst>
+                            <p:childTnLst>
+                              <p:par>
+                                <p:cTn id="5" presetID="10" presetClass="entr" presetSubtype="0" fill="hold" nodeType="clickEffect">
+                                  <p:stCondLst>
+                                    <p:cond delay="0"/>
+                                  </p:stCondLst>
+                                  <p:childTnLst>
+                                    <p:set>
+                                      <p:cBhvr>
+                                        <p:cTn id="6" dur="1" fill="hold">
+                                          <p:stCondLst>
+                                            <p:cond delay="0"/>
+                                          </p:stCondLst>
+                                        </p:cTn>
+                                        <p:tgtEl>
+                                          <p:spTgt spid="8">
+                                            <p:txEl>
+                                              <p:pRg st="0" end="0"/>
+                                            </p:txEl>
+                                          </p:spTgt>
+                                        </p:tgtEl>
+                                        <p:attrNameLst>
+                                          <p:attrName>style.visibility</p:attrName>
+                                        </p:attrNameLst>
+                                      </p:cBhvr>
+                                      <p:to>
+                                        <p:strVal val="visible"/>
+                                      </p:to>
+                                    </p:set>
+                                    <p:animEffect transition="in" filter="fade">
+                                      <p:cBhvr>
+                                        <p:cTn id="7" dur="500"/>
+                                        <p:tgtEl>
+                                          <p:spTgt spid="8">
+                                            <p:txEl>
+                                              <p:pRg st="0" end="0"/>
+                                            </p:txEl>
+                                          </p:spTgt>
+                                        </p:tgtEl>
+                                      </p:cBhvr>
+                                    </p:animEffect>
+                                  </p:childTnLst>
+                                </p:cTn>
+                              </p:par>
+                            </p:childTnLst>
+                          </p:cTn>
+                        </p:par>
+                      </p:childTnLst>
+                    </p:cTn>
+                  </p:par>
+                  <p:par>
+                    <p:cTn id="8" fill="hold">
+                      <p:stCondLst>
+                        <p:cond delay="indefinite"/>
+                      </p:stCondLst>
+                      <p:childTnLst>
+                        <p:par>
+                          <p:cTn id="9" fill="hold">
+                            <p:stCondLst>
+                              <p:cond delay="0"/>
+                            </p:stCondLst>
+                            <p:childTnLst>
+                              <p:par>
+                                <p:cTn id="10" presetID="10" presetClass="entr" presetSubtype="0" fill="hold" nodeType="clickEffect">
+                                  <p:stCondLst>
+                                    <p:cond delay="0"/>
+                                  </p:stCondLst>
+                                  <p:childTnLst>
+                                    <p:set>
+                                      <p:cBhvr>
+                                        <p:cTn id="11" dur="1" fill="hold">
+                                          <p:stCondLst>
+                                            <p:cond delay="0"/>
+                                          </p:stCondLst>
+                                        </p:cTn>
+                                        <p:tgtEl>
+                                          <p:spTgt spid="8">
+                                            <p:txEl>
+                                              <p:pRg st="1" end="1"/>
+                                            </p:txEl>
+                                          </p:spTgt>
+                                        </p:tgtEl>
+                                        <p:attrNameLst>
+                                          <p:attrName>style.visibility</p:attrName>
+                                        </p:attrNameLst>
+                                      </p:cBhvr>
+                                      <p:to>
+                                        <p:strVal val="visible"/>
+                                      </p:to>
+                                    </p:set>
+                                    <p:animEffect transition="in" filter="fade">
+                                      <p:cBhvr>
+                                        <p:cTn id="12" dur="500"/>
+                                        <p:tgtEl>
+                                          <p:spTgt spid="8">
+                                            <p:txEl>
+                                              <p:pRg st="1" end="1"/>
+                                            </p:txEl>
+                                          </p:spTgt>
+                                        </p:tgtEl>
+                                      </p:cBhvr>
+                                    </p:animEffect>
+                                  </p:childTnLst>
+                                </p:cTn>
+                              </p:par>
+                            </p:childTnLst>
+                          </p:cTn>
+                        </p:par>
+                      </p:childTnLst>
+                    </p:cTn>
+                  </p:par>
+                  <p:par>
+                    <p:cTn id="13" fill="hold">
+                      <p:stCondLst>
+                        <p:cond delay="indefinite"/>
+                      </p:stCondLst>
+                      <p:childTnLst>
+                        <p:par>
+                          <p:cTn id="14" fill="hold">
+                            <p:stCondLst>
+                              <p:cond delay="0"/>
+                            </p:stCondLst>
+                            <p:childTnLst>
+                              <p:par>
+                                <p:cTn id="15" presetID="10" presetClass="entr" presetSubtype="0" fill="hold" nodeType="clickEffect">
+                                  <p:stCondLst>
+                                    <p:cond delay="0"/>
+                                  </p:stCondLst>
+                                  <p:childTnLst>
+                                    <p:set>
+                                      <p:cBhvr>
+                                        <p:cTn id="16" dur="1" fill="hold">
+                                          <p:stCondLst>
+                                            <p:cond delay="0"/>
+                                          </p:stCondLst>
+                                        </p:cTn>
+                                        <p:tgtEl>
+                                          <p:spTgt spid="8">
+                                            <p:txEl>
+                                              <p:pRg st="3" end="3"/>
+                                            </p:txEl>
+                                          </p:spTgt>
+                                        </p:tgtEl>
+                                        <p:attrNameLst>
+                                          <p:attrName>style.visibility</p:attrName>
+                                        </p:attrNameLst>
+                                      </p:cBhvr>
+                                      <p:to>
+                                        <p:strVal val="visible"/>
+                                      </p:to>
+                                    </p:set>
+                                    <p:animEffect transition="in" filter="fade">
+                                      <p:cBhvr>
+                                        <p:cTn id="17" dur="500"/>
+                                        <p:tgtEl>
+                                          <p:spTgt spid="8">
+                                            <p:txEl>
+                                              <p:pRg st="3" end="3"/>
+                                            </p:txEl>
+                                          </p:spTgt>
+                                        </p:tgtEl>
+                                      </p:cBhvr>
+                                    </p:animEffect>
+                                  </p:childTnLst>
+                                </p:cTn>
+                              </p:par>
+                            </p:childTnLst>
+                          </p:cTn>
+                        </p:par>
+                      </p:childTnLst>
+                    </p:cTn>
+                  </p:par>
+                  <p:par>
+                    <p:cTn id="18" fill="hold">
+                      <p:stCondLst>
+                        <p:cond delay="indefinite"/>
+                      </p:stCondLst>
+                      <p:childTnLst>
+                        <p:par>
+                          <p:cTn id="19" fill="hold">
+                            <p:stCondLst>
+                              <p:cond delay="0"/>
+                            </p:stCondLst>
+                            <p:childTnLst>
+                              <p:par>
+                                <p:cTn id="20" presetID="10" presetClass="entr" presetSubtype="0" fill="hold" nodeType="clickEffect">
+                                  <p:stCondLst>
+                                    <p:cond delay="0"/>
+                                  </p:stCondLst>
+                                  <p:childTnLst>
+                                    <p:set>
+                                      <p:cBhvr>
+                                        <p:cTn id="21" dur="1" fill="hold">
+                                          <p:stCondLst>
+                                            <p:cond delay="0"/>
+                                          </p:stCondLst>
+                                        </p:cTn>
+                                        <p:tgtEl>
+                                          <p:spTgt spid="10">
+                                            <p:txEl>
+                                              <p:pRg st="0" end="0"/>
+                                            </p:txEl>
+                                          </p:spTgt>
+                                        </p:tgtEl>
+                                        <p:attrNameLst>
+                                          <p:attrName>style.visibility</p:attrName>
+                                        </p:attrNameLst>
+                                      </p:cBhvr>
+                                      <p:to>
+                                        <p:strVal val="visible"/>
+                                      </p:to>
+                                    </p:set>
+                                    <p:animEffect transition="in" filter="fade">
+                                      <p:cBhvr>
+                                        <p:cTn id="22" dur="500"/>
+                                        <p:tgtEl>
+                                          <p:spTgt spid="10">
+                                            <p:txEl>
+                                              <p:pRg st="0" end="0"/>
+                                            </p:txEl>
+                                          </p:spTgt>
+                                        </p:tgtEl>
+                                      </p:cBhvr>
+                                    </p:animEffect>
+                                  </p:childTnLst>
+                                </p:cTn>
+                              </p:par>
+                            </p:childTnLst>
+                          </p:cTn>
+                        </p:par>
+                      </p:childTnLst>
+                    </p:cTn>
+                  </p:par>
+                  <p:par>
+                    <p:cTn id="23" fill="hold">
+                      <p:stCondLst>
+                        <p:cond delay="indefinite"/>
+                      </p:stCondLst>
+                      <p:childTnLst>
+                        <p:par>
+                          <p:cTn id="24" fill="hold">
+                            <p:stCondLst>
+                              <p:cond delay="0"/>
+                            </p:stCondLst>
+                            <p:childTnLst>
+                              <p:par>
+                                <p:cTn id="25" presetID="10" presetClass="entr" presetSubtype="0" fill="hold" nodeType="clickEffect">
+                                  <p:stCondLst>
+                                    <p:cond delay="0"/>
+                                  </p:stCondLst>
+                                  <p:childTnLst>
+                                    <p:set>
+                                      <p:cBhvr>
+                                        <p:cTn id="26" dur="1" fill="hold">
+                                          <p:stCondLst>
+                                            <p:cond delay="0"/>
+                                          </p:stCondLst>
+                                        </p:cTn>
+                                        <p:tgtEl>
+                                          <p:spTgt spid="10">
+                                            <p:txEl>
+                                              <p:pRg st="2" end="2"/>
+                                            </p:txEl>
+                                          </p:spTgt>
+                                        </p:tgtEl>
+                                        <p:attrNameLst>
+                                          <p:attrName>style.visibility</p:attrName>
+                                        </p:attrNameLst>
+                                      </p:cBhvr>
+                                      <p:to>
+                                        <p:strVal val="visible"/>
+                                      </p:to>
+                                    </p:set>
+                                    <p:animEffect transition="in" filter="fade">
+                                      <p:cBhvr>
+                                        <p:cTn id="27" dur="500"/>
+                                        <p:tgtEl>
+                                          <p:spTgt spid="10">
+                                            <p:txEl>
+                                              <p:pRg st="2" end="2"/>
+                                            </p:txEl>
+                                          </p:spTgt>
+                                        </p:tgtEl>
+                                      </p:cBhvr>
+                                    </p:animEffect>
+                                  </p:childTnLst>
+                                </p:cTn>
+                              </p:par>
+                            </p:childTnLst>
+                          </p:cTn>
+                        </p:par>
+                      </p:childTnLst>
+                    </p:cTn>
+                  </p:par>
+                </p:childTnLst>
+              </p:cTn>
+              <p:prevCondLst>
+                <p:cond evt="onPrev" delay="0">
+                  <p:tgtEl>
+                    <p:sldTgt/>
+                  </p:tgtEl>
+                </p:cond>
+              </p:prevCondLst>
+              <p:nextCondLst>
+                <p:cond evt="onNext" delay="0">
+                  <p:tgtEl>
+                    <p:sldTgt/>
+                  </p:tgtEl>
+                </p:cond>
+              </p:nextCondLst>
+            </p:seq>
+          </p:childTnLst>
+        </p:cTn>
       </p:par>
     </p:tnLst>
   </p:timing>
@@ -6639,7 +8524,7 @@
             <a:spLocks noGrp="1"/>
           </p:cNvSpPr>
           <p:nvPr>
-            <p:ph idx="1"/>
+            <p:ph sz="quarter" idx="1"/>
           </p:nvPr>
         </p:nvSpPr>
         <p:spPr/>
@@ -6653,83 +8538,53 @@
             </a:r>
             <a:r>
               <a:rPr lang="en-US" dirty="0" smtClean="0"/>
-              <a:t>-dense communities nodes are more interconnected</a:t>
-            </a:r>
-          </a:p>
-          <a:p>
+              <a:t>-dense communities nodes are more </a:t>
+            </a:r>
             <a:r>
               <a:rPr lang="en-US" dirty="0" smtClean="0"/>
-              <a:t>k-dense filters out meaningless nodes (e.g. </a:t>
+              <a:t>interconnected </a:t>
             </a:r>
             <a:r>
               <a:rPr lang="en-US" dirty="0" smtClean="0"/>
-              <a:t>“bridge nodes” between cliques)</a:t>
-            </a:r>
-          </a:p>
-          <a:p>
-            <a:r>
-              <a:rPr lang="en-US" dirty="0" err="1" smtClean="0"/>
-              <a:t>Gli</a:t>
+              <a:t>(closer </a:t>
             </a:r>
             <a:r>
               <a:rPr lang="en-US" dirty="0" smtClean="0"/>
-              <a:t> hub </a:t>
-            </a:r>
-            <a:r>
-              <a:rPr lang="en-US" dirty="0" err="1" smtClean="0"/>
-              <a:t>che</a:t>
-            </a:r>
+              <a:t>to a clique)</a:t>
+            </a:r>
+            <a:endParaRPr lang="en-US" dirty="0" smtClean="0"/>
+          </a:p>
+          <a:p>
             <a:r>
               <a:rPr lang="en-US" dirty="0" smtClean="0"/>
-              <a:t> </a:t>
-            </a:r>
-            <a:r>
-              <a:rPr lang="en-US" dirty="0" err="1" smtClean="0"/>
-              <a:t>connettono</a:t>
+              <a:t>k-dense filters out meaningless nodes (e.g. “bridge nodes” between </a:t>
             </a:r>
             <a:r>
               <a:rPr lang="en-US" dirty="0" smtClean="0"/>
-              <a:t> </a:t>
-            </a:r>
-            <a:r>
-              <a:rPr lang="en-US" dirty="0" err="1" smtClean="0"/>
-              <a:t>nodi</a:t>
+              <a:t>communities)</a:t>
+            </a:r>
+            <a:endParaRPr lang="en-US" dirty="0" smtClean="0"/>
+          </a:p>
+          <a:p>
+            <a:r>
+              <a:rPr lang="en-US" dirty="0"/>
+              <a:t>k</a:t>
             </a:r>
             <a:r>
               <a:rPr lang="en-US" dirty="0" smtClean="0"/>
-              <a:t> </a:t>
-            </a:r>
-            <a:r>
-              <a:rPr lang="en-US" dirty="0" err="1" smtClean="0"/>
-              <a:t>poco</a:t>
-            </a:r>
-            <a:r>
-              <a:rPr lang="en-US" dirty="0" smtClean="0"/>
-              <a:t> </a:t>
-            </a:r>
-            <a:r>
-              <a:rPr lang="en-US" dirty="0" err="1" smtClean="0"/>
-              <a:t>connessi</a:t>
-            </a:r>
-            <a:r>
-              <a:rPr lang="en-US" dirty="0" smtClean="0"/>
-              <a:t> </a:t>
-            </a:r>
-            <a:r>
-              <a:rPr lang="en-US" dirty="0" err="1" smtClean="0"/>
-              <a:t>sono</a:t>
-            </a:r>
-            <a:r>
-              <a:rPr lang="en-US" dirty="0" smtClean="0"/>
-              <a:t> </a:t>
-            </a:r>
-            <a:r>
-              <a:rPr lang="en-US" dirty="0" err="1" smtClean="0"/>
-              <a:t>filtrati</a:t>
+              <a:t>-core still useful to detects widely-connected sub-graphs that k-dense </a:t>
             </a:r>
             <a:r>
               <a:rPr lang="en-US" smtClean="0"/>
-              <a:t> via</a:t>
+              <a:t>doesn</a:t>
+            </a:r>
+            <a:r>
+              <a:rPr lang="en-US" smtClean="0"/>
+              <a:t>’t </a:t>
+            </a:r>
+            <a:r>
+              <a:rPr lang="en-US" smtClean="0"/>
+              <a:t>detect</a:t>
             </a:r>
             <a:endParaRPr lang="en-US" dirty="0"/>
           </a:p>
@@ -6802,7 +8657,7 @@
             <a:spLocks noGrp="1"/>
           </p:cNvSpPr>
           <p:nvPr>
-            <p:ph idx="1"/>
+            <p:ph sz="quarter" idx="1"/>
           </p:nvPr>
         </p:nvSpPr>
         <p:spPr/>
@@ -6816,7 +8671,11 @@
             </a:pPr>
             <a:r>
               <a:rPr lang="en-US" dirty="0" smtClean="0"/>
-              <a:t>Implementing k-dense in </a:t>
+              <a:t>Implement </a:t>
+            </a:r>
+            <a:r>
+              <a:rPr lang="en-US" dirty="0" smtClean="0"/>
+              <a:t>k-dense in </a:t>
             </a:r>
             <a:r>
               <a:rPr lang="en-US" dirty="0" err="1" smtClean="0"/>
@@ -6831,8 +8690,13 @@
             </a:pPr>
             <a:r>
               <a:rPr lang="en-US" dirty="0" smtClean="0"/>
-              <a:t>Decompose the internet topology using k-core and k-dense</a:t>
-            </a:r>
+              <a:t>Decompose the internet topology using k-core and k-</a:t>
+            </a:r>
+            <a:r>
+              <a:rPr lang="en-US" dirty="0" smtClean="0"/>
+              <a:t>dense methods</a:t>
+            </a:r>
+            <a:endParaRPr lang="en-US" dirty="0" smtClean="0"/>
           </a:p>
           <a:p>
             <a:pPr marL="514350" indent="-514350">
@@ -6873,7 +8737,213 @@
   <p:timing>
     <p:tnLst>
       <p:par>
-        <p:cTn xmlns:p14="http://schemas.microsoft.com/office/powerpoint/2010/main" id="1" dur="indefinite" restart="never" nodeType="tmRoot"/>
+        <p:cTn xmlns:p14="http://schemas.microsoft.com/office/powerpoint/2010/main" id="1" dur="indefinite" restart="never" nodeType="tmRoot">
+          <p:childTnLst>
+            <p:seq concurrent="1" nextAc="seek">
+              <p:cTn id="2" dur="indefinite" nodeType="mainSeq">
+                <p:childTnLst>
+                  <p:par>
+                    <p:cTn id="3" fill="hold">
+                      <p:stCondLst>
+                        <p:cond delay="indefinite"/>
+                      </p:stCondLst>
+                      <p:childTnLst>
+                        <p:par>
+                          <p:cTn id="4" fill="hold">
+                            <p:stCondLst>
+                              <p:cond delay="0"/>
+                            </p:stCondLst>
+                            <p:childTnLst>
+                              <p:par>
+                                <p:cTn id="5" presetID="10" presetClass="entr" presetSubtype="0" fill="hold" nodeType="clickEffect">
+                                  <p:stCondLst>
+                                    <p:cond delay="0"/>
+                                  </p:stCondLst>
+                                  <p:childTnLst>
+                                    <p:set>
+                                      <p:cBhvr>
+                                        <p:cTn id="6" dur="1" fill="hold">
+                                          <p:stCondLst>
+                                            <p:cond delay="0"/>
+                                          </p:stCondLst>
+                                        </p:cTn>
+                                        <p:tgtEl>
+                                          <p:spTgt spid="3">
+                                            <p:txEl>
+                                              <p:pRg st="0" end="0"/>
+                                            </p:txEl>
+                                          </p:spTgt>
+                                        </p:tgtEl>
+                                        <p:attrNameLst>
+                                          <p:attrName>style.visibility</p:attrName>
+                                        </p:attrNameLst>
+                                      </p:cBhvr>
+                                      <p:to>
+                                        <p:strVal val="visible"/>
+                                      </p:to>
+                                    </p:set>
+                                    <p:animEffect transition="in" filter="fade">
+                                      <p:cBhvr>
+                                        <p:cTn id="7" dur="500"/>
+                                        <p:tgtEl>
+                                          <p:spTgt spid="3">
+                                            <p:txEl>
+                                              <p:pRg st="0" end="0"/>
+                                            </p:txEl>
+                                          </p:spTgt>
+                                        </p:tgtEl>
+                                      </p:cBhvr>
+                                    </p:animEffect>
+                                  </p:childTnLst>
+                                </p:cTn>
+                              </p:par>
+                            </p:childTnLst>
+                          </p:cTn>
+                        </p:par>
+                      </p:childTnLst>
+                    </p:cTn>
+                  </p:par>
+                  <p:par>
+                    <p:cTn id="8" fill="hold">
+                      <p:stCondLst>
+                        <p:cond delay="indefinite"/>
+                      </p:stCondLst>
+                      <p:childTnLst>
+                        <p:par>
+                          <p:cTn id="9" fill="hold">
+                            <p:stCondLst>
+                              <p:cond delay="0"/>
+                            </p:stCondLst>
+                            <p:childTnLst>
+                              <p:par>
+                                <p:cTn id="10" presetID="10" presetClass="entr" presetSubtype="0" fill="hold" nodeType="clickEffect">
+                                  <p:stCondLst>
+                                    <p:cond delay="0"/>
+                                  </p:stCondLst>
+                                  <p:childTnLst>
+                                    <p:set>
+                                      <p:cBhvr>
+                                        <p:cTn id="11" dur="1" fill="hold">
+                                          <p:stCondLst>
+                                            <p:cond delay="0"/>
+                                          </p:stCondLst>
+                                        </p:cTn>
+                                        <p:tgtEl>
+                                          <p:spTgt spid="3">
+                                            <p:txEl>
+                                              <p:pRg st="1" end="1"/>
+                                            </p:txEl>
+                                          </p:spTgt>
+                                        </p:tgtEl>
+                                        <p:attrNameLst>
+                                          <p:attrName>style.visibility</p:attrName>
+                                        </p:attrNameLst>
+                                      </p:cBhvr>
+                                      <p:to>
+                                        <p:strVal val="visible"/>
+                                      </p:to>
+                                    </p:set>
+                                    <p:animEffect transition="in" filter="fade">
+                                      <p:cBhvr>
+                                        <p:cTn id="12" dur="500"/>
+                                        <p:tgtEl>
+                                          <p:spTgt spid="3">
+                                            <p:txEl>
+                                              <p:pRg st="1" end="1"/>
+                                            </p:txEl>
+                                          </p:spTgt>
+                                        </p:tgtEl>
+                                      </p:cBhvr>
+                                    </p:animEffect>
+                                  </p:childTnLst>
+                                </p:cTn>
+                              </p:par>
+                            </p:childTnLst>
+                          </p:cTn>
+                        </p:par>
+                      </p:childTnLst>
+                    </p:cTn>
+                  </p:par>
+                  <p:par>
+                    <p:cTn id="13" fill="hold">
+                      <p:stCondLst>
+                        <p:cond delay="indefinite"/>
+                      </p:stCondLst>
+                      <p:childTnLst>
+                        <p:par>
+                          <p:cTn id="14" fill="hold">
+                            <p:stCondLst>
+                              <p:cond delay="0"/>
+                            </p:stCondLst>
+                            <p:childTnLst>
+                              <p:par>
+                                <p:cTn id="15" presetID="10" presetClass="entr" presetSubtype="0" fill="hold" nodeType="clickEffect">
+                                  <p:stCondLst>
+                                    <p:cond delay="0"/>
+                                  </p:stCondLst>
+                                  <p:childTnLst>
+                                    <p:set>
+                                      <p:cBhvr>
+                                        <p:cTn id="16" dur="1" fill="hold">
+                                          <p:stCondLst>
+                                            <p:cond delay="0"/>
+                                          </p:stCondLst>
+                                        </p:cTn>
+                                        <p:tgtEl>
+                                          <p:spTgt spid="3">
+                                            <p:txEl>
+                                              <p:pRg st="2" end="2"/>
+                                            </p:txEl>
+                                          </p:spTgt>
+                                        </p:tgtEl>
+                                        <p:attrNameLst>
+                                          <p:attrName>style.visibility</p:attrName>
+                                        </p:attrNameLst>
+                                      </p:cBhvr>
+                                      <p:to>
+                                        <p:strVal val="visible"/>
+                                      </p:to>
+                                    </p:set>
+                                    <p:animEffect transition="in" filter="fade">
+                                      <p:cBhvr>
+                                        <p:cTn id="17" dur="500"/>
+                                        <p:tgtEl>
+                                          <p:spTgt spid="3">
+                                            <p:txEl>
+                                              <p:pRg st="2" end="2"/>
+                                            </p:txEl>
+                                          </p:spTgt>
+                                        </p:tgtEl>
+                                      </p:cBhvr>
+                                    </p:animEffect>
+                                  </p:childTnLst>
+                                </p:cTn>
+                              </p:par>
+                            </p:childTnLst>
+                          </p:cTn>
+                        </p:par>
+                      </p:childTnLst>
+                    </p:cTn>
+                  </p:par>
+                </p:childTnLst>
+              </p:cTn>
+              <p:prevCondLst>
+                <p:cond evt="onPrev" delay="0">
+                  <p:tgtEl>
+                    <p:sldTgt/>
+                  </p:tgtEl>
+                </p:cond>
+              </p:prevCondLst>
+              <p:nextCondLst>
+                <p:cond evt="onNext" delay="0">
+                  <p:tgtEl>
+                    <p:sldTgt/>
+                  </p:tgtEl>
+                </p:cond>
+              </p:nextCondLst>
+            </p:seq>
+          </p:childTnLst>
+        </p:cTn>
       </p:par>
     </p:tnLst>
   </p:timing>
@@ -6927,7 +8997,7 @@
             <a:spLocks noGrp="1"/>
           </p:cNvSpPr>
           <p:nvPr>
-            <p:ph idx="1"/>
+            <p:ph sz="quarter" idx="1"/>
           </p:nvPr>
         </p:nvSpPr>
         <p:spPr/>
@@ -6937,16 +9007,51 @@
           <a:p>
             <a:r>
               <a:rPr lang="en-US" sz="2400" dirty="0" smtClean="0"/>
-              <a:t>A k-core of a graph G is a maximal connected </a:t>
-            </a:r>
-            <a:r>
-              <a:rPr lang="en-US" sz="2400" dirty="0" err="1" smtClean="0"/>
-              <a:t>subgraph</a:t>
+              <a:t>A </a:t>
+            </a:r>
+            <a:r>
+              <a:rPr lang="en-US" sz="2400" i="1" dirty="0" smtClean="0"/>
+              <a:t>k-core </a:t>
             </a:r>
             <a:r>
               <a:rPr lang="en-US" sz="2400" dirty="0" smtClean="0"/>
-              <a:t> of G in which all vertices have degree at least k</a:t>
-            </a:r>
+              <a:t>of a graph G is a maximal connected </a:t>
+            </a:r>
+            <a:r>
+              <a:rPr lang="en-US" sz="2400" dirty="0" smtClean="0"/>
+              <a:t>sub-graph </a:t>
+            </a:r>
+            <a:r>
+              <a:rPr lang="en-US" sz="2400" dirty="0" smtClean="0"/>
+              <a:t>of G in which all vertices have degree at least </a:t>
+            </a:r>
+            <a:r>
+              <a:rPr lang="en-US" sz="2400" dirty="0" smtClean="0"/>
+              <a:t>k - 1</a:t>
+            </a:r>
+          </a:p>
+          <a:p>
+            <a:r>
+              <a:rPr lang="en-US" sz="2400" i="1" dirty="0" err="1" smtClean="0"/>
+              <a:t>Coreness</a:t>
+            </a:r>
+            <a:r>
+              <a:rPr lang="en-US" sz="2400" dirty="0" smtClean="0"/>
+              <a:t> of a node </a:t>
+            </a:r>
+            <a:r>
+              <a:rPr lang="en-US" sz="2400" i="1" dirty="0" smtClean="0"/>
+              <a:t>n</a:t>
+            </a:r>
+            <a:r>
+              <a:rPr lang="en-US" sz="2400" dirty="0" smtClean="0"/>
+              <a:t>: max value of k for which exists a k-core of G containing </a:t>
+            </a:r>
+            <a:r>
+              <a:rPr lang="en-US" sz="2400" i="1" dirty="0" smtClean="0"/>
+              <a:t>n</a:t>
+            </a:r>
+            <a:endParaRPr lang="en-US" sz="2400" dirty="0" smtClean="0"/>
           </a:p>
           <a:p>
             <a:endParaRPr lang="en-US" dirty="0"/>
@@ -6961,16 +9066,15 @@
           </p:cNvPicPr>
           <p:nvPr/>
         </p:nvPicPr>
-        <p:blipFill>
+        <p:blipFill rotWithShape="1">
           <a:blip r:embed="rId2"/>
-          <a:stretch>
-            <a:fillRect/>
-          </a:stretch>
+          <a:srcRect l="13039" r="10258" b="9975"/>
+          <a:stretch/>
         </p:blipFill>
         <p:spPr>
           <a:xfrm>
-            <a:off x="1003300" y="3203282"/>
-            <a:ext cx="7137400" cy="3581400"/>
+            <a:off x="2299530" y="3752536"/>
+            <a:ext cx="4541976" cy="2674885"/>
           </a:xfrm>
           <a:prstGeom prst="rect">
             <a:avLst/>
@@ -6990,7 +9094,187 @@
   <p:timing>
     <p:tnLst>
       <p:par>
-        <p:cTn xmlns:p14="http://schemas.microsoft.com/office/powerpoint/2010/main" id="1" dur="indefinite" restart="never" nodeType="tmRoot"/>
+        <p:cTn xmlns:p14="http://schemas.microsoft.com/office/powerpoint/2010/main" id="1" dur="indefinite" restart="never" nodeType="tmRoot">
+          <p:childTnLst>
+            <p:seq concurrent="1" nextAc="seek">
+              <p:cTn id="2" dur="indefinite" nodeType="mainSeq">
+                <p:childTnLst>
+                  <p:par>
+                    <p:cTn id="3" fill="hold">
+                      <p:stCondLst>
+                        <p:cond delay="indefinite"/>
+                      </p:stCondLst>
+                      <p:childTnLst>
+                        <p:par>
+                          <p:cTn id="4" fill="hold">
+                            <p:stCondLst>
+                              <p:cond delay="0"/>
+                            </p:stCondLst>
+                            <p:childTnLst>
+                              <p:par>
+                                <p:cTn id="5" presetID="10" presetClass="entr" presetSubtype="0" fill="hold" nodeType="clickEffect">
+                                  <p:stCondLst>
+                                    <p:cond delay="0"/>
+                                  </p:stCondLst>
+                                  <p:childTnLst>
+                                    <p:set>
+                                      <p:cBhvr>
+                                        <p:cTn id="6" dur="1" fill="hold">
+                                          <p:stCondLst>
+                                            <p:cond delay="0"/>
+                                          </p:stCondLst>
+                                        </p:cTn>
+                                        <p:tgtEl>
+                                          <p:spTgt spid="3">
+                                            <p:txEl>
+                                              <p:pRg st="0" end="0"/>
+                                            </p:txEl>
+                                          </p:spTgt>
+                                        </p:tgtEl>
+                                        <p:attrNameLst>
+                                          <p:attrName>style.visibility</p:attrName>
+                                        </p:attrNameLst>
+                                      </p:cBhvr>
+                                      <p:to>
+                                        <p:strVal val="visible"/>
+                                      </p:to>
+                                    </p:set>
+                                    <p:animEffect transition="in" filter="fade">
+                                      <p:cBhvr>
+                                        <p:cTn id="7" dur="500"/>
+                                        <p:tgtEl>
+                                          <p:spTgt spid="3">
+                                            <p:txEl>
+                                              <p:pRg st="0" end="0"/>
+                                            </p:txEl>
+                                          </p:spTgt>
+                                        </p:tgtEl>
+                                      </p:cBhvr>
+                                    </p:animEffect>
+                                  </p:childTnLst>
+                                </p:cTn>
+                              </p:par>
+                              <p:par>
+                                <p:cTn id="8" presetID="10" presetClass="entr" presetSubtype="0" fill="hold" nodeType="withEffect">
+                                  <p:stCondLst>
+                                    <p:cond delay="0"/>
+                                  </p:stCondLst>
+                                  <p:childTnLst>
+                                    <p:set>
+                                      <p:cBhvr>
+                                        <p:cTn id="9" dur="1" fill="hold">
+                                          <p:stCondLst>
+                                            <p:cond delay="0"/>
+                                          </p:stCondLst>
+                                        </p:cTn>
+                                        <p:tgtEl>
+                                          <p:spTgt spid="4"/>
+                                        </p:tgtEl>
+                                        <p:attrNameLst>
+                                          <p:attrName>style.visibility</p:attrName>
+                                        </p:attrNameLst>
+                                      </p:cBhvr>
+                                      <p:to>
+                                        <p:strVal val="visible"/>
+                                      </p:to>
+                                    </p:set>
+                                    <p:animEffect transition="in" filter="fade">
+                                      <p:cBhvr>
+                                        <p:cTn id="10" dur="500"/>
+                                        <p:tgtEl>
+                                          <p:spTgt spid="4"/>
+                                        </p:tgtEl>
+                                      </p:cBhvr>
+                                    </p:animEffect>
+                                  </p:childTnLst>
+                                </p:cTn>
+                              </p:par>
+                            </p:childTnLst>
+                          </p:cTn>
+                        </p:par>
+                      </p:childTnLst>
+                    </p:cTn>
+                  </p:par>
+                  <p:par>
+                    <p:cTn id="11" fill="hold">
+                      <p:stCondLst>
+                        <p:cond delay="indefinite"/>
+                      </p:stCondLst>
+                      <p:childTnLst>
+                        <p:par>
+                          <p:cTn id="12" fill="hold">
+                            <p:stCondLst>
+                              <p:cond delay="0"/>
+                            </p:stCondLst>
+                            <p:childTnLst>
+                              <p:par>
+                                <p:cTn id="13" presetID="10" presetClass="entr" presetSubtype="0" fill="hold" nodeType="clickEffect">
+                                  <p:stCondLst>
+                                    <p:cond delay="0"/>
+                                  </p:stCondLst>
+                                  <p:childTnLst>
+                                    <p:set>
+                                      <p:cBhvr>
+                                        <p:cTn id="14" dur="1" fill="hold">
+                                          <p:stCondLst>
+                                            <p:cond delay="0"/>
+                                          </p:stCondLst>
+                                        </p:cTn>
+                                        <p:tgtEl>
+                                          <p:spTgt spid="3">
+                                            <p:txEl>
+                                              <p:pRg st="1" end="1"/>
+                                            </p:txEl>
+                                          </p:spTgt>
+                                        </p:tgtEl>
+                                        <p:attrNameLst>
+                                          <p:attrName>style.visibility</p:attrName>
+                                        </p:attrNameLst>
+                                      </p:cBhvr>
+                                      <p:to>
+                                        <p:strVal val="visible"/>
+                                      </p:to>
+                                    </p:set>
+                                    <p:animEffect transition="in" filter="fade">
+                                      <p:cBhvr>
+                                        <p:cTn id="15" dur="500"/>
+                                        <p:tgtEl>
+                                          <p:spTgt spid="3">
+                                            <p:txEl>
+                                              <p:pRg st="1" end="1"/>
+                                            </p:txEl>
+                                          </p:spTgt>
+                                        </p:tgtEl>
+                                      </p:cBhvr>
+                                    </p:animEffect>
+                                  </p:childTnLst>
+                                </p:cTn>
+                              </p:par>
+                            </p:childTnLst>
+                          </p:cTn>
+                        </p:par>
+                      </p:childTnLst>
+                    </p:cTn>
+                  </p:par>
+                </p:childTnLst>
+              </p:cTn>
+              <p:prevCondLst>
+                <p:cond evt="onPrev" delay="0">
+                  <p:tgtEl>
+                    <p:sldTgt/>
+                  </p:tgtEl>
+                </p:cond>
+              </p:prevCondLst>
+              <p:nextCondLst>
+                <p:cond evt="onNext" delay="0">
+                  <p:tgtEl>
+                    <p:sldTgt/>
+                  </p:tgtEl>
+                </p:cond>
+              </p:nextCondLst>
+            </p:seq>
+          </p:childTnLst>
+        </p:cTn>
       </p:par>
     </p:tnLst>
   </p:timing>
@@ -7044,7 +9328,7 @@
             <a:spLocks noGrp="1"/>
           </p:cNvSpPr>
           <p:nvPr>
-            <p:ph idx="1"/>
+            <p:ph sz="quarter" idx="1"/>
           </p:nvPr>
         </p:nvSpPr>
         <p:spPr/>
@@ -7054,20 +9338,31 @@
           <a:p>
             <a:r>
               <a:rPr lang="en-US" sz="2400" dirty="0" smtClean="0"/>
-              <a:t>A </a:t>
-            </a:r>
-            <a:r>
-              <a:rPr lang="en-US" sz="2400" dirty="0" err="1"/>
-              <a:t>subnetwork</a:t>
+              <a:t>A k-dense of a graph G is a maximal connected sub-graph of G where each pair of adjacent nodes have at least (k - 2) </a:t>
             </a:r>
             <a:r>
               <a:rPr lang="en-US" sz="2400" dirty="0"/>
-              <a:t> D(k) of G is called k-dense if each pair of adjacent nodes in D(k) has more than or equal to (k − 2) common adjacent nodes in D(k) </a:t>
+              <a:t>common adjacent </a:t>
+            </a:r>
+            <a:r>
+              <a:rPr lang="en-US" sz="2400" dirty="0" smtClean="0"/>
+              <a:t>nodes</a:t>
             </a:r>
             <a:endParaRPr lang="en-US" sz="2400" dirty="0" smtClean="0"/>
           </a:p>
           <a:p>
-            <a:endParaRPr lang="en-US" sz="2400" dirty="0" smtClean="0"/>
+            <a:r>
+              <a:rPr lang="en-US" sz="2400" dirty="0" smtClean="0"/>
+              <a:t>It follows that each node must have (k – 1) neighbors</a:t>
+            </a:r>
+          </a:p>
+          <a:p>
+            <a:pPr lvl="1"/>
+            <a:r>
+              <a:rPr lang="en-US" sz="2100" dirty="0" smtClean="0"/>
+              <a:t>If a sub-graph is k-dense, it is k-core too</a:t>
+            </a:r>
+            <a:endParaRPr lang="en-US" sz="2100" dirty="0" smtClean="0"/>
           </a:p>
           <a:p>
             <a:endParaRPr lang="en-US" dirty="0"/>
@@ -7088,16 +9383,15 @@
           </p:cNvPicPr>
           <p:nvPr/>
         </p:nvPicPr>
-        <p:blipFill>
+        <p:blipFill rotWithShape="1">
           <a:blip r:embed="rId2"/>
-          <a:stretch>
-            <a:fillRect/>
-          </a:stretch>
+          <a:srcRect l="6565" t="1" r="7774" b="16135"/>
+          <a:stretch/>
         </p:blipFill>
         <p:spPr>
           <a:xfrm>
-            <a:off x="1358900" y="3422650"/>
-            <a:ext cx="6413500" cy="3187700"/>
+            <a:off x="2405367" y="4125049"/>
+            <a:ext cx="4572000" cy="2224767"/>
           </a:xfrm>
           <a:prstGeom prst="rect">
             <a:avLst/>
@@ -7117,7 +9411,239 @@
   <p:timing>
     <p:tnLst>
       <p:par>
-        <p:cTn xmlns:p14="http://schemas.microsoft.com/office/powerpoint/2010/main" id="1" dur="indefinite" restart="never" nodeType="tmRoot"/>
+        <p:cTn xmlns:p14="http://schemas.microsoft.com/office/powerpoint/2010/main" id="1" dur="indefinite" restart="never" nodeType="tmRoot">
+          <p:childTnLst>
+            <p:seq concurrent="1" nextAc="seek">
+              <p:cTn id="2" dur="indefinite" nodeType="mainSeq">
+                <p:childTnLst>
+                  <p:par>
+                    <p:cTn id="3" fill="hold">
+                      <p:stCondLst>
+                        <p:cond delay="indefinite"/>
+                      </p:stCondLst>
+                      <p:childTnLst>
+                        <p:par>
+                          <p:cTn id="4" fill="hold">
+                            <p:stCondLst>
+                              <p:cond delay="0"/>
+                            </p:stCondLst>
+                            <p:childTnLst>
+                              <p:par>
+                                <p:cTn id="5" presetID="10" presetClass="entr" presetSubtype="0" fill="hold" nodeType="clickEffect">
+                                  <p:stCondLst>
+                                    <p:cond delay="0"/>
+                                  </p:stCondLst>
+                                  <p:childTnLst>
+                                    <p:set>
+                                      <p:cBhvr>
+                                        <p:cTn id="6" dur="1" fill="hold">
+                                          <p:stCondLst>
+                                            <p:cond delay="0"/>
+                                          </p:stCondLst>
+                                        </p:cTn>
+                                        <p:tgtEl>
+                                          <p:spTgt spid="3">
+                                            <p:txEl>
+                                              <p:pRg st="0" end="0"/>
+                                            </p:txEl>
+                                          </p:spTgt>
+                                        </p:tgtEl>
+                                        <p:attrNameLst>
+                                          <p:attrName>style.visibility</p:attrName>
+                                        </p:attrNameLst>
+                                      </p:cBhvr>
+                                      <p:to>
+                                        <p:strVal val="visible"/>
+                                      </p:to>
+                                    </p:set>
+                                    <p:animEffect transition="in" filter="fade">
+                                      <p:cBhvr>
+                                        <p:cTn id="7" dur="500"/>
+                                        <p:tgtEl>
+                                          <p:spTgt spid="3">
+                                            <p:txEl>
+                                              <p:pRg st="0" end="0"/>
+                                            </p:txEl>
+                                          </p:spTgt>
+                                        </p:tgtEl>
+                                      </p:cBhvr>
+                                    </p:animEffect>
+                                  </p:childTnLst>
+                                </p:cTn>
+                              </p:par>
+                              <p:par>
+                                <p:cTn id="8" presetID="10" presetClass="entr" presetSubtype="0" fill="hold" nodeType="withEffect">
+                                  <p:stCondLst>
+                                    <p:cond delay="0"/>
+                                  </p:stCondLst>
+                                  <p:childTnLst>
+                                    <p:set>
+                                      <p:cBhvr>
+                                        <p:cTn id="9" dur="1" fill="hold">
+                                          <p:stCondLst>
+                                            <p:cond delay="0"/>
+                                          </p:stCondLst>
+                                        </p:cTn>
+                                        <p:tgtEl>
+                                          <p:spTgt spid="4"/>
+                                        </p:tgtEl>
+                                        <p:attrNameLst>
+                                          <p:attrName>style.visibility</p:attrName>
+                                        </p:attrNameLst>
+                                      </p:cBhvr>
+                                      <p:to>
+                                        <p:strVal val="visible"/>
+                                      </p:to>
+                                    </p:set>
+                                    <p:animEffect transition="in" filter="fade">
+                                      <p:cBhvr>
+                                        <p:cTn id="10" dur="500"/>
+                                        <p:tgtEl>
+                                          <p:spTgt spid="4"/>
+                                        </p:tgtEl>
+                                      </p:cBhvr>
+                                    </p:animEffect>
+                                  </p:childTnLst>
+                                </p:cTn>
+                              </p:par>
+                            </p:childTnLst>
+                          </p:cTn>
+                        </p:par>
+                      </p:childTnLst>
+                    </p:cTn>
+                  </p:par>
+                  <p:par>
+                    <p:cTn id="11" fill="hold">
+                      <p:stCondLst>
+                        <p:cond delay="indefinite"/>
+                      </p:stCondLst>
+                      <p:childTnLst>
+                        <p:par>
+                          <p:cTn id="12" fill="hold">
+                            <p:stCondLst>
+                              <p:cond delay="0"/>
+                            </p:stCondLst>
+                            <p:childTnLst>
+                              <p:par>
+                                <p:cTn id="13" presetID="10" presetClass="entr" presetSubtype="0" fill="hold" nodeType="clickEffect">
+                                  <p:stCondLst>
+                                    <p:cond delay="0"/>
+                                  </p:stCondLst>
+                                  <p:childTnLst>
+                                    <p:set>
+                                      <p:cBhvr>
+                                        <p:cTn id="14" dur="1" fill="hold">
+                                          <p:stCondLst>
+                                            <p:cond delay="0"/>
+                                          </p:stCondLst>
+                                        </p:cTn>
+                                        <p:tgtEl>
+                                          <p:spTgt spid="3">
+                                            <p:txEl>
+                                              <p:pRg st="1" end="1"/>
+                                            </p:txEl>
+                                          </p:spTgt>
+                                        </p:tgtEl>
+                                        <p:attrNameLst>
+                                          <p:attrName>style.visibility</p:attrName>
+                                        </p:attrNameLst>
+                                      </p:cBhvr>
+                                      <p:to>
+                                        <p:strVal val="visible"/>
+                                      </p:to>
+                                    </p:set>
+                                    <p:animEffect transition="in" filter="fade">
+                                      <p:cBhvr>
+                                        <p:cTn id="15" dur="500"/>
+                                        <p:tgtEl>
+                                          <p:spTgt spid="3">
+                                            <p:txEl>
+                                              <p:pRg st="1" end="1"/>
+                                            </p:txEl>
+                                          </p:spTgt>
+                                        </p:tgtEl>
+                                      </p:cBhvr>
+                                    </p:animEffect>
+                                  </p:childTnLst>
+                                </p:cTn>
+                              </p:par>
+                            </p:childTnLst>
+                          </p:cTn>
+                        </p:par>
+                        <p:par>
+                          <p:cTn id="16" fill="hold">
+                            <p:stCondLst>
+                              <p:cond delay="500"/>
+                            </p:stCondLst>
+                            <p:childTnLst>
+                              <p:par>
+                                <p:cTn id="17" presetID="10" presetClass="entr" presetSubtype="0" fill="hold" nodeType="afterEffect">
+                                  <p:stCondLst>
+                                    <p:cond delay="0"/>
+                                  </p:stCondLst>
+                                  <p:childTnLst>
+                                    <p:set>
+                                      <p:cBhvr>
+                                        <p:cTn id="18" dur="1" fill="hold">
+                                          <p:stCondLst>
+                                            <p:cond delay="0"/>
+                                          </p:stCondLst>
+                                        </p:cTn>
+                                        <p:tgtEl>
+                                          <p:spTgt spid="3">
+                                            <p:txEl>
+                                              <p:pRg st="2" end="2"/>
+                                            </p:txEl>
+                                          </p:spTgt>
+                                        </p:tgtEl>
+                                        <p:attrNameLst>
+                                          <p:attrName>style.visibility</p:attrName>
+                                        </p:attrNameLst>
+                                      </p:cBhvr>
+                                      <p:to>
+                                        <p:strVal val="visible"/>
+                                      </p:to>
+                                    </p:set>
+                                    <p:animEffect transition="in" filter="fade">
+                                      <p:cBhvr>
+                                        <p:cTn id="19" dur="500"/>
+                                        <p:tgtEl>
+                                          <p:spTgt spid="3">
+                                            <p:txEl>
+                                              <p:pRg st="2" end="2"/>
+                                            </p:txEl>
+                                          </p:spTgt>
+                                        </p:tgtEl>
+                                      </p:cBhvr>
+                                    </p:animEffect>
+                                  </p:childTnLst>
+                                </p:cTn>
+                              </p:par>
+                            </p:childTnLst>
+                          </p:cTn>
+                        </p:par>
+                      </p:childTnLst>
+                    </p:cTn>
+                  </p:par>
+                </p:childTnLst>
+              </p:cTn>
+              <p:prevCondLst>
+                <p:cond evt="onPrev" delay="0">
+                  <p:tgtEl>
+                    <p:sldTgt/>
+                  </p:tgtEl>
+                </p:cond>
+              </p:prevCondLst>
+              <p:nextCondLst>
+                <p:cond evt="onNext" delay="0">
+                  <p:tgtEl>
+                    <p:sldTgt/>
+                  </p:tgtEl>
+                </p:cond>
+              </p:nextCondLst>
+            </p:seq>
+          </p:childTnLst>
+        </p:cTn>
       </p:par>
     </p:tnLst>
   </p:timing>
@@ -7158,7 +9684,19 @@
           <a:p>
             <a:r>
               <a:rPr lang="en-US" dirty="0" smtClean="0"/>
-              <a:t>k-dense implies k-core</a:t>
+              <a:t>k-dense </a:t>
+            </a:r>
+            <a:r>
+              <a:rPr lang="en-US" dirty="0" err="1" smtClean="0"/>
+              <a:t>vs</a:t>
+            </a:r>
+            <a:r>
+              <a:rPr lang="en-US" dirty="0" smtClean="0"/>
+              <a:t> </a:t>
+            </a:r>
+            <a:r>
+              <a:rPr lang="en-US" dirty="0" smtClean="0"/>
+              <a:t>k-core</a:t>
             </a:r>
             <a:endParaRPr lang="en-US" dirty="0"/>
           </a:p>
@@ -7171,19 +9709,46 @@
             <a:spLocks noGrp="1"/>
           </p:cNvSpPr>
           <p:nvPr>
-            <p:ph type="body" idx="1"/>
+            <p:ph type="body" sz="quarter" idx="1"/>
           </p:nvPr>
         </p:nvSpPr>
         <p:spPr/>
+        <p:style>
+          <a:lnRef idx="2">
+            <a:schemeClr val="accent2">
+              <a:shade val="50000"/>
+            </a:schemeClr>
+          </a:lnRef>
+          <a:fillRef idx="1">
+            <a:schemeClr val="accent2"/>
+          </a:fillRef>
+          <a:effectRef idx="0">
+            <a:schemeClr val="accent2"/>
+          </a:effectRef>
+          <a:fontRef idx="minor">
+            <a:schemeClr val="lt1"/>
+          </a:fontRef>
+        </p:style>
         <p:txBody>
-          <a:bodyPr/>
+          <a:bodyPr>
+            <a:normAutofit/>
+          </a:bodyPr>
           <a:lstStyle/>
           <a:p>
-            <a:r>
-              <a:rPr lang="en-US" dirty="0" smtClean="0"/>
+            <a:pPr algn="ctr"/>
+            <a:r>
+              <a:rPr lang="en-US" b="0" dirty="0" smtClean="0">
+                <a:solidFill>
+                  <a:schemeClr val="bg1"/>
+                </a:solidFill>
+              </a:rPr>
               <a:t>K-core</a:t>
             </a:r>
-            <a:endParaRPr lang="en-US" dirty="0"/>
+            <a:endParaRPr lang="en-US" b="0" dirty="0">
+              <a:solidFill>
+                <a:schemeClr val="bg1"/>
+              </a:solidFill>
+            </a:endParaRPr>
           </a:p>
         </p:txBody>
       </p:sp>
@@ -7198,36 +9763,62 @@
           </p:nvPr>
         </p:nvSpPr>
         <p:spPr/>
+        <p:style>
+          <a:lnRef idx="2">
+            <a:schemeClr val="accent2">
+              <a:shade val="50000"/>
+            </a:schemeClr>
+          </a:lnRef>
+          <a:fillRef idx="1">
+            <a:schemeClr val="accent2"/>
+          </a:fillRef>
+          <a:effectRef idx="0">
+            <a:schemeClr val="accent2"/>
+          </a:effectRef>
+          <a:fontRef idx="minor">
+            <a:schemeClr val="lt1"/>
+          </a:fontRef>
+        </p:style>
         <p:txBody>
-          <a:bodyPr/>
+          <a:bodyPr>
+            <a:normAutofit/>
+          </a:bodyPr>
           <a:lstStyle/>
           <a:p>
-            <a:r>
-              <a:rPr lang="en-US" dirty="0" smtClean="0"/>
+            <a:pPr algn="ctr"/>
+            <a:r>
+              <a:rPr lang="en-US" b="0" dirty="0" smtClean="0">
+                <a:solidFill>
+                  <a:schemeClr val="bg1"/>
+                </a:solidFill>
+              </a:rPr>
               <a:t>K-dense</a:t>
             </a:r>
-            <a:endParaRPr lang="en-US" dirty="0"/>
+            <a:endParaRPr lang="en-US" b="0" dirty="0">
+              <a:solidFill>
+                <a:schemeClr val="bg1"/>
+              </a:solidFill>
+            </a:endParaRPr>
           </a:p>
         </p:txBody>
       </p:sp>
       <p:pic>
         <p:nvPicPr>
-          <p:cNvPr id="9" name="Picture 8"/>
+          <p:cNvPr id="7" name="Picture 6"/>
           <p:cNvPicPr>
             <a:picLocks noChangeAspect="1"/>
           </p:cNvPicPr>
           <p:nvPr/>
         </p:nvPicPr>
-        <p:blipFill>
+        <p:blipFill rotWithShape="1">
           <a:blip r:embed="rId2"/>
-          <a:stretch>
-            <a:fillRect/>
-          </a:stretch>
+          <a:srcRect l="13039" r="10258" b="9975"/>
+          <a:stretch/>
         </p:blipFill>
         <p:spPr>
           <a:xfrm>
-            <a:off x="0" y="3417045"/>
-            <a:ext cx="4515168" cy="2265618"/>
+            <a:off x="939306" y="4268795"/>
+            <a:ext cx="3226788" cy="1900338"/>
           </a:xfrm>
           <a:prstGeom prst="rect">
             <a:avLst/>
@@ -7236,28 +9827,529 @@
       </p:pic>
       <p:pic>
         <p:nvPicPr>
-          <p:cNvPr id="10" name="Picture 9"/>
+          <p:cNvPr id="8" name="Picture 7"/>
           <p:cNvPicPr>
             <a:picLocks noChangeAspect="1"/>
           </p:cNvPicPr>
           <p:nvPr/>
         </p:nvPicPr>
-        <p:blipFill>
+        <p:blipFill rotWithShape="1">
           <a:blip r:embed="rId3"/>
-          <a:stretch>
-            <a:fillRect/>
-          </a:stretch>
+          <a:srcRect l="6565" t="1" r="7774" b="16135"/>
+          <a:stretch/>
         </p:blipFill>
         <p:spPr>
           <a:xfrm>
-            <a:off x="4891513" y="3417045"/>
-            <a:ext cx="4034391" cy="2005212"/>
+            <a:off x="5135968" y="4320975"/>
+            <a:ext cx="3215464" cy="1564668"/>
           </a:xfrm>
           <a:prstGeom prst="rect">
             <a:avLst/>
           </a:prstGeom>
         </p:spPr>
       </p:pic>
+      <p:sp>
+        <p:nvSpPr>
+          <p:cNvPr id="3" name="Rectangle 2"/>
+          <p:cNvSpPr/>
+          <p:nvPr/>
+        </p:nvSpPr>
+        <p:spPr>
+          <a:xfrm>
+            <a:off x="609600" y="2503447"/>
+            <a:ext cx="3886200" cy="1754327"/>
+          </a:xfrm>
+          <a:prstGeom prst="rect">
+            <a:avLst/>
+          </a:prstGeom>
+        </p:spPr>
+        <p:txBody>
+          <a:bodyPr wrap="square">
+            <a:spAutoFit/>
+          </a:bodyPr>
+          <a:lstStyle/>
+          <a:p>
+            <a:pPr marL="285750" indent="-285750">
+              <a:buFont typeface="Arial"/>
+              <a:buChar char="•"/>
+            </a:pPr>
+            <a:r>
+              <a:rPr lang="en-US" dirty="0" smtClean="0"/>
+              <a:t>Gives more importance to the total amount of nodes </a:t>
+            </a:r>
+            <a:r>
+              <a:rPr lang="en-US" dirty="0" smtClean="0"/>
+              <a:t>“connections”</a:t>
+            </a:r>
+          </a:p>
+          <a:p>
+            <a:pPr marL="285750" indent="-285750">
+              <a:buFont typeface="Arial"/>
+              <a:buChar char="•"/>
+            </a:pPr>
+            <a:r>
+              <a:rPr lang="en-US" dirty="0" smtClean="0"/>
+              <a:t>Some nodes included even if they are not really part of a community</a:t>
+            </a:r>
+          </a:p>
+          <a:p>
+            <a:pPr marL="285750" indent="-285750">
+              <a:buFont typeface="Arial"/>
+              <a:buChar char="•"/>
+            </a:pPr>
+            <a:r>
+              <a:rPr lang="en-US" dirty="0" smtClean="0"/>
+              <a:t>Some nodes excluded  even if quite connected</a:t>
+            </a:r>
+            <a:endParaRPr lang="en-US" dirty="0"/>
+          </a:p>
+        </p:txBody>
+      </p:sp>
+      <p:sp>
+        <p:nvSpPr>
+          <p:cNvPr id="11" name="Rounded Rectangle 10"/>
+          <p:cNvSpPr/>
+          <p:nvPr/>
+        </p:nvSpPr>
+        <p:spPr>
+          <a:xfrm>
+            <a:off x="1093308" y="4369085"/>
+            <a:ext cx="2912762" cy="1500267"/>
+          </a:xfrm>
+          <a:prstGeom prst="roundRect">
+            <a:avLst/>
+          </a:prstGeom>
+          <a:noFill/>
+          <a:ln w="38100" cmpd="sng">
+            <a:solidFill>
+              <a:schemeClr val="accent2">
+                <a:lumMod val="75000"/>
+              </a:schemeClr>
+            </a:solidFill>
+          </a:ln>
+          <a:effectLst/>
+        </p:spPr>
+        <p:style>
+          <a:lnRef idx="1">
+            <a:schemeClr val="accent1"/>
+          </a:lnRef>
+          <a:fillRef idx="3">
+            <a:schemeClr val="accent1"/>
+          </a:fillRef>
+          <a:effectRef idx="2">
+            <a:schemeClr val="accent1"/>
+          </a:effectRef>
+          <a:fontRef idx="minor">
+            <a:schemeClr val="lt1"/>
+          </a:fontRef>
+        </p:style>
+        <p:txBody>
+          <a:bodyPr rtlCol="0" anchor="ctr"/>
+          <a:lstStyle/>
+          <a:p>
+            <a:pPr algn="ctr"/>
+            <a:endParaRPr lang="en-US"/>
+          </a:p>
+        </p:txBody>
+      </p:sp>
+      <p:sp>
+        <p:nvSpPr>
+          <p:cNvPr id="12" name="Oval 11"/>
+          <p:cNvSpPr/>
+          <p:nvPr/>
+        </p:nvSpPr>
+        <p:spPr>
+          <a:xfrm>
+            <a:off x="2386124" y="5215063"/>
+            <a:ext cx="327130" cy="327130"/>
+          </a:xfrm>
+          <a:prstGeom prst="ellipse">
+            <a:avLst/>
+          </a:prstGeom>
+          <a:solidFill>
+            <a:schemeClr val="accent2">
+              <a:alpha val="45000"/>
+            </a:schemeClr>
+          </a:solidFill>
+          <a:effectLst/>
+        </p:spPr>
+        <p:style>
+          <a:lnRef idx="1">
+            <a:schemeClr val="accent2"/>
+          </a:lnRef>
+          <a:fillRef idx="3">
+            <a:schemeClr val="accent2"/>
+          </a:fillRef>
+          <a:effectRef idx="2">
+            <a:schemeClr val="accent2"/>
+          </a:effectRef>
+          <a:fontRef idx="minor">
+            <a:schemeClr val="lt1"/>
+          </a:fontRef>
+        </p:style>
+        <p:txBody>
+          <a:bodyPr rtlCol="0" anchor="ctr"/>
+          <a:lstStyle/>
+          <a:p>
+            <a:pPr algn="ctr"/>
+            <a:endParaRPr lang="en-US"/>
+          </a:p>
+        </p:txBody>
+      </p:sp>
+      <p:sp>
+        <p:nvSpPr>
+          <p:cNvPr id="13" name="Oval 12"/>
+          <p:cNvSpPr/>
+          <p:nvPr/>
+        </p:nvSpPr>
+        <p:spPr>
+          <a:xfrm>
+            <a:off x="1547514" y="4414896"/>
+            <a:ext cx="944446" cy="327130"/>
+          </a:xfrm>
+          <a:prstGeom prst="ellipse">
+            <a:avLst/>
+          </a:prstGeom>
+          <a:solidFill>
+            <a:schemeClr val="accent2">
+              <a:alpha val="45000"/>
+            </a:schemeClr>
+          </a:solidFill>
+          <a:effectLst/>
+        </p:spPr>
+        <p:style>
+          <a:lnRef idx="1">
+            <a:schemeClr val="accent2"/>
+          </a:lnRef>
+          <a:fillRef idx="3">
+            <a:schemeClr val="accent2"/>
+          </a:fillRef>
+          <a:effectRef idx="2">
+            <a:schemeClr val="accent2"/>
+          </a:effectRef>
+          <a:fontRef idx="minor">
+            <a:schemeClr val="lt1"/>
+          </a:fontRef>
+        </p:style>
+        <p:txBody>
+          <a:bodyPr rtlCol="0" anchor="ctr"/>
+          <a:lstStyle/>
+          <a:p>
+            <a:pPr algn="ctr"/>
+            <a:endParaRPr lang="en-US"/>
+          </a:p>
+        </p:txBody>
+      </p:sp>
+      <p:grpSp>
+        <p:nvGrpSpPr>
+          <p:cNvPr id="16" name="Group 15"/>
+          <p:cNvGrpSpPr/>
+          <p:nvPr/>
+        </p:nvGrpSpPr>
+        <p:grpSpPr>
+          <a:xfrm>
+            <a:off x="1236087" y="4647371"/>
+            <a:ext cx="2639820" cy="971811"/>
+            <a:chOff x="1236087" y="4647371"/>
+            <a:chExt cx="2639820" cy="971811"/>
+          </a:xfrm>
+        </p:grpSpPr>
+        <p:sp>
+          <p:nvSpPr>
+            <p:cNvPr id="14" name="Rounded Rectangle 13"/>
+            <p:cNvSpPr/>
+            <p:nvPr/>
+          </p:nvSpPr>
+          <p:spPr>
+            <a:xfrm>
+              <a:off x="1236087" y="4647371"/>
+              <a:ext cx="1053822" cy="971811"/>
+            </a:xfrm>
+            <a:prstGeom prst="roundRect">
+              <a:avLst/>
+            </a:prstGeom>
+            <a:noFill/>
+            <a:ln w="38100" cmpd="sng">
+              <a:solidFill>
+                <a:schemeClr val="accent2">
+                  <a:lumMod val="75000"/>
+                </a:schemeClr>
+              </a:solidFill>
+            </a:ln>
+            <a:effectLst/>
+          </p:spPr>
+          <p:style>
+            <a:lnRef idx="1">
+              <a:schemeClr val="accent1"/>
+            </a:lnRef>
+            <a:fillRef idx="3">
+              <a:schemeClr val="accent1"/>
+            </a:fillRef>
+            <a:effectRef idx="2">
+              <a:schemeClr val="accent1"/>
+            </a:effectRef>
+            <a:fontRef idx="minor">
+              <a:schemeClr val="lt1"/>
+            </a:fontRef>
+          </p:style>
+          <p:txBody>
+            <a:bodyPr rtlCol="0" anchor="ctr"/>
+            <a:lstStyle/>
+            <a:p>
+              <a:pPr algn="ctr"/>
+              <a:endParaRPr lang="en-US"/>
+            </a:p>
+          </p:txBody>
+        </p:sp>
+        <p:sp>
+          <p:nvSpPr>
+            <p:cNvPr id="15" name="Rounded Rectangle 14"/>
+            <p:cNvSpPr/>
+            <p:nvPr/>
+          </p:nvSpPr>
+          <p:spPr>
+            <a:xfrm>
+              <a:off x="2822085" y="4647371"/>
+              <a:ext cx="1053822" cy="971811"/>
+            </a:xfrm>
+            <a:prstGeom prst="roundRect">
+              <a:avLst/>
+            </a:prstGeom>
+            <a:noFill/>
+            <a:ln w="38100" cmpd="sng">
+              <a:solidFill>
+                <a:schemeClr val="accent2">
+                  <a:lumMod val="75000"/>
+                </a:schemeClr>
+              </a:solidFill>
+            </a:ln>
+            <a:effectLst/>
+          </p:spPr>
+          <p:style>
+            <a:lnRef idx="1">
+              <a:schemeClr val="accent1"/>
+            </a:lnRef>
+            <a:fillRef idx="3">
+              <a:schemeClr val="accent1"/>
+            </a:fillRef>
+            <a:effectRef idx="2">
+              <a:schemeClr val="accent1"/>
+            </a:effectRef>
+            <a:fontRef idx="minor">
+              <a:schemeClr val="lt1"/>
+            </a:fontRef>
+          </p:style>
+          <p:txBody>
+            <a:bodyPr rtlCol="0" anchor="ctr"/>
+            <a:lstStyle/>
+            <a:p>
+              <a:pPr algn="ctr"/>
+              <a:endParaRPr lang="en-US"/>
+            </a:p>
+          </p:txBody>
+        </p:sp>
+      </p:grpSp>
+      <p:sp>
+        <p:nvSpPr>
+          <p:cNvPr id="17" name="Rectangle 16"/>
+          <p:cNvSpPr/>
+          <p:nvPr/>
+        </p:nvSpPr>
+        <p:spPr>
+          <a:xfrm>
+            <a:off x="4800600" y="2503447"/>
+            <a:ext cx="3886200" cy="923330"/>
+          </a:xfrm>
+          <a:prstGeom prst="rect">
+            <a:avLst/>
+          </a:prstGeom>
+        </p:spPr>
+        <p:txBody>
+          <a:bodyPr wrap="square">
+            <a:spAutoFit/>
+          </a:bodyPr>
+          <a:lstStyle/>
+          <a:p>
+            <a:pPr marL="285750" indent="-285750">
+              <a:buFont typeface="Arial"/>
+              <a:buChar char="•"/>
+            </a:pPr>
+            <a:r>
+              <a:rPr lang="en-US" dirty="0" smtClean="0"/>
+              <a:t>Gives more importance to the sharing of nodes</a:t>
+            </a:r>
+            <a:endParaRPr lang="en-US" dirty="0" smtClean="0"/>
+          </a:p>
+          <a:p>
+            <a:pPr marL="285750" indent="-285750">
+              <a:buFont typeface="Arial"/>
+              <a:buChar char="•"/>
+            </a:pPr>
+            <a:r>
+              <a:rPr lang="en-US" dirty="0" smtClean="0"/>
+              <a:t>Tends to filter out “</a:t>
+            </a:r>
+            <a:r>
+              <a:rPr lang="en-US" dirty="0" err="1" smtClean="0"/>
+              <a:t>bridge”nodes</a:t>
+            </a:r>
+            <a:endParaRPr lang="en-US" dirty="0"/>
+          </a:p>
+        </p:txBody>
+      </p:sp>
+      <p:sp>
+        <p:nvSpPr>
+          <p:cNvPr id="18" name="Oval 17"/>
+          <p:cNvSpPr/>
+          <p:nvPr/>
+        </p:nvSpPr>
+        <p:spPr>
+          <a:xfrm>
+            <a:off x="6609942" y="5215063"/>
+            <a:ext cx="277484" cy="277484"/>
+          </a:xfrm>
+          <a:prstGeom prst="ellipse">
+            <a:avLst/>
+          </a:prstGeom>
+          <a:solidFill>
+            <a:schemeClr val="accent2">
+              <a:alpha val="45000"/>
+            </a:schemeClr>
+          </a:solidFill>
+          <a:effectLst/>
+        </p:spPr>
+        <p:style>
+          <a:lnRef idx="1">
+            <a:schemeClr val="accent2"/>
+          </a:lnRef>
+          <a:fillRef idx="3">
+            <a:schemeClr val="accent2"/>
+          </a:fillRef>
+          <a:effectRef idx="2">
+            <a:schemeClr val="accent2"/>
+          </a:effectRef>
+          <a:fontRef idx="minor">
+            <a:schemeClr val="lt1"/>
+          </a:fontRef>
+        </p:style>
+        <p:txBody>
+          <a:bodyPr rtlCol="0" anchor="ctr"/>
+          <a:lstStyle/>
+          <a:p>
+            <a:pPr algn="ctr"/>
+            <a:endParaRPr lang="en-US"/>
+          </a:p>
+        </p:txBody>
+      </p:sp>
+      <p:grpSp>
+        <p:nvGrpSpPr>
+          <p:cNvPr id="19" name="Group 18"/>
+          <p:cNvGrpSpPr/>
+          <p:nvPr/>
+        </p:nvGrpSpPr>
+        <p:grpSpPr>
+          <a:xfrm>
+            <a:off x="5525719" y="4482248"/>
+            <a:ext cx="2411991" cy="1040701"/>
+            <a:chOff x="1207224" y="4628127"/>
+            <a:chExt cx="2411991" cy="1040701"/>
+          </a:xfrm>
+        </p:grpSpPr>
+        <p:sp>
+          <p:nvSpPr>
+            <p:cNvPr id="20" name="Rounded Rectangle 19"/>
+            <p:cNvSpPr/>
+            <p:nvPr/>
+          </p:nvSpPr>
+          <p:spPr>
+            <a:xfrm>
+              <a:off x="1207224" y="4628127"/>
+              <a:ext cx="1128526" cy="1040701"/>
+            </a:xfrm>
+            <a:prstGeom prst="roundRect">
+              <a:avLst/>
+            </a:prstGeom>
+            <a:noFill/>
+            <a:ln w="38100" cmpd="sng">
+              <a:solidFill>
+                <a:schemeClr val="accent2">
+                  <a:lumMod val="75000"/>
+                </a:schemeClr>
+              </a:solidFill>
+            </a:ln>
+            <a:effectLst/>
+          </p:spPr>
+          <p:style>
+            <a:lnRef idx="1">
+              <a:schemeClr val="accent1"/>
+            </a:lnRef>
+            <a:fillRef idx="3">
+              <a:schemeClr val="accent1"/>
+            </a:fillRef>
+            <a:effectRef idx="2">
+              <a:schemeClr val="accent1"/>
+            </a:effectRef>
+            <a:fontRef idx="minor">
+              <a:schemeClr val="lt1"/>
+            </a:fontRef>
+          </p:style>
+          <p:txBody>
+            <a:bodyPr rtlCol="0" anchor="ctr"/>
+            <a:lstStyle/>
+            <a:p>
+              <a:pPr algn="ctr"/>
+              <a:endParaRPr lang="en-US"/>
+            </a:p>
+          </p:txBody>
+        </p:sp>
+        <p:sp>
+          <p:nvSpPr>
+            <p:cNvPr id="21" name="Rounded Rectangle 20"/>
+            <p:cNvSpPr/>
+            <p:nvPr/>
+          </p:nvSpPr>
+          <p:spPr>
+            <a:xfrm>
+              <a:off x="2802843" y="4936015"/>
+              <a:ext cx="816372" cy="731277"/>
+            </a:xfrm>
+            <a:prstGeom prst="roundRect">
+              <a:avLst/>
+            </a:prstGeom>
+            <a:noFill/>
+            <a:ln w="38100" cmpd="sng">
+              <a:solidFill>
+                <a:schemeClr val="accent2">
+                  <a:lumMod val="75000"/>
+                </a:schemeClr>
+              </a:solidFill>
+            </a:ln>
+            <a:effectLst/>
+          </p:spPr>
+          <p:style>
+            <a:lnRef idx="1">
+              <a:schemeClr val="accent1"/>
+            </a:lnRef>
+            <a:fillRef idx="3">
+              <a:schemeClr val="accent1"/>
+            </a:fillRef>
+            <a:effectRef idx="2">
+              <a:schemeClr val="accent1"/>
+            </a:effectRef>
+            <a:fontRef idx="minor">
+              <a:schemeClr val="lt1"/>
+            </a:fontRef>
+          </p:style>
+          <p:txBody>
+            <a:bodyPr rtlCol="0" anchor="ctr"/>
+            <a:lstStyle/>
+            <a:p>
+              <a:pPr algn="ctr"/>
+              <a:endParaRPr lang="en-US"/>
+            </a:p>
+          </p:txBody>
+        </p:sp>
+      </p:grpSp>
     </p:spTree>
     <p:extLst>
       <p:ext uri="{BB962C8B-B14F-4D97-AF65-F5344CB8AC3E}">
@@ -7271,9 +10363,770 @@
   <p:timing>
     <p:tnLst>
       <p:par>
-        <p:cTn xmlns:p14="http://schemas.microsoft.com/office/powerpoint/2010/main" id="1" dur="indefinite" restart="never" nodeType="tmRoot"/>
+        <p:cTn xmlns:p14="http://schemas.microsoft.com/office/powerpoint/2010/main" id="1" dur="indefinite" restart="never" nodeType="tmRoot">
+          <p:childTnLst>
+            <p:seq concurrent="1" nextAc="seek">
+              <p:cTn id="2" dur="indefinite" nodeType="mainSeq">
+                <p:childTnLst>
+                  <p:par>
+                    <p:cTn id="3" fill="hold">
+                      <p:stCondLst>
+                        <p:cond delay="indefinite"/>
+                        <p:cond evt="onBegin" delay="0">
+                          <p:tn val="2"/>
+                        </p:cond>
+                      </p:stCondLst>
+                      <p:childTnLst>
+                        <p:par>
+                          <p:cTn id="4" fill="hold">
+                            <p:stCondLst>
+                              <p:cond delay="0"/>
+                            </p:stCondLst>
+                            <p:childTnLst>
+                              <p:par>
+                                <p:cTn id="5" presetID="10" presetClass="entr" presetSubtype="0" fill="hold" nodeType="withEffect">
+                                  <p:stCondLst>
+                                    <p:cond delay="0"/>
+                                  </p:stCondLst>
+                                  <p:childTnLst>
+                                    <p:set>
+                                      <p:cBhvr>
+                                        <p:cTn id="6" dur="1" fill="hold">
+                                          <p:stCondLst>
+                                            <p:cond delay="0"/>
+                                          </p:stCondLst>
+                                        </p:cTn>
+                                        <p:tgtEl>
+                                          <p:spTgt spid="7"/>
+                                        </p:tgtEl>
+                                        <p:attrNameLst>
+                                          <p:attrName>style.visibility</p:attrName>
+                                        </p:attrNameLst>
+                                      </p:cBhvr>
+                                      <p:to>
+                                        <p:strVal val="visible"/>
+                                      </p:to>
+                                    </p:set>
+                                    <p:animEffect transition="in" filter="fade">
+                                      <p:cBhvr>
+                                        <p:cTn id="7" dur="500"/>
+                                        <p:tgtEl>
+                                          <p:spTgt spid="7"/>
+                                        </p:tgtEl>
+                                      </p:cBhvr>
+                                    </p:animEffect>
+                                  </p:childTnLst>
+                                </p:cTn>
+                              </p:par>
+                              <p:par>
+                                <p:cTn id="8" presetID="10" presetClass="entr" presetSubtype="0" fill="hold" nodeType="withEffect">
+                                  <p:stCondLst>
+                                    <p:cond delay="0"/>
+                                  </p:stCondLst>
+                                  <p:childTnLst>
+                                    <p:set>
+                                      <p:cBhvr>
+                                        <p:cTn id="9" dur="1" fill="hold">
+                                          <p:stCondLst>
+                                            <p:cond delay="0"/>
+                                          </p:stCondLst>
+                                        </p:cTn>
+                                        <p:tgtEl>
+                                          <p:spTgt spid="8"/>
+                                        </p:tgtEl>
+                                        <p:attrNameLst>
+                                          <p:attrName>style.visibility</p:attrName>
+                                        </p:attrNameLst>
+                                      </p:cBhvr>
+                                      <p:to>
+                                        <p:strVal val="visible"/>
+                                      </p:to>
+                                    </p:set>
+                                    <p:animEffect transition="in" filter="fade">
+                                      <p:cBhvr>
+                                        <p:cTn id="10" dur="500"/>
+                                        <p:tgtEl>
+                                          <p:spTgt spid="8"/>
+                                        </p:tgtEl>
+                                      </p:cBhvr>
+                                    </p:animEffect>
+                                  </p:childTnLst>
+                                </p:cTn>
+                              </p:par>
+                            </p:childTnLst>
+                          </p:cTn>
+                        </p:par>
+                      </p:childTnLst>
+                    </p:cTn>
+                  </p:par>
+                  <p:par>
+                    <p:cTn id="11" fill="hold">
+                      <p:stCondLst>
+                        <p:cond delay="indefinite"/>
+                      </p:stCondLst>
+                      <p:childTnLst>
+                        <p:par>
+                          <p:cTn id="12" fill="hold">
+                            <p:stCondLst>
+                              <p:cond delay="0"/>
+                            </p:stCondLst>
+                            <p:childTnLst>
+                              <p:par>
+                                <p:cTn id="13" presetID="10" presetClass="entr" presetSubtype="0" fill="hold" nodeType="clickEffect">
+                                  <p:stCondLst>
+                                    <p:cond delay="0"/>
+                                  </p:stCondLst>
+                                  <p:childTnLst>
+                                    <p:set>
+                                      <p:cBhvr>
+                                        <p:cTn id="14" dur="1" fill="hold">
+                                          <p:stCondLst>
+                                            <p:cond delay="0"/>
+                                          </p:stCondLst>
+                                        </p:cTn>
+                                        <p:tgtEl>
+                                          <p:spTgt spid="3">
+                                            <p:txEl>
+                                              <p:pRg st="0" end="0"/>
+                                            </p:txEl>
+                                          </p:spTgt>
+                                        </p:tgtEl>
+                                        <p:attrNameLst>
+                                          <p:attrName>style.visibility</p:attrName>
+                                        </p:attrNameLst>
+                                      </p:cBhvr>
+                                      <p:to>
+                                        <p:strVal val="visible"/>
+                                      </p:to>
+                                    </p:set>
+                                    <p:animEffect transition="in" filter="fade">
+                                      <p:cBhvr>
+                                        <p:cTn id="15" dur="500"/>
+                                        <p:tgtEl>
+                                          <p:spTgt spid="3">
+                                            <p:txEl>
+                                              <p:pRg st="0" end="0"/>
+                                            </p:txEl>
+                                          </p:spTgt>
+                                        </p:tgtEl>
+                                      </p:cBhvr>
+                                    </p:animEffect>
+                                  </p:childTnLst>
+                                </p:cTn>
+                              </p:par>
+                            </p:childTnLst>
+                          </p:cTn>
+                        </p:par>
+                      </p:childTnLst>
+                    </p:cTn>
+                  </p:par>
+                  <p:par>
+                    <p:cTn id="16" fill="hold">
+                      <p:stCondLst>
+                        <p:cond delay="indefinite"/>
+                      </p:stCondLst>
+                      <p:childTnLst>
+                        <p:par>
+                          <p:cTn id="17" fill="hold">
+                            <p:stCondLst>
+                              <p:cond delay="0"/>
+                            </p:stCondLst>
+                            <p:childTnLst>
+                              <p:par>
+                                <p:cTn id="18" presetID="10" presetClass="entr" presetSubtype="0" fill="hold" nodeType="clickEffect">
+                                  <p:stCondLst>
+                                    <p:cond delay="0"/>
+                                  </p:stCondLst>
+                                  <p:childTnLst>
+                                    <p:set>
+                                      <p:cBhvr>
+                                        <p:cTn id="19" dur="1" fill="hold">
+                                          <p:stCondLst>
+                                            <p:cond delay="0"/>
+                                          </p:stCondLst>
+                                        </p:cTn>
+                                        <p:tgtEl>
+                                          <p:spTgt spid="3">
+                                            <p:txEl>
+                                              <p:pRg st="1" end="1"/>
+                                            </p:txEl>
+                                          </p:spTgt>
+                                        </p:tgtEl>
+                                        <p:attrNameLst>
+                                          <p:attrName>style.visibility</p:attrName>
+                                        </p:attrNameLst>
+                                      </p:cBhvr>
+                                      <p:to>
+                                        <p:strVal val="visible"/>
+                                      </p:to>
+                                    </p:set>
+                                    <p:animEffect transition="in" filter="fade">
+                                      <p:cBhvr>
+                                        <p:cTn id="20" dur="500"/>
+                                        <p:tgtEl>
+                                          <p:spTgt spid="3">
+                                            <p:txEl>
+                                              <p:pRg st="1" end="1"/>
+                                            </p:txEl>
+                                          </p:spTgt>
+                                        </p:tgtEl>
+                                      </p:cBhvr>
+                                    </p:animEffect>
+                                  </p:childTnLst>
+                                </p:cTn>
+                              </p:par>
+                            </p:childTnLst>
+                          </p:cTn>
+                        </p:par>
+                        <p:par>
+                          <p:cTn id="21" fill="hold">
+                            <p:stCondLst>
+                              <p:cond delay="500"/>
+                            </p:stCondLst>
+                            <p:childTnLst>
+                              <p:par>
+                                <p:cTn id="22" presetID="21" presetClass="entr" presetSubtype="1" fill="hold" grpId="0" nodeType="afterEffect">
+                                  <p:stCondLst>
+                                    <p:cond delay="0"/>
+                                  </p:stCondLst>
+                                  <p:childTnLst>
+                                    <p:set>
+                                      <p:cBhvr>
+                                        <p:cTn id="23" dur="1" fill="hold">
+                                          <p:stCondLst>
+                                            <p:cond delay="0"/>
+                                          </p:stCondLst>
+                                        </p:cTn>
+                                        <p:tgtEl>
+                                          <p:spTgt spid="11"/>
+                                        </p:tgtEl>
+                                        <p:attrNameLst>
+                                          <p:attrName>style.visibility</p:attrName>
+                                        </p:attrNameLst>
+                                      </p:cBhvr>
+                                      <p:to>
+                                        <p:strVal val="visible"/>
+                                      </p:to>
+                                    </p:set>
+                                    <p:animEffect transition="in" filter="wheel(1)">
+                                      <p:cBhvr>
+                                        <p:cTn id="24" dur="1000"/>
+                                        <p:tgtEl>
+                                          <p:spTgt spid="11"/>
+                                        </p:tgtEl>
+                                      </p:cBhvr>
+                                    </p:animEffect>
+                                  </p:childTnLst>
+                                </p:cTn>
+                              </p:par>
+                            </p:childTnLst>
+                          </p:cTn>
+                        </p:par>
+                        <p:par>
+                          <p:cTn id="25" fill="hold">
+                            <p:stCondLst>
+                              <p:cond delay="1500"/>
+                            </p:stCondLst>
+                            <p:childTnLst>
+                              <p:par>
+                                <p:cTn id="26" presetID="21" presetClass="entr" presetSubtype="1" fill="hold" grpId="0" nodeType="afterEffect">
+                                  <p:stCondLst>
+                                    <p:cond delay="0"/>
+                                  </p:stCondLst>
+                                  <p:childTnLst>
+                                    <p:set>
+                                      <p:cBhvr>
+                                        <p:cTn id="27" dur="1" fill="hold">
+                                          <p:stCondLst>
+                                            <p:cond delay="0"/>
+                                          </p:stCondLst>
+                                        </p:cTn>
+                                        <p:tgtEl>
+                                          <p:spTgt spid="12"/>
+                                        </p:tgtEl>
+                                        <p:attrNameLst>
+                                          <p:attrName>style.visibility</p:attrName>
+                                        </p:attrNameLst>
+                                      </p:cBhvr>
+                                      <p:to>
+                                        <p:strVal val="visible"/>
+                                      </p:to>
+                                    </p:set>
+                                    <p:animEffect transition="in" filter="wheel(1)">
+                                      <p:cBhvr>
+                                        <p:cTn id="28" dur="500"/>
+                                        <p:tgtEl>
+                                          <p:spTgt spid="12"/>
+                                        </p:tgtEl>
+                                      </p:cBhvr>
+                                    </p:animEffect>
+                                  </p:childTnLst>
+                                </p:cTn>
+                              </p:par>
+                            </p:childTnLst>
+                          </p:cTn>
+                        </p:par>
+                      </p:childTnLst>
+                    </p:cTn>
+                  </p:par>
+                  <p:par>
+                    <p:cTn id="29" fill="hold">
+                      <p:stCondLst>
+                        <p:cond delay="indefinite"/>
+                      </p:stCondLst>
+                      <p:childTnLst>
+                        <p:par>
+                          <p:cTn id="30" fill="hold">
+                            <p:stCondLst>
+                              <p:cond delay="0"/>
+                            </p:stCondLst>
+                            <p:childTnLst>
+                              <p:par>
+                                <p:cTn id="31" presetID="10" presetClass="entr" presetSubtype="0" fill="hold" nodeType="clickEffect">
+                                  <p:stCondLst>
+                                    <p:cond delay="0"/>
+                                  </p:stCondLst>
+                                  <p:childTnLst>
+                                    <p:set>
+                                      <p:cBhvr>
+                                        <p:cTn id="32" dur="1" fill="hold">
+                                          <p:stCondLst>
+                                            <p:cond delay="0"/>
+                                          </p:stCondLst>
+                                        </p:cTn>
+                                        <p:tgtEl>
+                                          <p:spTgt spid="3">
+                                            <p:txEl>
+                                              <p:pRg st="2" end="2"/>
+                                            </p:txEl>
+                                          </p:spTgt>
+                                        </p:tgtEl>
+                                        <p:attrNameLst>
+                                          <p:attrName>style.visibility</p:attrName>
+                                        </p:attrNameLst>
+                                      </p:cBhvr>
+                                      <p:to>
+                                        <p:strVal val="visible"/>
+                                      </p:to>
+                                    </p:set>
+                                    <p:animEffect transition="in" filter="fade">
+                                      <p:cBhvr>
+                                        <p:cTn id="33" dur="500"/>
+                                        <p:tgtEl>
+                                          <p:spTgt spid="3">
+                                            <p:txEl>
+                                              <p:pRg st="2" end="2"/>
+                                            </p:txEl>
+                                          </p:spTgt>
+                                        </p:tgtEl>
+                                      </p:cBhvr>
+                                    </p:animEffect>
+                                  </p:childTnLst>
+                                </p:cTn>
+                              </p:par>
+                              <p:par>
+                                <p:cTn id="34" presetID="10" presetClass="exit" presetSubtype="0" fill="hold" grpId="1" nodeType="withEffect">
+                                  <p:stCondLst>
+                                    <p:cond delay="0"/>
+                                  </p:stCondLst>
+                                  <p:childTnLst>
+                                    <p:animEffect transition="out" filter="fade">
+                                      <p:cBhvr>
+                                        <p:cTn id="35" dur="500"/>
+                                        <p:tgtEl>
+                                          <p:spTgt spid="11"/>
+                                        </p:tgtEl>
+                                      </p:cBhvr>
+                                    </p:animEffect>
+                                    <p:set>
+                                      <p:cBhvr>
+                                        <p:cTn id="36" dur="1" fill="hold">
+                                          <p:stCondLst>
+                                            <p:cond delay="499"/>
+                                          </p:stCondLst>
+                                        </p:cTn>
+                                        <p:tgtEl>
+                                          <p:spTgt spid="11"/>
+                                        </p:tgtEl>
+                                        <p:attrNameLst>
+                                          <p:attrName>style.visibility</p:attrName>
+                                        </p:attrNameLst>
+                                      </p:cBhvr>
+                                      <p:to>
+                                        <p:strVal val="hidden"/>
+                                      </p:to>
+                                    </p:set>
+                                  </p:childTnLst>
+                                </p:cTn>
+                              </p:par>
+                              <p:par>
+                                <p:cTn id="37" presetID="10" presetClass="exit" presetSubtype="0" fill="hold" grpId="1" nodeType="withEffect">
+                                  <p:stCondLst>
+                                    <p:cond delay="0"/>
+                                  </p:stCondLst>
+                                  <p:childTnLst>
+                                    <p:animEffect transition="out" filter="fade">
+                                      <p:cBhvr>
+                                        <p:cTn id="38" dur="500"/>
+                                        <p:tgtEl>
+                                          <p:spTgt spid="12"/>
+                                        </p:tgtEl>
+                                      </p:cBhvr>
+                                    </p:animEffect>
+                                    <p:set>
+                                      <p:cBhvr>
+                                        <p:cTn id="39" dur="1" fill="hold">
+                                          <p:stCondLst>
+                                            <p:cond delay="499"/>
+                                          </p:stCondLst>
+                                        </p:cTn>
+                                        <p:tgtEl>
+                                          <p:spTgt spid="12"/>
+                                        </p:tgtEl>
+                                        <p:attrNameLst>
+                                          <p:attrName>style.visibility</p:attrName>
+                                        </p:attrNameLst>
+                                      </p:cBhvr>
+                                      <p:to>
+                                        <p:strVal val="hidden"/>
+                                      </p:to>
+                                    </p:set>
+                                  </p:childTnLst>
+                                </p:cTn>
+                              </p:par>
+                            </p:childTnLst>
+                          </p:cTn>
+                        </p:par>
+                        <p:par>
+                          <p:cTn id="40" fill="hold">
+                            <p:stCondLst>
+                              <p:cond delay="500"/>
+                            </p:stCondLst>
+                            <p:childTnLst>
+                              <p:par>
+                                <p:cTn id="41" presetID="21" presetClass="entr" presetSubtype="1" fill="hold" nodeType="afterEffect">
+                                  <p:stCondLst>
+                                    <p:cond delay="0"/>
+                                  </p:stCondLst>
+                                  <p:childTnLst>
+                                    <p:set>
+                                      <p:cBhvr>
+                                        <p:cTn id="42" dur="1" fill="hold">
+                                          <p:stCondLst>
+                                            <p:cond delay="0"/>
+                                          </p:stCondLst>
+                                        </p:cTn>
+                                        <p:tgtEl>
+                                          <p:spTgt spid="16"/>
+                                        </p:tgtEl>
+                                        <p:attrNameLst>
+                                          <p:attrName>style.visibility</p:attrName>
+                                        </p:attrNameLst>
+                                      </p:cBhvr>
+                                      <p:to>
+                                        <p:strVal val="visible"/>
+                                      </p:to>
+                                    </p:set>
+                                    <p:animEffect transition="in" filter="wheel(1)">
+                                      <p:cBhvr>
+                                        <p:cTn id="43" dur="1000"/>
+                                        <p:tgtEl>
+                                          <p:spTgt spid="16"/>
+                                        </p:tgtEl>
+                                      </p:cBhvr>
+                                    </p:animEffect>
+                                  </p:childTnLst>
+                                </p:cTn>
+                              </p:par>
+                            </p:childTnLst>
+                          </p:cTn>
+                        </p:par>
+                        <p:par>
+                          <p:cTn id="44" fill="hold">
+                            <p:stCondLst>
+                              <p:cond delay="1500"/>
+                            </p:stCondLst>
+                            <p:childTnLst>
+                              <p:par>
+                                <p:cTn id="45" presetID="21" presetClass="entr" presetSubtype="1" fill="hold" grpId="0" nodeType="afterEffect">
+                                  <p:stCondLst>
+                                    <p:cond delay="0"/>
+                                  </p:stCondLst>
+                                  <p:childTnLst>
+                                    <p:set>
+                                      <p:cBhvr>
+                                        <p:cTn id="46" dur="1" fill="hold">
+                                          <p:stCondLst>
+                                            <p:cond delay="0"/>
+                                          </p:stCondLst>
+                                        </p:cTn>
+                                        <p:tgtEl>
+                                          <p:spTgt spid="13"/>
+                                        </p:tgtEl>
+                                        <p:attrNameLst>
+                                          <p:attrName>style.visibility</p:attrName>
+                                        </p:attrNameLst>
+                                      </p:cBhvr>
+                                      <p:to>
+                                        <p:strVal val="visible"/>
+                                      </p:to>
+                                    </p:set>
+                                    <p:animEffect transition="in" filter="wheel(1)">
+                                      <p:cBhvr>
+                                        <p:cTn id="47" dur="500"/>
+                                        <p:tgtEl>
+                                          <p:spTgt spid="13"/>
+                                        </p:tgtEl>
+                                      </p:cBhvr>
+                                    </p:animEffect>
+                                  </p:childTnLst>
+                                </p:cTn>
+                              </p:par>
+                            </p:childTnLst>
+                          </p:cTn>
+                        </p:par>
+                      </p:childTnLst>
+                    </p:cTn>
+                  </p:par>
+                  <p:par>
+                    <p:cTn id="48" fill="hold">
+                      <p:stCondLst>
+                        <p:cond delay="indefinite"/>
+                      </p:stCondLst>
+                      <p:childTnLst>
+                        <p:par>
+                          <p:cTn id="49" fill="hold">
+                            <p:stCondLst>
+                              <p:cond delay="0"/>
+                            </p:stCondLst>
+                            <p:childTnLst>
+                              <p:par>
+                                <p:cTn id="50" presetID="10" presetClass="entr" presetSubtype="0" fill="hold" nodeType="clickEffect">
+                                  <p:stCondLst>
+                                    <p:cond delay="0"/>
+                                  </p:stCondLst>
+                                  <p:childTnLst>
+                                    <p:set>
+                                      <p:cBhvr>
+                                        <p:cTn id="51" dur="1" fill="hold">
+                                          <p:stCondLst>
+                                            <p:cond delay="0"/>
+                                          </p:stCondLst>
+                                        </p:cTn>
+                                        <p:tgtEl>
+                                          <p:spTgt spid="17">
+                                            <p:txEl>
+                                              <p:pRg st="0" end="0"/>
+                                            </p:txEl>
+                                          </p:spTgt>
+                                        </p:tgtEl>
+                                        <p:attrNameLst>
+                                          <p:attrName>style.visibility</p:attrName>
+                                        </p:attrNameLst>
+                                      </p:cBhvr>
+                                      <p:to>
+                                        <p:strVal val="visible"/>
+                                      </p:to>
+                                    </p:set>
+                                    <p:animEffect transition="in" filter="fade">
+                                      <p:cBhvr>
+                                        <p:cTn id="52" dur="500"/>
+                                        <p:tgtEl>
+                                          <p:spTgt spid="17">
+                                            <p:txEl>
+                                              <p:pRg st="0" end="0"/>
+                                            </p:txEl>
+                                          </p:spTgt>
+                                        </p:tgtEl>
+                                      </p:cBhvr>
+                                    </p:animEffect>
+                                  </p:childTnLst>
+                                </p:cTn>
+                              </p:par>
+                            </p:childTnLst>
+                          </p:cTn>
+                        </p:par>
+                      </p:childTnLst>
+                    </p:cTn>
+                  </p:par>
+                  <p:par>
+                    <p:cTn id="53" fill="hold">
+                      <p:stCondLst>
+                        <p:cond delay="indefinite"/>
+                      </p:stCondLst>
+                      <p:childTnLst>
+                        <p:par>
+                          <p:cTn id="54" fill="hold">
+                            <p:stCondLst>
+                              <p:cond delay="0"/>
+                            </p:stCondLst>
+                            <p:childTnLst>
+                              <p:par>
+                                <p:cTn id="55" presetID="10" presetClass="entr" presetSubtype="0" fill="hold" nodeType="clickEffect">
+                                  <p:stCondLst>
+                                    <p:cond delay="0"/>
+                                  </p:stCondLst>
+                                  <p:childTnLst>
+                                    <p:set>
+                                      <p:cBhvr>
+                                        <p:cTn id="56" dur="1" fill="hold">
+                                          <p:stCondLst>
+                                            <p:cond delay="0"/>
+                                          </p:stCondLst>
+                                        </p:cTn>
+                                        <p:tgtEl>
+                                          <p:spTgt spid="17">
+                                            <p:txEl>
+                                              <p:pRg st="1" end="1"/>
+                                            </p:txEl>
+                                          </p:spTgt>
+                                        </p:tgtEl>
+                                        <p:attrNameLst>
+                                          <p:attrName>style.visibility</p:attrName>
+                                        </p:attrNameLst>
+                                      </p:cBhvr>
+                                      <p:to>
+                                        <p:strVal val="visible"/>
+                                      </p:to>
+                                    </p:set>
+                                    <p:animEffect transition="in" filter="fade">
+                                      <p:cBhvr>
+                                        <p:cTn id="57" dur="500"/>
+                                        <p:tgtEl>
+                                          <p:spTgt spid="17">
+                                            <p:txEl>
+                                              <p:pRg st="1" end="1"/>
+                                            </p:txEl>
+                                          </p:spTgt>
+                                        </p:tgtEl>
+                                      </p:cBhvr>
+                                    </p:animEffect>
+                                  </p:childTnLst>
+                                </p:cTn>
+                              </p:par>
+                            </p:childTnLst>
+                          </p:cTn>
+                        </p:par>
+                        <p:par>
+                          <p:cTn id="58" fill="hold">
+                            <p:stCondLst>
+                              <p:cond delay="500"/>
+                            </p:stCondLst>
+                            <p:childTnLst>
+                              <p:par>
+                                <p:cTn id="59" presetID="21" presetClass="entr" presetSubtype="1" fill="hold" nodeType="afterEffect">
+                                  <p:stCondLst>
+                                    <p:cond delay="0"/>
+                                  </p:stCondLst>
+                                  <p:childTnLst>
+                                    <p:set>
+                                      <p:cBhvr>
+                                        <p:cTn id="60" dur="1" fill="hold">
+                                          <p:stCondLst>
+                                            <p:cond delay="0"/>
+                                          </p:stCondLst>
+                                        </p:cTn>
+                                        <p:tgtEl>
+                                          <p:spTgt spid="19"/>
+                                        </p:tgtEl>
+                                        <p:attrNameLst>
+                                          <p:attrName>style.visibility</p:attrName>
+                                        </p:attrNameLst>
+                                      </p:cBhvr>
+                                      <p:to>
+                                        <p:strVal val="visible"/>
+                                      </p:to>
+                                    </p:set>
+                                    <p:animEffect transition="in" filter="wheel(1)">
+                                      <p:cBhvr>
+                                        <p:cTn id="61" dur="1000"/>
+                                        <p:tgtEl>
+                                          <p:spTgt spid="19"/>
+                                        </p:tgtEl>
+                                      </p:cBhvr>
+                                    </p:animEffect>
+                                  </p:childTnLst>
+                                </p:cTn>
+                              </p:par>
+                            </p:childTnLst>
+                          </p:cTn>
+                        </p:par>
+                        <p:par>
+                          <p:cTn id="62" fill="hold">
+                            <p:stCondLst>
+                              <p:cond delay="1500"/>
+                            </p:stCondLst>
+                            <p:childTnLst>
+                              <p:par>
+                                <p:cTn id="63" presetID="21" presetClass="entr" presetSubtype="1" fill="hold" grpId="0" nodeType="afterEffect">
+                                  <p:stCondLst>
+                                    <p:cond delay="0"/>
+                                  </p:stCondLst>
+                                  <p:childTnLst>
+                                    <p:set>
+                                      <p:cBhvr>
+                                        <p:cTn id="64" dur="1" fill="hold">
+                                          <p:stCondLst>
+                                            <p:cond delay="0"/>
+                                          </p:stCondLst>
+                                        </p:cTn>
+                                        <p:tgtEl>
+                                          <p:spTgt spid="18"/>
+                                        </p:tgtEl>
+                                        <p:attrNameLst>
+                                          <p:attrName>style.visibility</p:attrName>
+                                        </p:attrNameLst>
+                                      </p:cBhvr>
+                                      <p:to>
+                                        <p:strVal val="visible"/>
+                                      </p:to>
+                                    </p:set>
+                                    <p:animEffect transition="in" filter="wheel(1)">
+                                      <p:cBhvr>
+                                        <p:cTn id="65" dur="500"/>
+                                        <p:tgtEl>
+                                          <p:spTgt spid="18"/>
+                                        </p:tgtEl>
+                                      </p:cBhvr>
+                                    </p:animEffect>
+                                  </p:childTnLst>
+                                </p:cTn>
+                              </p:par>
+                            </p:childTnLst>
+                          </p:cTn>
+                        </p:par>
+                      </p:childTnLst>
+                    </p:cTn>
+                  </p:par>
+                </p:childTnLst>
+              </p:cTn>
+              <p:prevCondLst>
+                <p:cond evt="onPrev" delay="0">
+                  <p:tgtEl>
+                    <p:sldTgt/>
+                  </p:tgtEl>
+                </p:cond>
+              </p:prevCondLst>
+              <p:nextCondLst>
+                <p:cond evt="onNext" delay="0">
+                  <p:tgtEl>
+                    <p:sldTgt/>
+                  </p:tgtEl>
+                </p:cond>
+              </p:nextCondLst>
+            </p:seq>
+          </p:childTnLst>
+        </p:cTn>
       </p:par>
     </p:tnLst>
+    <p:bldLst>
+      <p:bldP spid="11" grpId="0" animBg="1"/>
+      <p:bldP spid="11" grpId="1" animBg="1"/>
+      <p:bldP spid="12" grpId="0" animBg="1"/>
+      <p:bldP spid="12" grpId="1" animBg="1"/>
+      <p:bldP spid="13" grpId="0" animBg="1"/>
+      <p:bldP spid="18" grpId="0" animBg="1"/>
+    </p:bldLst>
   </p:timing>
 </p:sld>
 </file>
@@ -7325,7 +11178,7 @@
             <a:spLocks noGrp="1"/>
           </p:cNvSpPr>
           <p:nvPr>
-            <p:ph idx="1"/>
+            <p:ph sz="quarter" idx="1"/>
           </p:nvPr>
         </p:nvSpPr>
         <p:spPr/>
@@ -7337,44 +11190,103 @@
           <a:p>
             <a:r>
               <a:rPr lang="en-US" dirty="0" err="1" smtClean="0"/>
+              <a:t>IGraph</a:t>
+            </a:r>
+            <a:r>
+              <a:rPr lang="en-US" dirty="0" smtClean="0"/>
+              <a:t> implements </a:t>
+            </a:r>
+            <a:r>
+              <a:rPr lang="en-US" i="1" dirty="0" err="1" smtClean="0"/>
+              <a:t>coreness</a:t>
+            </a:r>
+            <a:r>
+              <a:rPr lang="en-US" dirty="0" smtClean="0"/>
+              <a:t>, not </a:t>
+            </a:r>
+            <a:r>
+              <a:rPr lang="en-US" i="1" dirty="0" smtClean="0"/>
+              <a:t>k-core</a:t>
+            </a:r>
+          </a:p>
+          <a:p>
+            <a:pPr lvl="1"/>
+            <a:r>
+              <a:rPr lang="en-US" dirty="0" err="1" smtClean="0"/>
               <a:t>Coreness</a:t>
             </a:r>
             <a:r>
               <a:rPr lang="en-US" dirty="0" smtClean="0"/>
-              <a:t> functions already implemented in </a:t>
+              <a:t>(G) returns a list of pair &lt;n, k&gt;, where </a:t>
+            </a:r>
+            <a:r>
+              <a:rPr lang="en-US" i="1" dirty="0" smtClean="0"/>
+              <a:t>k</a:t>
+            </a:r>
+            <a:r>
+              <a:rPr lang="en-US" b="1" i="1" dirty="0" smtClean="0"/>
+              <a:t> </a:t>
+            </a:r>
+            <a:r>
+              <a:rPr lang="en-US" dirty="0" smtClean="0"/>
+              <a:t>is the </a:t>
             </a:r>
             <a:r>
               <a:rPr lang="en-US" dirty="0" err="1" smtClean="0"/>
-              <a:t>igraph</a:t>
+              <a:t>coreness</a:t>
             </a:r>
             <a:r>
               <a:rPr lang="en-US" dirty="0" smtClean="0"/>
-              <a:t>, but it is not a decomposition function (no </a:t>
-            </a:r>
-            <a:r>
-              <a:rPr lang="en-US" dirty="0" err="1" smtClean="0"/>
-              <a:t>subgraph</a:t>
-            </a:r>
+              <a:t> of </a:t>
+            </a:r>
+            <a:r>
+              <a:rPr lang="en-US" i="1" dirty="0" smtClean="0"/>
+              <a:t>n</a:t>
+            </a:r>
+          </a:p>
+          <a:p>
+            <a:pPr lvl="1"/>
             <a:r>
               <a:rPr lang="en-US" dirty="0" smtClean="0"/>
-              <a:t> is returned)</a:t>
-            </a:r>
+              <a:t>Not a decomposition function (any sub-graph returned)</a:t>
+            </a:r>
+            <a:endParaRPr lang="en-US" dirty="0" smtClean="0"/>
           </a:p>
           <a:p>
             <a:r>
               <a:rPr lang="en-US" dirty="0" smtClean="0"/>
-              <a:t>K-dense implementation relies on k-core </a:t>
-            </a:r>
-            <a:r>
-              <a:rPr lang="en-US" dirty="0" err="1" smtClean="0"/>
-              <a:t>subgraphs</a:t>
+              <a:t>General k-</a:t>
+            </a:r>
+            <a:r>
+              <a:rPr lang="en-US" dirty="0" smtClean="0"/>
+              <a:t>dense implementation relies on k-core </a:t>
+            </a:r>
+            <a:r>
+              <a:rPr lang="en-US" dirty="0" smtClean="0"/>
+              <a:t>communities</a:t>
             </a:r>
             <a:endParaRPr lang="en-US" dirty="0" smtClean="0"/>
           </a:p>
           <a:p>
             <a:r>
               <a:rPr lang="en-US" dirty="0" smtClean="0"/>
-              <a:t>We then implemented k-core first, then k-dense</a:t>
+              <a:t>We </a:t>
+            </a:r>
+            <a:r>
+              <a:rPr lang="en-US" dirty="0" smtClean="0"/>
+              <a:t>needed to implement </a:t>
+            </a:r>
+            <a:r>
+              <a:rPr lang="en-US" dirty="0" smtClean="0"/>
+              <a:t>k-core </a:t>
+            </a:r>
+            <a:r>
+              <a:rPr lang="en-US" dirty="0" smtClean="0"/>
+              <a:t>decomposition first</a:t>
+            </a:r>
+            <a:r>
+              <a:rPr lang="en-US" dirty="0" smtClean="0"/>
+              <a:t>, then k-dense</a:t>
             </a:r>
           </a:p>
         </p:txBody>
@@ -7456,7 +11368,7 @@
             <a:spLocks noGrp="1"/>
           </p:cNvSpPr>
           <p:nvPr>
-            <p:ph idx="1"/>
+            <p:ph sz="quarter" idx="1"/>
           </p:nvPr>
         </p:nvSpPr>
         <p:spPr/>
@@ -7465,10 +11377,72 @@
           <a:lstStyle/>
           <a:p>
             <a:r>
+              <a:rPr lang="en-US" dirty="0" err="1" smtClean="0"/>
+              <a:t>Coreness</a:t>
+            </a:r>
+            <a:r>
               <a:rPr lang="en-US" dirty="0" smtClean="0"/>
-              <a:t>TODO</a:t>
-            </a:r>
-            <a:endParaRPr lang="en-US" dirty="0"/>
+              <a:t> functions in </a:t>
+            </a:r>
+            <a:r>
+              <a:rPr lang="en-US" dirty="0" err="1" smtClean="0"/>
+              <a:t>IGraph</a:t>
+            </a:r>
+            <a:r>
+              <a:rPr lang="en-US" dirty="0" smtClean="0"/>
+              <a:t> very fast</a:t>
+            </a:r>
+          </a:p>
+          <a:p>
+            <a:pPr lvl="1"/>
+            <a:r>
+              <a:rPr lang="en-US" dirty="0" smtClean="0"/>
+              <a:t>O</a:t>
+            </a:r>
+            <a:r>
+              <a:rPr lang="en-US" dirty="0" smtClean="0"/>
+              <a:t>ptimized thanks to the fact it doesn</a:t>
+            </a:r>
+            <a:r>
+              <a:rPr lang="en-US" dirty="0" smtClean="0"/>
+              <a:t>’t need to return a sub-graph</a:t>
+            </a:r>
+          </a:p>
+          <a:p>
+            <a:pPr lvl="1"/>
+            <a:r>
+              <a:rPr lang="en-US" dirty="0" smtClean="0"/>
+              <a:t>It doesn’t even build any sub-graph internally</a:t>
+            </a:r>
+          </a:p>
+          <a:p>
+            <a:r>
+              <a:rPr lang="en-US" dirty="0" smtClean="0"/>
+              <a:t>K-core decomposition many times slower</a:t>
+            </a:r>
+          </a:p>
+          <a:p>
+            <a:pPr lvl="1"/>
+            <a:r>
+              <a:rPr lang="en-US" dirty="0" smtClean="0"/>
+              <a:t>A fast “Density</a:t>
+            </a:r>
+            <a:r>
+              <a:rPr lang="en-US" dirty="0" smtClean="0"/>
+              <a:t>"</a:t>
+            </a:r>
+            <a:r>
+              <a:rPr lang="en-US" dirty="0" smtClean="0"/>
+              <a:t> function for k-dense like </a:t>
+            </a:r>
+            <a:r>
+              <a:rPr lang="en-US" dirty="0" err="1" smtClean="0"/>
+              <a:t>Coreness</a:t>
+            </a:r>
+            <a:r>
+              <a:rPr lang="en-US" dirty="0" smtClean="0"/>
+              <a:t> for K-core should be investigated</a:t>
+            </a:r>
           </a:p>
         </p:txBody>
       </p:sp>
@@ -7541,14 +11515,14 @@
           <p:nvPr>
             <p:extLst>
               <p:ext uri="{D42A27DB-BD31-4B8C-83A1-F6EECF244321}">
-                <p14:modId xmlns:p14="http://schemas.microsoft.com/office/powerpoint/2010/main" val="2543965305"/>
+                <p14:modId xmlns:p14="http://schemas.microsoft.com/office/powerpoint/2010/main" val="3169283514"/>
               </p:ext>
             </p:extLst>
           </p:nvPr>
         </p:nvGraphicFramePr>
         <p:xfrm>
-          <a:off x="1303558" y="2347467"/>
-          <a:ext cx="6496585" cy="3198254"/>
+          <a:off x="612648" y="1924105"/>
+          <a:ext cx="7920000" cy="4320000"/>
         </p:xfrm>
         <a:graphic>
           <a:graphicData uri="http://schemas.openxmlformats.org/drawingml/2006/chart">
@@ -7625,14 +11599,14 @@
           <p:nvPr>
             <p:extLst>
               <p:ext uri="{D42A27DB-BD31-4B8C-83A1-F6EECF244321}">
-                <p14:modId xmlns:p14="http://schemas.microsoft.com/office/powerpoint/2010/main" val="3737627811"/>
+                <p14:modId xmlns:p14="http://schemas.microsoft.com/office/powerpoint/2010/main" val="1515754777"/>
               </p:ext>
             </p:extLst>
           </p:nvPr>
         </p:nvGraphicFramePr>
         <p:xfrm>
-          <a:off x="0" y="1889547"/>
-          <a:ext cx="9144000" cy="4825924"/>
+          <a:off x="612648" y="1985766"/>
+          <a:ext cx="7920000" cy="4320000"/>
         </p:xfrm>
         <a:graphic>
           <a:graphicData uri="http://schemas.openxmlformats.org/drawingml/2006/chart">
@@ -7661,9 +11635,9 @@
 </file>
 
 <file path=ppt/theme/theme1.xml><?xml version="1.0" encoding="utf-8"?>
-<a:theme xmlns:a="http://schemas.openxmlformats.org/drawingml/2006/main" name="Office Theme">
+<a:theme xmlns:a="http://schemas.openxmlformats.org/drawingml/2006/main" name="Median">
   <a:themeElements>
-    <a:clrScheme name="Office">
+    <a:clrScheme name="Apothecary">
       <a:dk1>
         <a:sysClr val="windowText" lastClr="000000"/>
       </a:dk1>
@@ -7671,42 +11645,42 @@
         <a:sysClr val="window" lastClr="FFFFFF"/>
       </a:lt1>
       <a:dk2>
-        <a:srgbClr val="1F497D"/>
+        <a:srgbClr val="564B3C"/>
       </a:dk2>
       <a:lt2>
-        <a:srgbClr val="EEECE1"/>
+        <a:srgbClr val="ECEDD1"/>
       </a:lt2>
       <a:accent1>
-        <a:srgbClr val="4F81BD"/>
+        <a:srgbClr val="93A299"/>
       </a:accent1>
       <a:accent2>
-        <a:srgbClr val="C0504D"/>
+        <a:srgbClr val="CF543F"/>
       </a:accent2>
       <a:accent3>
-        <a:srgbClr val="9BBB59"/>
+        <a:srgbClr val="B5AE53"/>
       </a:accent3>
       <a:accent4>
-        <a:srgbClr val="8064A2"/>
+        <a:srgbClr val="848058"/>
       </a:accent4>
       <a:accent5>
-        <a:srgbClr val="4BACC6"/>
+        <a:srgbClr val="E8B54D"/>
       </a:accent5>
       <a:accent6>
-        <a:srgbClr val="F79646"/>
+        <a:srgbClr val="786C71"/>
       </a:accent6>
       <a:hlink>
-        <a:srgbClr val="0000FF"/>
+        <a:srgbClr val="CCCC00"/>
       </a:hlink>
       <a:folHlink>
-        <a:srgbClr val="800080"/>
+        <a:srgbClr val="B2B2B2"/>
       </a:folHlink>
     </a:clrScheme>
-    <a:fontScheme name="Office">
+    <a:fontScheme name="Adjacency">
       <a:majorFont>
-        <a:latin typeface="Calibri"/>
+        <a:latin typeface="Cambria"/>
         <a:ea typeface=""/>
         <a:cs typeface=""/>
-        <a:font script="Jpan" typeface="ＭＳ Ｐゴシック"/>
+        <a:font script="Jpan" typeface="ＭＳ ゴシック"/>
         <a:font script="Hang" typeface="맑은 고딕"/>
         <a:font script="Hans" typeface="宋体"/>
         <a:font script="Hant" typeface="新細明體"/>
@@ -7741,7 +11715,7 @@
         <a:latin typeface="Calibri"/>
         <a:ea typeface=""/>
         <a:cs typeface=""/>
-        <a:font script="Jpan" typeface="ＭＳ Ｐゴシック"/>
+        <a:font script="Jpan" typeface="ＭＳ 明朝"/>
         <a:font script="Hang" typeface="맑은 고딕"/>
         <a:font script="Hans" typeface="宋体"/>
         <a:font script="Hant" typeface="新細明體"/>
@@ -7773,71 +11747,34 @@
         <a:font script="Geor" typeface="Sylfaen"/>
       </a:minorFont>
     </a:fontScheme>
-    <a:fmtScheme name="Office">
+    <a:fmtScheme name="Median">
       <a:fillStyleLst>
         <a:solidFill>
           <a:schemeClr val="phClr"/>
         </a:solidFill>
-        <a:gradFill rotWithShape="1">
-          <a:gsLst>
-            <a:gs pos="0">
-              <a:schemeClr val="phClr">
-                <a:tint val="50000"/>
-                <a:satMod val="300000"/>
-              </a:schemeClr>
-            </a:gs>
-            <a:gs pos="35000">
-              <a:schemeClr val="phClr">
-                <a:tint val="37000"/>
-                <a:satMod val="300000"/>
-              </a:schemeClr>
-            </a:gs>
-            <a:gs pos="100000">
-              <a:schemeClr val="phClr">
-                <a:tint val="15000"/>
-                <a:satMod val="350000"/>
-              </a:schemeClr>
-            </a:gs>
-          </a:gsLst>
-          <a:lin ang="16200000" scaled="1"/>
-        </a:gradFill>
-        <a:gradFill rotWithShape="1">
-          <a:gsLst>
-            <a:gs pos="0">
-              <a:schemeClr val="phClr">
-                <a:tint val="100000"/>
-                <a:shade val="100000"/>
-                <a:satMod val="130000"/>
-              </a:schemeClr>
-            </a:gs>
-            <a:gs pos="100000">
-              <a:schemeClr val="phClr">
-                <a:tint val="50000"/>
-                <a:shade val="100000"/>
-                <a:satMod val="350000"/>
-              </a:schemeClr>
-            </a:gs>
-          </a:gsLst>
-          <a:lin ang="16200000" scaled="0"/>
-        </a:gradFill>
+        <a:solidFill>
+          <a:schemeClr val="phClr">
+            <a:tint val="50000"/>
+          </a:schemeClr>
+        </a:solidFill>
+        <a:solidFill>
+          <a:schemeClr val="phClr"/>
+        </a:solidFill>
       </a:fillStyleLst>
       <a:lnStyleLst>
-        <a:ln w="9525" cap="flat" cmpd="sng" algn="ctr">
-          <a:solidFill>
-            <a:schemeClr val="phClr">
-              <a:shade val="95000"/>
-              <a:satMod val="105000"/>
-            </a:schemeClr>
-          </a:solidFill>
-          <a:prstDash val="solid"/>
-        </a:ln>
-        <a:ln w="25400" cap="flat" cmpd="sng" algn="ctr">
+        <a:ln w="10000" cap="flat" cmpd="sng" algn="ctr">
           <a:solidFill>
             <a:schemeClr val="phClr"/>
           </a:solidFill>
           <a:prstDash val="solid"/>
         </a:ln>
-        <a:ln w="38100" cap="flat" cmpd="sng" algn="ctr">
+        <a:ln w="19050" cap="flat" cmpd="sng" algn="ctr">
+          <a:solidFill>
+            <a:schemeClr val="phClr"/>
+          </a:solidFill>
+          <a:prstDash val="solid"/>
+        </a:ln>
+        <a:ln w="47625" cap="flat" cmpd="dbl" algn="ctr">
           <a:solidFill>
             <a:schemeClr val="phClr"/>
           </a:solidFill>
@@ -7847,40 +11784,43 @@
       <a:effectStyleLst>
         <a:effectStyle>
           <a:effectLst>
-            <a:outerShdw blurRad="40000" dist="20000" dir="5400000" rotWithShape="0">
+            <a:outerShdw blurRad="38100" dist="30000" dir="5400000" rotWithShape="0">
               <a:srgbClr val="000000">
-                <a:alpha val="38000"/>
+                <a:alpha val="45000"/>
               </a:srgbClr>
             </a:outerShdw>
           </a:effectLst>
         </a:effectStyle>
         <a:effectStyle>
           <a:effectLst>
-            <a:outerShdw blurRad="40000" dist="23000" dir="5400000" rotWithShape="0">
+            <a:outerShdw blurRad="38100" dist="30000" dir="5400000" rotWithShape="0">
               <a:srgbClr val="000000">
-                <a:alpha val="35000"/>
+                <a:alpha val="45000"/>
               </a:srgbClr>
             </a:outerShdw>
           </a:effectLst>
         </a:effectStyle>
         <a:effectStyle>
           <a:effectLst>
-            <a:outerShdw blurRad="40000" dist="23000" dir="5400000" rotWithShape="0">
+            <a:outerShdw blurRad="38100" dist="25400" dir="5400000" rotWithShape="0">
               <a:srgbClr val="000000">
                 <a:alpha val="35000"/>
               </a:srgbClr>
             </a:outerShdw>
           </a:effectLst>
           <a:scene3d>
-            <a:camera prst="orthographicFront">
+            <a:camera prst="isometricTopDown" fov="0">
               <a:rot lat="0" lon="0" rev="0"/>
             </a:camera>
-            <a:lightRig rig="threePt" dir="t">
-              <a:rot lat="0" lon="0" rev="1200000"/>
+            <a:lightRig rig="balanced" dir="t">
+              <a:rot lat="0" lon="0" rev="13800000"/>
             </a:lightRig>
           </a:scene3d>
-          <a:sp3d>
-            <a:bevelT w="63500" h="25400"/>
+          <a:sp3d extrusionH="12700" prstMaterial="plastic">
+            <a:bevelT w="38100" h="25400" prst="softRound"/>
+            <a:contourClr>
+              <a:schemeClr val="phClr"/>
+            </a:contourClr>
           </a:sp3d>
         </a:effectStyle>
       </a:effectStyleLst>
@@ -7888,59 +11828,46 @@
         <a:solidFill>
           <a:schemeClr val="phClr"/>
         </a:solidFill>
-        <a:gradFill rotWithShape="1">
-          <a:gsLst>
-            <a:gs pos="0">
+        <a:blipFill>
+          <a:blip xmlns:r="http://schemas.openxmlformats.org/officeDocument/2006/relationships" r:embed="rId1">
+            <a:duotone>
               <a:schemeClr val="phClr">
-                <a:tint val="40000"/>
-                <a:satMod val="350000"/>
+                <a:shade val="90000"/>
+                <a:satMod val="140000"/>
               </a:schemeClr>
-            </a:gs>
-            <a:gs pos="40000">
               <a:schemeClr val="phClr">
-                <a:tint val="45000"/>
-                <a:shade val="99000"/>
-                <a:satMod val="350000"/>
+                <a:satMod val="120000"/>
               </a:schemeClr>
-            </a:gs>
-            <a:gs pos="100000">
+            </a:duotone>
+          </a:blip>
+          <a:tile tx="0" ty="0" sx="100000" sy="100000" flip="none" algn="tl"/>
+        </a:blipFill>
+        <a:blipFill>
+          <a:blip xmlns:r="http://schemas.openxmlformats.org/officeDocument/2006/relationships" r:embed="rId2">
+            <a:duotone>
               <a:schemeClr val="phClr">
-                <a:shade val="20000"/>
-                <a:satMod val="255000"/>
+                <a:shade val="90000"/>
+                <a:satMod val="140000"/>
               </a:schemeClr>
-            </a:gs>
-          </a:gsLst>
-          <a:path path="circle">
-            <a:fillToRect l="50000" t="-80000" r="50000" b="180000"/>
-          </a:path>
-        </a:gradFill>
-        <a:gradFill rotWithShape="1">
-          <a:gsLst>
-            <a:gs pos="0">
               <a:schemeClr val="phClr">
-                <a:tint val="80000"/>
-                <a:satMod val="300000"/>
+                <a:satMod val="120000"/>
               </a:schemeClr>
-            </a:gs>
-            <a:gs pos="100000">
-              <a:schemeClr val="phClr">
-                <a:shade val="30000"/>
-                <a:satMod val="200000"/>
-              </a:schemeClr>
-            </a:gs>
-          </a:gsLst>
-          <a:path path="circle">
-            <a:fillToRect l="50000" t="50000" r="50000" b="50000"/>
-          </a:path>
-        </a:gradFill>
+            </a:duotone>
+          </a:blip>
+          <a:tile tx="0" ty="0" sx="100000" sy="100000" flip="none" algn="tl"/>
+        </a:blipFill>
       </a:bgFillStyleLst>
     </a:fmtScheme>
   </a:themeElements>
   <a:objectDefaults>
     <a:spDef>
       <a:spPr/>
-      <a:bodyPr/>
-      <a:lstStyle/>
+      <a:bodyPr rtlCol="0" anchor="ctr"/>
+      <a:lstStyle>
+        <a:defPPr algn="ctr">
+          <a:defRPr/>
+        </a:defPPr>
+      </a:lstStyle>
       <a:style>
         <a:lnRef idx="1">
           <a:schemeClr val="accent1"/>

--- a/presentation/kcore-kdense.pptx
+++ b/presentation/kcore-kdense.pptx
@@ -228,11 +228,11 @@
           <c:showBubbleSize val="0"/>
         </c:dLbls>
         <c:gapWidth val="150"/>
-        <c:axId val="2069301944"/>
-        <c:axId val="2070682264"/>
+        <c:axId val="2076288616"/>
+        <c:axId val="2097815256"/>
       </c:barChart>
       <c:catAx>
-        <c:axId val="2069301944"/>
+        <c:axId val="2076288616"/>
         <c:scaling>
           <c:orientation val="minMax"/>
         </c:scaling>
@@ -242,7 +242,7 @@
         <c:majorTickMark val="out"/>
         <c:minorTickMark val="none"/>
         <c:tickLblPos val="nextTo"/>
-        <c:crossAx val="2070682264"/>
+        <c:crossAx val="2097815256"/>
         <c:crosses val="autoZero"/>
         <c:auto val="1"/>
         <c:lblAlgn val="ctr"/>
@@ -250,7 +250,7 @@
         <c:noMultiLvlLbl val="0"/>
       </c:catAx>
       <c:valAx>
-        <c:axId val="2070682264"/>
+        <c:axId val="2097815256"/>
         <c:scaling>
           <c:orientation val="minMax"/>
         </c:scaling>
@@ -261,7 +261,7 @@
         <c:majorTickMark val="out"/>
         <c:minorTickMark val="none"/>
         <c:tickLblPos val="nextTo"/>
-        <c:crossAx val="2069301944"/>
+        <c:crossAx val="2076288616"/>
         <c:crosses val="autoZero"/>
         <c:crossBetween val="between"/>
       </c:valAx>
@@ -817,11 +817,11 @@
           <c:showBubbleSize val="0"/>
         </c:dLbls>
         <c:gapWidth val="150"/>
-        <c:axId val="2077395384"/>
-        <c:axId val="2077401096"/>
+        <c:axId val="2067264632"/>
+        <c:axId val="2122586552"/>
       </c:barChart>
       <c:catAx>
-        <c:axId val="2077395384"/>
+        <c:axId val="2067264632"/>
         <c:scaling>
           <c:orientation val="minMax"/>
         </c:scaling>
@@ -856,7 +856,7 @@
         <c:majorTickMark val="out"/>
         <c:minorTickMark val="none"/>
         <c:tickLblPos val="nextTo"/>
-        <c:crossAx val="2077401096"/>
+        <c:crossAx val="2122586552"/>
         <c:crosses val="autoZero"/>
         <c:auto val="1"/>
         <c:lblAlgn val="ctr"/>
@@ -864,7 +864,7 @@
         <c:noMultiLvlLbl val="0"/>
       </c:catAx>
       <c:valAx>
-        <c:axId val="2077401096"/>
+        <c:axId val="2122586552"/>
         <c:scaling>
           <c:orientation val="minMax"/>
         </c:scaling>
@@ -875,7 +875,7 @@
         <c:majorTickMark val="out"/>
         <c:minorTickMark val="none"/>
         <c:tickLblPos val="nextTo"/>
-        <c:crossAx val="2077395384"/>
+        <c:crossAx val="2067264632"/>
         <c:crosses val="autoZero"/>
         <c:crossBetween val="between"/>
       </c:valAx>
@@ -1474,11 +1474,11 @@
         </c:dLbls>
         <c:marker val="1"/>
         <c:smooth val="0"/>
-        <c:axId val="2069692440"/>
-        <c:axId val="2069696056"/>
+        <c:axId val="2098018936"/>
+        <c:axId val="2097516056"/>
       </c:lineChart>
       <c:catAx>
-        <c:axId val="2069692440"/>
+        <c:axId val="2098018936"/>
         <c:scaling>
           <c:orientation val="minMax"/>
         </c:scaling>
@@ -1487,7 +1487,7 @@
         <c:majorTickMark val="out"/>
         <c:minorTickMark val="none"/>
         <c:tickLblPos val="nextTo"/>
-        <c:crossAx val="2069696056"/>
+        <c:crossAx val="2097516056"/>
         <c:crosses val="autoZero"/>
         <c:auto val="1"/>
         <c:lblAlgn val="ctr"/>
@@ -1496,7 +1496,7 @@
         <c:noMultiLvlLbl val="0"/>
       </c:catAx>
       <c:valAx>
-        <c:axId val="2069696056"/>
+        <c:axId val="2097516056"/>
         <c:scaling>
           <c:orientation val="minMax"/>
         </c:scaling>
@@ -1507,7 +1507,7 @@
         <c:majorTickMark val="out"/>
         <c:minorTickMark val="none"/>
         <c:tickLblPos val="nextTo"/>
-        <c:crossAx val="2069692440"/>
+        <c:crossAx val="2098018936"/>
         <c:crosses val="autoZero"/>
         <c:crossBetween val="between"/>
       </c:valAx>
@@ -1710,11 +1710,11 @@
           <c:showBubbleSize val="0"/>
         </c:dLbls>
         <c:gapWidth val="150"/>
-        <c:axId val="2072277960"/>
-        <c:axId val="2065354968"/>
+        <c:axId val="2102030744"/>
+        <c:axId val="2069722328"/>
       </c:barChart>
       <c:catAx>
-        <c:axId val="2072277960"/>
+        <c:axId val="2102030744"/>
         <c:scaling>
           <c:orientation val="minMax"/>
         </c:scaling>
@@ -1723,7 +1723,7 @@
         <c:majorTickMark val="out"/>
         <c:minorTickMark val="none"/>
         <c:tickLblPos val="nextTo"/>
-        <c:crossAx val="2065354968"/>
+        <c:crossAx val="2069722328"/>
         <c:crosses val="autoZero"/>
         <c:auto val="1"/>
         <c:lblAlgn val="ctr"/>
@@ -1731,7 +1731,7 @@
         <c:noMultiLvlLbl val="0"/>
       </c:catAx>
       <c:valAx>
-        <c:axId val="2065354968"/>
+        <c:axId val="2069722328"/>
         <c:scaling>
           <c:orientation val="minMax"/>
         </c:scaling>
@@ -1742,7 +1742,7 @@
         <c:majorTickMark val="out"/>
         <c:minorTickMark val="none"/>
         <c:tickLblPos val="nextTo"/>
-        <c:crossAx val="2072277960"/>
+        <c:crossAx val="2102030744"/>
         <c:crosses val="autoZero"/>
         <c:crossBetween val="between"/>
       </c:valAx>
@@ -1851,11 +1851,11 @@
           <c:showBubbleSize val="0"/>
         </c:dLbls>
         <c:gapWidth val="150"/>
-        <c:axId val="2065378264"/>
-        <c:axId val="2065371544"/>
+        <c:axId val="2102162184"/>
+        <c:axId val="2122783272"/>
       </c:barChart>
       <c:catAx>
-        <c:axId val="2065378264"/>
+        <c:axId val="2102162184"/>
         <c:scaling>
           <c:orientation val="minMax"/>
         </c:scaling>
@@ -1864,7 +1864,7 @@
         <c:majorTickMark val="out"/>
         <c:minorTickMark val="none"/>
         <c:tickLblPos val="nextTo"/>
-        <c:crossAx val="2065371544"/>
+        <c:crossAx val="2122783272"/>
         <c:crosses val="autoZero"/>
         <c:auto val="1"/>
         <c:lblAlgn val="ctr"/>
@@ -1872,7 +1872,7 @@
         <c:noMultiLvlLbl val="0"/>
       </c:catAx>
       <c:valAx>
-        <c:axId val="2065371544"/>
+        <c:axId val="2122783272"/>
         <c:scaling>
           <c:orientation val="minMax"/>
         </c:scaling>
@@ -1883,7 +1883,7 @@
         <c:majorTickMark val="out"/>
         <c:minorTickMark val="none"/>
         <c:tickLblPos val="nextTo"/>
-        <c:crossAx val="2065378264"/>
+        <c:crossAx val="2102162184"/>
         <c:crosses val="autoZero"/>
         <c:crossBetween val="between"/>
       </c:valAx>
@@ -2051,11 +2051,11 @@
           <c:showBubbleSize val="0"/>
         </c:dLbls>
         <c:gapWidth val="150"/>
-        <c:axId val="2070273352"/>
-        <c:axId val="2070244632"/>
+        <c:axId val="2101455576"/>
+        <c:axId val="2101486568"/>
       </c:barChart>
       <c:catAx>
-        <c:axId val="2070273352"/>
+        <c:axId val="2101455576"/>
         <c:scaling>
           <c:orientation val="minMax"/>
         </c:scaling>
@@ -2064,7 +2064,7 @@
         <c:majorTickMark val="out"/>
         <c:minorTickMark val="none"/>
         <c:tickLblPos val="nextTo"/>
-        <c:crossAx val="2070244632"/>
+        <c:crossAx val="2101486568"/>
         <c:crosses val="autoZero"/>
         <c:auto val="1"/>
         <c:lblAlgn val="ctr"/>
@@ -2072,7 +2072,7 @@
         <c:noMultiLvlLbl val="0"/>
       </c:catAx>
       <c:valAx>
-        <c:axId val="2070244632"/>
+        <c:axId val="2101486568"/>
         <c:scaling>
           <c:orientation val="minMax"/>
         </c:scaling>
@@ -2083,7 +2083,7 @@
         <c:majorTickMark val="out"/>
         <c:minorTickMark val="none"/>
         <c:tickLblPos val="nextTo"/>
-        <c:crossAx val="2070273352"/>
+        <c:crossAx val="2101455576"/>
         <c:crosses val="autoZero"/>
         <c:crossBetween val="between"/>
       </c:valAx>
@@ -2251,11 +2251,11 @@
           <c:showBubbleSize val="0"/>
         </c:dLbls>
         <c:gapWidth val="150"/>
-        <c:axId val="2070351992"/>
-        <c:axId val="2070441208"/>
+        <c:axId val="2123948184"/>
+        <c:axId val="2123527784"/>
       </c:barChart>
       <c:catAx>
-        <c:axId val="2070351992"/>
+        <c:axId val="2123948184"/>
         <c:scaling>
           <c:orientation val="minMax"/>
         </c:scaling>
@@ -2264,7 +2264,7 @@
         <c:majorTickMark val="out"/>
         <c:minorTickMark val="none"/>
         <c:tickLblPos val="nextTo"/>
-        <c:crossAx val="2070441208"/>
+        <c:crossAx val="2123527784"/>
         <c:crosses val="autoZero"/>
         <c:auto val="1"/>
         <c:lblAlgn val="ctr"/>
@@ -2272,7 +2272,7 @@
         <c:noMultiLvlLbl val="0"/>
       </c:catAx>
       <c:valAx>
-        <c:axId val="2070441208"/>
+        <c:axId val="2123527784"/>
         <c:scaling>
           <c:orientation val="minMax"/>
         </c:scaling>
@@ -2283,7 +2283,7 @@
         <c:majorTickMark val="out"/>
         <c:minorTickMark val="none"/>
         <c:tickLblPos val="nextTo"/>
-        <c:crossAx val="2070351992"/>
+        <c:crossAx val="2123948184"/>
         <c:crosses val="autoZero"/>
         <c:crossBetween val="between"/>
       </c:valAx>
@@ -5901,15 +5901,7 @@
           <a:p>
             <a:r>
               <a:rPr lang="en-US" dirty="0" smtClean="0"/>
-              <a:t>Comparison </a:t>
-            </a:r>
-            <a:r>
-              <a:rPr lang="en-US" dirty="0" smtClean="0"/>
-              <a:t>between </a:t>
-            </a:r>
-            <a:r>
-              <a:rPr lang="en-US" dirty="0" smtClean="0"/>
-              <a:t>network decomposition methods:</a:t>
+              <a:t>Comparison between network decomposition methods:</a:t>
             </a:r>
             <a:br>
               <a:rPr lang="en-US" dirty="0" smtClean="0"/>
@@ -7440,11 +7432,7 @@
           <a:p>
             <a:r>
               <a:rPr lang="en-US" dirty="0" smtClean="0"/>
-              <a:t>Maximal </a:t>
-            </a:r>
-            <a:r>
-              <a:rPr lang="en-US" dirty="0" smtClean="0"/>
-              <a:t>communities</a:t>
+              <a:t>Maximal communities</a:t>
             </a:r>
             <a:endParaRPr lang="en-US" dirty="0"/>
           </a:p>
@@ -8538,32 +8526,14 @@
             </a:r>
             <a:r>
               <a:rPr lang="en-US" dirty="0" smtClean="0"/>
-              <a:t>-dense communities nodes are more </a:t>
-            </a:r>
+              <a:t>-dense communities nodes are more interconnected (closer to a clique)</a:t>
+            </a:r>
+          </a:p>
+          <a:p>
             <a:r>
               <a:rPr lang="en-US" dirty="0" smtClean="0"/>
-              <a:t>interconnected </a:t>
-            </a:r>
-            <a:r>
-              <a:rPr lang="en-US" dirty="0" smtClean="0"/>
-              <a:t>(closer </a:t>
-            </a:r>
-            <a:r>
-              <a:rPr lang="en-US" dirty="0" smtClean="0"/>
-              <a:t>to a clique)</a:t>
-            </a:r>
-            <a:endParaRPr lang="en-US" dirty="0" smtClean="0"/>
-          </a:p>
-          <a:p>
-            <a:r>
-              <a:rPr lang="en-US" dirty="0" smtClean="0"/>
-              <a:t>k-dense filters out meaningless nodes (e.g. “bridge nodes” between </a:t>
-            </a:r>
-            <a:r>
-              <a:rPr lang="en-US" dirty="0" smtClean="0"/>
-              <a:t>communities)</a:t>
-            </a:r>
-            <a:endParaRPr lang="en-US" dirty="0" smtClean="0"/>
+              <a:t>k-dense filters out meaningless nodes (e.g. “bridge nodes” between communities)</a:t>
+            </a:r>
           </a:p>
           <a:p>
             <a:r>
@@ -8576,15 +8546,7 @@
             </a:r>
             <a:r>
               <a:rPr lang="en-US" smtClean="0"/>
-              <a:t>doesn</a:t>
-            </a:r>
-            <a:r>
-              <a:rPr lang="en-US" smtClean="0"/>
-              <a:t>’t </a:t>
-            </a:r>
-            <a:r>
-              <a:rPr lang="en-US" smtClean="0"/>
-              <a:t>detect</a:t>
+              <a:t>doesn’t detect</a:t>
             </a:r>
             <a:endParaRPr lang="en-US" dirty="0"/>
           </a:p>
@@ -8671,11 +8633,7 @@
             </a:pPr>
             <a:r>
               <a:rPr lang="en-US" dirty="0" smtClean="0"/>
-              <a:t>Implement </a:t>
-            </a:r>
-            <a:r>
-              <a:rPr lang="en-US" dirty="0" smtClean="0"/>
-              <a:t>k-dense in </a:t>
+              <a:t>Implement k-dense in </a:t>
             </a:r>
             <a:r>
               <a:rPr lang="en-US" dirty="0" err="1" smtClean="0"/>
@@ -8690,13 +8648,8 @@
             </a:pPr>
             <a:r>
               <a:rPr lang="en-US" dirty="0" smtClean="0"/>
-              <a:t>Decompose the internet topology using k-core and k-</a:t>
-            </a:r>
-            <a:r>
-              <a:rPr lang="en-US" dirty="0" smtClean="0"/>
-              <a:t>dense methods</a:t>
-            </a:r>
-            <a:endParaRPr lang="en-US" dirty="0" smtClean="0"/>
+              <a:t>Decompose the internet topology using k-core and k-dense methods</a:t>
+            </a:r>
           </a:p>
           <a:p>
             <a:pPr marL="514350" indent="-514350">
@@ -9015,19 +8968,7 @@
             </a:r>
             <a:r>
               <a:rPr lang="en-US" sz="2400" dirty="0" smtClean="0"/>
-              <a:t>of a graph G is a maximal connected </a:t>
-            </a:r>
-            <a:r>
-              <a:rPr lang="en-US" sz="2400" dirty="0" smtClean="0"/>
-              <a:t>sub-graph </a:t>
-            </a:r>
-            <a:r>
-              <a:rPr lang="en-US" sz="2400" dirty="0" smtClean="0"/>
-              <a:t>of G in which all vertices have degree at least </a:t>
-            </a:r>
-            <a:r>
-              <a:rPr lang="en-US" sz="2400" dirty="0" smtClean="0"/>
-              <a:t>k - 1</a:t>
+              <a:t>of a graph G is a maximal connected sub-graph of G in which all vertices have degree at least k - 1</a:t>
             </a:r>
           </a:p>
           <a:p>
@@ -9348,7 +9289,6 @@
               <a:rPr lang="en-US" sz="2400" dirty="0" smtClean="0"/>
               <a:t>nodes</a:t>
             </a:r>
-            <a:endParaRPr lang="en-US" sz="2400" dirty="0" smtClean="0"/>
           </a:p>
           <a:p>
             <a:r>
@@ -9362,7 +9302,6 @@
               <a:rPr lang="en-US" sz="2100" dirty="0" smtClean="0"/>
               <a:t>If a sub-graph is k-dense, it is k-core too</a:t>
             </a:r>
-            <a:endParaRPr lang="en-US" sz="2100" dirty="0" smtClean="0"/>
           </a:p>
           <a:p>
             <a:endParaRPr lang="en-US" dirty="0"/>
@@ -9692,11 +9631,7 @@
             </a:r>
             <a:r>
               <a:rPr lang="en-US" dirty="0" smtClean="0"/>
-              <a:t> </a:t>
-            </a:r>
-            <a:r>
-              <a:rPr lang="en-US" dirty="0" smtClean="0"/>
-              <a:t>k-core</a:t>
+              <a:t> k-core</a:t>
             </a:r>
             <a:endParaRPr lang="en-US" dirty="0"/>
           </a:p>
@@ -9875,11 +9810,7 @@
             </a:pPr>
             <a:r>
               <a:rPr lang="en-US" dirty="0" smtClean="0"/>
-              <a:t>Gives more importance to the total amount of nodes </a:t>
-            </a:r>
-            <a:r>
-              <a:rPr lang="en-US" dirty="0" smtClean="0"/>
-              <a:t>“connections”</a:t>
+              <a:t>Gives more importance to the total amount of nodes “connections”</a:t>
             </a:r>
           </a:p>
           <a:p>
@@ -10178,7 +10109,6 @@
               <a:rPr lang="en-US" dirty="0" smtClean="0"/>
               <a:t>Gives more importance to the sharing of nodes</a:t>
             </a:r>
-            <a:endParaRPr lang="en-US" dirty="0" smtClean="0"/>
           </a:p>
           <a:p>
             <a:pPr marL="285750" indent="-285750">
@@ -11250,43 +11180,17 @@
               <a:rPr lang="en-US" dirty="0" smtClean="0"/>
               <a:t>Not a decomposition function (any sub-graph returned)</a:t>
             </a:r>
-            <a:endParaRPr lang="en-US" dirty="0" smtClean="0"/>
           </a:p>
           <a:p>
             <a:r>
               <a:rPr lang="en-US" dirty="0" smtClean="0"/>
-              <a:t>General k-</a:t>
-            </a:r>
+              <a:t>General k-dense implementation relies on k-core communities</a:t>
+            </a:r>
+          </a:p>
+          <a:p>
             <a:r>
               <a:rPr lang="en-US" dirty="0" smtClean="0"/>
-              <a:t>dense implementation relies on k-core </a:t>
-            </a:r>
-            <a:r>
-              <a:rPr lang="en-US" dirty="0" smtClean="0"/>
-              <a:t>communities</a:t>
-            </a:r>
-            <a:endParaRPr lang="en-US" dirty="0" smtClean="0"/>
-          </a:p>
-          <a:p>
-            <a:r>
-              <a:rPr lang="en-US" dirty="0" smtClean="0"/>
-              <a:t>We </a:t>
-            </a:r>
-            <a:r>
-              <a:rPr lang="en-US" dirty="0" smtClean="0"/>
-              <a:t>needed to implement </a:t>
-            </a:r>
-            <a:r>
-              <a:rPr lang="en-US" dirty="0" smtClean="0"/>
-              <a:t>k-core </a:t>
-            </a:r>
-            <a:r>
-              <a:rPr lang="en-US" dirty="0" smtClean="0"/>
-              <a:t>decomposition first</a:t>
-            </a:r>
-            <a:r>
-              <a:rPr lang="en-US" dirty="0" smtClean="0"/>
-              <a:t>, then k-dense</a:t>
+              <a:t>We needed to implement k-core decomposition first, then k-dense</a:t>
             </a:r>
           </a:p>
         </p:txBody>
@@ -11346,16 +11250,8 @@
           <a:lstStyle/>
           <a:p>
             <a:r>
-              <a:rPr lang="en-US" dirty="0" err="1" smtClean="0"/>
-              <a:t>Dettagli</a:t>
-            </a:r>
-            <a:r>
-              <a:rPr lang="en-US" dirty="0" smtClean="0"/>
-              <a:t> </a:t>
-            </a:r>
-            <a:r>
-              <a:rPr lang="en-US" dirty="0" err="1" smtClean="0"/>
-              <a:t>implementativi</a:t>
+              <a:rPr lang="en-US" dirty="0"/>
+              <a:t>Implementing k-dense</a:t>
             </a:r>
             <a:endParaRPr lang="en-US" dirty="0"/>
           </a:p>
@@ -11397,15 +11293,7 @@
             <a:pPr lvl="1"/>
             <a:r>
               <a:rPr lang="en-US" dirty="0" smtClean="0"/>
-              <a:t>O</a:t>
-            </a:r>
-            <a:r>
-              <a:rPr lang="en-US" dirty="0" smtClean="0"/>
-              <a:t>ptimized thanks to the fact it doesn</a:t>
-            </a:r>
-            <a:r>
-              <a:rPr lang="en-US" dirty="0" smtClean="0"/>
-              <a:t>’t need to return a sub-graph</a:t>
+              <a:t>Optimized thanks to the fact it doesn’t need to return a sub-graph</a:t>
             </a:r>
           </a:p>
           <a:p>
@@ -11425,15 +11313,7 @@
             <a:pPr lvl="1"/>
             <a:r>
               <a:rPr lang="en-US" dirty="0" smtClean="0"/>
-              <a:t>A fast “Density</a:t>
-            </a:r>
-            <a:r>
-              <a:rPr lang="en-US" dirty="0" smtClean="0"/>
-              <a:t>"</a:t>
-            </a:r>
-            <a:r>
-              <a:rPr lang="en-US" dirty="0" smtClean="0"/>
-              <a:t> function for k-dense like </a:t>
+              <a:t>A fast “Density" function for k-dense like </a:t>
             </a:r>
             <a:r>
               <a:rPr lang="en-US" dirty="0" err="1" smtClean="0"/>

--- a/presentation/kcore-kdense.pptx
+++ b/presentation/kcore-kdense.pptx
@@ -228,11 +228,11 @@
           <c:showBubbleSize val="0"/>
         </c:dLbls>
         <c:gapWidth val="150"/>
-        <c:axId val="2076288616"/>
-        <c:axId val="2097815256"/>
+        <c:axId val="2097453960"/>
+        <c:axId val="2097457064"/>
       </c:barChart>
       <c:catAx>
-        <c:axId val="2076288616"/>
+        <c:axId val="2097453960"/>
         <c:scaling>
           <c:orientation val="minMax"/>
         </c:scaling>
@@ -242,7 +242,7 @@
         <c:majorTickMark val="out"/>
         <c:minorTickMark val="none"/>
         <c:tickLblPos val="nextTo"/>
-        <c:crossAx val="2097815256"/>
+        <c:crossAx val="2097457064"/>
         <c:crosses val="autoZero"/>
         <c:auto val="1"/>
         <c:lblAlgn val="ctr"/>
@@ -250,7 +250,7 @@
         <c:noMultiLvlLbl val="0"/>
       </c:catAx>
       <c:valAx>
-        <c:axId val="2097815256"/>
+        <c:axId val="2097457064"/>
         <c:scaling>
           <c:orientation val="minMax"/>
         </c:scaling>
@@ -261,7 +261,7 @@
         <c:majorTickMark val="out"/>
         <c:minorTickMark val="none"/>
         <c:tickLblPos val="nextTo"/>
-        <c:crossAx val="2076288616"/>
+        <c:crossAx val="2097453960"/>
         <c:crosses val="autoZero"/>
         <c:crossBetween val="between"/>
       </c:valAx>
@@ -817,11 +817,11 @@
           <c:showBubbleSize val="0"/>
         </c:dLbls>
         <c:gapWidth val="150"/>
-        <c:axId val="2067264632"/>
-        <c:axId val="2122586552"/>
+        <c:axId val="2097574792"/>
+        <c:axId val="2097580536"/>
       </c:barChart>
       <c:catAx>
-        <c:axId val="2067264632"/>
+        <c:axId val="2097574792"/>
         <c:scaling>
           <c:orientation val="minMax"/>
         </c:scaling>
@@ -856,7 +856,7 @@
         <c:majorTickMark val="out"/>
         <c:minorTickMark val="none"/>
         <c:tickLblPos val="nextTo"/>
-        <c:crossAx val="2122586552"/>
+        <c:crossAx val="2097580536"/>
         <c:crosses val="autoZero"/>
         <c:auto val="1"/>
         <c:lblAlgn val="ctr"/>
@@ -864,7 +864,7 @@
         <c:noMultiLvlLbl val="0"/>
       </c:catAx>
       <c:valAx>
-        <c:axId val="2122586552"/>
+        <c:axId val="2097580536"/>
         <c:scaling>
           <c:orientation val="minMax"/>
         </c:scaling>
@@ -875,7 +875,7 @@
         <c:majorTickMark val="out"/>
         <c:minorTickMark val="none"/>
         <c:tickLblPos val="nextTo"/>
-        <c:crossAx val="2067264632"/>
+        <c:crossAx val="2097574792"/>
         <c:crosses val="autoZero"/>
         <c:crossBetween val="between"/>
       </c:valAx>
@@ -1474,11 +1474,11 @@
         </c:dLbls>
         <c:marker val="1"/>
         <c:smooth val="0"/>
-        <c:axId val="2098018936"/>
-        <c:axId val="2097516056"/>
+        <c:axId val="2097613832"/>
+        <c:axId val="2097616808"/>
       </c:lineChart>
       <c:catAx>
-        <c:axId val="2098018936"/>
+        <c:axId val="2097613832"/>
         <c:scaling>
           <c:orientation val="minMax"/>
         </c:scaling>
@@ -1487,7 +1487,7 @@
         <c:majorTickMark val="out"/>
         <c:minorTickMark val="none"/>
         <c:tickLblPos val="nextTo"/>
-        <c:crossAx val="2097516056"/>
+        <c:crossAx val="2097616808"/>
         <c:crosses val="autoZero"/>
         <c:auto val="1"/>
         <c:lblAlgn val="ctr"/>
@@ -1496,7 +1496,7 @@
         <c:noMultiLvlLbl val="0"/>
       </c:catAx>
       <c:valAx>
-        <c:axId val="2097516056"/>
+        <c:axId val="2097616808"/>
         <c:scaling>
           <c:orientation val="minMax"/>
         </c:scaling>
@@ -1507,7 +1507,7 @@
         <c:majorTickMark val="out"/>
         <c:minorTickMark val="none"/>
         <c:tickLblPos val="nextTo"/>
-        <c:crossAx val="2098018936"/>
+        <c:crossAx val="2097613832"/>
         <c:crosses val="autoZero"/>
         <c:crossBetween val="between"/>
       </c:valAx>
@@ -1710,11 +1710,11 @@
           <c:showBubbleSize val="0"/>
         </c:dLbls>
         <c:gapWidth val="150"/>
-        <c:axId val="2102030744"/>
-        <c:axId val="2069722328"/>
+        <c:axId val="2097725704"/>
+        <c:axId val="2097728680"/>
       </c:barChart>
       <c:catAx>
-        <c:axId val="2102030744"/>
+        <c:axId val="2097725704"/>
         <c:scaling>
           <c:orientation val="minMax"/>
         </c:scaling>
@@ -1723,7 +1723,7 @@
         <c:majorTickMark val="out"/>
         <c:minorTickMark val="none"/>
         <c:tickLblPos val="nextTo"/>
-        <c:crossAx val="2069722328"/>
+        <c:crossAx val="2097728680"/>
         <c:crosses val="autoZero"/>
         <c:auto val="1"/>
         <c:lblAlgn val="ctr"/>
@@ -1731,7 +1731,7 @@
         <c:noMultiLvlLbl val="0"/>
       </c:catAx>
       <c:valAx>
-        <c:axId val="2069722328"/>
+        <c:axId val="2097728680"/>
         <c:scaling>
           <c:orientation val="minMax"/>
         </c:scaling>
@@ -1742,7 +1742,7 @@
         <c:majorTickMark val="out"/>
         <c:minorTickMark val="none"/>
         <c:tickLblPos val="nextTo"/>
-        <c:crossAx val="2102030744"/>
+        <c:crossAx val="2097725704"/>
         <c:crosses val="autoZero"/>
         <c:crossBetween val="between"/>
       </c:valAx>
@@ -1851,11 +1851,11 @@
           <c:showBubbleSize val="0"/>
         </c:dLbls>
         <c:gapWidth val="150"/>
-        <c:axId val="2102162184"/>
-        <c:axId val="2122783272"/>
+        <c:axId val="2097752504"/>
+        <c:axId val="2097755480"/>
       </c:barChart>
       <c:catAx>
-        <c:axId val="2102162184"/>
+        <c:axId val="2097752504"/>
         <c:scaling>
           <c:orientation val="minMax"/>
         </c:scaling>
@@ -1864,7 +1864,7 @@
         <c:majorTickMark val="out"/>
         <c:minorTickMark val="none"/>
         <c:tickLblPos val="nextTo"/>
-        <c:crossAx val="2122783272"/>
+        <c:crossAx val="2097755480"/>
         <c:crosses val="autoZero"/>
         <c:auto val="1"/>
         <c:lblAlgn val="ctr"/>
@@ -1872,7 +1872,7 @@
         <c:noMultiLvlLbl val="0"/>
       </c:catAx>
       <c:valAx>
-        <c:axId val="2122783272"/>
+        <c:axId val="2097755480"/>
         <c:scaling>
           <c:orientation val="minMax"/>
         </c:scaling>
@@ -1883,7 +1883,7 @@
         <c:majorTickMark val="out"/>
         <c:minorTickMark val="none"/>
         <c:tickLblPos val="nextTo"/>
-        <c:crossAx val="2102162184"/>
+        <c:crossAx val="2097752504"/>
         <c:crosses val="autoZero"/>
         <c:crossBetween val="between"/>
       </c:valAx>
@@ -2051,11 +2051,11 @@
           <c:showBubbleSize val="0"/>
         </c:dLbls>
         <c:gapWidth val="150"/>
-        <c:axId val="2101455576"/>
-        <c:axId val="2101486568"/>
+        <c:axId val="2092555736"/>
+        <c:axId val="2092558712"/>
       </c:barChart>
       <c:catAx>
-        <c:axId val="2101455576"/>
+        <c:axId val="2092555736"/>
         <c:scaling>
           <c:orientation val="minMax"/>
         </c:scaling>
@@ -2064,7 +2064,7 @@
         <c:majorTickMark val="out"/>
         <c:minorTickMark val="none"/>
         <c:tickLblPos val="nextTo"/>
-        <c:crossAx val="2101486568"/>
+        <c:crossAx val="2092558712"/>
         <c:crosses val="autoZero"/>
         <c:auto val="1"/>
         <c:lblAlgn val="ctr"/>
@@ -2072,7 +2072,7 @@
         <c:noMultiLvlLbl val="0"/>
       </c:catAx>
       <c:valAx>
-        <c:axId val="2101486568"/>
+        <c:axId val="2092558712"/>
         <c:scaling>
           <c:orientation val="minMax"/>
         </c:scaling>
@@ -2083,7 +2083,7 @@
         <c:majorTickMark val="out"/>
         <c:minorTickMark val="none"/>
         <c:tickLblPos val="nextTo"/>
-        <c:crossAx val="2101455576"/>
+        <c:crossAx val="2092555736"/>
         <c:crosses val="autoZero"/>
         <c:crossBetween val="between"/>
       </c:valAx>
@@ -2251,11 +2251,11 @@
           <c:showBubbleSize val="0"/>
         </c:dLbls>
         <c:gapWidth val="150"/>
-        <c:axId val="2123948184"/>
-        <c:axId val="2123527784"/>
+        <c:axId val="2092596904"/>
+        <c:axId val="2092599880"/>
       </c:barChart>
       <c:catAx>
-        <c:axId val="2123948184"/>
+        <c:axId val="2092596904"/>
         <c:scaling>
           <c:orientation val="minMax"/>
         </c:scaling>
@@ -2264,7 +2264,7 @@
         <c:majorTickMark val="out"/>
         <c:minorTickMark val="none"/>
         <c:tickLblPos val="nextTo"/>
-        <c:crossAx val="2123527784"/>
+        <c:crossAx val="2092599880"/>
         <c:crosses val="autoZero"/>
         <c:auto val="1"/>
         <c:lblAlgn val="ctr"/>
@@ -2272,7 +2272,7 @@
         <c:noMultiLvlLbl val="0"/>
       </c:catAx>
       <c:valAx>
-        <c:axId val="2123527784"/>
+        <c:axId val="2092599880"/>
         <c:scaling>
           <c:orientation val="minMax"/>
         </c:scaling>
@@ -2283,7 +2283,7 @@
         <c:majorTickMark val="out"/>
         <c:minorTickMark val="none"/>
         <c:tickLblPos val="nextTo"/>
-        <c:crossAx val="2123948184"/>
+        <c:crossAx val="2092596904"/>
         <c:crosses val="autoZero"/>
         <c:crossBetween val="between"/>
       </c:valAx>
@@ -8637,7 +8637,11 @@
             </a:r>
             <a:r>
               <a:rPr lang="en-US" dirty="0" err="1" smtClean="0"/>
-              <a:t>igraph</a:t>
+              <a:t>IG</a:t>
+            </a:r>
+            <a:r>
+              <a:rPr lang="en-US" dirty="0" err="1" smtClean="0"/>
+              <a:t>raph</a:t>
             </a:r>
             <a:endParaRPr lang="en-US" dirty="0" smtClean="0"/>
           </a:p>
@@ -11253,7 +11257,6 @@
               <a:rPr lang="en-US" dirty="0"/>
               <a:t>Implementing k-dense</a:t>
             </a:r>
-            <a:endParaRPr lang="en-US" dirty="0"/>
           </a:p>
         </p:txBody>
       </p:sp>

--- a/presentation/kcore-kdense.pptx
+++ b/presentation/kcore-kdense.pptx
@@ -16,9 +16,10 @@
     <p:sldId id="268" r:id="rId10"/>
     <p:sldId id="262" r:id="rId11"/>
     <p:sldId id="263" r:id="rId12"/>
-    <p:sldId id="264" r:id="rId13"/>
-    <p:sldId id="269" r:id="rId14"/>
-    <p:sldId id="265" r:id="rId15"/>
+    <p:sldId id="271" r:id="rId13"/>
+    <p:sldId id="270" r:id="rId14"/>
+    <p:sldId id="269" r:id="rId15"/>
+    <p:sldId id="265" r:id="rId16"/>
   </p:sldIdLst>
   <p:sldSz cx="9144000" cy="6858000" type="screen4x3"/>
   <p:notesSz cx="6858000" cy="9144000"/>
@@ -228,11 +229,11 @@
           <c:showBubbleSize val="0"/>
         </c:dLbls>
         <c:gapWidth val="150"/>
-        <c:axId val="2097453960"/>
-        <c:axId val="2097457064"/>
+        <c:axId val="2066305512"/>
+        <c:axId val="2066304472"/>
       </c:barChart>
       <c:catAx>
-        <c:axId val="2097453960"/>
+        <c:axId val="2066305512"/>
         <c:scaling>
           <c:orientation val="minMax"/>
         </c:scaling>
@@ -242,7 +243,7 @@
         <c:majorTickMark val="out"/>
         <c:minorTickMark val="none"/>
         <c:tickLblPos val="nextTo"/>
-        <c:crossAx val="2097457064"/>
+        <c:crossAx val="2066304472"/>
         <c:crosses val="autoZero"/>
         <c:auto val="1"/>
         <c:lblAlgn val="ctr"/>
@@ -250,7 +251,7 @@
         <c:noMultiLvlLbl val="0"/>
       </c:catAx>
       <c:valAx>
-        <c:axId val="2097457064"/>
+        <c:axId val="2066304472"/>
         <c:scaling>
           <c:orientation val="minMax"/>
         </c:scaling>
@@ -261,7 +262,7 @@
         <c:majorTickMark val="out"/>
         <c:minorTickMark val="none"/>
         <c:tickLblPos val="nextTo"/>
-        <c:crossAx val="2097453960"/>
+        <c:crossAx val="2066305512"/>
         <c:crosses val="autoZero"/>
         <c:crossBetween val="between"/>
       </c:valAx>
@@ -817,11 +818,11 @@
           <c:showBubbleSize val="0"/>
         </c:dLbls>
         <c:gapWidth val="150"/>
-        <c:axId val="2097574792"/>
-        <c:axId val="2097580536"/>
+        <c:axId val="2065217880"/>
+        <c:axId val="2065223624"/>
       </c:barChart>
       <c:catAx>
-        <c:axId val="2097574792"/>
+        <c:axId val="2065217880"/>
         <c:scaling>
           <c:orientation val="minMax"/>
         </c:scaling>
@@ -856,7 +857,7 @@
         <c:majorTickMark val="out"/>
         <c:minorTickMark val="none"/>
         <c:tickLblPos val="nextTo"/>
-        <c:crossAx val="2097580536"/>
+        <c:crossAx val="2065223624"/>
         <c:crosses val="autoZero"/>
         <c:auto val="1"/>
         <c:lblAlgn val="ctr"/>
@@ -864,7 +865,7 @@
         <c:noMultiLvlLbl val="0"/>
       </c:catAx>
       <c:valAx>
-        <c:axId val="2097580536"/>
+        <c:axId val="2065223624"/>
         <c:scaling>
           <c:orientation val="minMax"/>
         </c:scaling>
@@ -875,7 +876,7 @@
         <c:majorTickMark val="out"/>
         <c:minorTickMark val="none"/>
         <c:tickLblPos val="nextTo"/>
-        <c:crossAx val="2097574792"/>
+        <c:crossAx val="2065217880"/>
         <c:crosses val="autoZero"/>
         <c:crossBetween val="between"/>
       </c:valAx>
@@ -1474,11 +1475,11 @@
         </c:dLbls>
         <c:marker val="1"/>
         <c:smooth val="0"/>
-        <c:axId val="2097613832"/>
-        <c:axId val="2097616808"/>
+        <c:axId val="2065257208"/>
+        <c:axId val="2065260184"/>
       </c:lineChart>
       <c:catAx>
-        <c:axId val="2097613832"/>
+        <c:axId val="2065257208"/>
         <c:scaling>
           <c:orientation val="minMax"/>
         </c:scaling>
@@ -1487,7 +1488,7 @@
         <c:majorTickMark val="out"/>
         <c:minorTickMark val="none"/>
         <c:tickLblPos val="nextTo"/>
-        <c:crossAx val="2097616808"/>
+        <c:crossAx val="2065260184"/>
         <c:crosses val="autoZero"/>
         <c:auto val="1"/>
         <c:lblAlgn val="ctr"/>
@@ -1496,7 +1497,7 @@
         <c:noMultiLvlLbl val="0"/>
       </c:catAx>
       <c:valAx>
-        <c:axId val="2097616808"/>
+        <c:axId val="2065260184"/>
         <c:scaling>
           <c:orientation val="minMax"/>
         </c:scaling>
@@ -1507,7 +1508,7 @@
         <c:majorTickMark val="out"/>
         <c:minorTickMark val="none"/>
         <c:tickLblPos val="nextTo"/>
-        <c:crossAx val="2097613832"/>
+        <c:crossAx val="2065257208"/>
         <c:crosses val="autoZero"/>
         <c:crossBetween val="between"/>
       </c:valAx>
@@ -1576,6 +1577,7 @@
       <c:style val="18"/>
     </mc:Fallback>
   </mc:AlternateContent>
+  <c:clrMapOvr bg1="lt1" tx1="dk1" bg2="lt2" tx2="dk2" accent1="accent1" accent2="accent2" accent3="accent3" accent4="accent4" accent5="accent5" accent6="accent6" hlink="hlink" folHlink="folHlink"/>
   <c:chart>
     <c:title>
       <c:tx>
@@ -1710,11 +1712,11 @@
           <c:showBubbleSize val="0"/>
         </c:dLbls>
         <c:gapWidth val="150"/>
-        <c:axId val="2097725704"/>
-        <c:axId val="2097728680"/>
+        <c:axId val="2072571272"/>
+        <c:axId val="2072574248"/>
       </c:barChart>
       <c:catAx>
-        <c:axId val="2097725704"/>
+        <c:axId val="2072571272"/>
         <c:scaling>
           <c:orientation val="minMax"/>
         </c:scaling>
@@ -1723,7 +1725,7 @@
         <c:majorTickMark val="out"/>
         <c:minorTickMark val="none"/>
         <c:tickLblPos val="nextTo"/>
-        <c:crossAx val="2097728680"/>
+        <c:crossAx val="2072574248"/>
         <c:crosses val="autoZero"/>
         <c:auto val="1"/>
         <c:lblAlgn val="ctr"/>
@@ -1731,7 +1733,7 @@
         <c:noMultiLvlLbl val="0"/>
       </c:catAx>
       <c:valAx>
-        <c:axId val="2097728680"/>
+        <c:axId val="2072574248"/>
         <c:scaling>
           <c:orientation val="minMax"/>
         </c:scaling>
@@ -1742,7 +1744,7 @@
         <c:majorTickMark val="out"/>
         <c:minorTickMark val="none"/>
         <c:tickLblPos val="nextTo"/>
-        <c:crossAx val="2097725704"/>
+        <c:crossAx val="2072571272"/>
         <c:crosses val="autoZero"/>
         <c:crossBetween val="between"/>
       </c:valAx>
@@ -1756,7 +1758,7 @@
     <c:dispBlanksAs val="gap"/>
     <c:showDLblsOverMax val="0"/>
   </c:chart>
-  <c:externalData r:id="rId1">
+  <c:externalData r:id="rId2">
     <c:autoUpdate val="0"/>
   </c:externalData>
 </c:chartSpace>
@@ -1775,6 +1777,7 @@
       <c:style val="18"/>
     </mc:Fallback>
   </mc:AlternateContent>
+  <c:clrMapOvr bg1="lt1" tx1="dk1" bg2="lt2" tx2="dk2" accent1="accent1" accent2="accent2" accent3="accent3" accent4="accent4" accent5="accent5" accent6="accent6" hlink="hlink" folHlink="folHlink"/>
   <c:chart>
     <c:title>
       <c:tx>
@@ -1851,11 +1854,11 @@
           <c:showBubbleSize val="0"/>
         </c:dLbls>
         <c:gapWidth val="150"/>
-        <c:axId val="2097752504"/>
-        <c:axId val="2097755480"/>
+        <c:axId val="2072251544"/>
+        <c:axId val="2072254520"/>
       </c:barChart>
       <c:catAx>
-        <c:axId val="2097752504"/>
+        <c:axId val="2072251544"/>
         <c:scaling>
           <c:orientation val="minMax"/>
         </c:scaling>
@@ -1864,7 +1867,7 @@
         <c:majorTickMark val="out"/>
         <c:minorTickMark val="none"/>
         <c:tickLblPos val="nextTo"/>
-        <c:crossAx val="2097755480"/>
+        <c:crossAx val="2072254520"/>
         <c:crosses val="autoZero"/>
         <c:auto val="1"/>
         <c:lblAlgn val="ctr"/>
@@ -1872,7 +1875,7 @@
         <c:noMultiLvlLbl val="0"/>
       </c:catAx>
       <c:valAx>
-        <c:axId val="2097755480"/>
+        <c:axId val="2072254520"/>
         <c:scaling>
           <c:orientation val="minMax"/>
         </c:scaling>
@@ -1883,7 +1886,7 @@
         <c:majorTickMark val="out"/>
         <c:minorTickMark val="none"/>
         <c:tickLblPos val="nextTo"/>
-        <c:crossAx val="2097752504"/>
+        <c:crossAx val="2072251544"/>
         <c:crosses val="autoZero"/>
         <c:crossBetween val="between"/>
       </c:valAx>
@@ -1897,7 +1900,7 @@
     <c:dispBlanksAs val="gap"/>
     <c:showDLblsOverMax val="0"/>
   </c:chart>
-  <c:externalData r:id="rId1">
+  <c:externalData r:id="rId2">
     <c:autoUpdate val="0"/>
   </c:externalData>
 </c:chartSpace>
@@ -2051,11 +2054,11 @@
           <c:showBubbleSize val="0"/>
         </c:dLbls>
         <c:gapWidth val="150"/>
-        <c:axId val="2092555736"/>
-        <c:axId val="2092558712"/>
+        <c:axId val="2065425352"/>
+        <c:axId val="2065428328"/>
       </c:barChart>
       <c:catAx>
-        <c:axId val="2092555736"/>
+        <c:axId val="2065425352"/>
         <c:scaling>
           <c:orientation val="minMax"/>
         </c:scaling>
@@ -2064,7 +2067,7 @@
         <c:majorTickMark val="out"/>
         <c:minorTickMark val="none"/>
         <c:tickLblPos val="nextTo"/>
-        <c:crossAx val="2092558712"/>
+        <c:crossAx val="2065428328"/>
         <c:crosses val="autoZero"/>
         <c:auto val="1"/>
         <c:lblAlgn val="ctr"/>
@@ -2072,7 +2075,7 @@
         <c:noMultiLvlLbl val="0"/>
       </c:catAx>
       <c:valAx>
-        <c:axId val="2092558712"/>
+        <c:axId val="2065428328"/>
         <c:scaling>
           <c:orientation val="minMax"/>
         </c:scaling>
@@ -2083,7 +2086,7 @@
         <c:majorTickMark val="out"/>
         <c:minorTickMark val="none"/>
         <c:tickLblPos val="nextTo"/>
-        <c:crossAx val="2092555736"/>
+        <c:crossAx val="2065425352"/>
         <c:crosses val="autoZero"/>
         <c:crossBetween val="between"/>
       </c:valAx>
@@ -2251,11 +2254,11 @@
           <c:showBubbleSize val="0"/>
         </c:dLbls>
         <c:gapWidth val="150"/>
-        <c:axId val="2092596904"/>
-        <c:axId val="2092599880"/>
+        <c:axId val="2065466520"/>
+        <c:axId val="2065469496"/>
       </c:barChart>
       <c:catAx>
-        <c:axId val="2092596904"/>
+        <c:axId val="2065466520"/>
         <c:scaling>
           <c:orientation val="minMax"/>
         </c:scaling>
@@ -2264,7 +2267,7 @@
         <c:majorTickMark val="out"/>
         <c:minorTickMark val="none"/>
         <c:tickLblPos val="nextTo"/>
-        <c:crossAx val="2092599880"/>
+        <c:crossAx val="2065469496"/>
         <c:crosses val="autoZero"/>
         <c:auto val="1"/>
         <c:lblAlgn val="ctr"/>
@@ -2272,7 +2275,7 @@
         <c:noMultiLvlLbl val="0"/>
       </c:catAx>
       <c:valAx>
-        <c:axId val="2092599880"/>
+        <c:axId val="2065469496"/>
         <c:scaling>
           <c:orientation val="minMax"/>
         </c:scaling>
@@ -2283,7 +2286,7 @@
         <c:majorTickMark val="out"/>
         <c:minorTickMark val="none"/>
         <c:tickLblPos val="nextTo"/>
-        <c:crossAx val="2092596904"/>
+        <c:crossAx val="2065466520"/>
         <c:crosses val="autoZero"/>
         <c:crossBetween val="between"/>
       </c:valAx>
@@ -2594,7 +2597,7 @@
           <a:p>
             <a:fld id="{76A98DAD-5796-154F-9D08-20EF7FFE737C}" type="datetimeFigureOut">
               <a:rPr lang="en-US" smtClean="0"/>
-              <a:t>9/19/12</a:t>
+              <a:t>9/20/12</a:t>
             </a:fld>
             <a:endParaRPr lang="en-US"/>
           </a:p>
@@ -2787,7 +2790,7 @@
           <a:p>
             <a:fld id="{76A98DAD-5796-154F-9D08-20EF7FFE737C}" type="datetimeFigureOut">
               <a:rPr lang="en-US" smtClean="0"/>
-              <a:t>9/19/12</a:t>
+              <a:t>9/20/12</a:t>
             </a:fld>
             <a:endParaRPr lang="en-US"/>
           </a:p>
@@ -2972,7 +2975,7 @@
           <a:p>
             <a:fld id="{76A98DAD-5796-154F-9D08-20EF7FFE737C}" type="datetimeFigureOut">
               <a:rPr lang="en-US" smtClean="0"/>
-              <a:t>9/19/12</a:t>
+              <a:t>9/20/12</a:t>
             </a:fld>
             <a:endParaRPr lang="en-US"/>
           </a:p>
@@ -3235,7 +3238,7 @@
           <a:p>
             <a:fld id="{76A98DAD-5796-154F-9D08-20EF7FFE737C}" type="datetimeFigureOut">
               <a:rPr lang="en-US" smtClean="0"/>
-              <a:t>9/19/12</a:t>
+              <a:t>9/20/12</a:t>
             </a:fld>
             <a:endParaRPr lang="en-US"/>
           </a:p>
@@ -3651,7 +3654,7 @@
           <a:p>
             <a:fld id="{76A98DAD-5796-154F-9D08-20EF7FFE737C}" type="datetimeFigureOut">
               <a:rPr lang="en-US" smtClean="0"/>
-              <a:t>9/19/12</a:t>
+              <a:t>9/20/12</a:t>
             </a:fld>
             <a:endParaRPr lang="en-US"/>
           </a:p>
@@ -3893,7 +3896,7 @@
           <a:p>
             <a:fld id="{76A98DAD-5796-154F-9D08-20EF7FFE737C}" type="datetimeFigureOut">
               <a:rPr lang="en-US" smtClean="0"/>
-              <a:t>9/19/12</a:t>
+              <a:t>9/20/12</a:t>
             </a:fld>
             <a:endParaRPr lang="en-US"/>
           </a:p>
@@ -4129,7 +4132,7 @@
           <a:p>
             <a:fld id="{76A98DAD-5796-154F-9D08-20EF7FFE737C}" type="datetimeFigureOut">
               <a:rPr lang="en-US" smtClean="0"/>
-              <a:t>9/19/12</a:t>
+              <a:t>9/20/12</a:t>
             </a:fld>
             <a:endParaRPr lang="en-US"/>
           </a:p>
@@ -4324,7 +4327,7 @@
           <a:p>
             <a:fld id="{76A98DAD-5796-154F-9D08-20EF7FFE737C}" type="datetimeFigureOut">
               <a:rPr lang="en-US" smtClean="0"/>
-              <a:t>9/19/12</a:t>
+              <a:t>9/20/12</a:t>
             </a:fld>
             <a:endParaRPr lang="en-US"/>
           </a:p>
@@ -4422,7 +4425,7 @@
           <a:p>
             <a:fld id="{76A98DAD-5796-154F-9D08-20EF7FFE737C}" type="datetimeFigureOut">
               <a:rPr lang="en-US" smtClean="0"/>
-              <a:t>9/19/12</a:t>
+              <a:t>9/20/12</a:t>
             </a:fld>
             <a:endParaRPr lang="en-US"/>
           </a:p>
@@ -4558,7 +4561,7 @@
           <a:p>
             <a:fld id="{76A98DAD-5796-154F-9D08-20EF7FFE737C}" type="datetimeFigureOut">
               <a:rPr lang="en-US" smtClean="0"/>
-              <a:t>9/19/12</a:t>
+              <a:t>9/20/12</a:t>
             </a:fld>
             <a:endParaRPr lang="en-US"/>
           </a:p>
@@ -5077,7 +5080,7 @@
           <a:p>
             <a:fld id="{76A98DAD-5796-154F-9D08-20EF7FFE737C}" type="datetimeFigureOut">
               <a:rPr lang="en-US" smtClean="0"/>
-              <a:t>9/19/12</a:t>
+              <a:t>9/20/12</a:t>
             </a:fld>
             <a:endParaRPr lang="en-US"/>
           </a:p>
@@ -5338,7 +5341,7 @@
           <a:p>
             <a:fld id="{76A98DAD-5796-154F-9D08-20EF7FFE737C}" type="datetimeFigureOut">
               <a:rPr lang="en-US" smtClean="0"/>
-              <a:t>9/19/12</a:t>
+              <a:t>9/20/12</a:t>
             </a:fld>
             <a:endParaRPr lang="en-US"/>
           </a:p>
@@ -7425,6 +7428,178 @@
         </p:nvSpPr>
         <p:spPr/>
         <p:txBody>
+          <a:bodyPr/>
+          <a:lstStyle/>
+          <a:p>
+            <a:r>
+              <a:rPr lang="en-US" dirty="0"/>
+              <a:t>Maximal communities</a:t>
+            </a:r>
+          </a:p>
+        </p:txBody>
+      </p:sp>
+      <p:sp>
+        <p:nvSpPr>
+          <p:cNvPr id="5" name="Content Placeholder 4"/>
+          <p:cNvSpPr>
+            <a:spLocks noGrp="1"/>
+          </p:cNvSpPr>
+          <p:nvPr>
+            <p:ph sz="quarter" idx="2"/>
+          </p:nvPr>
+        </p:nvSpPr>
+        <p:spPr/>
+        <p:txBody>
+          <a:bodyPr/>
+          <a:lstStyle/>
+          <a:p>
+            <a:r>
+              <a:rPr lang="en-US" dirty="0" smtClean="0"/>
+              <a:t># nodes: 141</a:t>
+            </a:r>
+          </a:p>
+          <a:p>
+            <a:r>
+              <a:rPr lang="en-US" dirty="0" err="1" smtClean="0"/>
+              <a:t>Assortativity</a:t>
+            </a:r>
+            <a:r>
+              <a:rPr lang="en-US" dirty="0" smtClean="0"/>
+              <a:t>: -0.16</a:t>
+            </a:r>
+            <a:endParaRPr lang="en-US" dirty="0"/>
+          </a:p>
+        </p:txBody>
+      </p:sp>
+      <p:sp>
+        <p:nvSpPr>
+          <p:cNvPr id="7" name="Content Placeholder 6"/>
+          <p:cNvSpPr>
+            <a:spLocks noGrp="1"/>
+          </p:cNvSpPr>
+          <p:nvPr>
+            <p:ph sz="quarter" idx="4"/>
+          </p:nvPr>
+        </p:nvSpPr>
+        <p:spPr/>
+        <p:txBody>
+          <a:bodyPr/>
+          <a:lstStyle/>
+          <a:p>
+            <a:r>
+              <a:rPr lang="en-US" dirty="0" smtClean="0"/>
+              <a:t># nodes: 64</a:t>
+            </a:r>
+          </a:p>
+          <a:p>
+            <a:r>
+              <a:rPr lang="en-US" dirty="0" err="1" smtClean="0"/>
+              <a:t>Assortativity</a:t>
+            </a:r>
+            <a:r>
+              <a:rPr lang="en-US" dirty="0" smtClean="0"/>
+              <a:t>: -0.11</a:t>
+            </a:r>
+            <a:endParaRPr lang="en-US" dirty="0"/>
+          </a:p>
+        </p:txBody>
+      </p:sp>
+      <p:sp>
+        <p:nvSpPr>
+          <p:cNvPr id="4" name="Text Placeholder 3"/>
+          <p:cNvSpPr>
+            <a:spLocks noGrp="1"/>
+          </p:cNvSpPr>
+          <p:nvPr>
+            <p:ph type="body" sz="quarter" idx="1"/>
+          </p:nvPr>
+        </p:nvSpPr>
+        <p:spPr/>
+        <p:txBody>
+          <a:bodyPr/>
+          <a:lstStyle/>
+          <a:p>
+            <a:r>
+              <a:rPr lang="en-US" dirty="0"/>
+              <a:t>k</a:t>
+            </a:r>
+            <a:r>
+              <a:rPr lang="en-US" dirty="0" smtClean="0"/>
+              <a:t>-core</a:t>
+            </a:r>
+            <a:endParaRPr lang="en-US" dirty="0"/>
+          </a:p>
+        </p:txBody>
+      </p:sp>
+      <p:sp>
+        <p:nvSpPr>
+          <p:cNvPr id="6" name="Text Placeholder 5"/>
+          <p:cNvSpPr>
+            <a:spLocks noGrp="1"/>
+          </p:cNvSpPr>
+          <p:nvPr>
+            <p:ph type="body" sz="quarter" idx="3"/>
+          </p:nvPr>
+        </p:nvSpPr>
+        <p:spPr/>
+        <p:txBody>
+          <a:bodyPr/>
+          <a:lstStyle/>
+          <a:p>
+            <a:r>
+              <a:rPr lang="en-US" dirty="0"/>
+              <a:t>k</a:t>
+            </a:r>
+            <a:r>
+              <a:rPr lang="en-US" dirty="0" smtClean="0"/>
+              <a:t>-dense</a:t>
+            </a:r>
+            <a:endParaRPr lang="en-US" dirty="0"/>
+          </a:p>
+        </p:txBody>
+      </p:sp>
+    </p:spTree>
+    <p:extLst>
+      <p:ext uri="{BB962C8B-B14F-4D97-AF65-F5344CB8AC3E}">
+        <p14:creationId xmlns:p14="http://schemas.microsoft.com/office/powerpoint/2010/main" val="2671242723"/>
+      </p:ext>
+    </p:extLst>
+  </p:cSld>
+  <p:clrMapOvr>
+    <a:masterClrMapping/>
+  </p:clrMapOvr>
+</p:sld>
+</file>
+
+<file path=ppt/slides/slide13.xml><?xml version="1.0" encoding="utf-8"?>
+<p:sld xmlns:a="http://schemas.openxmlformats.org/drawingml/2006/main" xmlns:r="http://schemas.openxmlformats.org/officeDocument/2006/relationships" xmlns:p="http://schemas.openxmlformats.org/presentationml/2006/main">
+  <p:cSld>
+    <p:spTree>
+      <p:nvGrpSpPr>
+        <p:cNvPr id="1" name=""/>
+        <p:cNvGrpSpPr/>
+        <p:nvPr/>
+      </p:nvGrpSpPr>
+      <p:grpSpPr>
+        <a:xfrm>
+          <a:off x="0" y="0"/>
+          <a:ext cx="0" cy="0"/>
+          <a:chOff x="0" y="0"/>
+          <a:chExt cx="0" cy="0"/>
+        </a:xfrm>
+      </p:grpSpPr>
+      <p:sp>
+        <p:nvSpPr>
+          <p:cNvPr id="2" name="Title 1"/>
+          <p:cNvSpPr>
+            <a:spLocks noGrp="1"/>
+          </p:cNvSpPr>
+          <p:nvPr>
+            <p:ph type="title"/>
+          </p:nvPr>
+        </p:nvSpPr>
+        <p:spPr/>
+        <p:txBody>
           <a:bodyPr>
             <a:normAutofit/>
           </a:bodyPr>
@@ -7447,7 +7622,7 @@
           <p:nvPr>
             <p:extLst>
               <p:ext uri="{D42A27DB-BD31-4B8C-83A1-F6EECF244321}">
-                <p14:modId xmlns:p14="http://schemas.microsoft.com/office/powerpoint/2010/main" val="2070130079"/>
+                <p14:modId xmlns:p14="http://schemas.microsoft.com/office/powerpoint/2010/main" val="3721469956"/>
               </p:ext>
             </p:extLst>
           </p:nvPr>
@@ -7471,7 +7646,7 @@
           <p:nvPr>
             <p:extLst>
               <p:ext uri="{D42A27DB-BD31-4B8C-83A1-F6EECF244321}">
-                <p14:modId xmlns:p14="http://schemas.microsoft.com/office/powerpoint/2010/main" val="2534596325"/>
+                <p14:modId xmlns:p14="http://schemas.microsoft.com/office/powerpoint/2010/main" val="1918321156"/>
               </p:ext>
             </p:extLst>
           </p:nvPr>
@@ -7677,7 +7852,7 @@
     </p:spTree>
     <p:extLst>
       <p:ext uri="{BB962C8B-B14F-4D97-AF65-F5344CB8AC3E}">
-        <p14:creationId xmlns:p14="http://schemas.microsoft.com/office/powerpoint/2010/main" val="277593316"/>
+        <p14:creationId xmlns:p14="http://schemas.microsoft.com/office/powerpoint/2010/main" val="4261155439"/>
       </p:ext>
     </p:extLst>
   </p:cSld>
@@ -7808,7 +7983,7 @@
 </p:sld>
 </file>
 
-<file path=ppt/slides/slide13.xml><?xml version="1.0" encoding="utf-8"?>
+<file path=ppt/slides/slide14.xml><?xml version="1.0" encoding="utf-8"?>
 <p:sld xmlns:a="http://schemas.openxmlformats.org/drawingml/2006/main" xmlns:r="http://schemas.openxmlformats.org/officeDocument/2006/relationships" xmlns:p="http://schemas.openxmlformats.org/presentationml/2006/main">
   <p:cSld>
     <p:spTree>
@@ -8465,7 +8640,7 @@
 </p:sld>
 </file>
 
-<file path=ppt/slides/slide14.xml><?xml version="1.0" encoding="utf-8"?>
+<file path=ppt/slides/slide15.xml><?xml version="1.0" encoding="utf-8"?>
 <p:sld xmlns:a="http://schemas.openxmlformats.org/drawingml/2006/main" xmlns:r="http://schemas.openxmlformats.org/officeDocument/2006/relationships" xmlns:p="http://schemas.openxmlformats.org/presentationml/2006/main">
   <p:cSld>
     <p:spTree>
@@ -8637,11 +8812,7 @@
             </a:r>
             <a:r>
               <a:rPr lang="en-US" dirty="0" err="1" smtClean="0"/>
-              <a:t>IG</a:t>
-            </a:r>
-            <a:r>
-              <a:rPr lang="en-US" dirty="0" err="1" smtClean="0"/>
-              <a:t>raph</a:t>
+              <a:t>IGraph</a:t>
             </a:r>
             <a:endParaRPr lang="en-US" dirty="0" smtClean="0"/>
           </a:p>
@@ -11792,6 +11963,458 @@
 
 <file path=ppt/theme/themeOverride1.xml><?xml version="1.0" encoding="utf-8"?>
 <a:themeOverride xmlns:a="http://schemas.openxmlformats.org/drawingml/2006/main">
+  <a:clrScheme name="Apothecary">
+    <a:dk1>
+      <a:sysClr val="windowText" lastClr="000000"/>
+    </a:dk1>
+    <a:lt1>
+      <a:sysClr val="window" lastClr="FFFFFF"/>
+    </a:lt1>
+    <a:dk2>
+      <a:srgbClr val="564B3C"/>
+    </a:dk2>
+    <a:lt2>
+      <a:srgbClr val="ECEDD1"/>
+    </a:lt2>
+    <a:accent1>
+      <a:srgbClr val="93A299"/>
+    </a:accent1>
+    <a:accent2>
+      <a:srgbClr val="CF543F"/>
+    </a:accent2>
+    <a:accent3>
+      <a:srgbClr val="B5AE53"/>
+    </a:accent3>
+    <a:accent4>
+      <a:srgbClr val="848058"/>
+    </a:accent4>
+    <a:accent5>
+      <a:srgbClr val="E8B54D"/>
+    </a:accent5>
+    <a:accent6>
+      <a:srgbClr val="786C71"/>
+    </a:accent6>
+    <a:hlink>
+      <a:srgbClr val="CCCC00"/>
+    </a:hlink>
+    <a:folHlink>
+      <a:srgbClr val="B2B2B2"/>
+    </a:folHlink>
+  </a:clrScheme>
+  <a:fontScheme name="Adjacency">
+    <a:majorFont>
+      <a:latin typeface="Cambria"/>
+      <a:ea typeface=""/>
+      <a:cs typeface=""/>
+      <a:font script="Jpan" typeface="ＭＳ ゴシック"/>
+      <a:font script="Hang" typeface="맑은 고딕"/>
+      <a:font script="Hans" typeface="宋体"/>
+      <a:font script="Hant" typeface="新細明體"/>
+      <a:font script="Arab" typeface="Times New Roman"/>
+      <a:font script="Hebr" typeface="Times New Roman"/>
+      <a:font script="Thai" typeface="Angsana New"/>
+      <a:font script="Ethi" typeface="Nyala"/>
+      <a:font script="Beng" typeface="Vrinda"/>
+      <a:font script="Gujr" typeface="Shruti"/>
+      <a:font script="Khmr" typeface="MoolBoran"/>
+      <a:font script="Knda" typeface="Tunga"/>
+      <a:font script="Guru" typeface="Raavi"/>
+      <a:font script="Cans" typeface="Euphemia"/>
+      <a:font script="Cher" typeface="Plantagenet Cherokee"/>
+      <a:font script="Yiii" typeface="Microsoft Yi Baiti"/>
+      <a:font script="Tibt" typeface="Microsoft Himalaya"/>
+      <a:font script="Thaa" typeface="MV Boli"/>
+      <a:font script="Deva" typeface="Mangal"/>
+      <a:font script="Telu" typeface="Gautami"/>
+      <a:font script="Taml" typeface="Latha"/>
+      <a:font script="Syrc" typeface="Estrangelo Edessa"/>
+      <a:font script="Orya" typeface="Kalinga"/>
+      <a:font script="Mlym" typeface="Kartika"/>
+      <a:font script="Laoo" typeface="DokChampa"/>
+      <a:font script="Sinh" typeface="Iskoola Pota"/>
+      <a:font script="Mong" typeface="Mongolian Baiti"/>
+      <a:font script="Viet" typeface="Times New Roman"/>
+      <a:font script="Uigh" typeface="Microsoft Uighur"/>
+      <a:font script="Geor" typeface="Sylfaen"/>
+    </a:majorFont>
+    <a:minorFont>
+      <a:latin typeface="Calibri"/>
+      <a:ea typeface=""/>
+      <a:cs typeface=""/>
+      <a:font script="Jpan" typeface="ＭＳ 明朝"/>
+      <a:font script="Hang" typeface="맑은 고딕"/>
+      <a:font script="Hans" typeface="宋体"/>
+      <a:font script="Hant" typeface="新細明體"/>
+      <a:font script="Arab" typeface="Arial"/>
+      <a:font script="Hebr" typeface="Arial"/>
+      <a:font script="Thai" typeface="Cordia New"/>
+      <a:font script="Ethi" typeface="Nyala"/>
+      <a:font script="Beng" typeface="Vrinda"/>
+      <a:font script="Gujr" typeface="Shruti"/>
+      <a:font script="Khmr" typeface="DaunPenh"/>
+      <a:font script="Knda" typeface="Tunga"/>
+      <a:font script="Guru" typeface="Raavi"/>
+      <a:font script="Cans" typeface="Euphemia"/>
+      <a:font script="Cher" typeface="Plantagenet Cherokee"/>
+      <a:font script="Yiii" typeface="Microsoft Yi Baiti"/>
+      <a:font script="Tibt" typeface="Microsoft Himalaya"/>
+      <a:font script="Thaa" typeface="MV Boli"/>
+      <a:font script="Deva" typeface="Mangal"/>
+      <a:font script="Telu" typeface="Gautami"/>
+      <a:font script="Taml" typeface="Latha"/>
+      <a:font script="Syrc" typeface="Estrangelo Edessa"/>
+      <a:font script="Orya" typeface="Kalinga"/>
+      <a:font script="Mlym" typeface="Kartika"/>
+      <a:font script="Laoo" typeface="DokChampa"/>
+      <a:font script="Sinh" typeface="Iskoola Pota"/>
+      <a:font script="Mong" typeface="Mongolian Baiti"/>
+      <a:font script="Viet" typeface="Arial"/>
+      <a:font script="Uigh" typeface="Microsoft Uighur"/>
+      <a:font script="Geor" typeface="Sylfaen"/>
+    </a:minorFont>
+  </a:fontScheme>
+  <a:fmtScheme name="Median">
+    <a:fillStyleLst>
+      <a:solidFill>
+        <a:schemeClr val="phClr"/>
+      </a:solidFill>
+      <a:solidFill>
+        <a:schemeClr val="phClr">
+          <a:tint val="50000"/>
+        </a:schemeClr>
+      </a:solidFill>
+      <a:solidFill>
+        <a:schemeClr val="phClr"/>
+      </a:solidFill>
+    </a:fillStyleLst>
+    <a:lnStyleLst>
+      <a:ln w="10000" cap="flat" cmpd="sng" algn="ctr">
+        <a:solidFill>
+          <a:schemeClr val="phClr"/>
+        </a:solidFill>
+        <a:prstDash val="solid"/>
+      </a:ln>
+      <a:ln w="19050" cap="flat" cmpd="sng" algn="ctr">
+        <a:solidFill>
+          <a:schemeClr val="phClr"/>
+        </a:solidFill>
+        <a:prstDash val="solid"/>
+      </a:ln>
+      <a:ln w="47625" cap="flat" cmpd="dbl" algn="ctr">
+        <a:solidFill>
+          <a:schemeClr val="phClr"/>
+        </a:solidFill>
+        <a:prstDash val="solid"/>
+      </a:ln>
+    </a:lnStyleLst>
+    <a:effectStyleLst>
+      <a:effectStyle>
+        <a:effectLst>
+          <a:outerShdw blurRad="38100" dist="30000" dir="5400000" rotWithShape="0">
+            <a:srgbClr val="000000">
+              <a:alpha val="45000"/>
+            </a:srgbClr>
+          </a:outerShdw>
+        </a:effectLst>
+      </a:effectStyle>
+      <a:effectStyle>
+        <a:effectLst>
+          <a:outerShdw blurRad="38100" dist="30000" dir="5400000" rotWithShape="0">
+            <a:srgbClr val="000000">
+              <a:alpha val="45000"/>
+            </a:srgbClr>
+          </a:outerShdw>
+        </a:effectLst>
+      </a:effectStyle>
+      <a:effectStyle>
+        <a:effectLst>
+          <a:outerShdw blurRad="38100" dist="25400" dir="5400000" rotWithShape="0">
+            <a:srgbClr val="000000">
+              <a:alpha val="35000"/>
+            </a:srgbClr>
+          </a:outerShdw>
+        </a:effectLst>
+        <a:scene3d>
+          <a:camera prst="isometricTopDown" fov="0">
+            <a:rot lat="0" lon="0" rev="0"/>
+          </a:camera>
+          <a:lightRig rig="balanced" dir="t">
+            <a:rot lat="0" lon="0" rev="13800000"/>
+          </a:lightRig>
+        </a:scene3d>
+        <a:sp3d extrusionH="12700" prstMaterial="plastic">
+          <a:bevelT w="38100" h="25400" prst="softRound"/>
+          <a:contourClr>
+            <a:schemeClr val="phClr"/>
+          </a:contourClr>
+        </a:sp3d>
+      </a:effectStyle>
+    </a:effectStyleLst>
+    <a:bgFillStyleLst>
+      <a:solidFill>
+        <a:schemeClr val="phClr"/>
+      </a:solidFill>
+      <a:blipFill>
+        <a:blip xmlns:r="http://schemas.openxmlformats.org/officeDocument/2006/relationships" r:embed="rId1">
+          <a:duotone>
+            <a:schemeClr val="phClr">
+              <a:shade val="90000"/>
+              <a:satMod val="140000"/>
+            </a:schemeClr>
+            <a:schemeClr val="phClr">
+              <a:satMod val="120000"/>
+            </a:schemeClr>
+          </a:duotone>
+        </a:blip>
+        <a:tile tx="0" ty="0" sx="100000" sy="100000" flip="none" algn="tl"/>
+      </a:blipFill>
+      <a:blipFill>
+        <a:blip xmlns:r="http://schemas.openxmlformats.org/officeDocument/2006/relationships" r:embed="rId2">
+          <a:duotone>
+            <a:schemeClr val="phClr">
+              <a:shade val="90000"/>
+              <a:satMod val="140000"/>
+            </a:schemeClr>
+            <a:schemeClr val="phClr">
+              <a:satMod val="120000"/>
+            </a:schemeClr>
+          </a:duotone>
+        </a:blip>
+        <a:tile tx="0" ty="0" sx="100000" sy="100000" flip="none" algn="tl"/>
+      </a:blipFill>
+    </a:bgFillStyleLst>
+  </a:fmtScheme>
+</a:themeOverride>
+</file>
+
+<file path=ppt/theme/themeOverride2.xml><?xml version="1.0" encoding="utf-8"?>
+<a:themeOverride xmlns:a="http://schemas.openxmlformats.org/drawingml/2006/main">
+  <a:clrScheme name="Apothecary">
+    <a:dk1>
+      <a:sysClr val="windowText" lastClr="000000"/>
+    </a:dk1>
+    <a:lt1>
+      <a:sysClr val="window" lastClr="FFFFFF"/>
+    </a:lt1>
+    <a:dk2>
+      <a:srgbClr val="564B3C"/>
+    </a:dk2>
+    <a:lt2>
+      <a:srgbClr val="ECEDD1"/>
+    </a:lt2>
+    <a:accent1>
+      <a:srgbClr val="93A299"/>
+    </a:accent1>
+    <a:accent2>
+      <a:srgbClr val="CF543F"/>
+    </a:accent2>
+    <a:accent3>
+      <a:srgbClr val="B5AE53"/>
+    </a:accent3>
+    <a:accent4>
+      <a:srgbClr val="848058"/>
+    </a:accent4>
+    <a:accent5>
+      <a:srgbClr val="E8B54D"/>
+    </a:accent5>
+    <a:accent6>
+      <a:srgbClr val="786C71"/>
+    </a:accent6>
+    <a:hlink>
+      <a:srgbClr val="CCCC00"/>
+    </a:hlink>
+    <a:folHlink>
+      <a:srgbClr val="B2B2B2"/>
+    </a:folHlink>
+  </a:clrScheme>
+  <a:fontScheme name="Adjacency">
+    <a:majorFont>
+      <a:latin typeface="Cambria"/>
+      <a:ea typeface=""/>
+      <a:cs typeface=""/>
+      <a:font script="Jpan" typeface="ＭＳ ゴシック"/>
+      <a:font script="Hang" typeface="맑은 고딕"/>
+      <a:font script="Hans" typeface="宋体"/>
+      <a:font script="Hant" typeface="新細明體"/>
+      <a:font script="Arab" typeface="Times New Roman"/>
+      <a:font script="Hebr" typeface="Times New Roman"/>
+      <a:font script="Thai" typeface="Angsana New"/>
+      <a:font script="Ethi" typeface="Nyala"/>
+      <a:font script="Beng" typeface="Vrinda"/>
+      <a:font script="Gujr" typeface="Shruti"/>
+      <a:font script="Khmr" typeface="MoolBoran"/>
+      <a:font script="Knda" typeface="Tunga"/>
+      <a:font script="Guru" typeface="Raavi"/>
+      <a:font script="Cans" typeface="Euphemia"/>
+      <a:font script="Cher" typeface="Plantagenet Cherokee"/>
+      <a:font script="Yiii" typeface="Microsoft Yi Baiti"/>
+      <a:font script="Tibt" typeface="Microsoft Himalaya"/>
+      <a:font script="Thaa" typeface="MV Boli"/>
+      <a:font script="Deva" typeface="Mangal"/>
+      <a:font script="Telu" typeface="Gautami"/>
+      <a:font script="Taml" typeface="Latha"/>
+      <a:font script="Syrc" typeface="Estrangelo Edessa"/>
+      <a:font script="Orya" typeface="Kalinga"/>
+      <a:font script="Mlym" typeface="Kartika"/>
+      <a:font script="Laoo" typeface="DokChampa"/>
+      <a:font script="Sinh" typeface="Iskoola Pota"/>
+      <a:font script="Mong" typeface="Mongolian Baiti"/>
+      <a:font script="Viet" typeface="Times New Roman"/>
+      <a:font script="Uigh" typeface="Microsoft Uighur"/>
+      <a:font script="Geor" typeface="Sylfaen"/>
+    </a:majorFont>
+    <a:minorFont>
+      <a:latin typeface="Calibri"/>
+      <a:ea typeface=""/>
+      <a:cs typeface=""/>
+      <a:font script="Jpan" typeface="ＭＳ 明朝"/>
+      <a:font script="Hang" typeface="맑은 고딕"/>
+      <a:font script="Hans" typeface="宋体"/>
+      <a:font script="Hant" typeface="新細明體"/>
+      <a:font script="Arab" typeface="Arial"/>
+      <a:font script="Hebr" typeface="Arial"/>
+      <a:font script="Thai" typeface="Cordia New"/>
+      <a:font script="Ethi" typeface="Nyala"/>
+      <a:font script="Beng" typeface="Vrinda"/>
+      <a:font script="Gujr" typeface="Shruti"/>
+      <a:font script="Khmr" typeface="DaunPenh"/>
+      <a:font script="Knda" typeface="Tunga"/>
+      <a:font script="Guru" typeface="Raavi"/>
+      <a:font script="Cans" typeface="Euphemia"/>
+      <a:font script="Cher" typeface="Plantagenet Cherokee"/>
+      <a:font script="Yiii" typeface="Microsoft Yi Baiti"/>
+      <a:font script="Tibt" typeface="Microsoft Himalaya"/>
+      <a:font script="Thaa" typeface="MV Boli"/>
+      <a:font script="Deva" typeface="Mangal"/>
+      <a:font script="Telu" typeface="Gautami"/>
+      <a:font script="Taml" typeface="Latha"/>
+      <a:font script="Syrc" typeface="Estrangelo Edessa"/>
+      <a:font script="Orya" typeface="Kalinga"/>
+      <a:font script="Mlym" typeface="Kartika"/>
+      <a:font script="Laoo" typeface="DokChampa"/>
+      <a:font script="Sinh" typeface="Iskoola Pota"/>
+      <a:font script="Mong" typeface="Mongolian Baiti"/>
+      <a:font script="Viet" typeface="Arial"/>
+      <a:font script="Uigh" typeface="Microsoft Uighur"/>
+      <a:font script="Geor" typeface="Sylfaen"/>
+    </a:minorFont>
+  </a:fontScheme>
+  <a:fmtScheme name="Median">
+    <a:fillStyleLst>
+      <a:solidFill>
+        <a:schemeClr val="phClr"/>
+      </a:solidFill>
+      <a:solidFill>
+        <a:schemeClr val="phClr">
+          <a:tint val="50000"/>
+        </a:schemeClr>
+      </a:solidFill>
+      <a:solidFill>
+        <a:schemeClr val="phClr"/>
+      </a:solidFill>
+    </a:fillStyleLst>
+    <a:lnStyleLst>
+      <a:ln w="10000" cap="flat" cmpd="sng" algn="ctr">
+        <a:solidFill>
+          <a:schemeClr val="phClr"/>
+        </a:solidFill>
+        <a:prstDash val="solid"/>
+      </a:ln>
+      <a:ln w="19050" cap="flat" cmpd="sng" algn="ctr">
+        <a:solidFill>
+          <a:schemeClr val="phClr"/>
+        </a:solidFill>
+        <a:prstDash val="solid"/>
+      </a:ln>
+      <a:ln w="47625" cap="flat" cmpd="dbl" algn="ctr">
+        <a:solidFill>
+          <a:schemeClr val="phClr"/>
+        </a:solidFill>
+        <a:prstDash val="solid"/>
+      </a:ln>
+    </a:lnStyleLst>
+    <a:effectStyleLst>
+      <a:effectStyle>
+        <a:effectLst>
+          <a:outerShdw blurRad="38100" dist="30000" dir="5400000" rotWithShape="0">
+            <a:srgbClr val="000000">
+              <a:alpha val="45000"/>
+            </a:srgbClr>
+          </a:outerShdw>
+        </a:effectLst>
+      </a:effectStyle>
+      <a:effectStyle>
+        <a:effectLst>
+          <a:outerShdw blurRad="38100" dist="30000" dir="5400000" rotWithShape="0">
+            <a:srgbClr val="000000">
+              <a:alpha val="45000"/>
+            </a:srgbClr>
+          </a:outerShdw>
+        </a:effectLst>
+      </a:effectStyle>
+      <a:effectStyle>
+        <a:effectLst>
+          <a:outerShdw blurRad="38100" dist="25400" dir="5400000" rotWithShape="0">
+            <a:srgbClr val="000000">
+              <a:alpha val="35000"/>
+            </a:srgbClr>
+          </a:outerShdw>
+        </a:effectLst>
+        <a:scene3d>
+          <a:camera prst="isometricTopDown" fov="0">
+            <a:rot lat="0" lon="0" rev="0"/>
+          </a:camera>
+          <a:lightRig rig="balanced" dir="t">
+            <a:rot lat="0" lon="0" rev="13800000"/>
+          </a:lightRig>
+        </a:scene3d>
+        <a:sp3d extrusionH="12700" prstMaterial="plastic">
+          <a:bevelT w="38100" h="25400" prst="softRound"/>
+          <a:contourClr>
+            <a:schemeClr val="phClr"/>
+          </a:contourClr>
+        </a:sp3d>
+      </a:effectStyle>
+    </a:effectStyleLst>
+    <a:bgFillStyleLst>
+      <a:solidFill>
+        <a:schemeClr val="phClr"/>
+      </a:solidFill>
+      <a:blipFill>
+        <a:blip xmlns:r="http://schemas.openxmlformats.org/officeDocument/2006/relationships" r:embed="rId1">
+          <a:duotone>
+            <a:schemeClr val="phClr">
+              <a:shade val="90000"/>
+              <a:satMod val="140000"/>
+            </a:schemeClr>
+            <a:schemeClr val="phClr">
+              <a:satMod val="120000"/>
+            </a:schemeClr>
+          </a:duotone>
+        </a:blip>
+        <a:tile tx="0" ty="0" sx="100000" sy="100000" flip="none" algn="tl"/>
+      </a:blipFill>
+      <a:blipFill>
+        <a:blip xmlns:r="http://schemas.openxmlformats.org/officeDocument/2006/relationships" r:embed="rId2">
+          <a:duotone>
+            <a:schemeClr val="phClr">
+              <a:shade val="90000"/>
+              <a:satMod val="140000"/>
+            </a:schemeClr>
+            <a:schemeClr val="phClr">
+              <a:satMod val="120000"/>
+            </a:schemeClr>
+          </a:duotone>
+        </a:blip>
+        <a:tile tx="0" ty="0" sx="100000" sy="100000" flip="none" algn="tl"/>
+      </a:blipFill>
+    </a:bgFillStyleLst>
+  </a:fmtScheme>
+</a:themeOverride>
+</file>
+
+<file path=ppt/theme/themeOverride3.xml><?xml version="1.0" encoding="utf-8"?>
+<a:themeOverride xmlns:a="http://schemas.openxmlformats.org/drawingml/2006/main">
   <a:clrScheme name="Office">
     <a:dk1>
       <a:sysClr val="windowText" lastClr="000000"/>
@@ -12067,7 +12690,7 @@
 </a:themeOverride>
 </file>
 
-<file path=ppt/theme/themeOverride2.xml><?xml version="1.0" encoding="utf-8"?>
+<file path=ppt/theme/themeOverride4.xml><?xml version="1.0" encoding="utf-8"?>
 <a:themeOverride xmlns:a="http://schemas.openxmlformats.org/drawingml/2006/main">
   <a:clrScheme name="Office">
     <a:dk1>

--- a/presentation/kcore-kdense.pptx
+++ b/presentation/kcore-kdense.pptx
@@ -229,11 +229,11 @@
           <c:showBubbleSize val="0"/>
         </c:dLbls>
         <c:gapWidth val="150"/>
-        <c:axId val="2066305512"/>
-        <c:axId val="2066304472"/>
+        <c:axId val="2048111992"/>
+        <c:axId val="2048108968"/>
       </c:barChart>
       <c:catAx>
-        <c:axId val="2066305512"/>
+        <c:axId val="2048111992"/>
         <c:scaling>
           <c:orientation val="minMax"/>
         </c:scaling>
@@ -243,7 +243,7 @@
         <c:majorTickMark val="out"/>
         <c:minorTickMark val="none"/>
         <c:tickLblPos val="nextTo"/>
-        <c:crossAx val="2066304472"/>
+        <c:crossAx val="2048108968"/>
         <c:crosses val="autoZero"/>
         <c:auto val="1"/>
         <c:lblAlgn val="ctr"/>
@@ -251,7 +251,7 @@
         <c:noMultiLvlLbl val="0"/>
       </c:catAx>
       <c:valAx>
-        <c:axId val="2066304472"/>
+        <c:axId val="2048108968"/>
         <c:scaling>
           <c:orientation val="minMax"/>
         </c:scaling>
@@ -262,7 +262,7 @@
         <c:majorTickMark val="out"/>
         <c:minorTickMark val="none"/>
         <c:tickLblPos val="nextTo"/>
-        <c:crossAx val="2066305512"/>
+        <c:crossAx val="2048111992"/>
         <c:crosses val="autoZero"/>
         <c:crossBetween val="between"/>
       </c:valAx>
@@ -818,11 +818,11 @@
           <c:showBubbleSize val="0"/>
         </c:dLbls>
         <c:gapWidth val="150"/>
-        <c:axId val="2065217880"/>
-        <c:axId val="2065223624"/>
+        <c:axId val="2048010232"/>
+        <c:axId val="2048004472"/>
       </c:barChart>
       <c:catAx>
-        <c:axId val="2065217880"/>
+        <c:axId val="2048010232"/>
         <c:scaling>
           <c:orientation val="minMax"/>
         </c:scaling>
@@ -857,7 +857,7 @@
         <c:majorTickMark val="out"/>
         <c:minorTickMark val="none"/>
         <c:tickLblPos val="nextTo"/>
-        <c:crossAx val="2065223624"/>
+        <c:crossAx val="2048004472"/>
         <c:crosses val="autoZero"/>
         <c:auto val="1"/>
         <c:lblAlgn val="ctr"/>
@@ -865,7 +865,7 @@
         <c:noMultiLvlLbl val="0"/>
       </c:catAx>
       <c:valAx>
-        <c:axId val="2065223624"/>
+        <c:axId val="2048004472"/>
         <c:scaling>
           <c:orientation val="minMax"/>
         </c:scaling>
@@ -876,7 +876,7 @@
         <c:majorTickMark val="out"/>
         <c:minorTickMark val="none"/>
         <c:tickLblPos val="nextTo"/>
-        <c:crossAx val="2065217880"/>
+        <c:crossAx val="2048010232"/>
         <c:crosses val="autoZero"/>
         <c:crossBetween val="between"/>
       </c:valAx>
@@ -1475,11 +1475,11 @@
         </c:dLbls>
         <c:marker val="1"/>
         <c:smooth val="0"/>
-        <c:axId val="2065257208"/>
-        <c:axId val="2065260184"/>
+        <c:axId val="2047970904"/>
+        <c:axId val="2047967912"/>
       </c:lineChart>
       <c:catAx>
-        <c:axId val="2065257208"/>
+        <c:axId val="2047970904"/>
         <c:scaling>
           <c:orientation val="minMax"/>
         </c:scaling>
@@ -1488,7 +1488,7 @@
         <c:majorTickMark val="out"/>
         <c:minorTickMark val="none"/>
         <c:tickLblPos val="nextTo"/>
-        <c:crossAx val="2065260184"/>
+        <c:crossAx val="2047967912"/>
         <c:crosses val="autoZero"/>
         <c:auto val="1"/>
         <c:lblAlgn val="ctr"/>
@@ -1497,7 +1497,7 @@
         <c:noMultiLvlLbl val="0"/>
       </c:catAx>
       <c:valAx>
-        <c:axId val="2065260184"/>
+        <c:axId val="2047967912"/>
         <c:scaling>
           <c:orientation val="minMax"/>
         </c:scaling>
@@ -1508,7 +1508,7 @@
         <c:majorTickMark val="out"/>
         <c:minorTickMark val="none"/>
         <c:tickLblPos val="nextTo"/>
-        <c:crossAx val="2065257208"/>
+        <c:crossAx val="2047970904"/>
         <c:crosses val="autoZero"/>
         <c:crossBetween val="between"/>
       </c:valAx>
@@ -1712,11 +1712,11 @@
           <c:showBubbleSize val="0"/>
         </c:dLbls>
         <c:gapWidth val="150"/>
-        <c:axId val="2072571272"/>
-        <c:axId val="2072574248"/>
+        <c:axId val="2047533256"/>
+        <c:axId val="2047536232"/>
       </c:barChart>
       <c:catAx>
-        <c:axId val="2072571272"/>
+        <c:axId val="2047533256"/>
         <c:scaling>
           <c:orientation val="minMax"/>
         </c:scaling>
@@ -1725,7 +1725,7 @@
         <c:majorTickMark val="out"/>
         <c:minorTickMark val="none"/>
         <c:tickLblPos val="nextTo"/>
-        <c:crossAx val="2072574248"/>
+        <c:crossAx val="2047536232"/>
         <c:crosses val="autoZero"/>
         <c:auto val="1"/>
         <c:lblAlgn val="ctr"/>
@@ -1733,7 +1733,7 @@
         <c:noMultiLvlLbl val="0"/>
       </c:catAx>
       <c:valAx>
-        <c:axId val="2072574248"/>
+        <c:axId val="2047536232"/>
         <c:scaling>
           <c:orientation val="minMax"/>
         </c:scaling>
@@ -1744,7 +1744,7 @@
         <c:majorTickMark val="out"/>
         <c:minorTickMark val="none"/>
         <c:tickLblPos val="nextTo"/>
-        <c:crossAx val="2072571272"/>
+        <c:crossAx val="2047533256"/>
         <c:crosses val="autoZero"/>
         <c:crossBetween val="between"/>
       </c:valAx>
@@ -1854,11 +1854,11 @@
           <c:showBubbleSize val="0"/>
         </c:dLbls>
         <c:gapWidth val="150"/>
-        <c:axId val="2072251544"/>
-        <c:axId val="2072254520"/>
+        <c:axId val="2047569416"/>
+        <c:axId val="2047572392"/>
       </c:barChart>
       <c:catAx>
-        <c:axId val="2072251544"/>
+        <c:axId val="2047569416"/>
         <c:scaling>
           <c:orientation val="minMax"/>
         </c:scaling>
@@ -1867,7 +1867,7 @@
         <c:majorTickMark val="out"/>
         <c:minorTickMark val="none"/>
         <c:tickLblPos val="nextTo"/>
-        <c:crossAx val="2072254520"/>
+        <c:crossAx val="2047572392"/>
         <c:crosses val="autoZero"/>
         <c:auto val="1"/>
         <c:lblAlgn val="ctr"/>
@@ -1875,7 +1875,7 @@
         <c:noMultiLvlLbl val="0"/>
       </c:catAx>
       <c:valAx>
-        <c:axId val="2072254520"/>
+        <c:axId val="2047572392"/>
         <c:scaling>
           <c:orientation val="minMax"/>
         </c:scaling>
@@ -1886,7 +1886,7 @@
         <c:majorTickMark val="out"/>
         <c:minorTickMark val="none"/>
         <c:tickLblPos val="nextTo"/>
-        <c:crossAx val="2072251544"/>
+        <c:crossAx val="2047569416"/>
         <c:crosses val="autoZero"/>
         <c:crossBetween val="between"/>
       </c:valAx>
@@ -2054,11 +2054,11 @@
           <c:showBubbleSize val="0"/>
         </c:dLbls>
         <c:gapWidth val="150"/>
-        <c:axId val="2065425352"/>
-        <c:axId val="2065428328"/>
+        <c:axId val="2047637240"/>
+        <c:axId val="2047640216"/>
       </c:barChart>
       <c:catAx>
-        <c:axId val="2065425352"/>
+        <c:axId val="2047637240"/>
         <c:scaling>
           <c:orientation val="minMax"/>
         </c:scaling>
@@ -2067,7 +2067,7 @@
         <c:majorTickMark val="out"/>
         <c:minorTickMark val="none"/>
         <c:tickLblPos val="nextTo"/>
-        <c:crossAx val="2065428328"/>
+        <c:crossAx val="2047640216"/>
         <c:crosses val="autoZero"/>
         <c:auto val="1"/>
         <c:lblAlgn val="ctr"/>
@@ -2075,7 +2075,7 @@
         <c:noMultiLvlLbl val="0"/>
       </c:catAx>
       <c:valAx>
-        <c:axId val="2065428328"/>
+        <c:axId val="2047640216"/>
         <c:scaling>
           <c:orientation val="minMax"/>
         </c:scaling>
@@ -2086,7 +2086,7 @@
         <c:majorTickMark val="out"/>
         <c:minorTickMark val="none"/>
         <c:tickLblPos val="nextTo"/>
-        <c:crossAx val="2065425352"/>
+        <c:crossAx val="2047637240"/>
         <c:crosses val="autoZero"/>
         <c:crossBetween val="between"/>
       </c:valAx>
@@ -2254,11 +2254,11 @@
           <c:showBubbleSize val="0"/>
         </c:dLbls>
         <c:gapWidth val="150"/>
-        <c:axId val="2065466520"/>
-        <c:axId val="2065469496"/>
+        <c:axId val="2047678408"/>
+        <c:axId val="2047681384"/>
       </c:barChart>
       <c:catAx>
-        <c:axId val="2065466520"/>
+        <c:axId val="2047678408"/>
         <c:scaling>
           <c:orientation val="minMax"/>
         </c:scaling>
@@ -2267,7 +2267,7 @@
         <c:majorTickMark val="out"/>
         <c:minorTickMark val="none"/>
         <c:tickLblPos val="nextTo"/>
-        <c:crossAx val="2065469496"/>
+        <c:crossAx val="2047681384"/>
         <c:crosses val="autoZero"/>
         <c:auto val="1"/>
         <c:lblAlgn val="ctr"/>
@@ -2275,7 +2275,7 @@
         <c:noMultiLvlLbl val="0"/>
       </c:catAx>
       <c:valAx>
-        <c:axId val="2065469496"/>
+        <c:axId val="2047681384"/>
         <c:scaling>
           <c:orientation val="minMax"/>
         </c:scaling>
@@ -2286,7 +2286,7 @@
         <c:majorTickMark val="out"/>
         <c:minorTickMark val="none"/>
         <c:tickLblPos val="nextTo"/>
-        <c:crossAx val="2065466520"/>
+        <c:crossAx val="2047678408"/>
         <c:crosses val="autoZero"/>
         <c:crossBetween val="between"/>
       </c:valAx>
@@ -7455,7 +7455,29 @@
           <a:p>
             <a:r>
               <a:rPr lang="en-US" dirty="0" smtClean="0"/>
-              <a:t># nodes: 141</a:t>
+              <a:t>Largest community:</a:t>
+            </a:r>
+          </a:p>
+          <a:p>
+            <a:pPr lvl="1"/>
+            <a:r>
+              <a:rPr lang="en-US" dirty="0" smtClean="0"/>
+              <a:t>k</a:t>
+            </a:r>
+            <a:r>
+              <a:rPr lang="en-US" dirty="0" smtClean="0"/>
+              <a:t>: 76</a:t>
+            </a:r>
+          </a:p>
+          <a:p>
+            <a:pPr lvl="1"/>
+            <a:r>
+              <a:rPr lang="en-US" dirty="0" smtClean="0"/>
+              <a:t># nodes</a:t>
+            </a:r>
+            <a:r>
+              <a:rPr lang="en-US" dirty="0" smtClean="0"/>
+              <a:t>: 141</a:t>
             </a:r>
           </a:p>
           <a:p>
@@ -7488,7 +7510,29 @@
           <a:p>
             <a:r>
               <a:rPr lang="en-US" dirty="0" smtClean="0"/>
-              <a:t># nodes: 64</a:t>
+              <a:t>Largest community:</a:t>
+            </a:r>
+          </a:p>
+          <a:p>
+            <a:pPr lvl="1"/>
+            <a:r>
+              <a:rPr lang="en-US" dirty="0" smtClean="0"/>
+              <a:t>k</a:t>
+            </a:r>
+            <a:r>
+              <a:rPr lang="en-US" dirty="0" smtClean="0"/>
+              <a:t>: 50</a:t>
+            </a:r>
+          </a:p>
+          <a:p>
+            <a:pPr lvl="1"/>
+            <a:r>
+              <a:rPr lang="en-US" dirty="0" smtClean="0"/>
+              <a:t># nodes</a:t>
+            </a:r>
+            <a:r>
+              <a:rPr lang="en-US" dirty="0" smtClean="0"/>
+              <a:t>: 64</a:t>
             </a:r>
           </a:p>
           <a:p>

--- a/presentation/kcore-kdense.pptx
+++ b/presentation/kcore-kdense.pptx
@@ -229,11 +229,11 @@
           <c:showBubbleSize val="0"/>
         </c:dLbls>
         <c:gapWidth val="150"/>
-        <c:axId val="2048111992"/>
-        <c:axId val="2048108968"/>
+        <c:axId val="2051282696"/>
+        <c:axId val="2051310456"/>
       </c:barChart>
       <c:catAx>
-        <c:axId val="2048111992"/>
+        <c:axId val="2051282696"/>
         <c:scaling>
           <c:orientation val="minMax"/>
         </c:scaling>
@@ -243,7 +243,7 @@
         <c:majorTickMark val="out"/>
         <c:minorTickMark val="none"/>
         <c:tickLblPos val="nextTo"/>
-        <c:crossAx val="2048108968"/>
+        <c:crossAx val="2051310456"/>
         <c:crosses val="autoZero"/>
         <c:auto val="1"/>
         <c:lblAlgn val="ctr"/>
@@ -251,7 +251,7 @@
         <c:noMultiLvlLbl val="0"/>
       </c:catAx>
       <c:valAx>
-        <c:axId val="2048108968"/>
+        <c:axId val="2051310456"/>
         <c:scaling>
           <c:orientation val="minMax"/>
         </c:scaling>
@@ -262,7 +262,7 @@
         <c:majorTickMark val="out"/>
         <c:minorTickMark val="none"/>
         <c:tickLblPos val="nextTo"/>
-        <c:crossAx val="2048111992"/>
+        <c:crossAx val="2051282696"/>
         <c:crosses val="autoZero"/>
         <c:crossBetween val="between"/>
       </c:valAx>
@@ -818,11 +818,11 @@
           <c:showBubbleSize val="0"/>
         </c:dLbls>
         <c:gapWidth val="150"/>
-        <c:axId val="2048010232"/>
-        <c:axId val="2048004472"/>
+        <c:axId val="2047968136"/>
+        <c:axId val="2047973880"/>
       </c:barChart>
       <c:catAx>
-        <c:axId val="2048010232"/>
+        <c:axId val="2047968136"/>
         <c:scaling>
           <c:orientation val="minMax"/>
         </c:scaling>
@@ -857,7 +857,7 @@
         <c:majorTickMark val="out"/>
         <c:minorTickMark val="none"/>
         <c:tickLblPos val="nextTo"/>
-        <c:crossAx val="2048004472"/>
+        <c:crossAx val="2047973880"/>
         <c:crosses val="autoZero"/>
         <c:auto val="1"/>
         <c:lblAlgn val="ctr"/>
@@ -865,7 +865,7 @@
         <c:noMultiLvlLbl val="0"/>
       </c:catAx>
       <c:valAx>
-        <c:axId val="2048004472"/>
+        <c:axId val="2047973880"/>
         <c:scaling>
           <c:orientation val="minMax"/>
         </c:scaling>
@@ -876,7 +876,7 @@
         <c:majorTickMark val="out"/>
         <c:minorTickMark val="none"/>
         <c:tickLblPos val="nextTo"/>
-        <c:crossAx val="2048010232"/>
+        <c:crossAx val="2047968136"/>
         <c:crosses val="autoZero"/>
         <c:crossBetween val="between"/>
       </c:valAx>
@@ -1475,11 +1475,11 @@
         </c:dLbls>
         <c:marker val="1"/>
         <c:smooth val="0"/>
-        <c:axId val="2047970904"/>
-        <c:axId val="2047967912"/>
+        <c:axId val="2057463704"/>
+        <c:axId val="2057466680"/>
       </c:lineChart>
       <c:catAx>
-        <c:axId val="2047970904"/>
+        <c:axId val="2057463704"/>
         <c:scaling>
           <c:orientation val="minMax"/>
         </c:scaling>
@@ -1488,7 +1488,7 @@
         <c:majorTickMark val="out"/>
         <c:minorTickMark val="none"/>
         <c:tickLblPos val="nextTo"/>
-        <c:crossAx val="2047967912"/>
+        <c:crossAx val="2057466680"/>
         <c:crosses val="autoZero"/>
         <c:auto val="1"/>
         <c:lblAlgn val="ctr"/>
@@ -1497,7 +1497,7 @@
         <c:noMultiLvlLbl val="0"/>
       </c:catAx>
       <c:valAx>
-        <c:axId val="2047967912"/>
+        <c:axId val="2057466680"/>
         <c:scaling>
           <c:orientation val="minMax"/>
         </c:scaling>
@@ -1508,7 +1508,7 @@
         <c:majorTickMark val="out"/>
         <c:minorTickMark val="none"/>
         <c:tickLblPos val="nextTo"/>
-        <c:crossAx val="2047970904"/>
+        <c:crossAx val="2057463704"/>
         <c:crosses val="autoZero"/>
         <c:crossBetween val="between"/>
       </c:valAx>
@@ -1712,11 +1712,11 @@
           <c:showBubbleSize val="0"/>
         </c:dLbls>
         <c:gapWidth val="150"/>
-        <c:axId val="2047533256"/>
-        <c:axId val="2047536232"/>
+        <c:axId val="2057843736"/>
+        <c:axId val="2057825016"/>
       </c:barChart>
       <c:catAx>
-        <c:axId val="2047533256"/>
+        <c:axId val="2057843736"/>
         <c:scaling>
           <c:orientation val="minMax"/>
         </c:scaling>
@@ -1725,7 +1725,7 @@
         <c:majorTickMark val="out"/>
         <c:minorTickMark val="none"/>
         <c:tickLblPos val="nextTo"/>
-        <c:crossAx val="2047536232"/>
+        <c:crossAx val="2057825016"/>
         <c:crosses val="autoZero"/>
         <c:auto val="1"/>
         <c:lblAlgn val="ctr"/>
@@ -1733,7 +1733,7 @@
         <c:noMultiLvlLbl val="0"/>
       </c:catAx>
       <c:valAx>
-        <c:axId val="2047536232"/>
+        <c:axId val="2057825016"/>
         <c:scaling>
           <c:orientation val="minMax"/>
         </c:scaling>
@@ -1744,7 +1744,7 @@
         <c:majorTickMark val="out"/>
         <c:minorTickMark val="none"/>
         <c:tickLblPos val="nextTo"/>
-        <c:crossAx val="2047533256"/>
+        <c:crossAx val="2057843736"/>
         <c:crosses val="autoZero"/>
         <c:crossBetween val="between"/>
       </c:valAx>
@@ -1854,11 +1854,11 @@
           <c:showBubbleSize val="0"/>
         </c:dLbls>
         <c:gapWidth val="150"/>
-        <c:axId val="2047569416"/>
-        <c:axId val="2047572392"/>
+        <c:axId val="2047939960"/>
+        <c:axId val="2047942936"/>
       </c:barChart>
       <c:catAx>
-        <c:axId val="2047569416"/>
+        <c:axId val="2047939960"/>
         <c:scaling>
           <c:orientation val="minMax"/>
         </c:scaling>
@@ -1867,7 +1867,7 @@
         <c:majorTickMark val="out"/>
         <c:minorTickMark val="none"/>
         <c:tickLblPos val="nextTo"/>
-        <c:crossAx val="2047572392"/>
+        <c:crossAx val="2047942936"/>
         <c:crosses val="autoZero"/>
         <c:auto val="1"/>
         <c:lblAlgn val="ctr"/>
@@ -1875,7 +1875,7 @@
         <c:noMultiLvlLbl val="0"/>
       </c:catAx>
       <c:valAx>
-        <c:axId val="2047572392"/>
+        <c:axId val="2047942936"/>
         <c:scaling>
           <c:orientation val="minMax"/>
         </c:scaling>
@@ -1886,7 +1886,7 @@
         <c:majorTickMark val="out"/>
         <c:minorTickMark val="none"/>
         <c:tickLblPos val="nextTo"/>
-        <c:crossAx val="2047569416"/>
+        <c:crossAx val="2047939960"/>
         <c:crosses val="autoZero"/>
         <c:crossBetween val="between"/>
       </c:valAx>
@@ -2054,11 +2054,11 @@
           <c:showBubbleSize val="0"/>
         </c:dLbls>
         <c:gapWidth val="150"/>
-        <c:axId val="2047637240"/>
-        <c:axId val="2047640216"/>
+        <c:axId val="2047878648"/>
+        <c:axId val="2047881624"/>
       </c:barChart>
       <c:catAx>
-        <c:axId val="2047637240"/>
+        <c:axId val="2047878648"/>
         <c:scaling>
           <c:orientation val="minMax"/>
         </c:scaling>
@@ -2067,7 +2067,7 @@
         <c:majorTickMark val="out"/>
         <c:minorTickMark val="none"/>
         <c:tickLblPos val="nextTo"/>
-        <c:crossAx val="2047640216"/>
+        <c:crossAx val="2047881624"/>
         <c:crosses val="autoZero"/>
         <c:auto val="1"/>
         <c:lblAlgn val="ctr"/>
@@ -2075,7 +2075,7 @@
         <c:noMultiLvlLbl val="0"/>
       </c:catAx>
       <c:valAx>
-        <c:axId val="2047640216"/>
+        <c:axId val="2047881624"/>
         <c:scaling>
           <c:orientation val="minMax"/>
         </c:scaling>
@@ -2086,7 +2086,7 @@
         <c:majorTickMark val="out"/>
         <c:minorTickMark val="none"/>
         <c:tickLblPos val="nextTo"/>
-        <c:crossAx val="2047637240"/>
+        <c:crossAx val="2047878648"/>
         <c:crosses val="autoZero"/>
         <c:crossBetween val="between"/>
       </c:valAx>
@@ -2254,11 +2254,11 @@
           <c:showBubbleSize val="0"/>
         </c:dLbls>
         <c:gapWidth val="150"/>
-        <c:axId val="2047678408"/>
-        <c:axId val="2047681384"/>
+        <c:axId val="2047921592"/>
+        <c:axId val="2051884392"/>
       </c:barChart>
       <c:catAx>
-        <c:axId val="2047678408"/>
+        <c:axId val="2047921592"/>
         <c:scaling>
           <c:orientation val="minMax"/>
         </c:scaling>
@@ -2267,7 +2267,7 @@
         <c:majorTickMark val="out"/>
         <c:minorTickMark val="none"/>
         <c:tickLblPos val="nextTo"/>
-        <c:crossAx val="2047681384"/>
+        <c:crossAx val="2051884392"/>
         <c:crosses val="autoZero"/>
         <c:auto val="1"/>
         <c:lblAlgn val="ctr"/>
@@ -2275,7 +2275,7 @@
         <c:noMultiLvlLbl val="0"/>
       </c:catAx>
       <c:valAx>
-        <c:axId val="2047681384"/>
+        <c:axId val="2051884392"/>
         <c:scaling>
           <c:orientation val="minMax"/>
         </c:scaling>
@@ -2286,7 +2286,7 @@
         <c:majorTickMark val="out"/>
         <c:minorTickMark val="none"/>
         <c:tickLblPos val="nextTo"/>
-        <c:crossAx val="2047678408"/>
+        <c:crossAx val="2047921592"/>
         <c:crosses val="autoZero"/>
         <c:crossBetween val="between"/>
       </c:valAx>
@@ -2597,7 +2597,7 @@
           <a:p>
             <a:fld id="{76A98DAD-5796-154F-9D08-20EF7FFE737C}" type="datetimeFigureOut">
               <a:rPr lang="en-US" smtClean="0"/>
-              <a:t>9/20/12</a:t>
+              <a:t>9/21/12</a:t>
             </a:fld>
             <a:endParaRPr lang="en-US"/>
           </a:p>
@@ -2790,7 +2790,7 @@
           <a:p>
             <a:fld id="{76A98DAD-5796-154F-9D08-20EF7FFE737C}" type="datetimeFigureOut">
               <a:rPr lang="en-US" smtClean="0"/>
-              <a:t>9/20/12</a:t>
+              <a:t>9/21/12</a:t>
             </a:fld>
             <a:endParaRPr lang="en-US"/>
           </a:p>
@@ -2975,7 +2975,7 @@
           <a:p>
             <a:fld id="{76A98DAD-5796-154F-9D08-20EF7FFE737C}" type="datetimeFigureOut">
               <a:rPr lang="en-US" smtClean="0"/>
-              <a:t>9/20/12</a:t>
+              <a:t>9/21/12</a:t>
             </a:fld>
             <a:endParaRPr lang="en-US"/>
           </a:p>
@@ -3238,7 +3238,7 @@
           <a:p>
             <a:fld id="{76A98DAD-5796-154F-9D08-20EF7FFE737C}" type="datetimeFigureOut">
               <a:rPr lang="en-US" smtClean="0"/>
-              <a:t>9/20/12</a:t>
+              <a:t>9/21/12</a:t>
             </a:fld>
             <a:endParaRPr lang="en-US"/>
           </a:p>
@@ -3654,7 +3654,7 @@
           <a:p>
             <a:fld id="{76A98DAD-5796-154F-9D08-20EF7FFE737C}" type="datetimeFigureOut">
               <a:rPr lang="en-US" smtClean="0"/>
-              <a:t>9/20/12</a:t>
+              <a:t>9/21/12</a:t>
             </a:fld>
             <a:endParaRPr lang="en-US"/>
           </a:p>
@@ -3896,7 +3896,7 @@
           <a:p>
             <a:fld id="{76A98DAD-5796-154F-9D08-20EF7FFE737C}" type="datetimeFigureOut">
               <a:rPr lang="en-US" smtClean="0"/>
-              <a:t>9/20/12</a:t>
+              <a:t>9/21/12</a:t>
             </a:fld>
             <a:endParaRPr lang="en-US"/>
           </a:p>
@@ -4132,7 +4132,7 @@
           <a:p>
             <a:fld id="{76A98DAD-5796-154F-9D08-20EF7FFE737C}" type="datetimeFigureOut">
               <a:rPr lang="en-US" smtClean="0"/>
-              <a:t>9/20/12</a:t>
+              <a:t>9/21/12</a:t>
             </a:fld>
             <a:endParaRPr lang="en-US"/>
           </a:p>
@@ -4327,7 +4327,7 @@
           <a:p>
             <a:fld id="{76A98DAD-5796-154F-9D08-20EF7FFE737C}" type="datetimeFigureOut">
               <a:rPr lang="en-US" smtClean="0"/>
-              <a:t>9/20/12</a:t>
+              <a:t>9/21/12</a:t>
             </a:fld>
             <a:endParaRPr lang="en-US"/>
           </a:p>
@@ -4425,7 +4425,7 @@
           <a:p>
             <a:fld id="{76A98DAD-5796-154F-9D08-20EF7FFE737C}" type="datetimeFigureOut">
               <a:rPr lang="en-US" smtClean="0"/>
-              <a:t>9/20/12</a:t>
+              <a:t>9/21/12</a:t>
             </a:fld>
             <a:endParaRPr lang="en-US"/>
           </a:p>
@@ -4561,7 +4561,7 @@
           <a:p>
             <a:fld id="{76A98DAD-5796-154F-9D08-20EF7FFE737C}" type="datetimeFigureOut">
               <a:rPr lang="en-US" smtClean="0"/>
-              <a:t>9/20/12</a:t>
+              <a:t>9/21/12</a:t>
             </a:fld>
             <a:endParaRPr lang="en-US"/>
           </a:p>
@@ -5080,7 +5080,7 @@
           <a:p>
             <a:fld id="{76A98DAD-5796-154F-9D08-20EF7FFE737C}" type="datetimeFigureOut">
               <a:rPr lang="en-US" smtClean="0"/>
-              <a:t>9/20/12</a:t>
+              <a:t>9/21/12</a:t>
             </a:fld>
             <a:endParaRPr lang="en-US"/>
           </a:p>
@@ -5341,7 +5341,7 @@
           <a:p>
             <a:fld id="{76A98DAD-5796-154F-9D08-20EF7FFE737C}" type="datetimeFigureOut">
               <a:rPr lang="en-US" smtClean="0"/>
-              <a:t>9/20/12</a:t>
+              <a:t>9/21/12</a:t>
             </a:fld>
             <a:endParaRPr lang="en-US"/>
           </a:p>
@@ -7462,22 +7462,14 @@
             <a:pPr lvl="1"/>
             <a:r>
               <a:rPr lang="en-US" dirty="0" smtClean="0"/>
-              <a:t>k</a:t>
-            </a:r>
+              <a:t>k: 76</a:t>
+            </a:r>
+          </a:p>
+          <a:p>
+            <a:pPr lvl="1"/>
             <a:r>
               <a:rPr lang="en-US" dirty="0" smtClean="0"/>
-              <a:t>: 76</a:t>
-            </a:r>
-          </a:p>
-          <a:p>
-            <a:pPr lvl="1"/>
-            <a:r>
-              <a:rPr lang="en-US" dirty="0" smtClean="0"/>
-              <a:t># nodes</a:t>
-            </a:r>
-            <a:r>
-              <a:rPr lang="en-US" dirty="0" smtClean="0"/>
-              <a:t>: 141</a:t>
+              <a:t># nodes: 141</a:t>
             </a:r>
           </a:p>
           <a:p>
@@ -7517,22 +7509,14 @@
             <a:pPr lvl="1"/>
             <a:r>
               <a:rPr lang="en-US" dirty="0" smtClean="0"/>
-              <a:t>k</a:t>
-            </a:r>
+              <a:t>k: 50</a:t>
+            </a:r>
+          </a:p>
+          <a:p>
+            <a:pPr lvl="1"/>
             <a:r>
               <a:rPr lang="en-US" dirty="0" smtClean="0"/>
-              <a:t>: 50</a:t>
-            </a:r>
-          </a:p>
-          <a:p>
-            <a:pPr lvl="1"/>
-            <a:r>
-              <a:rPr lang="en-US" dirty="0" smtClean="0"/>
-              <a:t># nodes</a:t>
-            </a:r>
-            <a:r>
-              <a:rPr lang="en-US" dirty="0" smtClean="0"/>
-              <a:t>: 64</a:t>
+              <a:t># nodes: 64</a:t>
             </a:r>
           </a:p>
           <a:p>
@@ -8855,8 +8839,12 @@
               <a:t>Implement k-dense in </a:t>
             </a:r>
             <a:r>
+              <a:rPr lang="en-US" dirty="0" err="1"/>
+              <a:t>i</a:t>
+            </a:r>
+            <a:r>
               <a:rPr lang="en-US" dirty="0" err="1" smtClean="0"/>
-              <a:t>IGraph</a:t>
+              <a:t>Graph</a:t>
             </a:r>
             <a:endParaRPr lang="en-US" dirty="0" smtClean="0"/>
           </a:p>
@@ -9187,7 +9175,23 @@
             </a:r>
             <a:r>
               <a:rPr lang="en-US" sz="2400" dirty="0" smtClean="0"/>
-              <a:t>of a graph G is a maximal connected sub-graph of G in which all vertices have degree at least k - 1</a:t>
+              <a:t>of a graph G is </a:t>
+            </a:r>
+            <a:r>
+              <a:rPr lang="en-US" sz="2400" dirty="0" smtClean="0"/>
+              <a:t>a set of </a:t>
+            </a:r>
+            <a:r>
+              <a:rPr lang="en-US" sz="2400" dirty="0" smtClean="0"/>
+              <a:t>maximal connected sub-</a:t>
+            </a:r>
+            <a:r>
+              <a:rPr lang="en-US" sz="2400" dirty="0" smtClean="0"/>
+              <a:t>graphs of </a:t>
+            </a:r>
+            <a:r>
+              <a:rPr lang="en-US" sz="2400" dirty="0" smtClean="0"/>
+              <a:t>G in which all vertices have degree at least k - 1</a:t>
             </a:r>
           </a:p>
           <a:p>
@@ -9498,7 +9502,23 @@
           <a:p>
             <a:r>
               <a:rPr lang="en-US" sz="2400" dirty="0" smtClean="0"/>
-              <a:t>A k-dense of a graph G is a maximal connected sub-graph of G where each pair of adjacent nodes have at least (k - 2) </a:t>
+              <a:t>A k-dense of a graph G is a </a:t>
+            </a:r>
+            <a:r>
+              <a:rPr lang="en-US" sz="2400" dirty="0" smtClean="0"/>
+              <a:t>set of maximal </a:t>
+            </a:r>
+            <a:r>
+              <a:rPr lang="en-US" sz="2400" dirty="0" smtClean="0"/>
+              <a:t>connected sub-</a:t>
+            </a:r>
+            <a:r>
+              <a:rPr lang="en-US" sz="2400" dirty="0" smtClean="0"/>
+              <a:t>graphs </a:t>
+            </a:r>
+            <a:r>
+              <a:rPr lang="en-US" sz="2400" dirty="0" smtClean="0"/>
+              <a:t>of G where each pair of adjacent nodes have at least (k - 2) </a:t>
             </a:r>
             <a:r>
               <a:rPr lang="en-US" sz="2400" dirty="0"/>

--- a/presentation/kcore-kdense.pptx
+++ b/presentation/kcore-kdense.pptx
@@ -9179,11 +9179,15 @@
             </a:r>
             <a:r>
               <a:rPr lang="en-US" sz="2400" dirty="0" smtClean="0"/>
-              <a:t>a set of </a:t>
+              <a:t>a set </a:t>
+            </a:r>
+            <a:r>
+              <a:rPr lang="en-US" sz="2400" smtClean="0"/>
+              <a:t>of connected </a:t>
             </a:r>
             <a:r>
               <a:rPr lang="en-US" sz="2400" dirty="0" smtClean="0"/>
-              <a:t>maximal connected sub-</a:t>
+              <a:t>sub-</a:t>
             </a:r>
             <a:r>
               <a:rPr lang="en-US" sz="2400" dirty="0" smtClean="0"/>
@@ -9506,11 +9510,11 @@
             </a:r>
             <a:r>
               <a:rPr lang="en-US" sz="2400" dirty="0" smtClean="0"/>
-              <a:t>set of maximal </a:t>
+              <a:t>set of connected </a:t>
             </a:r>
             <a:r>
               <a:rPr lang="en-US" sz="2400" dirty="0" smtClean="0"/>
-              <a:t>connected sub-</a:t>
+              <a:t>sub-</a:t>
             </a:r>
             <a:r>
               <a:rPr lang="en-US" sz="2400" dirty="0" smtClean="0"/>
